--- a/Project_Analysis_Team_3/Validation Checks and Rules Tables.pptx
+++ b/Project_Analysis_Team_3/Validation Checks and Rules Tables.pptx
@@ -5,17 +5,28 @@
     <p:sldMasterId id="2147483856" r:id="rId1"/>
   </p:sldMasterIdLst>
   <p:notesMasterIdLst>
-    <p:notesMasterId r:id="rId7"/>
+    <p:notesMasterId r:id="rId18"/>
   </p:notesMasterIdLst>
   <p:handoutMasterIdLst>
-    <p:handoutMasterId r:id="rId8"/>
+    <p:handoutMasterId r:id="rId19"/>
   </p:handoutMasterIdLst>
   <p:sldIdLst>
     <p:sldId id="292" r:id="rId2"/>
     <p:sldId id="293" r:id="rId3"/>
-    <p:sldId id="290" r:id="rId4"/>
-    <p:sldId id="291" r:id="rId5"/>
-    <p:sldId id="294" r:id="rId6"/>
+    <p:sldId id="291" r:id="rId4"/>
+    <p:sldId id="301" r:id="rId5"/>
+    <p:sldId id="302" r:id="rId6"/>
+    <p:sldId id="303" r:id="rId7"/>
+    <p:sldId id="304" r:id="rId8"/>
+    <p:sldId id="305" r:id="rId9"/>
+    <p:sldId id="309" r:id="rId10"/>
+    <p:sldId id="299" r:id="rId11"/>
+    <p:sldId id="310" r:id="rId12"/>
+    <p:sldId id="308" r:id="rId13"/>
+    <p:sldId id="294" r:id="rId14"/>
+    <p:sldId id="311" r:id="rId15"/>
+    <p:sldId id="307" r:id="rId16"/>
+    <p:sldId id="306" r:id="rId17"/>
   </p:sldIdLst>
   <p:sldSz cx="9144000" cy="6858000" type="letter"/>
   <p:notesSz cx="6946900" cy="9220200"/>
@@ -146,7 +157,7 @@
   </p:defaultTextStyle>
   <p:extLst>
     <p:ext uri="{EFAFB233-063F-42B5-8137-9DF3F51BA10A}">
-      <p15:sldGuideLst xmlns:p15="http://schemas.microsoft.com/office/powerpoint/2012/main" xmlns="">
+      <p15:sldGuideLst xmlns:p15="http://schemas.microsoft.com/office/powerpoint/2012/main">
         <p15:guide id="1" orient="horz" pos="2160">
           <p15:clr>
             <a:srgbClr val="A4A3A4"/>
@@ -390,7 +401,7 @@
     </p:spTree>
     <p:extLst>
       <p:ext uri="{BB962C8B-B14F-4D97-AF65-F5344CB8AC3E}">
-        <p14:creationId xmlns:p14="http://schemas.microsoft.com/office/powerpoint/2010/main" xmlns="" val="809867551"/>
+        <p14:creationId xmlns:p14="http://schemas.microsoft.com/office/powerpoint/2010/main" val="809867551"/>
       </p:ext>
     </p:extLst>
   </p:cSld>
@@ -585,35 +596,35 @@
           <a:p>
             <a:pPr lvl="0"/>
             <a:r>
-              <a:rPr lang="en-US" noProof="0" smtClean="0"/>
+              <a:rPr lang="en-US" noProof="0"/>
               <a:t>Click to edit Master text styles</a:t>
             </a:r>
           </a:p>
           <a:p>
             <a:pPr lvl="1"/>
             <a:r>
-              <a:rPr lang="en-US" noProof="0" smtClean="0"/>
+              <a:rPr lang="en-US" noProof="0"/>
               <a:t>Second level</a:t>
             </a:r>
           </a:p>
           <a:p>
             <a:pPr lvl="2"/>
             <a:r>
-              <a:rPr lang="en-US" noProof="0" smtClean="0"/>
+              <a:rPr lang="en-US" noProof="0"/>
               <a:t>Third level</a:t>
             </a:r>
           </a:p>
           <a:p>
             <a:pPr lvl="3"/>
             <a:r>
-              <a:rPr lang="en-US" noProof="0" smtClean="0"/>
+              <a:rPr lang="en-US" noProof="0"/>
               <a:t>Fourth level</a:t>
             </a:r>
           </a:p>
           <a:p>
             <a:pPr lvl="4"/>
             <a:r>
-              <a:rPr lang="en-US" noProof="0" smtClean="0"/>
+              <a:rPr lang="en-US" noProof="0"/>
               <a:t>Fifth level</a:t>
             </a:r>
           </a:p>
@@ -725,7 +736,7 @@
     </p:spTree>
     <p:extLst>
       <p:ext uri="{BB962C8B-B14F-4D97-AF65-F5344CB8AC3E}">
-        <p14:creationId xmlns:p14="http://schemas.microsoft.com/office/powerpoint/2010/main" xmlns="" val="385663523"/>
+        <p14:creationId xmlns:p14="http://schemas.microsoft.com/office/powerpoint/2010/main" val="385663523"/>
       </p:ext>
     </p:extLst>
   </p:cSld>
@@ -893,7 +904,7 @@
           <a:lstStyle/>
           <a:p>
             <a:r>
-              <a:rPr lang="en-US" smtClean="0"/>
+              <a:rPr lang="en-US"/>
               <a:t>Click to edit Master title style</a:t>
             </a:r>
             <a:endParaRPr lang="en-US" dirty="0"/>
@@ -1010,7 +1021,7 @@
           </a:lstStyle>
           <a:p>
             <a:r>
-              <a:rPr lang="en-US" smtClean="0"/>
+              <a:rPr lang="en-US"/>
               <a:t>Click to edit Master subtitle style</a:t>
             </a:r>
             <a:endParaRPr lang="en-US" dirty="0"/>
@@ -1049,7 +1060,7 @@
     </p:spTree>
     <p:extLst>
       <p:ext uri="{BB962C8B-B14F-4D97-AF65-F5344CB8AC3E}">
-        <p14:creationId xmlns:p14="http://schemas.microsoft.com/office/powerpoint/2010/main" xmlns="" val="2100746353"/>
+        <p14:creationId xmlns:p14="http://schemas.microsoft.com/office/powerpoint/2010/main" val="2100746353"/>
       </p:ext>
     </p:extLst>
   </p:cSld>
@@ -1121,17 +1132,16 @@
           <a:lstStyle/>
           <a:p>
             <a:r>
-              <a:rPr lang="en-US" smtClean="0"/>
+              <a:rPr lang="en-US"/>
               <a:t>Click to edit Master title style</a:t>
             </a:r>
-            <a:endParaRPr lang="en-US"/>
           </a:p>
         </p:txBody>
       </p:sp>
     </p:spTree>
     <p:extLst>
       <p:ext uri="{BB962C8B-B14F-4D97-AF65-F5344CB8AC3E}">
-        <p14:creationId xmlns:p14="http://schemas.microsoft.com/office/powerpoint/2010/main" xmlns="" val="902780867"/>
+        <p14:creationId xmlns:p14="http://schemas.microsoft.com/office/powerpoint/2010/main" val="902780867"/>
       </p:ext>
     </p:extLst>
   </p:cSld>
@@ -1174,10 +1184,9 @@
           <a:lstStyle/>
           <a:p>
             <a:r>
-              <a:rPr lang="en-US" smtClean="0"/>
+              <a:rPr lang="en-US"/>
               <a:t>Click to edit Master title style</a:t>
             </a:r>
-            <a:endParaRPr lang="en-US"/>
           </a:p>
         </p:txBody>
       </p:sp>
@@ -1232,38 +1241,37 @@
           <a:p>
             <a:pPr lvl="0"/>
             <a:r>
-              <a:rPr lang="en-US" smtClean="0"/>
+              <a:rPr lang="en-US"/>
               <a:t>Click to edit Master text styles</a:t>
             </a:r>
           </a:p>
           <a:p>
             <a:pPr lvl="1"/>
             <a:r>
-              <a:rPr lang="en-US" smtClean="0"/>
+              <a:rPr lang="en-US"/>
               <a:t>Second level</a:t>
             </a:r>
           </a:p>
           <a:p>
             <a:pPr lvl="2"/>
             <a:r>
-              <a:rPr lang="en-US" smtClean="0"/>
+              <a:rPr lang="en-US"/>
               <a:t>Third level</a:t>
             </a:r>
           </a:p>
           <a:p>
             <a:pPr lvl="3"/>
             <a:r>
-              <a:rPr lang="en-US" smtClean="0"/>
+              <a:rPr lang="en-US"/>
               <a:t>Fourth level</a:t>
             </a:r>
           </a:p>
           <a:p>
             <a:pPr lvl="4"/>
             <a:r>
-              <a:rPr lang="en-US" smtClean="0"/>
+              <a:rPr lang="en-US"/>
               <a:t>Fifth level</a:t>
             </a:r>
-            <a:endParaRPr lang="en-US"/>
           </a:p>
         </p:txBody>
       </p:sp>
@@ -1330,10 +1338,9 @@
           <a:lstStyle/>
           <a:p>
             <a:r>
-              <a:rPr lang="en-US" dirty="0" smtClean="0"/>
+              <a:rPr lang="en-US" dirty="0"/>
               <a:t>Click to edit Master title style</a:t>
             </a:r>
-            <a:endParaRPr lang="en-US" dirty="0"/>
           </a:p>
         </p:txBody>
       </p:sp>
@@ -1364,38 +1371,37 @@
           <a:p>
             <a:pPr lvl="0"/>
             <a:r>
-              <a:rPr lang="en-US" dirty="0" smtClean="0"/>
+              <a:rPr lang="en-US" dirty="0"/>
               <a:t>Click to edit Master text styles</a:t>
             </a:r>
           </a:p>
           <a:p>
             <a:pPr lvl="1"/>
             <a:r>
-              <a:rPr lang="en-US" dirty="0" smtClean="0"/>
+              <a:rPr lang="en-US" dirty="0"/>
               <a:t>Second level</a:t>
             </a:r>
           </a:p>
           <a:p>
             <a:pPr lvl="2"/>
             <a:r>
-              <a:rPr lang="en-US" dirty="0" smtClean="0"/>
+              <a:rPr lang="en-US" dirty="0"/>
               <a:t>Third level</a:t>
             </a:r>
           </a:p>
           <a:p>
             <a:pPr lvl="3"/>
             <a:r>
-              <a:rPr lang="en-US" dirty="0" smtClean="0"/>
+              <a:rPr lang="en-US" dirty="0"/>
               <a:t>Fourth level</a:t>
             </a:r>
           </a:p>
           <a:p>
             <a:pPr lvl="4"/>
             <a:r>
-              <a:rPr lang="en-US" dirty="0" smtClean="0"/>
+              <a:rPr lang="en-US" dirty="0"/>
               <a:t>Fifth level</a:t>
             </a:r>
-            <a:endParaRPr lang="en-US" dirty="0"/>
           </a:p>
         </p:txBody>
       </p:sp>
@@ -1593,17 +1599,16 @@
               <a:defRPr/>
             </a:pPr>
             <a:r>
-              <a:rPr lang="en-US" sz="1000" dirty="0" smtClean="0"/>
+              <a:rPr lang="en-US" sz="1000" dirty="0"/>
               <a:t>(c) JRCS 2018</a:t>
             </a:r>
-            <a:endParaRPr lang="en-US" sz="1000" dirty="0"/>
           </a:p>
         </p:txBody>
       </p:sp>
     </p:spTree>
     <p:extLst>
       <p:ext uri="{BB962C8B-B14F-4D97-AF65-F5344CB8AC3E}">
-        <p14:creationId xmlns:p14="http://schemas.microsoft.com/office/powerpoint/2010/main" xmlns="" val="4150077879"/>
+        <p14:creationId xmlns:p14="http://schemas.microsoft.com/office/powerpoint/2010/main" val="4150077879"/>
       </p:ext>
     </p:extLst>
   </p:cSld>
@@ -1912,10 +1917,9 @@
           <a:lstStyle/>
           <a:p>
             <a:r>
-              <a:rPr lang="en-US" dirty="0" smtClean="0"/>
+              <a:rPr lang="en-US" dirty="0"/>
               <a:t>Rules and Validation Checks</a:t>
             </a:r>
-            <a:endParaRPr lang="en-US" dirty="0"/>
           </a:p>
         </p:txBody>
       </p:sp>
@@ -1969,72 +1973,71 @@
           <a:lstStyle/>
           <a:p>
             <a:r>
-              <a:rPr lang="en-US" dirty="0" smtClean="0"/>
+              <a:rPr lang="en-US" dirty="0"/>
               <a:t>This is an analysis activity - we go through the project description and assign software tasks to data and to specific objects</a:t>
             </a:r>
           </a:p>
           <a:p>
-            <a:endParaRPr lang="en-US" dirty="0" smtClean="0"/>
+            <a:endParaRPr lang="en-US" dirty="0"/>
           </a:p>
           <a:p>
             <a:r>
-              <a:rPr lang="en-US" dirty="0" smtClean="0"/>
+              <a:rPr lang="en-US" dirty="0"/>
               <a:t>Both of these represent checks that the software must do. What is the difference?</a:t>
             </a:r>
-            <a:endParaRPr lang="en-US" dirty="0" smtClean="0"/>
-          </a:p>
-          <a:p>
-            <a:endParaRPr lang="en-US" dirty="0" smtClean="0"/>
+          </a:p>
+          <a:p>
+            <a:endParaRPr lang="en-US" dirty="0"/>
           </a:p>
           <a:p>
             <a:r>
-              <a:rPr lang="en-US" dirty="0" smtClean="0"/>
+              <a:rPr lang="en-US" dirty="0"/>
               <a:t>Validation checks</a:t>
             </a:r>
           </a:p>
           <a:p>
             <a:pPr lvl="1"/>
             <a:r>
-              <a:rPr lang="en-US" dirty="0" smtClean="0"/>
+              <a:rPr lang="en-US" dirty="0"/>
               <a:t>specific to data </a:t>
             </a:r>
             <a:r>
-              <a:rPr lang="en-US" b="1" dirty="0" smtClean="0"/>
+              <a:rPr lang="en-US" b="1" dirty="0"/>
               <a:t>entered by the user - this will be on a form (</a:t>
             </a:r>
             <a:r>
-              <a:rPr lang="en-US" b="1" dirty="0" err="1" smtClean="0"/>
+              <a:rPr lang="en-US" b="1" dirty="0" err="1"/>
               <a:t>jsp</a:t>
             </a:r>
             <a:r>
-              <a:rPr lang="en-US" b="1" dirty="0" smtClean="0"/>
+              <a:rPr lang="en-US" b="1" dirty="0"/>
               <a:t>)</a:t>
             </a:r>
           </a:p>
           <a:p>
             <a:pPr lvl="1"/>
             <a:r>
-              <a:rPr lang="en-US" dirty="0" smtClean="0"/>
+              <a:rPr lang="en-US" dirty="0"/>
               <a:t>validity of data entered</a:t>
             </a:r>
           </a:p>
           <a:p>
             <a:pPr lvl="1"/>
             <a:r>
-              <a:rPr lang="en-US" dirty="0" smtClean="0"/>
+              <a:rPr lang="en-US" dirty="0"/>
               <a:t>we want to assign each of these checks to a specific data item</a:t>
             </a:r>
           </a:p>
           <a:p>
             <a:pPr lvl="1"/>
             <a:r>
-              <a:rPr lang="en-US" dirty="0" smtClean="0"/>
+              <a:rPr lang="en-US" dirty="0"/>
               <a:t>these may be common across several data items (e.g., Capitalization, length, etc)</a:t>
             </a:r>
           </a:p>
           <a:p>
             <a:pPr lvl="1"/>
-            <a:endParaRPr lang="en-US" dirty="0" smtClean="0"/>
+            <a:endParaRPr lang="en-US" dirty="0"/>
           </a:p>
           <a:p>
             <a:pPr lvl="1"/>
@@ -2043,6 +2046,3435 @@
         </p:txBody>
       </p:sp>
     </p:spTree>
+  </p:cSld>
+  <p:clrMapOvr>
+    <a:masterClrMapping/>
+  </p:clrMapOvr>
+</p:sld>
+</file>
+
+<file path=ppt/slides/slide10.xml><?xml version="1.0" encoding="utf-8"?>
+<p:sld xmlns:a="http://schemas.openxmlformats.org/drawingml/2006/main" xmlns:r="http://schemas.openxmlformats.org/officeDocument/2006/relationships" xmlns:p="http://schemas.openxmlformats.org/presentationml/2006/main">
+  <p:cSld>
+    <p:spTree>
+      <p:nvGrpSpPr>
+        <p:cNvPr id="1" name=""/>
+        <p:cNvGrpSpPr/>
+        <p:nvPr/>
+      </p:nvGrpSpPr>
+      <p:grpSpPr>
+        <a:xfrm>
+          <a:off x="0" y="0"/>
+          <a:ext cx="0" cy="0"/>
+          <a:chOff x="0" y="0"/>
+          <a:chExt cx="0" cy="0"/>
+        </a:xfrm>
+      </p:grpSpPr>
+      <p:sp>
+        <p:nvSpPr>
+          <p:cNvPr id="3" name="Title 2"/>
+          <p:cNvSpPr>
+            <a:spLocks noGrp="1"/>
+          </p:cNvSpPr>
+          <p:nvPr>
+            <p:ph type="title"/>
+          </p:nvPr>
+        </p:nvSpPr>
+        <p:spPr/>
+        <p:txBody>
+          <a:bodyPr/>
+          <a:lstStyle/>
+          <a:p>
+            <a:r>
+              <a:rPr lang="en-US" dirty="0"/>
+              <a:t>Validation Checks (cont.)</a:t>
+            </a:r>
+          </a:p>
+        </p:txBody>
+      </p:sp>
+      <p:sp>
+        <p:nvSpPr>
+          <p:cNvPr id="2" name="Slide Number Placeholder 1"/>
+          <p:cNvSpPr>
+            <a:spLocks noGrp="1"/>
+          </p:cNvSpPr>
+          <p:nvPr>
+            <p:ph type="sldNum" sz="quarter" idx="10"/>
+          </p:nvPr>
+        </p:nvSpPr>
+        <p:spPr/>
+        <p:txBody>
+          <a:bodyPr/>
+          <a:lstStyle/>
+          <a:p>
+            <a:pPr>
+              <a:defRPr/>
+            </a:pPr>
+            <a:fld id="{7172B2E8-CBA5-4D0C-A017-9480F9E0BA9D}" type="slidenum">
+              <a:rPr lang="en-US" smtClean="0"/>
+              <a:pPr>
+                <a:defRPr/>
+              </a:pPr>
+              <a:t>10</a:t>
+            </a:fld>
+            <a:endParaRPr lang="en-US" dirty="0"/>
+          </a:p>
+        </p:txBody>
+      </p:sp>
+      <p:sp>
+        <p:nvSpPr>
+          <p:cNvPr id="4" name="Text Placeholder 3"/>
+          <p:cNvSpPr>
+            <a:spLocks noGrp="1"/>
+          </p:cNvSpPr>
+          <p:nvPr>
+            <p:ph type="body" sz="quarter" idx="11"/>
+          </p:nvPr>
+        </p:nvSpPr>
+        <p:spPr/>
+        <p:txBody>
+          <a:bodyPr/>
+          <a:lstStyle/>
+          <a:p>
+            <a:r>
+              <a:rPr lang="en-US" dirty="0"/>
+              <a:t>Modify reservation</a:t>
+            </a:r>
+          </a:p>
+          <a:p>
+            <a:endParaRPr lang="en-US" dirty="0"/>
+          </a:p>
+          <a:p>
+            <a:endParaRPr lang="en-US" dirty="0"/>
+          </a:p>
+          <a:p>
+            <a:endParaRPr lang="en-US" dirty="0"/>
+          </a:p>
+          <a:p>
+            <a:endParaRPr lang="en-US" dirty="0"/>
+          </a:p>
+          <a:p>
+            <a:endParaRPr lang="en-US" dirty="0"/>
+          </a:p>
+          <a:p>
+            <a:endParaRPr lang="en-US" dirty="0"/>
+          </a:p>
+        </p:txBody>
+      </p:sp>
+      <p:graphicFrame>
+        <p:nvGraphicFramePr>
+          <p:cNvPr id="5" name="Table 4"/>
+          <p:cNvGraphicFramePr>
+            <a:graphicFrameLocks noGrp="1"/>
+          </p:cNvGraphicFramePr>
+          <p:nvPr>
+            <p:extLst>
+              <p:ext uri="{D42A27DB-BD31-4B8C-83A1-F6EECF244321}">
+                <p14:modId xmlns:p14="http://schemas.microsoft.com/office/powerpoint/2010/main" val="957128906"/>
+              </p:ext>
+            </p:extLst>
+          </p:nvPr>
+        </p:nvGraphicFramePr>
+        <p:xfrm>
+          <a:off x="2213987" y="1698013"/>
+          <a:ext cx="5958463" cy="4942840"/>
+        </p:xfrm>
+        <a:graphic>
+          <a:graphicData uri="http://schemas.openxmlformats.org/drawingml/2006/table">
+            <a:tbl>
+              <a:tblPr firstRow="1" bandRow="1">
+                <a:tableStyleId>{5C22544A-7EE6-4342-B048-85BDC9FD1C3A}</a:tableStyleId>
+              </a:tblPr>
+              <a:tblGrid>
+                <a:gridCol w="3000164">
+                  <a:extLst>
+                    <a:ext uri="{9D8B030D-6E8A-4147-A177-3AD203B41FA5}">
+                      <a16:colId xmlns:a16="http://schemas.microsoft.com/office/drawing/2014/main" val="20000"/>
+                    </a:ext>
+                  </a:extLst>
+                </a:gridCol>
+                <a:gridCol w="2958299">
+                  <a:extLst>
+                    <a:ext uri="{9D8B030D-6E8A-4147-A177-3AD203B41FA5}">
+                      <a16:colId xmlns:a16="http://schemas.microsoft.com/office/drawing/2014/main" val="20001"/>
+                    </a:ext>
+                  </a:extLst>
+                </a:gridCol>
+              </a:tblGrid>
+              <a:tr h="370840">
+                <a:tc>
+                  <a:txBody>
+                    <a:bodyPr/>
+                    <a:lstStyle/>
+                    <a:p>
+                      <a:r>
+                        <a:rPr lang="en-US" dirty="0"/>
+                        <a:t>Attribute</a:t>
+                      </a:r>
+                    </a:p>
+                  </a:txBody>
+                  <a:tcPr/>
+                </a:tc>
+                <a:tc>
+                  <a:txBody>
+                    <a:bodyPr/>
+                    <a:lstStyle/>
+                    <a:p>
+                      <a:r>
+                        <a:rPr lang="en-US" dirty="0"/>
+                        <a:t>Validations</a:t>
+                      </a:r>
+                    </a:p>
+                  </a:txBody>
+                  <a:tcPr/>
+                </a:tc>
+                <a:extLst>
+                  <a:ext uri="{0D108BD9-81ED-4DB2-BD59-A6C34878D82A}">
+                    <a16:rowId xmlns:a16="http://schemas.microsoft.com/office/drawing/2014/main" val="10000"/>
+                  </a:ext>
+                </a:extLst>
+              </a:tr>
+              <a:tr h="213360">
+                <a:tc rowSpan="3">
+                  <a:txBody>
+                    <a:bodyPr/>
+                    <a:lstStyle/>
+                    <a:p>
+                      <a:pPr marL="0" marR="0" lvl="0" indent="0" algn="l" defTabSz="914400" rtl="0" eaLnBrk="1" fontAlgn="auto" latinLnBrk="0" hangingPunct="1">
+                        <a:lnSpc>
+                          <a:spcPct val="100000"/>
+                        </a:lnSpc>
+                        <a:spcBef>
+                          <a:spcPts val="0"/>
+                        </a:spcBef>
+                        <a:spcAft>
+                          <a:spcPts val="0"/>
+                        </a:spcAft>
+                        <a:buClrTx/>
+                        <a:buSzTx/>
+                        <a:buFontTx/>
+                        <a:buNone/>
+                        <a:tabLst/>
+                        <a:defRPr/>
+                      </a:pPr>
+                      <a:r>
+                        <a:rPr lang="en-US" sz="1800" u="none" strike="noStrike" dirty="0">
+                          <a:effectLst/>
+                        </a:rPr>
+                        <a:t>Spot number</a:t>
+                      </a:r>
+                      <a:br>
+                        <a:rPr lang="en-US" sz="1800" u="none" strike="noStrike" dirty="0">
+                          <a:effectLst/>
+                        </a:rPr>
+                      </a:br>
+                      <a:endParaRPr lang="en-US" dirty="0"/>
+                    </a:p>
+                  </a:txBody>
+                  <a:tcPr/>
+                </a:tc>
+                <a:tc>
+                  <a:txBody>
+                    <a:bodyPr/>
+                    <a:lstStyle/>
+                    <a:p>
+                      <a:r>
+                        <a:rPr lang="en-US" dirty="0"/>
+                        <a:t>Is a number</a:t>
+                      </a:r>
+                    </a:p>
+                  </a:txBody>
+                  <a:tcPr/>
+                </a:tc>
+                <a:extLst>
+                  <a:ext uri="{0D108BD9-81ED-4DB2-BD59-A6C34878D82A}">
+                    <a16:rowId xmlns:a16="http://schemas.microsoft.com/office/drawing/2014/main" val="10003"/>
+                  </a:ext>
+                </a:extLst>
+              </a:tr>
+              <a:tr h="213360">
+                <a:tc vMerge="1">
+                  <a:txBody>
+                    <a:bodyPr/>
+                    <a:lstStyle/>
+                    <a:p>
+                      <a:endParaRPr lang="en-US"/>
+                    </a:p>
+                  </a:txBody>
+                  <a:tcPr/>
+                </a:tc>
+                <a:tc>
+                  <a:txBody>
+                    <a:bodyPr/>
+                    <a:lstStyle/>
+                    <a:p>
+                      <a:r>
+                        <a:rPr lang="en-US" dirty="0"/>
+                        <a:t>Range is [1,maxSpot], </a:t>
+                      </a:r>
+                      <a:r>
+                        <a:rPr lang="en-US" dirty="0" err="1"/>
+                        <a:t>maxSpot</a:t>
+                      </a:r>
+                      <a:r>
+                        <a:rPr lang="en-US" dirty="0"/>
+                        <a:t> being the maximum spot number for a particular parking name.</a:t>
+                      </a:r>
+                    </a:p>
+                  </a:txBody>
+                  <a:tcPr/>
+                </a:tc>
+                <a:extLst>
+                  <a:ext uri="{0D108BD9-81ED-4DB2-BD59-A6C34878D82A}">
+                    <a16:rowId xmlns:a16="http://schemas.microsoft.com/office/drawing/2014/main" val="2618977768"/>
+                  </a:ext>
+                </a:extLst>
+              </a:tr>
+              <a:tr h="213360">
+                <a:tc vMerge="1">
+                  <a:txBody>
+                    <a:bodyPr/>
+                    <a:lstStyle/>
+                    <a:p>
+                      <a:endParaRPr lang="en-US"/>
+                    </a:p>
+                  </a:txBody>
+                  <a:tcPr/>
+                </a:tc>
+                <a:tc>
+                  <a:txBody>
+                    <a:bodyPr/>
+                    <a:lstStyle/>
+                    <a:p>
+                      <a:r>
+                        <a:rPr lang="en-US" dirty="0"/>
+                        <a:t>Can’t be empty</a:t>
+                      </a:r>
+                    </a:p>
+                  </a:txBody>
+                  <a:tcPr/>
+                </a:tc>
+                <a:extLst>
+                  <a:ext uri="{0D108BD9-81ED-4DB2-BD59-A6C34878D82A}">
+                    <a16:rowId xmlns:a16="http://schemas.microsoft.com/office/drawing/2014/main" val="2036306117"/>
+                  </a:ext>
+                </a:extLst>
+              </a:tr>
+              <a:tr h="128016">
+                <a:tc rowSpan="5">
+                  <a:txBody>
+                    <a:bodyPr/>
+                    <a:lstStyle/>
+                    <a:p>
+                      <a:pPr marL="0" marR="0" lvl="0" indent="0" algn="l" defTabSz="914400" rtl="0" eaLnBrk="1" fontAlgn="auto" latinLnBrk="0" hangingPunct="1">
+                        <a:lnSpc>
+                          <a:spcPct val="100000"/>
+                        </a:lnSpc>
+                        <a:spcBef>
+                          <a:spcPts val="0"/>
+                        </a:spcBef>
+                        <a:spcAft>
+                          <a:spcPts val="0"/>
+                        </a:spcAft>
+                        <a:buClrTx/>
+                        <a:buSzTx/>
+                        <a:buFontTx/>
+                        <a:buNone/>
+                        <a:tabLst/>
+                        <a:defRPr/>
+                      </a:pPr>
+                      <a:r>
+                        <a:rPr lang="en-US" sz="1800" u="none" strike="noStrike" dirty="0">
+                          <a:effectLst/>
+                        </a:rPr>
+                        <a:t>Start time</a:t>
+                      </a:r>
+                      <a:br>
+                        <a:rPr lang="en-US" sz="1800" u="none" strike="noStrike" dirty="0">
+                          <a:effectLst/>
+                        </a:rPr>
+                      </a:br>
+                      <a:endParaRPr lang="en-US" dirty="0"/>
+                    </a:p>
+                  </a:txBody>
+                  <a:tcPr/>
+                </a:tc>
+                <a:tc>
+                  <a:txBody>
+                    <a:bodyPr/>
+                    <a:lstStyle/>
+                    <a:p>
+                      <a:pPr marL="0" marR="0" lvl="0" indent="0" algn="l" defTabSz="914400" rtl="0" eaLnBrk="1" fontAlgn="auto" latinLnBrk="0" hangingPunct="1">
+                        <a:lnSpc>
+                          <a:spcPct val="100000"/>
+                        </a:lnSpc>
+                        <a:spcBef>
+                          <a:spcPts val="0"/>
+                        </a:spcBef>
+                        <a:spcAft>
+                          <a:spcPts val="0"/>
+                        </a:spcAft>
+                        <a:buClrTx/>
+                        <a:buSzTx/>
+                        <a:buFontTx/>
+                        <a:buNone/>
+                        <a:tabLst/>
+                        <a:defRPr/>
+                      </a:pPr>
+                      <a:r>
+                        <a:rPr lang="en-US" dirty="0"/>
+                        <a:t>Format is 24hr clock : HH:MM </a:t>
+                      </a:r>
+                    </a:p>
+                  </a:txBody>
+                  <a:tcPr/>
+                </a:tc>
+                <a:extLst>
+                  <a:ext uri="{0D108BD9-81ED-4DB2-BD59-A6C34878D82A}">
+                    <a16:rowId xmlns:a16="http://schemas.microsoft.com/office/drawing/2014/main" val="2917815016"/>
+                  </a:ext>
+                </a:extLst>
+              </a:tr>
+              <a:tr h="237744">
+                <a:tc vMerge="1">
+                  <a:txBody>
+                    <a:bodyPr/>
+                    <a:lstStyle/>
+                    <a:p>
+                      <a:endParaRPr lang="en-US"/>
+                    </a:p>
+                  </a:txBody>
+                  <a:tcPr/>
+                </a:tc>
+                <a:tc>
+                  <a:txBody>
+                    <a:bodyPr/>
+                    <a:lstStyle/>
+                    <a:p>
+                      <a:r>
+                        <a:rPr lang="en-US" dirty="0"/>
+                        <a:t>Hour range is : [00,23] increment of 1</a:t>
+                      </a:r>
+                    </a:p>
+                  </a:txBody>
+                  <a:tcPr/>
+                </a:tc>
+                <a:extLst>
+                  <a:ext uri="{0D108BD9-81ED-4DB2-BD59-A6C34878D82A}">
+                    <a16:rowId xmlns:a16="http://schemas.microsoft.com/office/drawing/2014/main" val="1253625378"/>
+                  </a:ext>
+                </a:extLst>
+              </a:tr>
+              <a:tr h="128016">
+                <a:tc vMerge="1">
+                  <a:txBody>
+                    <a:bodyPr/>
+                    <a:lstStyle/>
+                    <a:p>
+                      <a:endParaRPr lang="en-US"/>
+                    </a:p>
+                  </a:txBody>
+                  <a:tcPr/>
+                </a:tc>
+                <a:tc>
+                  <a:txBody>
+                    <a:bodyPr/>
+                    <a:lstStyle/>
+                    <a:p>
+                      <a:r>
+                        <a:rPr lang="en-US" dirty="0"/>
+                        <a:t>Minute range is : [00,59] increment of 1</a:t>
+                      </a:r>
+                    </a:p>
+                  </a:txBody>
+                  <a:tcPr/>
+                </a:tc>
+                <a:extLst>
+                  <a:ext uri="{0D108BD9-81ED-4DB2-BD59-A6C34878D82A}">
+                    <a16:rowId xmlns:a16="http://schemas.microsoft.com/office/drawing/2014/main" val="1451976594"/>
+                  </a:ext>
+                </a:extLst>
+              </a:tr>
+              <a:tr h="128016">
+                <a:tc vMerge="1">
+                  <a:txBody>
+                    <a:bodyPr/>
+                    <a:lstStyle/>
+                    <a:p>
+                      <a:endParaRPr lang="en-US"/>
+                    </a:p>
+                  </a:txBody>
+                  <a:tcPr/>
+                </a:tc>
+                <a:tc>
+                  <a:txBody>
+                    <a:bodyPr/>
+                    <a:lstStyle/>
+                    <a:p>
+                      <a:r>
+                        <a:rPr lang="en-US" dirty="0"/>
+                        <a:t>Only digits and “:” character are allowed</a:t>
+                      </a:r>
+                    </a:p>
+                  </a:txBody>
+                  <a:tcPr/>
+                </a:tc>
+                <a:extLst>
+                  <a:ext uri="{0D108BD9-81ED-4DB2-BD59-A6C34878D82A}">
+                    <a16:rowId xmlns:a16="http://schemas.microsoft.com/office/drawing/2014/main" val="1868928748"/>
+                  </a:ext>
+                </a:extLst>
+              </a:tr>
+              <a:tr h="128016">
+                <a:tc vMerge="1">
+                  <a:txBody>
+                    <a:bodyPr/>
+                    <a:lstStyle/>
+                    <a:p>
+                      <a:endParaRPr lang="en-US"/>
+                    </a:p>
+                  </a:txBody>
+                  <a:tcPr/>
+                </a:tc>
+                <a:tc>
+                  <a:txBody>
+                    <a:bodyPr/>
+                    <a:lstStyle/>
+                    <a:p>
+                      <a:r>
+                        <a:rPr lang="en-US" dirty="0"/>
+                        <a:t>Can’t be empty</a:t>
+                      </a:r>
+                    </a:p>
+                  </a:txBody>
+                  <a:tcPr/>
+                </a:tc>
+                <a:extLst>
+                  <a:ext uri="{0D108BD9-81ED-4DB2-BD59-A6C34878D82A}">
+                    <a16:rowId xmlns:a16="http://schemas.microsoft.com/office/drawing/2014/main" val="188843487"/>
+                  </a:ext>
+                </a:extLst>
+              </a:tr>
+            </a:tbl>
+          </a:graphicData>
+        </a:graphic>
+      </p:graphicFrame>
+    </p:spTree>
+    <p:extLst>
+      <p:ext uri="{BB962C8B-B14F-4D97-AF65-F5344CB8AC3E}">
+        <p14:creationId xmlns:p14="http://schemas.microsoft.com/office/powerpoint/2010/main" val="1457953537"/>
+      </p:ext>
+    </p:extLst>
+  </p:cSld>
+  <p:clrMapOvr>
+    <a:masterClrMapping/>
+  </p:clrMapOvr>
+</p:sld>
+</file>
+
+<file path=ppt/slides/slide11.xml><?xml version="1.0" encoding="utf-8"?>
+<p:sld xmlns:a="http://schemas.openxmlformats.org/drawingml/2006/main" xmlns:r="http://schemas.openxmlformats.org/officeDocument/2006/relationships" xmlns:p="http://schemas.openxmlformats.org/presentationml/2006/main">
+  <p:cSld>
+    <p:spTree>
+      <p:nvGrpSpPr>
+        <p:cNvPr id="1" name=""/>
+        <p:cNvGrpSpPr/>
+        <p:nvPr/>
+      </p:nvGrpSpPr>
+      <p:grpSpPr>
+        <a:xfrm>
+          <a:off x="0" y="0"/>
+          <a:ext cx="0" cy="0"/>
+          <a:chOff x="0" y="0"/>
+          <a:chExt cx="0" cy="0"/>
+        </a:xfrm>
+      </p:grpSpPr>
+      <p:sp>
+        <p:nvSpPr>
+          <p:cNvPr id="3" name="Title 2"/>
+          <p:cNvSpPr>
+            <a:spLocks noGrp="1"/>
+          </p:cNvSpPr>
+          <p:nvPr>
+            <p:ph type="title"/>
+          </p:nvPr>
+        </p:nvSpPr>
+        <p:spPr/>
+        <p:txBody>
+          <a:bodyPr/>
+          <a:lstStyle/>
+          <a:p>
+            <a:r>
+              <a:rPr lang="en-US" dirty="0"/>
+              <a:t>Validation Checks (cont.)</a:t>
+            </a:r>
+          </a:p>
+        </p:txBody>
+      </p:sp>
+      <p:sp>
+        <p:nvSpPr>
+          <p:cNvPr id="2" name="Slide Number Placeholder 1"/>
+          <p:cNvSpPr>
+            <a:spLocks noGrp="1"/>
+          </p:cNvSpPr>
+          <p:nvPr>
+            <p:ph type="sldNum" sz="quarter" idx="10"/>
+          </p:nvPr>
+        </p:nvSpPr>
+        <p:spPr/>
+        <p:txBody>
+          <a:bodyPr/>
+          <a:lstStyle/>
+          <a:p>
+            <a:pPr>
+              <a:defRPr/>
+            </a:pPr>
+            <a:fld id="{7172B2E8-CBA5-4D0C-A017-9480F9E0BA9D}" type="slidenum">
+              <a:rPr lang="en-US" smtClean="0"/>
+              <a:pPr>
+                <a:defRPr/>
+              </a:pPr>
+              <a:t>11</a:t>
+            </a:fld>
+            <a:endParaRPr lang="en-US" dirty="0"/>
+          </a:p>
+        </p:txBody>
+      </p:sp>
+      <p:sp>
+        <p:nvSpPr>
+          <p:cNvPr id="4" name="Text Placeholder 3"/>
+          <p:cNvSpPr>
+            <a:spLocks noGrp="1"/>
+          </p:cNvSpPr>
+          <p:nvPr>
+            <p:ph type="body" sz="quarter" idx="11"/>
+          </p:nvPr>
+        </p:nvSpPr>
+        <p:spPr/>
+        <p:txBody>
+          <a:bodyPr/>
+          <a:lstStyle/>
+          <a:p>
+            <a:r>
+              <a:rPr lang="en-US" dirty="0"/>
+              <a:t>Modify reservation</a:t>
+            </a:r>
+          </a:p>
+          <a:p>
+            <a:endParaRPr lang="en-US" dirty="0"/>
+          </a:p>
+          <a:p>
+            <a:endParaRPr lang="en-US" dirty="0"/>
+          </a:p>
+          <a:p>
+            <a:endParaRPr lang="en-US" dirty="0"/>
+          </a:p>
+          <a:p>
+            <a:endParaRPr lang="en-US" dirty="0"/>
+          </a:p>
+          <a:p>
+            <a:endParaRPr lang="en-US" dirty="0"/>
+          </a:p>
+          <a:p>
+            <a:endParaRPr lang="en-US" dirty="0"/>
+          </a:p>
+        </p:txBody>
+      </p:sp>
+      <p:graphicFrame>
+        <p:nvGraphicFramePr>
+          <p:cNvPr id="5" name="Table 4"/>
+          <p:cNvGraphicFramePr>
+            <a:graphicFrameLocks noGrp="1"/>
+          </p:cNvGraphicFramePr>
+          <p:nvPr>
+            <p:extLst>
+              <p:ext uri="{D42A27DB-BD31-4B8C-83A1-F6EECF244321}">
+                <p14:modId xmlns:p14="http://schemas.microsoft.com/office/powerpoint/2010/main" val="1267981025"/>
+              </p:ext>
+            </p:extLst>
+          </p:nvPr>
+        </p:nvGraphicFramePr>
+        <p:xfrm>
+          <a:off x="2213987" y="1698013"/>
+          <a:ext cx="5958463" cy="3845560"/>
+        </p:xfrm>
+        <a:graphic>
+          <a:graphicData uri="http://schemas.openxmlformats.org/drawingml/2006/table">
+            <a:tbl>
+              <a:tblPr firstRow="1" bandRow="1">
+                <a:tableStyleId>{5C22544A-7EE6-4342-B048-85BDC9FD1C3A}</a:tableStyleId>
+              </a:tblPr>
+              <a:tblGrid>
+                <a:gridCol w="3000164">
+                  <a:extLst>
+                    <a:ext uri="{9D8B030D-6E8A-4147-A177-3AD203B41FA5}">
+                      <a16:colId xmlns:a16="http://schemas.microsoft.com/office/drawing/2014/main" val="20000"/>
+                    </a:ext>
+                  </a:extLst>
+                </a:gridCol>
+                <a:gridCol w="2958299">
+                  <a:extLst>
+                    <a:ext uri="{9D8B030D-6E8A-4147-A177-3AD203B41FA5}">
+                      <a16:colId xmlns:a16="http://schemas.microsoft.com/office/drawing/2014/main" val="20001"/>
+                    </a:ext>
+                  </a:extLst>
+                </a:gridCol>
+              </a:tblGrid>
+              <a:tr h="370840">
+                <a:tc>
+                  <a:txBody>
+                    <a:bodyPr/>
+                    <a:lstStyle/>
+                    <a:p>
+                      <a:r>
+                        <a:rPr lang="en-US" dirty="0"/>
+                        <a:t>Attribute</a:t>
+                      </a:r>
+                    </a:p>
+                  </a:txBody>
+                  <a:tcPr/>
+                </a:tc>
+                <a:tc>
+                  <a:txBody>
+                    <a:bodyPr/>
+                    <a:lstStyle/>
+                    <a:p>
+                      <a:r>
+                        <a:rPr lang="en-US" dirty="0"/>
+                        <a:t>Validations</a:t>
+                      </a:r>
+                    </a:p>
+                  </a:txBody>
+                  <a:tcPr/>
+                </a:tc>
+                <a:extLst>
+                  <a:ext uri="{0D108BD9-81ED-4DB2-BD59-A6C34878D82A}">
+                    <a16:rowId xmlns:a16="http://schemas.microsoft.com/office/drawing/2014/main" val="10000"/>
+                  </a:ext>
+                </a:extLst>
+              </a:tr>
+              <a:tr h="128016">
+                <a:tc rowSpan="5">
+                  <a:txBody>
+                    <a:bodyPr/>
+                    <a:lstStyle/>
+                    <a:p>
+                      <a:pPr marL="0" marR="0" lvl="0" indent="0" algn="l" defTabSz="914400" rtl="0" eaLnBrk="1" fontAlgn="auto" latinLnBrk="0" hangingPunct="1">
+                        <a:lnSpc>
+                          <a:spcPct val="100000"/>
+                        </a:lnSpc>
+                        <a:spcBef>
+                          <a:spcPts val="0"/>
+                        </a:spcBef>
+                        <a:spcAft>
+                          <a:spcPts val="0"/>
+                        </a:spcAft>
+                        <a:buClrTx/>
+                        <a:buSzTx/>
+                        <a:buFontTx/>
+                        <a:buNone/>
+                        <a:tabLst/>
+                        <a:defRPr/>
+                      </a:pPr>
+                      <a:r>
+                        <a:rPr lang="en-US" sz="1800" u="none" strike="noStrike" dirty="0">
+                          <a:effectLst/>
+                        </a:rPr>
+                        <a:t>Duration</a:t>
+                      </a:r>
+                      <a:br>
+                        <a:rPr lang="en-US" sz="1800" u="none" strike="noStrike" dirty="0">
+                          <a:effectLst/>
+                        </a:rPr>
+                      </a:br>
+                      <a:endParaRPr lang="en-US" dirty="0"/>
+                    </a:p>
+                  </a:txBody>
+                  <a:tcPr/>
+                </a:tc>
+                <a:tc>
+                  <a:txBody>
+                    <a:bodyPr/>
+                    <a:lstStyle/>
+                    <a:p>
+                      <a:r>
+                        <a:rPr lang="en-US" dirty="0"/>
+                        <a:t>Is a number.</a:t>
+                      </a:r>
+                    </a:p>
+                  </a:txBody>
+                  <a:tcPr/>
+                </a:tc>
+                <a:extLst>
+                  <a:ext uri="{0D108BD9-81ED-4DB2-BD59-A6C34878D82A}">
+                    <a16:rowId xmlns:a16="http://schemas.microsoft.com/office/drawing/2014/main" val="2516330701"/>
+                  </a:ext>
+                </a:extLst>
+              </a:tr>
+              <a:tr h="237744">
+                <a:tc vMerge="1">
+                  <a:txBody>
+                    <a:bodyPr/>
+                    <a:lstStyle/>
+                    <a:p>
+                      <a:endParaRPr lang="en-US"/>
+                    </a:p>
+                  </a:txBody>
+                  <a:tcPr/>
+                </a:tc>
+                <a:tc>
+                  <a:txBody>
+                    <a:bodyPr/>
+                    <a:lstStyle/>
+                    <a:p>
+                      <a:r>
+                        <a:rPr lang="en-US" dirty="0"/>
+                        <a:t>Can’t be empty.</a:t>
+                      </a:r>
+                    </a:p>
+                  </a:txBody>
+                  <a:tcPr/>
+                </a:tc>
+                <a:extLst>
+                  <a:ext uri="{0D108BD9-81ED-4DB2-BD59-A6C34878D82A}">
+                    <a16:rowId xmlns:a16="http://schemas.microsoft.com/office/drawing/2014/main" val="3201262839"/>
+                  </a:ext>
+                </a:extLst>
+              </a:tr>
+              <a:tr h="128016">
+                <a:tc vMerge="1">
+                  <a:txBody>
+                    <a:bodyPr/>
+                    <a:lstStyle/>
+                    <a:p>
+                      <a:endParaRPr lang="en-US"/>
+                    </a:p>
+                  </a:txBody>
+                  <a:tcPr/>
+                </a:tc>
+                <a:tc>
+                  <a:txBody>
+                    <a:bodyPr/>
+                    <a:lstStyle/>
+                    <a:p>
+                      <a:r>
+                        <a:rPr lang="en-US" dirty="0"/>
+                        <a:t>Increment of 15mins</a:t>
+                      </a:r>
+                    </a:p>
+                  </a:txBody>
+                  <a:tcPr/>
+                </a:tc>
+                <a:extLst>
+                  <a:ext uri="{0D108BD9-81ED-4DB2-BD59-A6C34878D82A}">
+                    <a16:rowId xmlns:a16="http://schemas.microsoft.com/office/drawing/2014/main" val="1043836543"/>
+                  </a:ext>
+                </a:extLst>
+              </a:tr>
+              <a:tr h="128016">
+                <a:tc vMerge="1">
+                  <a:txBody>
+                    <a:bodyPr/>
+                    <a:lstStyle/>
+                    <a:p>
+                      <a:endParaRPr lang="en-US"/>
+                    </a:p>
+                  </a:txBody>
+                  <a:tcPr/>
+                </a:tc>
+                <a:tc>
+                  <a:txBody>
+                    <a:bodyPr/>
+                    <a:lstStyle/>
+                    <a:p>
+                      <a:r>
+                        <a:rPr lang="en-US" dirty="0"/>
+                        <a:t>Min is 15 inclusive, max is 180 inclusive</a:t>
+                      </a:r>
+                    </a:p>
+                  </a:txBody>
+                  <a:tcPr/>
+                </a:tc>
+                <a:extLst>
+                  <a:ext uri="{0D108BD9-81ED-4DB2-BD59-A6C34878D82A}">
+                    <a16:rowId xmlns:a16="http://schemas.microsoft.com/office/drawing/2014/main" val="1781398797"/>
+                  </a:ext>
+                </a:extLst>
+              </a:tr>
+              <a:tr h="128016">
+                <a:tc vMerge="1">
+                  <a:txBody>
+                    <a:bodyPr/>
+                    <a:lstStyle/>
+                    <a:p>
+                      <a:endParaRPr lang="en-US"/>
+                    </a:p>
+                  </a:txBody>
+                  <a:tcPr/>
+                </a:tc>
+                <a:tc>
+                  <a:txBody>
+                    <a:bodyPr/>
+                    <a:lstStyle/>
+                    <a:p>
+                      <a:r>
+                        <a:rPr lang="en-US" dirty="0"/>
+                        <a:t>In minutes format ex, 2hours should be 120 as input</a:t>
+                      </a:r>
+                    </a:p>
+                  </a:txBody>
+                  <a:tcPr/>
+                </a:tc>
+                <a:extLst>
+                  <a:ext uri="{0D108BD9-81ED-4DB2-BD59-A6C34878D82A}">
+                    <a16:rowId xmlns:a16="http://schemas.microsoft.com/office/drawing/2014/main" val="2910051621"/>
+                  </a:ext>
+                </a:extLst>
+              </a:tr>
+              <a:tr h="123613">
+                <a:tc rowSpan="3">
+                  <a:txBody>
+                    <a:bodyPr/>
+                    <a:lstStyle/>
+                    <a:p>
+                      <a:pPr marL="0" marR="0" lvl="0" indent="0" algn="l" defTabSz="914400" rtl="0" eaLnBrk="1" fontAlgn="auto" latinLnBrk="0" hangingPunct="1">
+                        <a:lnSpc>
+                          <a:spcPct val="100000"/>
+                        </a:lnSpc>
+                        <a:spcBef>
+                          <a:spcPts val="0"/>
+                        </a:spcBef>
+                        <a:spcAft>
+                          <a:spcPts val="0"/>
+                        </a:spcAft>
+                        <a:buClrTx/>
+                        <a:buSzTx/>
+                        <a:buFontTx/>
+                        <a:buNone/>
+                        <a:tabLst/>
+                        <a:defRPr/>
+                      </a:pPr>
+                      <a:r>
+                        <a:rPr lang="en-US" dirty="0"/>
+                        <a:t>Options</a:t>
+                      </a:r>
+                    </a:p>
+                  </a:txBody>
+                  <a:tcPr/>
+                </a:tc>
+                <a:tc>
+                  <a:txBody>
+                    <a:bodyPr/>
+                    <a:lstStyle/>
+                    <a:p>
+                      <a:pPr marL="0" marR="0" indent="0" algn="l" defTabSz="914400" rtl="0" eaLnBrk="1" fontAlgn="auto" latinLnBrk="0" hangingPunct="1">
+                        <a:lnSpc>
+                          <a:spcPct val="100000"/>
+                        </a:lnSpc>
+                        <a:spcBef>
+                          <a:spcPts val="0"/>
+                        </a:spcBef>
+                        <a:spcAft>
+                          <a:spcPts val="0"/>
+                        </a:spcAft>
+                        <a:buClrTx/>
+                        <a:buSzTx/>
+                        <a:buFontTx/>
+                        <a:buNone/>
+                        <a:tabLst/>
+                        <a:defRPr/>
+                      </a:pPr>
+                      <a:r>
+                        <a:rPr lang="en-US" dirty="0"/>
+                        <a:t>Optional </a:t>
+                      </a:r>
+                    </a:p>
+                  </a:txBody>
+                  <a:tcPr/>
+                </a:tc>
+                <a:extLst>
+                  <a:ext uri="{0D108BD9-81ED-4DB2-BD59-A6C34878D82A}">
+                    <a16:rowId xmlns:a16="http://schemas.microsoft.com/office/drawing/2014/main" val="3900876568"/>
+                  </a:ext>
+                </a:extLst>
+              </a:tr>
+              <a:tr h="242147">
+                <a:tc vMerge="1">
+                  <a:txBody>
+                    <a:bodyPr/>
+                    <a:lstStyle/>
+                    <a:p>
+                      <a:endParaRPr lang="en-US"/>
+                    </a:p>
+                  </a:txBody>
+                  <a:tcPr/>
+                </a:tc>
+                <a:tc>
+                  <a:txBody>
+                    <a:bodyPr/>
+                    <a:lstStyle/>
+                    <a:p>
+                      <a:pPr marL="0" marR="0" indent="0" algn="l" defTabSz="914400" rtl="0" eaLnBrk="1" fontAlgn="auto" latinLnBrk="0" hangingPunct="1">
+                        <a:lnSpc>
+                          <a:spcPct val="100000"/>
+                        </a:lnSpc>
+                        <a:spcBef>
+                          <a:spcPts val="0"/>
+                        </a:spcBef>
+                        <a:spcAft>
+                          <a:spcPts val="0"/>
+                        </a:spcAft>
+                        <a:buClrTx/>
+                        <a:buSzTx/>
+                        <a:buFontTx/>
+                        <a:buNone/>
+                        <a:tabLst/>
+                        <a:defRPr/>
+                      </a:pPr>
+                      <a:r>
+                        <a:rPr lang="en-US" dirty="0"/>
+                        <a:t>Checkbox</a:t>
+                      </a:r>
+                    </a:p>
+                  </a:txBody>
+                  <a:tcPr/>
+                </a:tc>
+                <a:extLst>
+                  <a:ext uri="{0D108BD9-81ED-4DB2-BD59-A6C34878D82A}">
+                    <a16:rowId xmlns:a16="http://schemas.microsoft.com/office/drawing/2014/main" val="1497443955"/>
+                  </a:ext>
+                </a:extLst>
+              </a:tr>
+              <a:tr h="123613">
+                <a:tc vMerge="1">
+                  <a:txBody>
+                    <a:bodyPr/>
+                    <a:lstStyle/>
+                    <a:p>
+                      <a:endParaRPr lang="en-US"/>
+                    </a:p>
+                  </a:txBody>
+                  <a:tcPr/>
+                </a:tc>
+                <a:tc>
+                  <a:txBody>
+                    <a:bodyPr/>
+                    <a:lstStyle/>
+                    <a:p>
+                      <a:pPr marL="0" marR="0" indent="0" algn="l" defTabSz="914400" rtl="0" eaLnBrk="1" fontAlgn="auto" latinLnBrk="0" hangingPunct="1">
+                        <a:lnSpc>
+                          <a:spcPct val="100000"/>
+                        </a:lnSpc>
+                        <a:spcBef>
+                          <a:spcPts val="0"/>
+                        </a:spcBef>
+                        <a:spcAft>
+                          <a:spcPts val="0"/>
+                        </a:spcAft>
+                        <a:buClrTx/>
+                        <a:buSzTx/>
+                        <a:buFontTx/>
+                        <a:buNone/>
+                        <a:tabLst/>
+                        <a:defRPr/>
+                      </a:pPr>
+                      <a:endParaRPr lang="en-US" dirty="0"/>
+                    </a:p>
+                  </a:txBody>
+                  <a:tcPr/>
+                </a:tc>
+                <a:extLst>
+                  <a:ext uri="{0D108BD9-81ED-4DB2-BD59-A6C34878D82A}">
+                    <a16:rowId xmlns:a16="http://schemas.microsoft.com/office/drawing/2014/main" val="1456130203"/>
+                  </a:ext>
+                </a:extLst>
+              </a:tr>
+            </a:tbl>
+          </a:graphicData>
+        </a:graphic>
+      </p:graphicFrame>
+    </p:spTree>
+    <p:extLst>
+      <p:ext uri="{BB962C8B-B14F-4D97-AF65-F5344CB8AC3E}">
+        <p14:creationId xmlns:p14="http://schemas.microsoft.com/office/powerpoint/2010/main" val="1953559042"/>
+      </p:ext>
+    </p:extLst>
+  </p:cSld>
+  <p:clrMapOvr>
+    <a:masterClrMapping/>
+  </p:clrMapOvr>
+</p:sld>
+</file>
+
+<file path=ppt/slides/slide12.xml><?xml version="1.0" encoding="utf-8"?>
+<p:sld xmlns:a="http://schemas.openxmlformats.org/drawingml/2006/main" xmlns:r="http://schemas.openxmlformats.org/officeDocument/2006/relationships" xmlns:p="http://schemas.openxmlformats.org/presentationml/2006/main">
+  <p:cSld>
+    <p:spTree>
+      <p:nvGrpSpPr>
+        <p:cNvPr id="1" name=""/>
+        <p:cNvGrpSpPr/>
+        <p:nvPr/>
+      </p:nvGrpSpPr>
+      <p:grpSpPr>
+        <a:xfrm>
+          <a:off x="0" y="0"/>
+          <a:ext cx="0" cy="0"/>
+          <a:chOff x="0" y="0"/>
+          <a:chExt cx="0" cy="0"/>
+        </a:xfrm>
+      </p:grpSpPr>
+      <p:sp>
+        <p:nvSpPr>
+          <p:cNvPr id="3" name="Title 2"/>
+          <p:cNvSpPr>
+            <a:spLocks noGrp="1"/>
+          </p:cNvSpPr>
+          <p:nvPr>
+            <p:ph type="title"/>
+          </p:nvPr>
+        </p:nvSpPr>
+        <p:spPr/>
+        <p:txBody>
+          <a:bodyPr/>
+          <a:lstStyle/>
+          <a:p>
+            <a:r>
+              <a:rPr lang="en-US" dirty="0"/>
+              <a:t>Validation Checks (cont.)</a:t>
+            </a:r>
+          </a:p>
+        </p:txBody>
+      </p:sp>
+      <p:sp>
+        <p:nvSpPr>
+          <p:cNvPr id="2" name="Slide Number Placeholder 1"/>
+          <p:cNvSpPr>
+            <a:spLocks noGrp="1"/>
+          </p:cNvSpPr>
+          <p:nvPr>
+            <p:ph type="sldNum" sz="quarter" idx="10"/>
+          </p:nvPr>
+        </p:nvSpPr>
+        <p:spPr/>
+        <p:txBody>
+          <a:bodyPr/>
+          <a:lstStyle/>
+          <a:p>
+            <a:pPr>
+              <a:defRPr/>
+            </a:pPr>
+            <a:fld id="{7172B2E8-CBA5-4D0C-A017-9480F9E0BA9D}" type="slidenum">
+              <a:rPr lang="en-US" smtClean="0"/>
+              <a:pPr>
+                <a:defRPr/>
+              </a:pPr>
+              <a:t>12</a:t>
+            </a:fld>
+            <a:endParaRPr lang="en-US" dirty="0"/>
+          </a:p>
+        </p:txBody>
+      </p:sp>
+      <p:sp>
+        <p:nvSpPr>
+          <p:cNvPr id="4" name="Text Placeholder 3"/>
+          <p:cNvSpPr>
+            <a:spLocks noGrp="1"/>
+          </p:cNvSpPr>
+          <p:nvPr>
+            <p:ph type="body" sz="quarter" idx="11"/>
+          </p:nvPr>
+        </p:nvSpPr>
+        <p:spPr/>
+        <p:txBody>
+          <a:bodyPr/>
+          <a:lstStyle/>
+          <a:p>
+            <a:r>
+              <a:rPr lang="en-US" dirty="0"/>
+              <a:t>Edit user profile</a:t>
+            </a:r>
+          </a:p>
+          <a:p>
+            <a:endParaRPr lang="en-US" dirty="0"/>
+          </a:p>
+          <a:p>
+            <a:endParaRPr lang="en-US" dirty="0"/>
+          </a:p>
+          <a:p>
+            <a:endParaRPr lang="en-US" dirty="0"/>
+          </a:p>
+          <a:p>
+            <a:endParaRPr lang="en-US" dirty="0"/>
+          </a:p>
+          <a:p>
+            <a:endParaRPr lang="en-US" dirty="0"/>
+          </a:p>
+          <a:p>
+            <a:endParaRPr lang="en-US" dirty="0"/>
+          </a:p>
+        </p:txBody>
+      </p:sp>
+      <p:graphicFrame>
+        <p:nvGraphicFramePr>
+          <p:cNvPr id="5" name="Table 4"/>
+          <p:cNvGraphicFramePr>
+            <a:graphicFrameLocks noGrp="1"/>
+          </p:cNvGraphicFramePr>
+          <p:nvPr>
+            <p:extLst>
+              <p:ext uri="{D42A27DB-BD31-4B8C-83A1-F6EECF244321}">
+                <p14:modId xmlns:p14="http://schemas.microsoft.com/office/powerpoint/2010/main" val="204418777"/>
+              </p:ext>
+            </p:extLst>
+          </p:nvPr>
+        </p:nvGraphicFramePr>
+        <p:xfrm>
+          <a:off x="1778558" y="1911668"/>
+          <a:ext cx="5958463" cy="3667760"/>
+        </p:xfrm>
+        <a:graphic>
+          <a:graphicData uri="http://schemas.openxmlformats.org/drawingml/2006/table">
+            <a:tbl>
+              <a:tblPr firstRow="1" bandRow="1">
+                <a:tableStyleId>{5C22544A-7EE6-4342-B048-85BDC9FD1C3A}</a:tableStyleId>
+              </a:tblPr>
+              <a:tblGrid>
+                <a:gridCol w="3000164">
+                  <a:extLst>
+                    <a:ext uri="{9D8B030D-6E8A-4147-A177-3AD203B41FA5}">
+                      <a16:colId xmlns:a16="http://schemas.microsoft.com/office/drawing/2014/main" val="20000"/>
+                    </a:ext>
+                  </a:extLst>
+                </a:gridCol>
+                <a:gridCol w="2958299">
+                  <a:extLst>
+                    <a:ext uri="{9D8B030D-6E8A-4147-A177-3AD203B41FA5}">
+                      <a16:colId xmlns:a16="http://schemas.microsoft.com/office/drawing/2014/main" val="20001"/>
+                    </a:ext>
+                  </a:extLst>
+                </a:gridCol>
+              </a:tblGrid>
+              <a:tr h="370840">
+                <a:tc>
+                  <a:txBody>
+                    <a:bodyPr/>
+                    <a:lstStyle/>
+                    <a:p>
+                      <a:r>
+                        <a:rPr lang="en-US" dirty="0"/>
+                        <a:t>Attribute</a:t>
+                      </a:r>
+                    </a:p>
+                  </a:txBody>
+                  <a:tcPr/>
+                </a:tc>
+                <a:tc>
+                  <a:txBody>
+                    <a:bodyPr/>
+                    <a:lstStyle/>
+                    <a:p>
+                      <a:r>
+                        <a:rPr lang="en-US" dirty="0"/>
+                        <a:t>Validations</a:t>
+                      </a:r>
+                    </a:p>
+                  </a:txBody>
+                  <a:tcPr/>
+                </a:tc>
+                <a:extLst>
+                  <a:ext uri="{0D108BD9-81ED-4DB2-BD59-A6C34878D82A}">
+                    <a16:rowId xmlns:a16="http://schemas.microsoft.com/office/drawing/2014/main" val="10000"/>
+                  </a:ext>
+                </a:extLst>
+              </a:tr>
+              <a:tr h="370840">
+                <a:tc>
+                  <a:txBody>
+                    <a:bodyPr/>
+                    <a:lstStyle/>
+                    <a:p>
+                      <a:pPr marL="0" marR="0" lvl="0" indent="0" algn="l" defTabSz="914400" rtl="0" eaLnBrk="1" fontAlgn="auto" latinLnBrk="0" hangingPunct="1">
+                        <a:lnSpc>
+                          <a:spcPct val="100000"/>
+                        </a:lnSpc>
+                        <a:spcBef>
+                          <a:spcPts val="0"/>
+                        </a:spcBef>
+                        <a:spcAft>
+                          <a:spcPts val="0"/>
+                        </a:spcAft>
+                        <a:buClrTx/>
+                        <a:buSzTx/>
+                        <a:buFontTx/>
+                        <a:buNone/>
+                        <a:tabLst/>
+                        <a:defRPr/>
+                      </a:pPr>
+                      <a:br>
+                        <a:rPr lang="en-US" sz="1800" u="none" strike="noStrike" dirty="0">
+                          <a:effectLst/>
+                        </a:rPr>
+                      </a:br>
+                      <a:r>
+                        <a:rPr lang="en-US" sz="1800" u="none" strike="noStrike" dirty="0">
+                          <a:effectLst/>
+                        </a:rPr>
+                        <a:t>User name</a:t>
+                      </a:r>
+                      <a:br>
+                        <a:rPr lang="en-US" sz="1800" u="none" strike="noStrike" dirty="0">
+                          <a:effectLst/>
+                        </a:rPr>
+                      </a:br>
+                      <a:r>
+                        <a:rPr lang="en-US" sz="1800" u="none" strike="noStrike" dirty="0">
+                          <a:effectLst/>
+                        </a:rPr>
+                        <a:t>UTA ID</a:t>
+                      </a:r>
+                      <a:br>
+                        <a:rPr lang="en-US" sz="1800" u="none" strike="noStrike" dirty="0">
+                          <a:effectLst/>
+                        </a:rPr>
+                      </a:br>
+                      <a:r>
+                        <a:rPr lang="en-US" sz="1800" u="none" strike="noStrike" dirty="0">
+                          <a:effectLst/>
+                        </a:rPr>
+                        <a:t>Role</a:t>
+                      </a:r>
+                      <a:br>
+                        <a:rPr lang="en-US" sz="1800" u="none" strike="noStrike" dirty="0">
+                          <a:effectLst/>
+                        </a:rPr>
+                      </a:br>
+                      <a:r>
+                        <a:rPr lang="en-US" sz="1800" u="none" strike="noStrike" dirty="0">
+                          <a:effectLst/>
+                        </a:rPr>
+                        <a:t>Phone</a:t>
+                      </a:r>
+                      <a:br>
+                        <a:rPr lang="en-US" sz="1800" u="none" strike="noStrike" dirty="0">
+                          <a:effectLst/>
+                        </a:rPr>
+                      </a:br>
+                      <a:r>
+                        <a:rPr lang="en-US" sz="1800" u="none" strike="noStrike" dirty="0">
+                          <a:effectLst/>
+                        </a:rPr>
+                        <a:t>Email</a:t>
+                      </a:r>
+                      <a:br>
+                        <a:rPr lang="en-US" sz="1800" u="none" strike="noStrike" dirty="0">
+                          <a:effectLst/>
+                        </a:rPr>
+                      </a:br>
+                      <a:r>
+                        <a:rPr lang="en-US" sz="1800" u="none" strike="noStrike" dirty="0">
+                          <a:effectLst/>
+                        </a:rPr>
+                        <a:t>License number</a:t>
+                      </a:r>
+                      <a:br>
+                        <a:rPr lang="en-US" sz="1800" u="none" strike="noStrike" dirty="0">
+                          <a:effectLst/>
+                        </a:rPr>
+                      </a:br>
+                      <a:endParaRPr lang="en-US" dirty="0"/>
+                    </a:p>
+                  </a:txBody>
+                  <a:tcPr/>
+                </a:tc>
+                <a:tc>
+                  <a:txBody>
+                    <a:bodyPr/>
+                    <a:lstStyle/>
+                    <a:p>
+                      <a:r>
+                        <a:rPr lang="en-US" dirty="0"/>
+                        <a:t>Same as registration form</a:t>
+                      </a:r>
+                    </a:p>
+                  </a:txBody>
+                  <a:tcPr/>
+                </a:tc>
+                <a:extLst>
+                  <a:ext uri="{0D108BD9-81ED-4DB2-BD59-A6C34878D82A}">
+                    <a16:rowId xmlns:a16="http://schemas.microsoft.com/office/drawing/2014/main" val="10001"/>
+                  </a:ext>
+                </a:extLst>
+              </a:tr>
+              <a:tr h="370840">
+                <a:tc>
+                  <a:txBody>
+                    <a:bodyPr/>
+                    <a:lstStyle/>
+                    <a:p>
+                      <a:pPr marL="0" marR="0" lvl="0" indent="0" algn="l" defTabSz="914400" rtl="0" eaLnBrk="1" fontAlgn="auto" latinLnBrk="0" hangingPunct="1">
+                        <a:lnSpc>
+                          <a:spcPct val="100000"/>
+                        </a:lnSpc>
+                        <a:spcBef>
+                          <a:spcPts val="0"/>
+                        </a:spcBef>
+                        <a:spcAft>
+                          <a:spcPts val="0"/>
+                        </a:spcAft>
+                        <a:buClrTx/>
+                        <a:buSzTx/>
+                        <a:buFontTx/>
+                        <a:buNone/>
+                        <a:tabLst/>
+                        <a:defRPr/>
+                      </a:pPr>
+                      <a:r>
+                        <a:rPr lang="en-US" sz="1800" u="none" strike="noStrike" dirty="0">
+                          <a:effectLst/>
+                        </a:rPr>
+                        <a:t>Status- active or revoked</a:t>
+                      </a:r>
+                      <a:endParaRPr lang="en-US" sz="1800" b="0" i="0" u="none" strike="noStrike" dirty="0">
+                        <a:solidFill>
+                          <a:srgbClr val="000000"/>
+                        </a:solidFill>
+                        <a:effectLst/>
+                        <a:latin typeface="Calibri" panose="020F0502020204030204" pitchFamily="34" charset="0"/>
+                      </a:endParaRPr>
+                    </a:p>
+                    <a:p>
+                      <a:endParaRPr lang="en-US" dirty="0"/>
+                    </a:p>
+                  </a:txBody>
+                  <a:tcPr/>
+                </a:tc>
+                <a:tc>
+                  <a:txBody>
+                    <a:bodyPr/>
+                    <a:lstStyle/>
+                    <a:p>
+                      <a:r>
+                        <a:rPr lang="en-US" dirty="0" err="1"/>
+                        <a:t>Radiobox</a:t>
+                      </a:r>
+                      <a:r>
+                        <a:rPr lang="en-US" dirty="0"/>
+                        <a:t>, either active or revoked not both.</a:t>
+                      </a:r>
+                    </a:p>
+                  </a:txBody>
+                  <a:tcPr/>
+                </a:tc>
+                <a:extLst>
+                  <a:ext uri="{0D108BD9-81ED-4DB2-BD59-A6C34878D82A}">
+                    <a16:rowId xmlns:a16="http://schemas.microsoft.com/office/drawing/2014/main" val="10002"/>
+                  </a:ext>
+                </a:extLst>
+              </a:tr>
+              <a:tr h="370840">
+                <a:tc>
+                  <a:txBody>
+                    <a:bodyPr/>
+                    <a:lstStyle/>
+                    <a:p>
+                      <a:endParaRPr lang="en-US" dirty="0"/>
+                    </a:p>
+                  </a:txBody>
+                  <a:tcPr/>
+                </a:tc>
+                <a:tc>
+                  <a:txBody>
+                    <a:bodyPr/>
+                    <a:lstStyle/>
+                    <a:p>
+                      <a:pPr marL="0" marR="0" indent="0" algn="l" defTabSz="914400" rtl="0" eaLnBrk="1" fontAlgn="auto" latinLnBrk="0" hangingPunct="1">
+                        <a:lnSpc>
+                          <a:spcPct val="100000"/>
+                        </a:lnSpc>
+                        <a:spcBef>
+                          <a:spcPts val="0"/>
+                        </a:spcBef>
+                        <a:spcAft>
+                          <a:spcPts val="0"/>
+                        </a:spcAft>
+                        <a:buClrTx/>
+                        <a:buSzTx/>
+                        <a:buFontTx/>
+                        <a:buNone/>
+                        <a:tabLst/>
+                        <a:defRPr/>
+                      </a:pPr>
+                      <a:endParaRPr lang="en-US" dirty="0"/>
+                    </a:p>
+                  </a:txBody>
+                  <a:tcPr/>
+                </a:tc>
+                <a:extLst>
+                  <a:ext uri="{0D108BD9-81ED-4DB2-BD59-A6C34878D82A}">
+                    <a16:rowId xmlns:a16="http://schemas.microsoft.com/office/drawing/2014/main" val="10003"/>
+                  </a:ext>
+                </a:extLst>
+              </a:tr>
+            </a:tbl>
+          </a:graphicData>
+        </a:graphic>
+      </p:graphicFrame>
+    </p:spTree>
+    <p:extLst>
+      <p:ext uri="{BB962C8B-B14F-4D97-AF65-F5344CB8AC3E}">
+        <p14:creationId xmlns:p14="http://schemas.microsoft.com/office/powerpoint/2010/main" val="1672980602"/>
+      </p:ext>
+    </p:extLst>
+  </p:cSld>
+  <p:clrMapOvr>
+    <a:masterClrMapping/>
+  </p:clrMapOvr>
+</p:sld>
+</file>
+
+<file path=ppt/slides/slide13.xml><?xml version="1.0" encoding="utf-8"?>
+<p:sld xmlns:a="http://schemas.openxmlformats.org/drawingml/2006/main" xmlns:r="http://schemas.openxmlformats.org/officeDocument/2006/relationships" xmlns:p="http://schemas.openxmlformats.org/presentationml/2006/main">
+  <p:cSld>
+    <p:spTree>
+      <p:nvGrpSpPr>
+        <p:cNvPr id="1" name=""/>
+        <p:cNvGrpSpPr/>
+        <p:nvPr/>
+      </p:nvGrpSpPr>
+      <p:grpSpPr>
+        <a:xfrm>
+          <a:off x="0" y="0"/>
+          <a:ext cx="0" cy="0"/>
+          <a:chOff x="0" y="0"/>
+          <a:chExt cx="0" cy="0"/>
+        </a:xfrm>
+      </p:grpSpPr>
+      <p:sp>
+        <p:nvSpPr>
+          <p:cNvPr id="2" name="Title 1"/>
+          <p:cNvSpPr>
+            <a:spLocks noGrp="1"/>
+          </p:cNvSpPr>
+          <p:nvPr>
+            <p:ph type="title"/>
+          </p:nvPr>
+        </p:nvSpPr>
+        <p:spPr/>
+        <p:txBody>
+          <a:bodyPr/>
+          <a:lstStyle/>
+          <a:p>
+            <a:r>
+              <a:rPr lang="en-US" dirty="0"/>
+              <a:t>Rule Checks</a:t>
+            </a:r>
+          </a:p>
+        </p:txBody>
+      </p:sp>
+      <p:sp>
+        <p:nvSpPr>
+          <p:cNvPr id="3" name="Slide Number Placeholder 2"/>
+          <p:cNvSpPr>
+            <a:spLocks noGrp="1"/>
+          </p:cNvSpPr>
+          <p:nvPr>
+            <p:ph type="sldNum" sz="quarter" idx="10"/>
+          </p:nvPr>
+        </p:nvSpPr>
+        <p:spPr/>
+        <p:txBody>
+          <a:bodyPr/>
+          <a:lstStyle/>
+          <a:p>
+            <a:pPr>
+              <a:defRPr/>
+            </a:pPr>
+            <a:fld id="{CDFDD46A-28F1-4B24-AB69-FC42A6E40E8D}" type="slidenum">
+              <a:rPr lang="en-US" smtClean="0"/>
+              <a:pPr>
+                <a:defRPr/>
+              </a:pPr>
+              <a:t>13</a:t>
+            </a:fld>
+            <a:endParaRPr lang="en-US" dirty="0"/>
+          </a:p>
+        </p:txBody>
+      </p:sp>
+      <p:sp>
+        <p:nvSpPr>
+          <p:cNvPr id="6" name="Text Placeholder 5"/>
+          <p:cNvSpPr>
+            <a:spLocks noGrp="1"/>
+          </p:cNvSpPr>
+          <p:nvPr>
+            <p:ph type="body" sz="quarter" idx="11"/>
+          </p:nvPr>
+        </p:nvSpPr>
+        <p:spPr/>
+        <p:txBody>
+          <a:bodyPr/>
+          <a:lstStyle/>
+          <a:p>
+            <a:endParaRPr lang="en-US" dirty="0"/>
+          </a:p>
+          <a:p>
+            <a:endParaRPr lang="en-US" dirty="0"/>
+          </a:p>
+          <a:p>
+            <a:endParaRPr lang="en-US" dirty="0"/>
+          </a:p>
+          <a:p>
+            <a:endParaRPr lang="en-US" dirty="0"/>
+          </a:p>
+          <a:p>
+            <a:endParaRPr lang="en-US" dirty="0"/>
+          </a:p>
+          <a:p>
+            <a:endParaRPr lang="en-US" dirty="0"/>
+          </a:p>
+          <a:p>
+            <a:endParaRPr lang="en-US" dirty="0"/>
+          </a:p>
+          <a:p>
+            <a:endParaRPr lang="en-US" dirty="0"/>
+          </a:p>
+          <a:p>
+            <a:endParaRPr lang="en-US" dirty="0"/>
+          </a:p>
+          <a:p>
+            <a:endParaRPr lang="en-US" dirty="0"/>
+          </a:p>
+        </p:txBody>
+      </p:sp>
+      <p:graphicFrame>
+        <p:nvGraphicFramePr>
+          <p:cNvPr id="5" name="Table 4"/>
+          <p:cNvGraphicFramePr>
+            <a:graphicFrameLocks noGrp="1"/>
+          </p:cNvGraphicFramePr>
+          <p:nvPr>
+            <p:extLst>
+              <p:ext uri="{D42A27DB-BD31-4B8C-83A1-F6EECF244321}">
+                <p14:modId xmlns:p14="http://schemas.microsoft.com/office/powerpoint/2010/main" val="644372589"/>
+              </p:ext>
+            </p:extLst>
+          </p:nvPr>
+        </p:nvGraphicFramePr>
+        <p:xfrm>
+          <a:off x="1390648" y="907711"/>
+          <a:ext cx="6781802" cy="5582920"/>
+        </p:xfrm>
+        <a:graphic>
+          <a:graphicData uri="http://schemas.openxmlformats.org/drawingml/2006/table">
+            <a:tbl>
+              <a:tblPr firstRow="1" bandRow="1">
+                <a:tableStyleId>{5C22544A-7EE6-4342-B048-85BDC9FD1C3A}</a:tableStyleId>
+              </a:tblPr>
+              <a:tblGrid>
+                <a:gridCol w="1962032">
+                  <a:extLst>
+                    <a:ext uri="{9D8B030D-6E8A-4147-A177-3AD203B41FA5}">
+                      <a16:colId xmlns:a16="http://schemas.microsoft.com/office/drawing/2014/main" val="20000"/>
+                    </a:ext>
+                  </a:extLst>
+                </a:gridCol>
+                <a:gridCol w="1962032">
+                  <a:extLst>
+                    <a:ext uri="{9D8B030D-6E8A-4147-A177-3AD203B41FA5}">
+                      <a16:colId xmlns:a16="http://schemas.microsoft.com/office/drawing/2014/main" val="20001"/>
+                    </a:ext>
+                  </a:extLst>
+                </a:gridCol>
+                <a:gridCol w="2857738">
+                  <a:extLst>
+                    <a:ext uri="{9D8B030D-6E8A-4147-A177-3AD203B41FA5}">
+                      <a16:colId xmlns:a16="http://schemas.microsoft.com/office/drawing/2014/main" val="20002"/>
+                    </a:ext>
+                  </a:extLst>
+                </a:gridCol>
+              </a:tblGrid>
+              <a:tr h="370840">
+                <a:tc>
+                  <a:txBody>
+                    <a:bodyPr/>
+                    <a:lstStyle/>
+                    <a:p>
+                      <a:r>
+                        <a:rPr lang="en-US" dirty="0"/>
+                        <a:t>Object</a:t>
+                      </a:r>
+                    </a:p>
+                  </a:txBody>
+                  <a:tcPr/>
+                </a:tc>
+                <a:tc>
+                  <a:txBody>
+                    <a:bodyPr/>
+                    <a:lstStyle/>
+                    <a:p>
+                      <a:r>
+                        <a:rPr lang="en-US" dirty="0"/>
+                        <a:t>Attribute</a:t>
+                      </a:r>
+                    </a:p>
+                  </a:txBody>
+                  <a:tcPr/>
+                </a:tc>
+                <a:tc>
+                  <a:txBody>
+                    <a:bodyPr/>
+                    <a:lstStyle/>
+                    <a:p>
+                      <a:r>
+                        <a:rPr lang="en-US" dirty="0"/>
+                        <a:t>Rules</a:t>
+                      </a:r>
+                    </a:p>
+                  </a:txBody>
+                  <a:tcPr/>
+                </a:tc>
+                <a:extLst>
+                  <a:ext uri="{0D108BD9-81ED-4DB2-BD59-A6C34878D82A}">
+                    <a16:rowId xmlns:a16="http://schemas.microsoft.com/office/drawing/2014/main" val="10000"/>
+                  </a:ext>
+                </a:extLst>
+              </a:tr>
+              <a:tr h="370840">
+                <a:tc>
+                  <a:txBody>
+                    <a:bodyPr/>
+                    <a:lstStyle/>
+                    <a:p>
+                      <a:r>
+                        <a:rPr lang="en-US" dirty="0"/>
+                        <a:t>Reservation</a:t>
+                      </a:r>
+                    </a:p>
+                  </a:txBody>
+                  <a:tcPr/>
+                </a:tc>
+                <a:tc>
+                  <a:txBody>
+                    <a:bodyPr/>
+                    <a:lstStyle/>
+                    <a:p>
+                      <a:r>
+                        <a:rPr lang="en-US" dirty="0"/>
+                        <a:t>Duration</a:t>
+                      </a:r>
+                    </a:p>
+                  </a:txBody>
+                  <a:tcPr/>
+                </a:tc>
+                <a:tc>
+                  <a:txBody>
+                    <a:bodyPr/>
+                    <a:lstStyle/>
+                    <a:p>
+                      <a:r>
+                        <a:rPr lang="en-US" dirty="0"/>
+                        <a:t>Maximum of 3hours for the current day and is in increment of 15minute intervals. Minimum is 15mins. Only one reservation can happen at a time.</a:t>
+                      </a:r>
+                    </a:p>
+                  </a:txBody>
+                  <a:tcPr/>
+                </a:tc>
+                <a:extLst>
+                  <a:ext uri="{0D108BD9-81ED-4DB2-BD59-A6C34878D82A}">
+                    <a16:rowId xmlns:a16="http://schemas.microsoft.com/office/drawing/2014/main" val="10001"/>
+                  </a:ext>
+                </a:extLst>
+              </a:tr>
+              <a:tr h="370840">
+                <a:tc>
+                  <a:txBody>
+                    <a:bodyPr/>
+                    <a:lstStyle/>
+                    <a:p>
+                      <a:endParaRPr lang="en-US" dirty="0"/>
+                    </a:p>
+                  </a:txBody>
+                  <a:tcPr/>
+                </a:tc>
+                <a:tc>
+                  <a:txBody>
+                    <a:bodyPr/>
+                    <a:lstStyle/>
+                    <a:p>
+                      <a:r>
+                        <a:rPr lang="en-US" dirty="0"/>
+                        <a:t>Hours</a:t>
+                      </a:r>
+                    </a:p>
+                  </a:txBody>
+                  <a:tcPr/>
+                </a:tc>
+                <a:tc>
+                  <a:txBody>
+                    <a:bodyPr/>
+                    <a:lstStyle/>
+                    <a:p>
+                      <a:r>
+                        <a:rPr lang="en-US" dirty="0"/>
+                        <a:t>Normal hours are </a:t>
+                      </a:r>
+                      <a:r>
+                        <a:rPr lang="en-US" baseline="0" dirty="0"/>
+                        <a:t>between 06:00-20:00pm M-F</a:t>
+                      </a:r>
+                    </a:p>
+                    <a:p>
+                      <a:r>
+                        <a:rPr lang="en-US" baseline="0" dirty="0"/>
+                        <a:t>08:00-17:00 on Sa</a:t>
+                      </a:r>
+                    </a:p>
+                    <a:p>
+                      <a:r>
+                        <a:rPr lang="en-US" baseline="0" dirty="0"/>
+                        <a:t>12:00-17:00 on Su</a:t>
+                      </a:r>
+                      <a:endParaRPr lang="en-US" dirty="0"/>
+                    </a:p>
+                  </a:txBody>
+                  <a:tcPr/>
+                </a:tc>
+                <a:extLst>
+                  <a:ext uri="{0D108BD9-81ED-4DB2-BD59-A6C34878D82A}">
+                    <a16:rowId xmlns:a16="http://schemas.microsoft.com/office/drawing/2014/main" val="10002"/>
+                  </a:ext>
+                </a:extLst>
+              </a:tr>
+              <a:tr h="370840">
+                <a:tc>
+                  <a:txBody>
+                    <a:bodyPr/>
+                    <a:lstStyle/>
+                    <a:p>
+                      <a:endParaRPr lang="en-US" dirty="0"/>
+                    </a:p>
+                  </a:txBody>
+                  <a:tcPr/>
+                </a:tc>
+                <a:tc>
+                  <a:txBody>
+                    <a:bodyPr/>
+                    <a:lstStyle/>
+                    <a:p>
+                      <a:r>
+                        <a:rPr lang="en-US" dirty="0"/>
+                        <a:t>Status</a:t>
+                      </a:r>
+                    </a:p>
+                  </a:txBody>
+                  <a:tcPr/>
+                </a:tc>
+                <a:tc>
+                  <a:txBody>
+                    <a:bodyPr/>
+                    <a:lstStyle/>
+                    <a:p>
+                      <a:r>
+                        <a:rPr lang="en-US" dirty="0"/>
+                        <a:t>Status might be revoked, active or canceled. 3 no shows or one overstays leads to a revoked status. Cancellations can only happen before reservation </a:t>
+                      </a:r>
+                      <a:r>
+                        <a:rPr lang="en-US" dirty="0" err="1"/>
+                        <a:t>startime</a:t>
+                      </a:r>
+                      <a:r>
+                        <a:rPr lang="en-US" dirty="0"/>
+                        <a:t>.</a:t>
+                      </a:r>
+                    </a:p>
+                  </a:txBody>
+                  <a:tcPr/>
+                </a:tc>
+                <a:extLst>
+                  <a:ext uri="{0D108BD9-81ED-4DB2-BD59-A6C34878D82A}">
+                    <a16:rowId xmlns:a16="http://schemas.microsoft.com/office/drawing/2014/main" val="10003"/>
+                  </a:ext>
+                </a:extLst>
+              </a:tr>
+            </a:tbl>
+          </a:graphicData>
+        </a:graphic>
+      </p:graphicFrame>
+    </p:spTree>
+  </p:cSld>
+  <p:clrMapOvr>
+    <a:masterClrMapping/>
+  </p:clrMapOvr>
+</p:sld>
+</file>
+
+<file path=ppt/slides/slide14.xml><?xml version="1.0" encoding="utf-8"?>
+<p:sld xmlns:a="http://schemas.openxmlformats.org/drawingml/2006/main" xmlns:r="http://schemas.openxmlformats.org/officeDocument/2006/relationships" xmlns:p="http://schemas.openxmlformats.org/presentationml/2006/main">
+  <p:cSld>
+    <p:spTree>
+      <p:nvGrpSpPr>
+        <p:cNvPr id="1" name=""/>
+        <p:cNvGrpSpPr/>
+        <p:nvPr/>
+      </p:nvGrpSpPr>
+      <p:grpSpPr>
+        <a:xfrm>
+          <a:off x="0" y="0"/>
+          <a:ext cx="0" cy="0"/>
+          <a:chOff x="0" y="0"/>
+          <a:chExt cx="0" cy="0"/>
+        </a:xfrm>
+      </p:grpSpPr>
+      <p:sp>
+        <p:nvSpPr>
+          <p:cNvPr id="2" name="Title 1"/>
+          <p:cNvSpPr>
+            <a:spLocks noGrp="1"/>
+          </p:cNvSpPr>
+          <p:nvPr>
+            <p:ph type="title"/>
+          </p:nvPr>
+        </p:nvSpPr>
+        <p:spPr/>
+        <p:txBody>
+          <a:bodyPr/>
+          <a:lstStyle/>
+          <a:p>
+            <a:r>
+              <a:rPr lang="en-US" dirty="0"/>
+              <a:t>Rule Checks</a:t>
+            </a:r>
+          </a:p>
+        </p:txBody>
+      </p:sp>
+      <p:sp>
+        <p:nvSpPr>
+          <p:cNvPr id="3" name="Slide Number Placeholder 2"/>
+          <p:cNvSpPr>
+            <a:spLocks noGrp="1"/>
+          </p:cNvSpPr>
+          <p:nvPr>
+            <p:ph type="sldNum" sz="quarter" idx="10"/>
+          </p:nvPr>
+        </p:nvSpPr>
+        <p:spPr/>
+        <p:txBody>
+          <a:bodyPr/>
+          <a:lstStyle/>
+          <a:p>
+            <a:pPr>
+              <a:defRPr/>
+            </a:pPr>
+            <a:fld id="{CDFDD46A-28F1-4B24-AB69-FC42A6E40E8D}" type="slidenum">
+              <a:rPr lang="en-US" smtClean="0"/>
+              <a:pPr>
+                <a:defRPr/>
+              </a:pPr>
+              <a:t>14</a:t>
+            </a:fld>
+            <a:endParaRPr lang="en-US" dirty="0"/>
+          </a:p>
+        </p:txBody>
+      </p:sp>
+      <p:sp>
+        <p:nvSpPr>
+          <p:cNvPr id="6" name="Text Placeholder 5"/>
+          <p:cNvSpPr>
+            <a:spLocks noGrp="1"/>
+          </p:cNvSpPr>
+          <p:nvPr>
+            <p:ph type="body" sz="quarter" idx="11"/>
+          </p:nvPr>
+        </p:nvSpPr>
+        <p:spPr/>
+        <p:txBody>
+          <a:bodyPr/>
+          <a:lstStyle/>
+          <a:p>
+            <a:endParaRPr lang="en-US" dirty="0"/>
+          </a:p>
+          <a:p>
+            <a:endParaRPr lang="en-US" dirty="0"/>
+          </a:p>
+          <a:p>
+            <a:endParaRPr lang="en-US" dirty="0"/>
+          </a:p>
+          <a:p>
+            <a:endParaRPr lang="en-US" dirty="0"/>
+          </a:p>
+          <a:p>
+            <a:endParaRPr lang="en-US" dirty="0"/>
+          </a:p>
+          <a:p>
+            <a:endParaRPr lang="en-US" dirty="0"/>
+          </a:p>
+          <a:p>
+            <a:endParaRPr lang="en-US" dirty="0"/>
+          </a:p>
+          <a:p>
+            <a:endParaRPr lang="en-US" dirty="0"/>
+          </a:p>
+          <a:p>
+            <a:endParaRPr lang="en-US" dirty="0"/>
+          </a:p>
+          <a:p>
+            <a:endParaRPr lang="en-US" dirty="0"/>
+          </a:p>
+        </p:txBody>
+      </p:sp>
+      <p:graphicFrame>
+        <p:nvGraphicFramePr>
+          <p:cNvPr id="5" name="Table 4"/>
+          <p:cNvGraphicFramePr>
+            <a:graphicFrameLocks noGrp="1"/>
+          </p:cNvGraphicFramePr>
+          <p:nvPr>
+            <p:extLst>
+              <p:ext uri="{D42A27DB-BD31-4B8C-83A1-F6EECF244321}">
+                <p14:modId xmlns:p14="http://schemas.microsoft.com/office/powerpoint/2010/main" val="3346177835"/>
+              </p:ext>
+            </p:extLst>
+          </p:nvPr>
+        </p:nvGraphicFramePr>
+        <p:xfrm>
+          <a:off x="1390648" y="907711"/>
+          <a:ext cx="6781802" cy="3667760"/>
+        </p:xfrm>
+        <a:graphic>
+          <a:graphicData uri="http://schemas.openxmlformats.org/drawingml/2006/table">
+            <a:tbl>
+              <a:tblPr firstRow="1" bandRow="1">
+                <a:tableStyleId>{5C22544A-7EE6-4342-B048-85BDC9FD1C3A}</a:tableStyleId>
+              </a:tblPr>
+              <a:tblGrid>
+                <a:gridCol w="1962032">
+                  <a:extLst>
+                    <a:ext uri="{9D8B030D-6E8A-4147-A177-3AD203B41FA5}">
+                      <a16:colId xmlns:a16="http://schemas.microsoft.com/office/drawing/2014/main" val="20000"/>
+                    </a:ext>
+                  </a:extLst>
+                </a:gridCol>
+                <a:gridCol w="1962032">
+                  <a:extLst>
+                    <a:ext uri="{9D8B030D-6E8A-4147-A177-3AD203B41FA5}">
+                      <a16:colId xmlns:a16="http://schemas.microsoft.com/office/drawing/2014/main" val="20001"/>
+                    </a:ext>
+                  </a:extLst>
+                </a:gridCol>
+                <a:gridCol w="2857738">
+                  <a:extLst>
+                    <a:ext uri="{9D8B030D-6E8A-4147-A177-3AD203B41FA5}">
+                      <a16:colId xmlns:a16="http://schemas.microsoft.com/office/drawing/2014/main" val="20002"/>
+                    </a:ext>
+                  </a:extLst>
+                </a:gridCol>
+              </a:tblGrid>
+              <a:tr h="370840">
+                <a:tc>
+                  <a:txBody>
+                    <a:bodyPr/>
+                    <a:lstStyle/>
+                    <a:p>
+                      <a:r>
+                        <a:rPr lang="en-US" dirty="0"/>
+                        <a:t>Object</a:t>
+                      </a:r>
+                    </a:p>
+                  </a:txBody>
+                  <a:tcPr/>
+                </a:tc>
+                <a:tc>
+                  <a:txBody>
+                    <a:bodyPr/>
+                    <a:lstStyle/>
+                    <a:p>
+                      <a:r>
+                        <a:rPr lang="en-US" dirty="0"/>
+                        <a:t>Attribute</a:t>
+                      </a:r>
+                    </a:p>
+                  </a:txBody>
+                  <a:tcPr/>
+                </a:tc>
+                <a:tc>
+                  <a:txBody>
+                    <a:bodyPr/>
+                    <a:lstStyle/>
+                    <a:p>
+                      <a:r>
+                        <a:rPr lang="en-US" dirty="0"/>
+                        <a:t>Rules</a:t>
+                      </a:r>
+                    </a:p>
+                  </a:txBody>
+                  <a:tcPr/>
+                </a:tc>
+                <a:extLst>
+                  <a:ext uri="{0D108BD9-81ED-4DB2-BD59-A6C34878D82A}">
+                    <a16:rowId xmlns:a16="http://schemas.microsoft.com/office/drawing/2014/main" val="10000"/>
+                  </a:ext>
+                </a:extLst>
+              </a:tr>
+              <a:tr h="370840">
+                <a:tc>
+                  <a:txBody>
+                    <a:bodyPr/>
+                    <a:lstStyle/>
+                    <a:p>
+                      <a:r>
+                        <a:rPr lang="en-US" dirty="0"/>
+                        <a:t>Reservation</a:t>
+                      </a:r>
+                    </a:p>
+                  </a:txBody>
+                  <a:tcPr/>
+                </a:tc>
+                <a:tc>
+                  <a:txBody>
+                    <a:bodyPr/>
+                    <a:lstStyle/>
+                    <a:p>
+                      <a:r>
+                        <a:rPr lang="en-US" dirty="0"/>
+                        <a:t>Cost</a:t>
+                      </a:r>
+                    </a:p>
+                  </a:txBody>
+                  <a:tcPr/>
+                </a:tc>
+                <a:tc>
+                  <a:txBody>
+                    <a:bodyPr/>
+                    <a:lstStyle/>
+                    <a:p>
+                      <a:r>
+                        <a:rPr lang="en-US" dirty="0"/>
+                        <a:t>The total cost if options are selected while requesting a reservation. If a reservation is cancelled no refunds are made to the user. Tax rate is 8.25%</a:t>
+                      </a:r>
+                    </a:p>
+                  </a:txBody>
+                  <a:tcPr/>
+                </a:tc>
+                <a:extLst>
+                  <a:ext uri="{0D108BD9-81ED-4DB2-BD59-A6C34878D82A}">
+                    <a16:rowId xmlns:a16="http://schemas.microsoft.com/office/drawing/2014/main" val="10001"/>
+                  </a:ext>
+                </a:extLst>
+              </a:tr>
+              <a:tr h="370840">
+                <a:tc>
+                  <a:txBody>
+                    <a:bodyPr/>
+                    <a:lstStyle/>
+                    <a:p>
+                      <a:endParaRPr lang="en-US" dirty="0"/>
+                    </a:p>
+                  </a:txBody>
+                  <a:tcPr/>
+                </a:tc>
+                <a:tc>
+                  <a:txBody>
+                    <a:bodyPr/>
+                    <a:lstStyle/>
+                    <a:p>
+                      <a:r>
+                        <a:rPr lang="en-US" dirty="0"/>
+                        <a:t>UTA ID</a:t>
+                      </a:r>
+                    </a:p>
+                  </a:txBody>
+                  <a:tcPr/>
+                </a:tc>
+                <a:tc>
+                  <a:txBody>
+                    <a:bodyPr/>
+                    <a:lstStyle/>
+                    <a:p>
+                      <a:r>
+                        <a:rPr lang="en-US" dirty="0"/>
+                        <a:t>There cannot be more than two reservations made by the same UTA ID at the </a:t>
+                      </a:r>
+                      <a:r>
+                        <a:rPr lang="en-US"/>
+                        <a:t>same time.</a:t>
+                      </a:r>
+                      <a:endParaRPr lang="en-US" dirty="0"/>
+                    </a:p>
+                  </a:txBody>
+                  <a:tcPr/>
+                </a:tc>
+                <a:extLst>
+                  <a:ext uri="{0D108BD9-81ED-4DB2-BD59-A6C34878D82A}">
+                    <a16:rowId xmlns:a16="http://schemas.microsoft.com/office/drawing/2014/main" val="10002"/>
+                  </a:ext>
+                </a:extLst>
+              </a:tr>
+              <a:tr h="370840">
+                <a:tc>
+                  <a:txBody>
+                    <a:bodyPr/>
+                    <a:lstStyle/>
+                    <a:p>
+                      <a:endParaRPr lang="en-US" dirty="0"/>
+                    </a:p>
+                  </a:txBody>
+                  <a:tcPr/>
+                </a:tc>
+                <a:tc>
+                  <a:txBody>
+                    <a:bodyPr/>
+                    <a:lstStyle/>
+                    <a:p>
+                      <a:endParaRPr lang="en-US" dirty="0"/>
+                    </a:p>
+                  </a:txBody>
+                  <a:tcPr/>
+                </a:tc>
+                <a:tc>
+                  <a:txBody>
+                    <a:bodyPr/>
+                    <a:lstStyle/>
+                    <a:p>
+                      <a:endParaRPr lang="en-US" dirty="0"/>
+                    </a:p>
+                  </a:txBody>
+                  <a:tcPr/>
+                </a:tc>
+                <a:extLst>
+                  <a:ext uri="{0D108BD9-81ED-4DB2-BD59-A6C34878D82A}">
+                    <a16:rowId xmlns:a16="http://schemas.microsoft.com/office/drawing/2014/main" val="10003"/>
+                  </a:ext>
+                </a:extLst>
+              </a:tr>
+            </a:tbl>
+          </a:graphicData>
+        </a:graphic>
+      </p:graphicFrame>
+    </p:spTree>
+    <p:extLst>
+      <p:ext uri="{BB962C8B-B14F-4D97-AF65-F5344CB8AC3E}">
+        <p14:creationId xmlns:p14="http://schemas.microsoft.com/office/powerpoint/2010/main" val="2795740957"/>
+      </p:ext>
+    </p:extLst>
+  </p:cSld>
+  <p:clrMapOvr>
+    <a:masterClrMapping/>
+  </p:clrMapOvr>
+</p:sld>
+</file>
+
+<file path=ppt/slides/slide15.xml><?xml version="1.0" encoding="utf-8"?>
+<p:sld xmlns:a="http://schemas.openxmlformats.org/drawingml/2006/main" xmlns:r="http://schemas.openxmlformats.org/officeDocument/2006/relationships" xmlns:p="http://schemas.openxmlformats.org/presentationml/2006/main">
+  <p:cSld>
+    <p:spTree>
+      <p:nvGrpSpPr>
+        <p:cNvPr id="1" name=""/>
+        <p:cNvGrpSpPr/>
+        <p:nvPr/>
+      </p:nvGrpSpPr>
+      <p:grpSpPr>
+        <a:xfrm>
+          <a:off x="0" y="0"/>
+          <a:ext cx="0" cy="0"/>
+          <a:chOff x="0" y="0"/>
+          <a:chExt cx="0" cy="0"/>
+        </a:xfrm>
+      </p:grpSpPr>
+      <p:sp>
+        <p:nvSpPr>
+          <p:cNvPr id="2" name="Title 1"/>
+          <p:cNvSpPr>
+            <a:spLocks noGrp="1"/>
+          </p:cNvSpPr>
+          <p:nvPr>
+            <p:ph type="title"/>
+          </p:nvPr>
+        </p:nvSpPr>
+        <p:spPr/>
+        <p:txBody>
+          <a:bodyPr/>
+          <a:lstStyle/>
+          <a:p>
+            <a:r>
+              <a:rPr lang="en-US" dirty="0"/>
+              <a:t>Rule Checks</a:t>
+            </a:r>
+          </a:p>
+        </p:txBody>
+      </p:sp>
+      <p:sp>
+        <p:nvSpPr>
+          <p:cNvPr id="3" name="Slide Number Placeholder 2"/>
+          <p:cNvSpPr>
+            <a:spLocks noGrp="1"/>
+          </p:cNvSpPr>
+          <p:nvPr>
+            <p:ph type="sldNum" sz="quarter" idx="10"/>
+          </p:nvPr>
+        </p:nvSpPr>
+        <p:spPr/>
+        <p:txBody>
+          <a:bodyPr/>
+          <a:lstStyle/>
+          <a:p>
+            <a:pPr>
+              <a:defRPr/>
+            </a:pPr>
+            <a:fld id="{CDFDD46A-28F1-4B24-AB69-FC42A6E40E8D}" type="slidenum">
+              <a:rPr lang="en-US" smtClean="0"/>
+              <a:pPr>
+                <a:defRPr/>
+              </a:pPr>
+              <a:t>15</a:t>
+            </a:fld>
+            <a:endParaRPr lang="en-US" dirty="0"/>
+          </a:p>
+        </p:txBody>
+      </p:sp>
+      <p:sp>
+        <p:nvSpPr>
+          <p:cNvPr id="6" name="Text Placeholder 5"/>
+          <p:cNvSpPr>
+            <a:spLocks noGrp="1"/>
+          </p:cNvSpPr>
+          <p:nvPr>
+            <p:ph type="body" sz="quarter" idx="11"/>
+          </p:nvPr>
+        </p:nvSpPr>
+        <p:spPr/>
+        <p:txBody>
+          <a:bodyPr/>
+          <a:lstStyle/>
+          <a:p>
+            <a:endParaRPr lang="en-US" dirty="0"/>
+          </a:p>
+          <a:p>
+            <a:endParaRPr lang="en-US" dirty="0"/>
+          </a:p>
+          <a:p>
+            <a:endParaRPr lang="en-US" dirty="0"/>
+          </a:p>
+          <a:p>
+            <a:endParaRPr lang="en-US" dirty="0"/>
+          </a:p>
+          <a:p>
+            <a:endParaRPr lang="en-US" dirty="0"/>
+          </a:p>
+          <a:p>
+            <a:endParaRPr lang="en-US" dirty="0"/>
+          </a:p>
+          <a:p>
+            <a:endParaRPr lang="en-US" dirty="0"/>
+          </a:p>
+          <a:p>
+            <a:endParaRPr lang="en-US" dirty="0"/>
+          </a:p>
+          <a:p>
+            <a:endParaRPr lang="en-US" dirty="0"/>
+          </a:p>
+          <a:p>
+            <a:endParaRPr lang="en-US" dirty="0"/>
+          </a:p>
+        </p:txBody>
+      </p:sp>
+      <p:graphicFrame>
+        <p:nvGraphicFramePr>
+          <p:cNvPr id="5" name="Table 4"/>
+          <p:cNvGraphicFramePr>
+            <a:graphicFrameLocks noGrp="1"/>
+          </p:cNvGraphicFramePr>
+          <p:nvPr>
+            <p:extLst>
+              <p:ext uri="{D42A27DB-BD31-4B8C-83A1-F6EECF244321}">
+                <p14:modId xmlns:p14="http://schemas.microsoft.com/office/powerpoint/2010/main" val="1266216282"/>
+              </p:ext>
+            </p:extLst>
+          </p:nvPr>
+        </p:nvGraphicFramePr>
+        <p:xfrm>
+          <a:off x="1387357" y="1460558"/>
+          <a:ext cx="6781802" cy="3667760"/>
+        </p:xfrm>
+        <a:graphic>
+          <a:graphicData uri="http://schemas.openxmlformats.org/drawingml/2006/table">
+            <a:tbl>
+              <a:tblPr firstRow="1" bandRow="1">
+                <a:tableStyleId>{5C22544A-7EE6-4342-B048-85BDC9FD1C3A}</a:tableStyleId>
+              </a:tblPr>
+              <a:tblGrid>
+                <a:gridCol w="1962032">
+                  <a:extLst>
+                    <a:ext uri="{9D8B030D-6E8A-4147-A177-3AD203B41FA5}">
+                      <a16:colId xmlns:a16="http://schemas.microsoft.com/office/drawing/2014/main" val="20000"/>
+                    </a:ext>
+                  </a:extLst>
+                </a:gridCol>
+                <a:gridCol w="1962032">
+                  <a:extLst>
+                    <a:ext uri="{9D8B030D-6E8A-4147-A177-3AD203B41FA5}">
+                      <a16:colId xmlns:a16="http://schemas.microsoft.com/office/drawing/2014/main" val="20001"/>
+                    </a:ext>
+                  </a:extLst>
+                </a:gridCol>
+                <a:gridCol w="2857738">
+                  <a:extLst>
+                    <a:ext uri="{9D8B030D-6E8A-4147-A177-3AD203B41FA5}">
+                      <a16:colId xmlns:a16="http://schemas.microsoft.com/office/drawing/2014/main" val="20002"/>
+                    </a:ext>
+                  </a:extLst>
+                </a:gridCol>
+              </a:tblGrid>
+              <a:tr h="370840">
+                <a:tc>
+                  <a:txBody>
+                    <a:bodyPr/>
+                    <a:lstStyle/>
+                    <a:p>
+                      <a:r>
+                        <a:rPr lang="en-US" dirty="0"/>
+                        <a:t>Object</a:t>
+                      </a:r>
+                    </a:p>
+                  </a:txBody>
+                  <a:tcPr/>
+                </a:tc>
+                <a:tc>
+                  <a:txBody>
+                    <a:bodyPr/>
+                    <a:lstStyle/>
+                    <a:p>
+                      <a:r>
+                        <a:rPr lang="en-US" dirty="0"/>
+                        <a:t>Attribute</a:t>
+                      </a:r>
+                    </a:p>
+                  </a:txBody>
+                  <a:tcPr/>
+                </a:tc>
+                <a:tc>
+                  <a:txBody>
+                    <a:bodyPr/>
+                    <a:lstStyle/>
+                    <a:p>
+                      <a:r>
+                        <a:rPr lang="en-US" dirty="0"/>
+                        <a:t>Rules</a:t>
+                      </a:r>
+                    </a:p>
+                  </a:txBody>
+                  <a:tcPr/>
+                </a:tc>
+                <a:extLst>
+                  <a:ext uri="{0D108BD9-81ED-4DB2-BD59-A6C34878D82A}">
+                    <a16:rowId xmlns:a16="http://schemas.microsoft.com/office/drawing/2014/main" val="10000"/>
+                  </a:ext>
+                </a:extLst>
+              </a:tr>
+              <a:tr h="370840">
+                <a:tc>
+                  <a:txBody>
+                    <a:bodyPr/>
+                    <a:lstStyle/>
+                    <a:p>
+                      <a:r>
+                        <a:rPr lang="en-US" dirty="0"/>
+                        <a:t>User</a:t>
+                      </a:r>
+                    </a:p>
+                  </a:txBody>
+                  <a:tcPr/>
+                </a:tc>
+                <a:tc>
+                  <a:txBody>
+                    <a:bodyPr/>
+                    <a:lstStyle/>
+                    <a:p>
+                      <a:r>
+                        <a:rPr lang="en-US" dirty="0"/>
+                        <a:t>Role</a:t>
+                      </a:r>
+                    </a:p>
+                  </a:txBody>
+                  <a:tcPr/>
+                </a:tc>
+                <a:tc>
+                  <a:txBody>
+                    <a:bodyPr/>
+                    <a:lstStyle/>
+                    <a:p>
+                      <a:r>
+                        <a:rPr lang="en-US" dirty="0"/>
+                        <a:t>One UTA ID can be assigned to 3 roles max : Parking user, parking manager and admin. For each role, there’s a different username.</a:t>
+                      </a:r>
+                    </a:p>
+                  </a:txBody>
+                  <a:tcPr/>
+                </a:tc>
+                <a:extLst>
+                  <a:ext uri="{0D108BD9-81ED-4DB2-BD59-A6C34878D82A}">
+                    <a16:rowId xmlns:a16="http://schemas.microsoft.com/office/drawing/2014/main" val="10001"/>
+                  </a:ext>
+                </a:extLst>
+              </a:tr>
+              <a:tr h="370840">
+                <a:tc>
+                  <a:txBody>
+                    <a:bodyPr/>
+                    <a:lstStyle/>
+                    <a:p>
+                      <a:endParaRPr lang="en-US" dirty="0"/>
+                    </a:p>
+                  </a:txBody>
+                  <a:tcPr/>
+                </a:tc>
+                <a:tc>
+                  <a:txBody>
+                    <a:bodyPr/>
+                    <a:lstStyle/>
+                    <a:p>
+                      <a:r>
+                        <a:rPr lang="en-US" dirty="0"/>
+                        <a:t>License plate number</a:t>
+                      </a:r>
+                    </a:p>
+                  </a:txBody>
+                  <a:tcPr/>
+                </a:tc>
+                <a:tc>
+                  <a:txBody>
+                    <a:bodyPr/>
+                    <a:lstStyle/>
+                    <a:p>
+                      <a:r>
+                        <a:rPr lang="en-US" dirty="0"/>
+                        <a:t>License plate should be registered with UTA permit to a specific type : </a:t>
+                      </a:r>
+                      <a:r>
+                        <a:rPr lang="en-US" dirty="0" err="1"/>
+                        <a:t>premium,midrange</a:t>
+                      </a:r>
+                      <a:r>
+                        <a:rPr lang="en-US" dirty="0"/>
+                        <a:t>, basic or access</a:t>
+                      </a:r>
+                    </a:p>
+                  </a:txBody>
+                  <a:tcPr/>
+                </a:tc>
+                <a:extLst>
+                  <a:ext uri="{0D108BD9-81ED-4DB2-BD59-A6C34878D82A}">
+                    <a16:rowId xmlns:a16="http://schemas.microsoft.com/office/drawing/2014/main" val="10002"/>
+                  </a:ext>
+                </a:extLst>
+              </a:tr>
+              <a:tr h="370840">
+                <a:tc>
+                  <a:txBody>
+                    <a:bodyPr/>
+                    <a:lstStyle/>
+                    <a:p>
+                      <a:endParaRPr lang="en-US" dirty="0"/>
+                    </a:p>
+                  </a:txBody>
+                  <a:tcPr/>
+                </a:tc>
+                <a:tc>
+                  <a:txBody>
+                    <a:bodyPr/>
+                    <a:lstStyle/>
+                    <a:p>
+                      <a:endParaRPr lang="en-US" dirty="0"/>
+                    </a:p>
+                  </a:txBody>
+                  <a:tcPr/>
+                </a:tc>
+                <a:tc>
+                  <a:txBody>
+                    <a:bodyPr/>
+                    <a:lstStyle/>
+                    <a:p>
+                      <a:endParaRPr lang="en-US" dirty="0"/>
+                    </a:p>
+                  </a:txBody>
+                  <a:tcPr/>
+                </a:tc>
+                <a:extLst>
+                  <a:ext uri="{0D108BD9-81ED-4DB2-BD59-A6C34878D82A}">
+                    <a16:rowId xmlns:a16="http://schemas.microsoft.com/office/drawing/2014/main" val="10003"/>
+                  </a:ext>
+                </a:extLst>
+              </a:tr>
+            </a:tbl>
+          </a:graphicData>
+        </a:graphic>
+      </p:graphicFrame>
+    </p:spTree>
+    <p:extLst>
+      <p:ext uri="{BB962C8B-B14F-4D97-AF65-F5344CB8AC3E}">
+        <p14:creationId xmlns:p14="http://schemas.microsoft.com/office/powerpoint/2010/main" val="121985937"/>
+      </p:ext>
+    </p:extLst>
+  </p:cSld>
+  <p:clrMapOvr>
+    <a:masterClrMapping/>
+  </p:clrMapOvr>
+</p:sld>
+</file>
+
+<file path=ppt/slides/slide16.xml><?xml version="1.0" encoding="utf-8"?>
+<p:sld xmlns:a="http://schemas.openxmlformats.org/drawingml/2006/main" xmlns:r="http://schemas.openxmlformats.org/officeDocument/2006/relationships" xmlns:p="http://schemas.openxmlformats.org/presentationml/2006/main">
+  <p:cSld>
+    <p:spTree>
+      <p:nvGrpSpPr>
+        <p:cNvPr id="1" name=""/>
+        <p:cNvGrpSpPr/>
+        <p:nvPr/>
+      </p:nvGrpSpPr>
+      <p:grpSpPr>
+        <a:xfrm>
+          <a:off x="0" y="0"/>
+          <a:ext cx="0" cy="0"/>
+          <a:chOff x="0" y="0"/>
+          <a:chExt cx="0" cy="0"/>
+        </a:xfrm>
+      </p:grpSpPr>
+      <p:sp>
+        <p:nvSpPr>
+          <p:cNvPr id="2" name="Title 1">
+            <a:extLst>
+              <a:ext uri="{FF2B5EF4-FFF2-40B4-BE49-F238E27FC236}">
+                <a16:creationId xmlns:a16="http://schemas.microsoft.com/office/drawing/2014/main" id="{FA713533-0B1B-A64E-8044-65B36FC3154E}"/>
+              </a:ext>
+            </a:extLst>
+          </p:cNvPr>
+          <p:cNvSpPr>
+            <a:spLocks noGrp="1"/>
+          </p:cNvSpPr>
+          <p:nvPr>
+            <p:ph type="title"/>
+          </p:nvPr>
+        </p:nvSpPr>
+        <p:spPr/>
+        <p:txBody>
+          <a:bodyPr/>
+          <a:lstStyle/>
+          <a:p>
+            <a:endParaRPr lang="en-US"/>
+          </a:p>
+        </p:txBody>
+      </p:sp>
+      <p:sp>
+        <p:nvSpPr>
+          <p:cNvPr id="3" name="Slide Number Placeholder 2">
+            <a:extLst>
+              <a:ext uri="{FF2B5EF4-FFF2-40B4-BE49-F238E27FC236}">
+                <a16:creationId xmlns:a16="http://schemas.microsoft.com/office/drawing/2014/main" id="{79E4339E-413C-F643-960F-3DCEEBCF0FC7}"/>
+              </a:ext>
+            </a:extLst>
+          </p:cNvPr>
+          <p:cNvSpPr>
+            <a:spLocks noGrp="1"/>
+          </p:cNvSpPr>
+          <p:nvPr>
+            <p:ph type="sldNum" sz="quarter" idx="10"/>
+          </p:nvPr>
+        </p:nvSpPr>
+        <p:spPr/>
+        <p:txBody>
+          <a:bodyPr/>
+          <a:lstStyle/>
+          <a:p>
+            <a:pPr>
+              <a:defRPr/>
+            </a:pPr>
+            <a:fld id="{CDFDD46A-28F1-4B24-AB69-FC42A6E40E8D}" type="slidenum">
+              <a:rPr lang="en-US" smtClean="0"/>
+              <a:pPr>
+                <a:defRPr/>
+              </a:pPr>
+              <a:t>16</a:t>
+            </a:fld>
+            <a:endParaRPr lang="en-US" dirty="0"/>
+          </a:p>
+        </p:txBody>
+      </p:sp>
+      <p:sp>
+        <p:nvSpPr>
+          <p:cNvPr id="4" name="Text Placeholder 3">
+            <a:extLst>
+              <a:ext uri="{FF2B5EF4-FFF2-40B4-BE49-F238E27FC236}">
+                <a16:creationId xmlns:a16="http://schemas.microsoft.com/office/drawing/2014/main" id="{497B189A-0472-1642-AD14-237561B0C496}"/>
+              </a:ext>
+            </a:extLst>
+          </p:cNvPr>
+          <p:cNvSpPr>
+            <a:spLocks noGrp="1"/>
+          </p:cNvSpPr>
+          <p:nvPr>
+            <p:ph type="body" sz="quarter" idx="11"/>
+          </p:nvPr>
+        </p:nvSpPr>
+        <p:spPr/>
+        <p:txBody>
+          <a:bodyPr/>
+          <a:lstStyle/>
+          <a:p>
+            <a:endParaRPr lang="en-US" dirty="0"/>
+          </a:p>
+        </p:txBody>
+      </p:sp>
+      <p:graphicFrame>
+        <p:nvGraphicFramePr>
+          <p:cNvPr id="5" name="Table 4">
+            <a:extLst>
+              <a:ext uri="{FF2B5EF4-FFF2-40B4-BE49-F238E27FC236}">
+                <a16:creationId xmlns:a16="http://schemas.microsoft.com/office/drawing/2014/main" id="{8AA11B7F-2036-3143-94F4-4514872B5775}"/>
+              </a:ext>
+            </a:extLst>
+          </p:cNvPr>
+          <p:cNvGraphicFramePr>
+            <a:graphicFrameLocks noGrp="1"/>
+          </p:cNvGraphicFramePr>
+          <p:nvPr>
+            <p:extLst>
+              <p:ext uri="{D42A27DB-BD31-4B8C-83A1-F6EECF244321}">
+                <p14:modId xmlns:p14="http://schemas.microsoft.com/office/powerpoint/2010/main" val="357991581"/>
+              </p:ext>
+            </p:extLst>
+          </p:nvPr>
+        </p:nvGraphicFramePr>
+        <p:xfrm>
+          <a:off x="1135464" y="1889210"/>
+          <a:ext cx="7184570" cy="3717756"/>
+        </p:xfrm>
+        <a:graphic>
+          <a:graphicData uri="http://schemas.openxmlformats.org/drawingml/2006/table">
+            <a:tbl>
+              <a:tblPr>
+                <a:tableStyleId>{5C22544A-7EE6-4342-B048-85BDC9FD1C3A}</a:tableStyleId>
+              </a:tblPr>
+              <a:tblGrid>
+                <a:gridCol w="1122252">
+                  <a:extLst>
+                    <a:ext uri="{9D8B030D-6E8A-4147-A177-3AD203B41FA5}">
+                      <a16:colId xmlns:a16="http://schemas.microsoft.com/office/drawing/2014/main" val="1534574473"/>
+                    </a:ext>
+                  </a:extLst>
+                </a:gridCol>
+                <a:gridCol w="1184839">
+                  <a:extLst>
+                    <a:ext uri="{9D8B030D-6E8A-4147-A177-3AD203B41FA5}">
+                      <a16:colId xmlns:a16="http://schemas.microsoft.com/office/drawing/2014/main" val="3708937571"/>
+                    </a:ext>
+                  </a:extLst>
+                </a:gridCol>
+                <a:gridCol w="1139517">
+                  <a:extLst>
+                    <a:ext uri="{9D8B030D-6E8A-4147-A177-3AD203B41FA5}">
+                      <a16:colId xmlns:a16="http://schemas.microsoft.com/office/drawing/2014/main" val="1775157417"/>
+                    </a:ext>
+                  </a:extLst>
+                </a:gridCol>
+                <a:gridCol w="1640214">
+                  <a:extLst>
+                    <a:ext uri="{9D8B030D-6E8A-4147-A177-3AD203B41FA5}">
+                      <a16:colId xmlns:a16="http://schemas.microsoft.com/office/drawing/2014/main" val="3385002824"/>
+                    </a:ext>
+                  </a:extLst>
+                </a:gridCol>
+                <a:gridCol w="2097748">
+                  <a:extLst>
+                    <a:ext uri="{9D8B030D-6E8A-4147-A177-3AD203B41FA5}">
+                      <a16:colId xmlns:a16="http://schemas.microsoft.com/office/drawing/2014/main" val="2701263870"/>
+                    </a:ext>
+                  </a:extLst>
+                </a:gridCol>
+              </a:tblGrid>
+              <a:tr h="1022117">
+                <a:tc>
+                  <a:txBody>
+                    <a:bodyPr/>
+                    <a:lstStyle/>
+                    <a:p>
+                      <a:pPr algn="l" fontAlgn="ctr"/>
+                      <a:r>
+                        <a:rPr lang="en-US" sz="1100" u="none" strike="noStrike">
+                          <a:effectLst/>
+                        </a:rPr>
+                        <a:t>View all reservations</a:t>
+                      </a:r>
+                      <a:endParaRPr lang="en-US" sz="1100" b="0" i="0" u="none" strike="noStrike">
+                        <a:solidFill>
+                          <a:srgbClr val="000000"/>
+                        </a:solidFill>
+                        <a:effectLst/>
+                        <a:latin typeface="Calibri" panose="020F0502020204030204" pitchFamily="34" charset="0"/>
+                      </a:endParaRPr>
+                    </a:p>
+                  </a:txBody>
+                  <a:tcPr marL="7419" marR="7419" marT="7419" marB="0" anchor="ctr"/>
+                </a:tc>
+                <a:tc>
+                  <a:txBody>
+                    <a:bodyPr/>
+                    <a:lstStyle/>
+                    <a:p>
+                      <a:pPr algn="l" fontAlgn="ctr"/>
+                      <a:r>
+                        <a:rPr lang="en-US" sz="1100" u="none" strike="noStrike">
+                          <a:effectLst/>
+                        </a:rPr>
+                        <a:t>Parking manager</a:t>
+                      </a:r>
+                      <a:endParaRPr lang="en-US" sz="1100" b="0" i="0" u="none" strike="noStrike">
+                        <a:solidFill>
+                          <a:srgbClr val="000000"/>
+                        </a:solidFill>
+                        <a:effectLst/>
+                        <a:latin typeface="Calibri" panose="020F0502020204030204" pitchFamily="34" charset="0"/>
+                      </a:endParaRPr>
+                    </a:p>
+                  </a:txBody>
+                  <a:tcPr marL="7419" marR="7419" marT="7419" marB="0" anchor="ctr"/>
+                </a:tc>
+                <a:tc>
+                  <a:txBody>
+                    <a:bodyPr/>
+                    <a:lstStyle/>
+                    <a:p>
+                      <a:pPr algn="l" fontAlgn="ctr"/>
+                      <a:r>
+                        <a:rPr lang="en-US" sz="1100" u="none" strike="noStrike">
+                          <a:effectLst/>
+                        </a:rPr>
+                        <a:t>None</a:t>
+                      </a:r>
+                      <a:endParaRPr lang="en-US" sz="1100" b="0" i="0" u="none" strike="noStrike">
+                        <a:solidFill>
+                          <a:srgbClr val="000000"/>
+                        </a:solidFill>
+                        <a:effectLst/>
+                        <a:latin typeface="Calibri" panose="020F0502020204030204" pitchFamily="34" charset="0"/>
+                      </a:endParaRPr>
+                    </a:p>
+                  </a:txBody>
+                  <a:tcPr marL="7419" marR="7419" marT="7419" marB="0" anchor="ctr"/>
+                </a:tc>
+                <a:tc>
+                  <a:txBody>
+                    <a:bodyPr/>
+                    <a:lstStyle/>
+                    <a:p>
+                      <a:pPr algn="l" fontAlgn="ctr"/>
+                      <a:r>
+                        <a:rPr lang="en-US" sz="1100" u="none" strike="noStrike">
+                          <a:effectLst/>
+                        </a:rPr>
+                        <a:t>A list of:</a:t>
+                      </a:r>
+                      <a:br>
+                        <a:rPr lang="en-US" sz="1100" u="none" strike="noStrike">
+                          <a:effectLst/>
+                        </a:rPr>
+                      </a:br>
+                      <a:r>
+                        <a:rPr lang="en-US" sz="1100" u="none" strike="noStrike">
+                          <a:effectLst/>
+                        </a:rPr>
+                        <a:t>Parking area name</a:t>
+                      </a:r>
+                      <a:br>
+                        <a:rPr lang="en-US" sz="1100" u="none" strike="noStrike">
+                          <a:effectLst/>
+                        </a:rPr>
+                      </a:br>
+                      <a:r>
+                        <a:rPr lang="en-US" sz="1100" u="none" strike="noStrike">
+                          <a:effectLst/>
+                        </a:rPr>
+                        <a:t>Floor</a:t>
+                      </a:r>
+                      <a:br>
+                        <a:rPr lang="en-US" sz="1100" u="none" strike="noStrike">
+                          <a:effectLst/>
+                        </a:rPr>
+                      </a:br>
+                      <a:r>
+                        <a:rPr lang="en-US" sz="1100" u="none" strike="noStrike">
+                          <a:effectLst/>
+                        </a:rPr>
+                        <a:t>Spot number</a:t>
+                      </a:r>
+                      <a:br>
+                        <a:rPr lang="en-US" sz="1100" u="none" strike="noStrike">
+                          <a:effectLst/>
+                        </a:rPr>
+                      </a:br>
+                      <a:r>
+                        <a:rPr lang="en-US" sz="1100" u="none" strike="noStrike">
+                          <a:effectLst/>
+                        </a:rPr>
+                        <a:t>Reservation start time</a:t>
+                      </a:r>
+                      <a:br>
+                        <a:rPr lang="en-US" sz="1100" u="none" strike="noStrike">
+                          <a:effectLst/>
+                        </a:rPr>
+                      </a:br>
+                      <a:r>
+                        <a:rPr lang="en-US" sz="1100" u="none" strike="noStrike">
+                          <a:effectLst/>
+                        </a:rPr>
+                        <a:t>Reservation duration</a:t>
+                      </a:r>
+                      <a:br>
+                        <a:rPr lang="en-US" sz="1100" u="none" strike="noStrike">
+                          <a:effectLst/>
+                        </a:rPr>
+                      </a:br>
+                      <a:r>
+                        <a:rPr lang="en-US" sz="1100" u="none" strike="noStrike">
+                          <a:effectLst/>
+                        </a:rPr>
+                        <a:t>Options </a:t>
+                      </a:r>
+                      <a:endParaRPr lang="en-US" sz="1100" b="0" i="0" u="none" strike="noStrike">
+                        <a:solidFill>
+                          <a:srgbClr val="000000"/>
+                        </a:solidFill>
+                        <a:effectLst/>
+                        <a:latin typeface="Calibri" panose="020F0502020204030204" pitchFamily="34" charset="0"/>
+                      </a:endParaRPr>
+                    </a:p>
+                  </a:txBody>
+                  <a:tcPr marL="7419" marR="7419" marT="7419" marB="0" anchor="ctr"/>
+                </a:tc>
+                <a:tc>
+                  <a:txBody>
+                    <a:bodyPr/>
+                    <a:lstStyle/>
+                    <a:p>
+                      <a:pPr algn="l" fontAlgn="ctr"/>
+                      <a:r>
+                        <a:rPr lang="en-US" sz="1100" u="none" strike="noStrike">
+                          <a:effectLst/>
+                        </a:rPr>
+                        <a:t>Parking manager can view a list of all the reservations made for the current day. The list is selectable and sorted in ascending alphabetical order of Parking name then by Reservation start time.</a:t>
+                      </a:r>
+                      <a:endParaRPr lang="en-US" sz="1100" b="0" i="0" u="none" strike="noStrike">
+                        <a:solidFill>
+                          <a:srgbClr val="000000"/>
+                        </a:solidFill>
+                        <a:effectLst/>
+                        <a:latin typeface="Calibri" panose="020F0502020204030204" pitchFamily="34" charset="0"/>
+                      </a:endParaRPr>
+                    </a:p>
+                  </a:txBody>
+                  <a:tcPr marL="7419" marR="7419" marT="7419" marB="0" anchor="ctr"/>
+                </a:tc>
+                <a:extLst>
+                  <a:ext uri="{0D108BD9-81ED-4DB2-BD59-A6C34878D82A}">
+                    <a16:rowId xmlns:a16="http://schemas.microsoft.com/office/drawing/2014/main" val="4192908122"/>
+                  </a:ext>
+                </a:extLst>
+              </a:tr>
+              <a:tr h="292033">
+                <a:tc>
+                  <a:txBody>
+                    <a:bodyPr/>
+                    <a:lstStyle/>
+                    <a:p>
+                      <a:pPr algn="l" fontAlgn="ctr"/>
+                      <a:r>
+                        <a:rPr lang="en-US" sz="1100" u="none" strike="noStrike">
+                          <a:effectLst/>
+                        </a:rPr>
+                        <a:t>Delete reservation</a:t>
+                      </a:r>
+                      <a:endParaRPr lang="en-US" sz="1100" b="0" i="0" u="none" strike="noStrike">
+                        <a:solidFill>
+                          <a:srgbClr val="000000"/>
+                        </a:solidFill>
+                        <a:effectLst/>
+                        <a:latin typeface="Calibri" panose="020F0502020204030204" pitchFamily="34" charset="0"/>
+                      </a:endParaRPr>
+                    </a:p>
+                  </a:txBody>
+                  <a:tcPr marL="7419" marR="7419" marT="7419" marB="0" anchor="ctr"/>
+                </a:tc>
+                <a:tc>
+                  <a:txBody>
+                    <a:bodyPr/>
+                    <a:lstStyle/>
+                    <a:p>
+                      <a:pPr algn="l" fontAlgn="ctr"/>
+                      <a:r>
+                        <a:rPr lang="en-US" sz="1100" u="none" strike="noStrike">
+                          <a:effectLst/>
+                        </a:rPr>
+                        <a:t>Parking manager</a:t>
+                      </a:r>
+                      <a:endParaRPr lang="en-US" sz="1100" b="0" i="0" u="none" strike="noStrike">
+                        <a:solidFill>
+                          <a:srgbClr val="000000"/>
+                        </a:solidFill>
+                        <a:effectLst/>
+                        <a:latin typeface="Calibri" panose="020F0502020204030204" pitchFamily="34" charset="0"/>
+                      </a:endParaRPr>
+                    </a:p>
+                  </a:txBody>
+                  <a:tcPr marL="7419" marR="7419" marT="7419" marB="0" anchor="ctr"/>
+                </a:tc>
+                <a:tc>
+                  <a:txBody>
+                    <a:bodyPr/>
+                    <a:lstStyle/>
+                    <a:p>
+                      <a:pPr algn="l" fontAlgn="ctr"/>
+                      <a:r>
+                        <a:rPr lang="en-US" sz="1100" u="none" strike="noStrike">
+                          <a:effectLst/>
+                        </a:rPr>
+                        <a:t>None</a:t>
+                      </a:r>
+                      <a:endParaRPr lang="en-US" sz="1100" b="0" i="0" u="none" strike="noStrike">
+                        <a:solidFill>
+                          <a:srgbClr val="000000"/>
+                        </a:solidFill>
+                        <a:effectLst/>
+                        <a:latin typeface="Calibri" panose="020F0502020204030204" pitchFamily="34" charset="0"/>
+                      </a:endParaRPr>
+                    </a:p>
+                  </a:txBody>
+                  <a:tcPr marL="7419" marR="7419" marT="7419" marB="0" anchor="ctr"/>
+                </a:tc>
+                <a:tc>
+                  <a:txBody>
+                    <a:bodyPr/>
+                    <a:lstStyle/>
+                    <a:p>
+                      <a:pPr algn="l" fontAlgn="ctr"/>
+                      <a:r>
+                        <a:rPr lang="en-US" sz="1100" u="none" strike="noStrike">
+                          <a:effectLst/>
+                        </a:rPr>
+                        <a:t>None</a:t>
+                      </a:r>
+                      <a:endParaRPr lang="en-US" sz="1100" b="0" i="0" u="none" strike="noStrike">
+                        <a:solidFill>
+                          <a:srgbClr val="000000"/>
+                        </a:solidFill>
+                        <a:effectLst/>
+                        <a:latin typeface="Calibri" panose="020F0502020204030204" pitchFamily="34" charset="0"/>
+                      </a:endParaRPr>
+                    </a:p>
+                  </a:txBody>
+                  <a:tcPr marL="7419" marR="7419" marT="7419" marB="0" anchor="ctr"/>
+                </a:tc>
+                <a:tc>
+                  <a:txBody>
+                    <a:bodyPr/>
+                    <a:lstStyle/>
+                    <a:p>
+                      <a:pPr algn="l" fontAlgn="ctr"/>
+                      <a:r>
+                        <a:rPr lang="en-US" sz="1100" u="none" strike="noStrike">
+                          <a:effectLst/>
+                        </a:rPr>
+                        <a:t>Parking manager can delete a reservation.</a:t>
+                      </a:r>
+                      <a:endParaRPr lang="en-US" sz="1100" b="0" i="0" u="none" strike="noStrike">
+                        <a:solidFill>
+                          <a:srgbClr val="000000"/>
+                        </a:solidFill>
+                        <a:effectLst/>
+                        <a:latin typeface="Calibri" panose="020F0502020204030204" pitchFamily="34" charset="0"/>
+                      </a:endParaRPr>
+                    </a:p>
+                  </a:txBody>
+                  <a:tcPr marL="7419" marR="7419" marT="7419" marB="0" anchor="ctr"/>
+                </a:tc>
+                <a:extLst>
+                  <a:ext uri="{0D108BD9-81ED-4DB2-BD59-A6C34878D82A}">
+                    <a16:rowId xmlns:a16="http://schemas.microsoft.com/office/drawing/2014/main" val="16324130"/>
+                  </a:ext>
+                </a:extLst>
+              </a:tr>
+              <a:tr h="876100">
+                <a:tc>
+                  <a:txBody>
+                    <a:bodyPr/>
+                    <a:lstStyle/>
+                    <a:p>
+                      <a:pPr algn="l" fontAlgn="ctr"/>
+                      <a:r>
+                        <a:rPr lang="en-US" sz="1100" u="none" strike="noStrike">
+                          <a:effectLst/>
+                        </a:rPr>
+                        <a:t>Modify reservation</a:t>
+                      </a:r>
+                      <a:endParaRPr lang="en-US" sz="1100" b="0" i="0" u="none" strike="noStrike">
+                        <a:solidFill>
+                          <a:srgbClr val="000000"/>
+                        </a:solidFill>
+                        <a:effectLst/>
+                        <a:latin typeface="Calibri" panose="020F0502020204030204" pitchFamily="34" charset="0"/>
+                      </a:endParaRPr>
+                    </a:p>
+                  </a:txBody>
+                  <a:tcPr marL="7419" marR="7419" marT="7419" marB="0" anchor="ctr"/>
+                </a:tc>
+                <a:tc>
+                  <a:txBody>
+                    <a:bodyPr/>
+                    <a:lstStyle/>
+                    <a:p>
+                      <a:pPr algn="l" fontAlgn="ctr"/>
+                      <a:r>
+                        <a:rPr lang="en-US" sz="1100" u="none" strike="noStrike" dirty="0">
+                          <a:effectLst/>
+                        </a:rPr>
+                        <a:t>Parking manager</a:t>
+                      </a:r>
+                      <a:endParaRPr lang="en-US" sz="1100" b="0" i="0" u="none" strike="noStrike" dirty="0">
+                        <a:solidFill>
+                          <a:srgbClr val="000000"/>
+                        </a:solidFill>
+                        <a:effectLst/>
+                        <a:latin typeface="Calibri" panose="020F0502020204030204" pitchFamily="34" charset="0"/>
+                      </a:endParaRPr>
+                    </a:p>
+                  </a:txBody>
+                  <a:tcPr marL="7419" marR="7419" marT="7419" marB="0" anchor="ctr"/>
+                </a:tc>
+                <a:tc>
+                  <a:txBody>
+                    <a:bodyPr/>
+                    <a:lstStyle/>
+                    <a:p>
+                      <a:pPr algn="l" fontAlgn="ctr"/>
+                      <a:r>
+                        <a:rPr lang="en-US" sz="1100" u="none" strike="noStrike">
+                          <a:effectLst/>
+                        </a:rPr>
+                        <a:t>None</a:t>
+                      </a:r>
+                      <a:endParaRPr lang="en-US" sz="1100" b="0" i="0" u="none" strike="noStrike">
+                        <a:solidFill>
+                          <a:srgbClr val="000000"/>
+                        </a:solidFill>
+                        <a:effectLst/>
+                        <a:latin typeface="Calibri" panose="020F0502020204030204" pitchFamily="34" charset="0"/>
+                      </a:endParaRPr>
+                    </a:p>
+                  </a:txBody>
+                  <a:tcPr marL="7419" marR="7419" marT="7419" marB="0" anchor="ctr"/>
+                </a:tc>
+                <a:tc>
+                  <a:txBody>
+                    <a:bodyPr/>
+                    <a:lstStyle/>
+                    <a:p>
+                      <a:pPr algn="l" fontAlgn="ctr"/>
+                      <a:r>
+                        <a:rPr lang="en-US" sz="1100" u="none" strike="noStrike" dirty="0">
+                          <a:effectLst/>
+                        </a:rPr>
+                        <a:t>Parking area name</a:t>
+                      </a:r>
+                      <a:br>
+                        <a:rPr lang="en-US" sz="1100" u="none" strike="noStrike" dirty="0">
+                          <a:effectLst/>
+                        </a:rPr>
+                      </a:br>
+                      <a:r>
+                        <a:rPr lang="en-US" sz="1100" u="none" strike="noStrike" dirty="0">
+                          <a:effectLst/>
+                        </a:rPr>
+                        <a:t>Floor</a:t>
+                      </a:r>
+                      <a:br>
+                        <a:rPr lang="en-US" sz="1100" u="none" strike="noStrike" dirty="0">
+                          <a:effectLst/>
+                        </a:rPr>
+                      </a:br>
+                      <a:r>
+                        <a:rPr lang="en-US" sz="1100" u="none" strike="noStrike" dirty="0">
+                          <a:effectLst/>
+                        </a:rPr>
+                        <a:t>Spot number</a:t>
+                      </a:r>
+                      <a:br>
+                        <a:rPr lang="en-US" sz="1100" u="none" strike="noStrike" dirty="0">
+                          <a:effectLst/>
+                        </a:rPr>
+                      </a:br>
+                      <a:r>
+                        <a:rPr lang="en-US" sz="1100" u="none" strike="noStrike" dirty="0">
+                          <a:effectLst/>
+                        </a:rPr>
+                        <a:t>Start time</a:t>
+                      </a:r>
+                      <a:br>
+                        <a:rPr lang="en-US" sz="1100" u="none" strike="noStrike" dirty="0">
+                          <a:effectLst/>
+                        </a:rPr>
+                      </a:br>
+                      <a:r>
+                        <a:rPr lang="en-US" sz="1100" u="none" strike="noStrike" dirty="0">
+                          <a:effectLst/>
+                        </a:rPr>
+                        <a:t>Duration</a:t>
+                      </a:r>
+                      <a:br>
+                        <a:rPr lang="en-US" sz="1100" u="none" strike="noStrike" dirty="0">
+                          <a:effectLst/>
+                        </a:rPr>
+                      </a:br>
+                      <a:r>
+                        <a:rPr lang="en-US" sz="1100" u="none" strike="noStrike" dirty="0">
+                          <a:effectLst/>
+                        </a:rPr>
+                        <a:t>Options</a:t>
+                      </a:r>
+                      <a:endParaRPr lang="en-US" sz="1100" b="0" i="0" u="none" strike="noStrike" dirty="0">
+                        <a:solidFill>
+                          <a:srgbClr val="000000"/>
+                        </a:solidFill>
+                        <a:effectLst/>
+                        <a:latin typeface="Calibri" panose="020F0502020204030204" pitchFamily="34" charset="0"/>
+                      </a:endParaRPr>
+                    </a:p>
+                  </a:txBody>
+                  <a:tcPr marL="7419" marR="7419" marT="7419" marB="0" anchor="ctr"/>
+                </a:tc>
+                <a:tc>
+                  <a:txBody>
+                    <a:bodyPr/>
+                    <a:lstStyle/>
+                    <a:p>
+                      <a:pPr algn="l" fontAlgn="ctr"/>
+                      <a:r>
+                        <a:rPr lang="en-US" sz="1100" u="none" strike="noStrike">
+                          <a:effectLst/>
+                        </a:rPr>
+                        <a:t>Parking manager can modify a selected reservation.</a:t>
+                      </a:r>
+                      <a:endParaRPr lang="en-US" sz="1100" b="0" i="0" u="none" strike="noStrike">
+                        <a:solidFill>
+                          <a:srgbClr val="000000"/>
+                        </a:solidFill>
+                        <a:effectLst/>
+                        <a:latin typeface="Calibri" panose="020F0502020204030204" pitchFamily="34" charset="0"/>
+                      </a:endParaRPr>
+                    </a:p>
+                  </a:txBody>
+                  <a:tcPr marL="7419" marR="7419" marT="7419" marB="0" anchor="ctr"/>
+                </a:tc>
+                <a:extLst>
+                  <a:ext uri="{0D108BD9-81ED-4DB2-BD59-A6C34878D82A}">
+                    <a16:rowId xmlns:a16="http://schemas.microsoft.com/office/drawing/2014/main" val="87329524"/>
+                  </a:ext>
+                </a:extLst>
+              </a:tr>
+              <a:tr h="1022117">
+                <a:tc>
+                  <a:txBody>
+                    <a:bodyPr/>
+                    <a:lstStyle/>
+                    <a:p>
+                      <a:pPr algn="l" fontAlgn="ctr"/>
+                      <a:r>
+                        <a:rPr lang="en-US" sz="1100" u="none" strike="noStrike">
+                          <a:effectLst/>
+                        </a:rPr>
+                        <a:t>Edit user profile</a:t>
+                      </a:r>
+                      <a:endParaRPr lang="en-US" sz="1100" b="0" i="0" u="none" strike="noStrike">
+                        <a:solidFill>
+                          <a:srgbClr val="000000"/>
+                        </a:solidFill>
+                        <a:effectLst/>
+                        <a:latin typeface="Calibri" panose="020F0502020204030204" pitchFamily="34" charset="0"/>
+                      </a:endParaRPr>
+                    </a:p>
+                  </a:txBody>
+                  <a:tcPr marL="7419" marR="7419" marT="7419" marB="0" anchor="ctr"/>
+                </a:tc>
+                <a:tc>
+                  <a:txBody>
+                    <a:bodyPr/>
+                    <a:lstStyle/>
+                    <a:p>
+                      <a:pPr algn="l" fontAlgn="ctr"/>
+                      <a:r>
+                        <a:rPr lang="en-US" sz="1100" u="none" strike="noStrike">
+                          <a:effectLst/>
+                        </a:rPr>
+                        <a:t>Admin</a:t>
+                      </a:r>
+                      <a:endParaRPr lang="en-US" sz="1100" b="0" i="0" u="none" strike="noStrike">
+                        <a:solidFill>
+                          <a:srgbClr val="000000"/>
+                        </a:solidFill>
+                        <a:effectLst/>
+                        <a:latin typeface="Calibri" panose="020F0502020204030204" pitchFamily="34" charset="0"/>
+                      </a:endParaRPr>
+                    </a:p>
+                  </a:txBody>
+                  <a:tcPr marL="7419" marR="7419" marT="7419" marB="0" anchor="ctr"/>
+                </a:tc>
+                <a:tc>
+                  <a:txBody>
+                    <a:bodyPr/>
+                    <a:lstStyle/>
+                    <a:p>
+                      <a:pPr algn="l" fontAlgn="ctr"/>
+                      <a:r>
+                        <a:rPr lang="en-US" sz="1100" u="none" strike="noStrike">
+                          <a:effectLst/>
+                        </a:rPr>
+                        <a:t>Username</a:t>
+                      </a:r>
+                      <a:endParaRPr lang="en-US" sz="1100" b="0" i="0" u="none" strike="noStrike">
+                        <a:solidFill>
+                          <a:srgbClr val="000000"/>
+                        </a:solidFill>
+                        <a:effectLst/>
+                        <a:latin typeface="Calibri" panose="020F0502020204030204" pitchFamily="34" charset="0"/>
+                      </a:endParaRPr>
+                    </a:p>
+                  </a:txBody>
+                  <a:tcPr marL="7419" marR="7419" marT="7419" marB="0" anchor="ctr"/>
+                </a:tc>
+                <a:tc>
+                  <a:txBody>
+                    <a:bodyPr/>
+                    <a:lstStyle/>
+                    <a:p>
+                      <a:pPr algn="l" fontAlgn="ctr"/>
+                      <a:r>
+                        <a:rPr lang="en-US" sz="1100" u="none" strike="noStrike" dirty="0">
+                          <a:effectLst/>
+                        </a:rPr>
+                        <a:t>User name</a:t>
+                      </a:r>
+                      <a:br>
+                        <a:rPr lang="en-US" sz="1100" u="none" strike="noStrike" dirty="0">
+                          <a:effectLst/>
+                        </a:rPr>
+                      </a:br>
+                      <a:r>
+                        <a:rPr lang="en-US" sz="1100" u="none" strike="noStrike" dirty="0">
+                          <a:effectLst/>
+                        </a:rPr>
+                        <a:t>UTA ID</a:t>
+                      </a:r>
+                      <a:br>
+                        <a:rPr lang="en-US" sz="1100" u="none" strike="noStrike" dirty="0">
+                          <a:effectLst/>
+                        </a:rPr>
+                      </a:br>
+                      <a:r>
+                        <a:rPr lang="en-US" sz="1100" u="none" strike="noStrike" dirty="0">
+                          <a:effectLst/>
+                        </a:rPr>
+                        <a:t>Role</a:t>
+                      </a:r>
+                      <a:br>
+                        <a:rPr lang="en-US" sz="1100" u="none" strike="noStrike" dirty="0">
+                          <a:effectLst/>
+                        </a:rPr>
+                      </a:br>
+                      <a:r>
+                        <a:rPr lang="en-US" sz="1100" u="none" strike="noStrike" dirty="0">
+                          <a:effectLst/>
+                        </a:rPr>
+                        <a:t>Phone</a:t>
+                      </a:r>
+                      <a:br>
+                        <a:rPr lang="en-US" sz="1100" u="none" strike="noStrike" dirty="0">
+                          <a:effectLst/>
+                        </a:rPr>
+                      </a:br>
+                      <a:r>
+                        <a:rPr lang="en-US" sz="1100" u="none" strike="noStrike" dirty="0">
+                          <a:effectLst/>
+                        </a:rPr>
+                        <a:t>Email</a:t>
+                      </a:r>
+                      <a:br>
+                        <a:rPr lang="en-US" sz="1100" u="none" strike="noStrike" dirty="0">
+                          <a:effectLst/>
+                        </a:rPr>
+                      </a:br>
+                      <a:r>
+                        <a:rPr lang="en-US" sz="1100" u="none" strike="noStrike" dirty="0">
+                          <a:effectLst/>
+                        </a:rPr>
+                        <a:t>License number</a:t>
+                      </a:r>
+                      <a:br>
+                        <a:rPr lang="en-US" sz="1100" u="none" strike="noStrike" dirty="0">
+                          <a:effectLst/>
+                        </a:rPr>
+                      </a:br>
+                      <a:r>
+                        <a:rPr lang="en-US" sz="1100" u="none" strike="noStrike" dirty="0">
+                          <a:effectLst/>
+                        </a:rPr>
+                        <a:t>Status- active or revoked</a:t>
+                      </a:r>
+                      <a:endParaRPr lang="en-US" sz="1100" b="0" i="0" u="none" strike="noStrike" dirty="0">
+                        <a:solidFill>
+                          <a:srgbClr val="000000"/>
+                        </a:solidFill>
+                        <a:effectLst/>
+                        <a:latin typeface="Calibri" panose="020F0502020204030204" pitchFamily="34" charset="0"/>
+                      </a:endParaRPr>
+                    </a:p>
+                  </a:txBody>
+                  <a:tcPr marL="7419" marR="7419" marT="7419" marB="0" anchor="ctr"/>
+                </a:tc>
+                <a:tc>
+                  <a:txBody>
+                    <a:bodyPr/>
+                    <a:lstStyle/>
+                    <a:p>
+                      <a:pPr algn="l" fontAlgn="ctr"/>
+                      <a:r>
+                        <a:rPr lang="en-US" sz="1100" u="none" strike="noStrike" dirty="0">
+                          <a:effectLst/>
+                        </a:rPr>
+                        <a:t>The admin can view the profile information of a specific user and change it and as well as change status to active to revoked and vice versa.</a:t>
+                      </a:r>
+                      <a:endParaRPr lang="en-US" sz="1100" b="0" i="0" u="none" strike="noStrike" dirty="0">
+                        <a:solidFill>
+                          <a:srgbClr val="000000"/>
+                        </a:solidFill>
+                        <a:effectLst/>
+                        <a:latin typeface="Calibri" panose="020F0502020204030204" pitchFamily="34" charset="0"/>
+                      </a:endParaRPr>
+                    </a:p>
+                  </a:txBody>
+                  <a:tcPr marL="7419" marR="7419" marT="7419" marB="0" anchor="ctr"/>
+                </a:tc>
+                <a:extLst>
+                  <a:ext uri="{0D108BD9-81ED-4DB2-BD59-A6C34878D82A}">
+                    <a16:rowId xmlns:a16="http://schemas.microsoft.com/office/drawing/2014/main" val="3562574513"/>
+                  </a:ext>
+                </a:extLst>
+              </a:tr>
+            </a:tbl>
+          </a:graphicData>
+        </a:graphic>
+      </p:graphicFrame>
+    </p:spTree>
+    <p:extLst>
+      <p:ext uri="{BB962C8B-B14F-4D97-AF65-F5344CB8AC3E}">
+        <p14:creationId xmlns:p14="http://schemas.microsoft.com/office/powerpoint/2010/main" val="1960318457"/>
+      </p:ext>
+    </p:extLst>
   </p:cSld>
   <p:clrMapOvr>
     <a:masterClrMapping/>
@@ -2083,10 +5515,9 @@
           <a:lstStyle/>
           <a:p>
             <a:r>
-              <a:rPr lang="en-US" dirty="0" smtClean="0"/>
+              <a:rPr lang="en-US" dirty="0"/>
               <a:t>Rules and Validation Checks (cont.)</a:t>
             </a:r>
-            <a:endParaRPr lang="en-US" dirty="0"/>
           </a:p>
         </p:txBody>
       </p:sp>
@@ -2140,24 +5571,23 @@
           <a:lstStyle/>
           <a:p>
             <a:r>
-              <a:rPr lang="en-US" dirty="0" smtClean="0"/>
+              <a:rPr lang="en-US" dirty="0"/>
               <a:t>Rules</a:t>
             </a:r>
           </a:p>
           <a:p>
             <a:pPr lvl="1"/>
             <a:r>
-              <a:rPr lang="en-US" dirty="0" smtClean="0"/>
+              <a:rPr lang="en-US" dirty="0"/>
               <a:t>These are checks that would NOT appear on a form but are still performed by the software</a:t>
             </a:r>
           </a:p>
           <a:p>
             <a:pPr lvl="1"/>
             <a:r>
-              <a:rPr lang="en-US" dirty="0" smtClean="0"/>
+              <a:rPr lang="en-US" dirty="0"/>
               <a:t>These are obtained from the project description</a:t>
             </a:r>
-            <a:endParaRPr lang="en-US" dirty="0" smtClean="0"/>
           </a:p>
           <a:p>
             <a:pPr marL="1314450" lvl="2" indent="-457200">
@@ -2165,10 +5595,9 @@
               <a:buAutoNum type="arabicPeriod"/>
             </a:pPr>
             <a:r>
-              <a:rPr lang="en-US" dirty="0" smtClean="0"/>
+              <a:rPr lang="en-US" dirty="0"/>
               <a:t>Category - companies that are marked as online do not collect State sales tax</a:t>
             </a:r>
-            <a:endParaRPr lang="en-US" dirty="0" smtClean="0"/>
           </a:p>
           <a:p>
             <a:pPr marL="1314450" lvl="2" indent="-457200">
@@ -2176,18 +5605,9 @@
               <a:buAutoNum type="arabicPeriod"/>
             </a:pPr>
             <a:r>
-              <a:rPr lang="en-US" dirty="0" smtClean="0"/>
-              <a:t>A </a:t>
+              <a:rPr lang="en-US" dirty="0"/>
+              <a:t>A company is only open between x and y</a:t>
             </a:r>
-            <a:r>
-              <a:rPr lang="en-US" dirty="0" smtClean="0"/>
-              <a:t>company </a:t>
-            </a:r>
-            <a:r>
-              <a:rPr lang="en-US" dirty="0" smtClean="0"/>
-              <a:t>is only open between x and y</a:t>
-            </a:r>
-            <a:endParaRPr lang="en-US" dirty="0" smtClean="0"/>
           </a:p>
           <a:p>
             <a:pPr marL="1314450" lvl="2" indent="-457200">
@@ -2195,25 +5615,20 @@
               <a:buAutoNum type="arabicPeriod"/>
             </a:pPr>
             <a:r>
-              <a:rPr lang="en-US" dirty="0" smtClean="0"/>
-              <a:t>Let’s say that company size was specified (small &lt; 50 employees, medium &lt; 200, large otherwise) and that only a large company may </a:t>
-            </a:r>
-            <a:r>
-              <a:rPr lang="en-US" dirty="0" smtClean="0"/>
-              <a:t>reserve a hall</a:t>
+              <a:rPr lang="en-US" dirty="0"/>
+              <a:t>Let’s say that company size was specified (small &lt; 50 employees, medium &lt; 200, large otherwise) and that only a large company may reserve a hall</a:t>
             </a:r>
           </a:p>
           <a:p>
             <a:pPr marL="914400" lvl="1" indent="-457200"/>
             <a:r>
-              <a:rPr lang="en-US" dirty="0" smtClean="0"/>
+              <a:rPr lang="en-US" dirty="0"/>
               <a:t>These are associated with  a specific object - we are assigning specific software checks against a software object or class</a:t>
             </a:r>
-            <a:endParaRPr lang="en-US" dirty="0" smtClean="0"/>
           </a:p>
           <a:p>
             <a:pPr lvl="1"/>
-            <a:endParaRPr lang="en-US" dirty="0" smtClean="0"/>
+            <a:endParaRPr lang="en-US" dirty="0"/>
           </a:p>
           <a:p>
             <a:pPr lvl="1"/>
@@ -2262,10 +5677,9 @@
           <a:lstStyle/>
           <a:p>
             <a:r>
-              <a:rPr lang="en-US" dirty="0" smtClean="0"/>
-              <a:t>Validation Checks</a:t>
+              <a:rPr lang="en-US" dirty="0"/>
+              <a:t>Validation Checks (cont.)</a:t>
             </a:r>
-            <a:endParaRPr lang="en-US" dirty="0"/>
           </a:p>
         </p:txBody>
       </p:sp>
@@ -2314,15 +5728,39 @@
           <a:lstStyle/>
           <a:p>
             <a:r>
-              <a:rPr lang="en-US" dirty="0" smtClean="0"/>
-              <a:t>Company has several validations depending upon the form</a:t>
+              <a:rPr lang="en-US" dirty="0"/>
+              <a:t>1</a:t>
             </a:r>
           </a:p>
           <a:p>
+            <a:endParaRPr lang="en-US" dirty="0"/>
+          </a:p>
+          <a:p>
+            <a:endParaRPr lang="en-US" dirty="0"/>
+          </a:p>
+          <a:p>
+            <a:endParaRPr lang="en-US" dirty="0"/>
+          </a:p>
+          <a:p>
+            <a:endParaRPr lang="en-US" dirty="0"/>
+          </a:p>
+          <a:p>
+            <a:endParaRPr lang="en-US" dirty="0"/>
+          </a:p>
+          <a:p>
             <a:r>
-              <a:rPr lang="en-US" dirty="0" smtClean="0"/>
-              <a:t>Company form validations</a:t>
+              <a:rPr lang="en-US" dirty="0"/>
+              <a:t>2</a:t>
             </a:r>
+          </a:p>
+          <a:p>
+            <a:endParaRPr lang="en-US" dirty="0"/>
+          </a:p>
+          <a:p>
+            <a:endParaRPr lang="en-US" dirty="0"/>
+          </a:p>
+          <a:p>
+            <a:endParaRPr lang="en-US" dirty="0"/>
           </a:p>
           <a:p>
             <a:endParaRPr lang="en-US" dirty="0"/>
@@ -2335,11 +5773,17 @@
           <p:cNvGraphicFramePr>
             <a:graphicFrameLocks noGrp="1"/>
           </p:cNvGraphicFramePr>
-          <p:nvPr/>
+          <p:nvPr>
+            <p:extLst>
+              <p:ext uri="{D42A27DB-BD31-4B8C-83A1-F6EECF244321}">
+                <p14:modId xmlns:p14="http://schemas.microsoft.com/office/powerpoint/2010/main" val="3760892556"/>
+              </p:ext>
+            </p:extLst>
+          </p:nvPr>
         </p:nvGraphicFramePr>
         <p:xfrm>
-          <a:off x="1495423" y="2092325"/>
-          <a:ext cx="6781802" cy="4348480"/>
+          <a:off x="3356149" y="1892300"/>
+          <a:ext cx="5425901" cy="1483360"/>
         </p:xfrm>
         <a:graphic>
           <a:graphicData uri="http://schemas.openxmlformats.org/drawingml/2006/table">
@@ -2348,8 +5792,20 @@
                 <a:tableStyleId>{5C22544A-7EE6-4342-B048-85BDC9FD1C3A}</a:tableStyleId>
               </a:tblPr>
               <a:tblGrid>
-                <a:gridCol w="2760736"/>
-                <a:gridCol w="4021066"/>
+                <a:gridCol w="2732012">
+                  <a:extLst>
+                    <a:ext uri="{9D8B030D-6E8A-4147-A177-3AD203B41FA5}">
+                      <a16:colId xmlns:a16="http://schemas.microsoft.com/office/drawing/2014/main" val="20000"/>
+                    </a:ext>
+                  </a:extLst>
+                </a:gridCol>
+                <a:gridCol w="2693889">
+                  <a:extLst>
+                    <a:ext uri="{9D8B030D-6E8A-4147-A177-3AD203B41FA5}">
+                      <a16:colId xmlns:a16="http://schemas.microsoft.com/office/drawing/2014/main" val="20001"/>
+                    </a:ext>
+                  </a:extLst>
+                </a:gridCol>
               </a:tblGrid>
               <a:tr h="370840">
                 <a:tc>
@@ -2358,28 +5814,31 @@
                     <a:lstStyle/>
                     <a:p>
                       <a:r>
-                        <a:rPr lang="en-US" dirty="0" smtClean="0"/>
+                        <a:rPr lang="en-US" dirty="0"/>
                         <a:t>Attribute</a:t>
                       </a:r>
-                      <a:endParaRPr lang="en-US" dirty="0"/>
-                    </a:p>
-                  </a:txBody>
-                  <a:tcPr/>
-                </a:tc>
-                <a:tc>
-                  <a:txBody>
-                    <a:bodyPr/>
-                    <a:lstStyle/>
-                    <a:p>
-                      <a:r>
-                        <a:rPr lang="en-US" dirty="0" smtClean="0"/>
+                    </a:p>
+                  </a:txBody>
+                  <a:tcPr/>
+                </a:tc>
+                <a:tc>
+                  <a:txBody>
+                    <a:bodyPr/>
+                    <a:lstStyle/>
+                    <a:p>
+                      <a:r>
+                        <a:rPr lang="en-US" dirty="0"/>
                         <a:t>Validations</a:t>
                       </a:r>
-                      <a:endParaRPr lang="en-US" dirty="0"/>
-                    </a:p>
-                  </a:txBody>
-                  <a:tcPr/>
-                </a:tc>
+                    </a:p>
+                  </a:txBody>
+                  <a:tcPr/>
+                </a:tc>
+                <a:extLst>
+                  <a:ext uri="{0D108BD9-81ED-4DB2-BD59-A6C34878D82A}">
+                    <a16:rowId xmlns:a16="http://schemas.microsoft.com/office/drawing/2014/main" val="10000"/>
+                  </a:ext>
+                </a:extLst>
               </a:tr>
               <a:tr h="370840">
                 <a:tc>
@@ -2387,10 +5846,6 @@
                     <a:bodyPr/>
                     <a:lstStyle/>
                     <a:p>
-                      <a:r>
-                        <a:rPr lang="en-US" dirty="0" smtClean="0"/>
-                        <a:t>Company ID</a:t>
-                      </a:r>
                       <a:endParaRPr lang="en-US" dirty="0"/>
                     </a:p>
                   </a:txBody>
@@ -2401,15 +5856,16 @@
                     <a:bodyPr/>
                     <a:lstStyle/>
                     <a:p>
-                      <a:r>
-                        <a:rPr lang="en-US" dirty="0" smtClean="0"/>
-                        <a:t>3 &lt;= string size &lt;= 16</a:t>
-                      </a:r>
                       <a:endParaRPr lang="en-US" dirty="0"/>
                     </a:p>
                   </a:txBody>
                   <a:tcPr/>
                 </a:tc>
+                <a:extLst>
+                  <a:ext uri="{0D108BD9-81ED-4DB2-BD59-A6C34878D82A}">
+                    <a16:rowId xmlns:a16="http://schemas.microsoft.com/office/drawing/2014/main" val="10001"/>
+                  </a:ext>
+                </a:extLst>
               </a:tr>
               <a:tr h="370840">
                 <a:tc>
@@ -2417,27 +5873,11 @@
                     <a:bodyPr/>
                     <a:lstStyle/>
                     <a:p>
-                      <a:endParaRPr lang="en-US"/>
-                    </a:p>
-                  </a:txBody>
-                  <a:tcPr/>
-                </a:tc>
-                <a:tc>
-                  <a:txBody>
-                    <a:bodyPr/>
-                    <a:lstStyle/>
-                    <a:p>
-                      <a:r>
-                        <a:rPr lang="en-US" dirty="0" smtClean="0"/>
-                        <a:t>is a number</a:t>
-                      </a:r>
                       <a:endParaRPr lang="en-US" dirty="0"/>
                     </a:p>
                   </a:txBody>
                   <a:tcPr/>
                 </a:tc>
-              </a:tr>
-              <a:tr h="370840">
                 <a:tc>
                   <a:txBody>
                     <a:bodyPr/>
@@ -2448,54 +5888,11 @@
                   </a:txBody>
                   <a:tcPr/>
                 </a:tc>
-                <a:tc>
-                  <a:txBody>
-                    <a:bodyPr/>
-                    <a:lstStyle/>
-                    <a:p>
-                      <a:r>
-                        <a:rPr lang="en-US" dirty="0" smtClean="0"/>
-                        <a:t>unique - not in DB</a:t>
-                      </a:r>
-                      <a:endParaRPr lang="en-US" dirty="0"/>
-                    </a:p>
-                  </a:txBody>
-                  <a:tcPr/>
-                </a:tc>
-              </a:tr>
-              <a:tr h="370840">
-                <a:tc>
-                  <a:txBody>
-                    <a:bodyPr/>
-                    <a:lstStyle/>
-                    <a:p>
-                      <a:r>
-                        <a:rPr lang="en-US" dirty="0" smtClean="0"/>
-                        <a:t>Company name</a:t>
-                      </a:r>
-                      <a:endParaRPr lang="en-US" dirty="0"/>
-                    </a:p>
-                  </a:txBody>
-                  <a:tcPr/>
-                </a:tc>
-                <a:tc>
-                  <a:txBody>
-                    <a:bodyPr/>
-                    <a:lstStyle/>
-                    <a:p>
-                      <a:r>
-                        <a:rPr lang="en-US" dirty="0" smtClean="0"/>
-                        <a:t>Start with a capital</a:t>
-                      </a:r>
-                      <a:r>
-                        <a:rPr lang="en-US" baseline="0" dirty="0" smtClean="0"/>
-                        <a:t> letter</a:t>
-                      </a:r>
-                      <a:endParaRPr lang="en-US" dirty="0"/>
-                    </a:p>
-                  </a:txBody>
-                  <a:tcPr/>
-                </a:tc>
+                <a:extLst>
+                  <a:ext uri="{0D108BD9-81ED-4DB2-BD59-A6C34878D82A}">
+                    <a16:rowId xmlns:a16="http://schemas.microsoft.com/office/drawing/2014/main" val="10002"/>
+                  </a:ext>
+                </a:extLst>
               </a:tr>
               <a:tr h="370840">
                 <a:tc>
@@ -2530,25 +5927,127 @@
                         <a:tabLst/>
                         <a:defRPr/>
                       </a:pPr>
-                      <a:r>
-                        <a:rPr lang="en-US" dirty="0" smtClean="0"/>
-                        <a:t>3 &lt;= string size &lt;= 45</a:t>
-                      </a:r>
-                    </a:p>
-                  </a:txBody>
-                  <a:tcPr/>
-                </a:tc>
+                      <a:endParaRPr lang="en-US" dirty="0"/>
+                    </a:p>
+                  </a:txBody>
+                  <a:tcPr/>
+                </a:tc>
+                <a:extLst>
+                  <a:ext uri="{0D108BD9-81ED-4DB2-BD59-A6C34878D82A}">
+                    <a16:rowId xmlns:a16="http://schemas.microsoft.com/office/drawing/2014/main" val="10003"/>
+                  </a:ext>
+                </a:extLst>
               </a:tr>
-              <a:tr h="370840">
-                <a:tc>
-                  <a:txBody>
-                    <a:bodyPr/>
-                    <a:lstStyle/>
-                    <a:p>
-                      <a:r>
-                        <a:rPr lang="en-US" dirty="0" smtClean="0"/>
-                        <a:t>Phone</a:t>
-                      </a:r>
+            </a:tbl>
+          </a:graphicData>
+        </a:graphic>
+      </p:graphicFrame>
+      <p:graphicFrame>
+        <p:nvGraphicFramePr>
+          <p:cNvPr id="6" name="Table 5"/>
+          <p:cNvGraphicFramePr>
+            <a:graphicFrameLocks noGrp="1"/>
+          </p:cNvGraphicFramePr>
+          <p:nvPr>
+            <p:extLst>
+              <p:ext uri="{D42A27DB-BD31-4B8C-83A1-F6EECF244321}">
+                <p14:modId xmlns:p14="http://schemas.microsoft.com/office/powerpoint/2010/main" val="1789176000"/>
+              </p:ext>
+            </p:extLst>
+          </p:nvPr>
+        </p:nvGraphicFramePr>
+        <p:xfrm>
+          <a:off x="3356150" y="3942397"/>
+          <a:ext cx="5454476" cy="1186497"/>
+        </p:xfrm>
+        <a:graphic>
+          <a:graphicData uri="http://schemas.openxmlformats.org/drawingml/2006/table">
+            <a:tbl>
+              <a:tblPr firstRow="1" bandRow="1">
+                <a:tableStyleId>{5C22544A-7EE6-4342-B048-85BDC9FD1C3A}</a:tableStyleId>
+              </a:tblPr>
+              <a:tblGrid>
+                <a:gridCol w="2220408">
+                  <a:extLst>
+                    <a:ext uri="{9D8B030D-6E8A-4147-A177-3AD203B41FA5}">
+                      <a16:colId xmlns:a16="http://schemas.microsoft.com/office/drawing/2014/main" val="20000"/>
+                    </a:ext>
+                  </a:extLst>
+                </a:gridCol>
+                <a:gridCol w="3234068">
+                  <a:extLst>
+                    <a:ext uri="{9D8B030D-6E8A-4147-A177-3AD203B41FA5}">
+                      <a16:colId xmlns:a16="http://schemas.microsoft.com/office/drawing/2014/main" val="20001"/>
+                    </a:ext>
+                  </a:extLst>
+                </a:gridCol>
+              </a:tblGrid>
+              <a:tr h="395499">
+                <a:tc>
+                  <a:txBody>
+                    <a:bodyPr/>
+                    <a:lstStyle/>
+                    <a:p>
+                      <a:r>
+                        <a:rPr lang="en-US" dirty="0"/>
+                        <a:t>Attribute</a:t>
+                      </a:r>
+                    </a:p>
+                  </a:txBody>
+                  <a:tcPr/>
+                </a:tc>
+                <a:tc>
+                  <a:txBody>
+                    <a:bodyPr/>
+                    <a:lstStyle/>
+                    <a:p>
+                      <a:r>
+                        <a:rPr lang="en-US" dirty="0"/>
+                        <a:t>Validations</a:t>
+                      </a:r>
+                    </a:p>
+                  </a:txBody>
+                  <a:tcPr/>
+                </a:tc>
+                <a:extLst>
+                  <a:ext uri="{0D108BD9-81ED-4DB2-BD59-A6C34878D82A}">
+                    <a16:rowId xmlns:a16="http://schemas.microsoft.com/office/drawing/2014/main" val="10000"/>
+                  </a:ext>
+                </a:extLst>
+              </a:tr>
+              <a:tr h="395499">
+                <a:tc>
+                  <a:txBody>
+                    <a:bodyPr/>
+                    <a:lstStyle/>
+                    <a:p>
+                      <a:endParaRPr lang="en-US" dirty="0"/>
+                    </a:p>
+                  </a:txBody>
+                  <a:tcPr/>
+                </a:tc>
+                <a:tc>
+                  <a:txBody>
+                    <a:bodyPr/>
+                    <a:lstStyle/>
+                    <a:p>
+                      <a:endParaRPr lang="en-US" dirty="0"/>
+                    </a:p>
+                  </a:txBody>
+                  <a:tcPr/>
+                </a:tc>
+                <a:extLst>
+                  <a:ext uri="{0D108BD9-81ED-4DB2-BD59-A6C34878D82A}">
+                    <a16:rowId xmlns:a16="http://schemas.microsoft.com/office/drawing/2014/main" val="10001"/>
+                  </a:ext>
+                </a:extLst>
+              </a:tr>
+              <a:tr h="395499">
+                <a:tc>
+                  <a:txBody>
+                    <a:bodyPr/>
+                    <a:lstStyle/>
+                    <a:p>
                       <a:endParaRPr lang="en-US" dirty="0"/>
                     </a:p>
                   </a:txBody>
@@ -2576,220 +6075,16 @@
                         <a:tabLst/>
                         <a:defRPr/>
                       </a:pPr>
-                      <a:r>
-                        <a:rPr lang="en-US" dirty="0" smtClean="0"/>
-                        <a:t>10 digits in length</a:t>
-                      </a:r>
-                    </a:p>
-                  </a:txBody>
-                  <a:tcPr/>
-                </a:tc>
-              </a:tr>
-              <a:tr h="370840">
-                <a:tc>
-                  <a:txBody>
-                    <a:bodyPr/>
-                    <a:lstStyle/>
-                    <a:p>
                       <a:endParaRPr lang="en-US" dirty="0"/>
                     </a:p>
                   </a:txBody>
                   <a:tcPr/>
                 </a:tc>
-                <a:tc>
-                  <a:txBody>
-                    <a:bodyPr/>
-                    <a:lstStyle/>
-                    <a:p>
-                      <a:pPr marL="0" marR="0" indent="0" algn="l" defTabSz="914400" rtl="0" eaLnBrk="1" fontAlgn="auto" latinLnBrk="0" hangingPunct="1">
-                        <a:lnSpc>
-                          <a:spcPct val="100000"/>
-                        </a:lnSpc>
-                        <a:spcBef>
-                          <a:spcPts val="0"/>
-                        </a:spcBef>
-                        <a:spcAft>
-                          <a:spcPts val="0"/>
-                        </a:spcAft>
-                        <a:buClrTx/>
-                        <a:buSzTx/>
-                        <a:buFontTx/>
-                        <a:buNone/>
-                        <a:tabLst/>
-                        <a:defRPr/>
-                      </a:pPr>
-                      <a:r>
-                        <a:rPr lang="en-US" dirty="0" smtClean="0"/>
-                        <a:t>is a number</a:t>
-                      </a:r>
-                    </a:p>
-                  </a:txBody>
-                  <a:tcPr/>
-                </a:tc>
-              </a:tr>
-              <a:tr h="370840">
-                <a:tc>
-                  <a:txBody>
-                    <a:bodyPr/>
-                    <a:lstStyle/>
-                    <a:p>
-                      <a:r>
-                        <a:rPr lang="en-US" dirty="0" smtClean="0"/>
-                        <a:t>Email</a:t>
-                      </a:r>
-                      <a:endParaRPr lang="en-US" dirty="0"/>
-                    </a:p>
-                  </a:txBody>
-                  <a:tcPr/>
-                </a:tc>
-                <a:tc>
-                  <a:txBody>
-                    <a:bodyPr/>
-                    <a:lstStyle/>
-                    <a:p>
-                      <a:pPr marL="0" marR="0" indent="0" algn="l" defTabSz="914400" rtl="0" eaLnBrk="1" fontAlgn="auto" latinLnBrk="0" hangingPunct="1">
-                        <a:lnSpc>
-                          <a:spcPct val="100000"/>
-                        </a:lnSpc>
-                        <a:spcBef>
-                          <a:spcPts val="0"/>
-                        </a:spcBef>
-                        <a:spcAft>
-                          <a:spcPts val="0"/>
-                        </a:spcAft>
-                        <a:buClrTx/>
-                        <a:buSzTx/>
-                        <a:buFontTx/>
-                        <a:buNone/>
-                        <a:tabLst/>
-                        <a:defRPr/>
-                      </a:pPr>
-                      <a:r>
-                        <a:rPr lang="en-US" dirty="0" smtClean="0"/>
-                        <a:t>contains</a:t>
-                      </a:r>
-                      <a:r>
-                        <a:rPr lang="en-US" baseline="0" dirty="0" smtClean="0"/>
-                        <a:t> a @</a:t>
-                      </a:r>
-                      <a:endParaRPr lang="en-US" dirty="0" smtClean="0"/>
-                    </a:p>
-                  </a:txBody>
-                  <a:tcPr/>
-                </a:tc>
-              </a:tr>
-              <a:tr h="370840">
-                <a:tc>
-                  <a:txBody>
-                    <a:bodyPr/>
-                    <a:lstStyle/>
-                    <a:p>
-                      <a:endParaRPr lang="en-US" dirty="0"/>
-                    </a:p>
-                  </a:txBody>
-                  <a:tcPr/>
-                </a:tc>
-                <a:tc>
-                  <a:txBody>
-                    <a:bodyPr/>
-                    <a:lstStyle/>
-                    <a:p>
-                      <a:pPr marL="0" marR="0" indent="0" algn="l" defTabSz="914400" rtl="0" eaLnBrk="1" fontAlgn="auto" latinLnBrk="0" hangingPunct="1">
-                        <a:lnSpc>
-                          <a:spcPct val="100000"/>
-                        </a:lnSpc>
-                        <a:spcBef>
-                          <a:spcPts val="0"/>
-                        </a:spcBef>
-                        <a:spcAft>
-                          <a:spcPts val="0"/>
-                        </a:spcAft>
-                        <a:buClrTx/>
-                        <a:buSzTx/>
-                        <a:buFontTx/>
-                        <a:buNone/>
-                        <a:tabLst/>
-                        <a:defRPr/>
-                      </a:pPr>
-                      <a:r>
-                        <a:rPr lang="en-US" dirty="0" smtClean="0"/>
-                        <a:t>valid extension (.com, .</a:t>
-                      </a:r>
-                      <a:r>
-                        <a:rPr lang="en-US" dirty="0" err="1" smtClean="0"/>
-                        <a:t>gov</a:t>
-                      </a:r>
-                      <a:r>
-                        <a:rPr lang="en-US" dirty="0" smtClean="0"/>
-                        <a:t>, </a:t>
-                      </a:r>
-                      <a:r>
-                        <a:rPr lang="en-US" dirty="0" err="1" smtClean="0"/>
-                        <a:t>.net</a:t>
-                      </a:r>
-                      <a:r>
-                        <a:rPr lang="en-US" dirty="0" smtClean="0"/>
-                        <a:t>,</a:t>
-                      </a:r>
-                      <a:r>
-                        <a:rPr lang="en-US" baseline="0" dirty="0" smtClean="0"/>
-                        <a:t> .org, .</a:t>
-                      </a:r>
-                      <a:r>
-                        <a:rPr lang="en-US" baseline="0" dirty="0" err="1" smtClean="0"/>
-                        <a:t>edu</a:t>
-                      </a:r>
-                      <a:r>
-                        <a:rPr lang="en-US" baseline="0" dirty="0" smtClean="0"/>
-                        <a:t>, or .mil)</a:t>
-                      </a:r>
-                      <a:endParaRPr lang="en-US" dirty="0" smtClean="0"/>
-                    </a:p>
-                  </a:txBody>
-                  <a:tcPr/>
-                </a:tc>
-              </a:tr>
-              <a:tr h="370840">
-                <a:tc>
-                  <a:txBody>
-                    <a:bodyPr/>
-                    <a:lstStyle/>
-                    <a:p>
-                      <a:endParaRPr lang="en-US" dirty="0"/>
-                    </a:p>
-                  </a:txBody>
-                  <a:tcPr/>
-                </a:tc>
-                <a:tc>
-                  <a:txBody>
-                    <a:bodyPr/>
-                    <a:lstStyle/>
-                    <a:p>
-                      <a:pPr marL="0" marR="0" indent="0" algn="l" defTabSz="914400" rtl="0" eaLnBrk="1" fontAlgn="auto" latinLnBrk="0" hangingPunct="1">
-                        <a:lnSpc>
-                          <a:spcPct val="100000"/>
-                        </a:lnSpc>
-                        <a:spcBef>
-                          <a:spcPts val="0"/>
-                        </a:spcBef>
-                        <a:spcAft>
-                          <a:spcPts val="0"/>
-                        </a:spcAft>
-                        <a:buClrTx/>
-                        <a:buSzTx/>
-                        <a:buFontTx/>
-                        <a:buNone/>
-                        <a:tabLst/>
-                        <a:defRPr/>
-                      </a:pPr>
-                      <a:r>
-                        <a:rPr lang="en-US" dirty="0" smtClean="0"/>
-                        <a:t>7 &lt;= string size &lt;= 45</a:t>
-                      </a:r>
-                    </a:p>
-                  </a:txBody>
-                  <a:tcPr/>
-                </a:tc>
+                <a:extLst>
+                  <a:ext uri="{0D108BD9-81ED-4DB2-BD59-A6C34878D82A}">
+                    <a16:rowId xmlns:a16="http://schemas.microsoft.com/office/drawing/2014/main" val="10002"/>
+                  </a:ext>
+                </a:extLst>
               </a:tr>
             </a:tbl>
           </a:graphicData>
@@ -2836,22 +6131,9 @@
           <a:lstStyle/>
           <a:p>
             <a:r>
-              <a:rPr lang="en-US" dirty="0" smtClean="0"/>
-              <a:t>Validation </a:t>
+              <a:rPr lang="en-US" dirty="0"/>
+              <a:t>Validation Checks (cont.)</a:t>
             </a:r>
-            <a:r>
-              <a:rPr lang="en-US" dirty="0" smtClean="0"/>
-              <a:t>Checks (</a:t>
-            </a:r>
-            <a:r>
-              <a:rPr lang="en-US" dirty="0" smtClean="0"/>
-              <a:t>cont</a:t>
-            </a:r>
-            <a:r>
-              <a:rPr lang="en-US" dirty="0" smtClean="0"/>
-              <a:t>.)</a:t>
-            </a:r>
-            <a:endParaRPr lang="en-US" dirty="0"/>
           </a:p>
         </p:txBody>
       </p:sp>
@@ -2900,52 +6182,39 @@
           <a:lstStyle/>
           <a:p>
             <a:r>
-              <a:rPr lang="en-US" dirty="0" smtClean="0"/>
-              <a:t>Search Company form validations</a:t>
+              <a:rPr lang="en-US" dirty="0"/>
+              <a:t>3</a:t>
             </a:r>
           </a:p>
           <a:p>
-            <a:endParaRPr lang="en-US" dirty="0" smtClean="0"/>
-          </a:p>
-          <a:p>
-            <a:endParaRPr lang="en-US" dirty="0" smtClean="0"/>
-          </a:p>
-          <a:p>
-            <a:endParaRPr lang="en-US" dirty="0" smtClean="0"/>
-          </a:p>
-          <a:p>
-            <a:endParaRPr lang="en-US" dirty="0" smtClean="0"/>
-          </a:p>
-          <a:p>
-            <a:endParaRPr lang="en-US" dirty="0" smtClean="0"/>
+            <a:endParaRPr lang="en-US" dirty="0"/>
+          </a:p>
+          <a:p>
+            <a:endParaRPr lang="en-US" dirty="0"/>
+          </a:p>
+          <a:p>
+            <a:endParaRPr lang="en-US" dirty="0"/>
+          </a:p>
+          <a:p>
+            <a:endParaRPr lang="en-US" dirty="0"/>
+          </a:p>
+          <a:p>
+            <a:endParaRPr lang="en-US" dirty="0"/>
           </a:p>
           <a:p>
             <a:r>
-              <a:rPr lang="en-US" dirty="0" smtClean="0"/>
-              <a:t>Search Employee form validations</a:t>
+              <a:rPr lang="en-US" dirty="0"/>
+              <a:t>4</a:t>
             </a:r>
           </a:p>
           <a:p>
-            <a:endParaRPr lang="en-US" dirty="0" smtClean="0"/>
-          </a:p>
-          <a:p>
-            <a:endParaRPr lang="en-US" dirty="0" smtClean="0"/>
-          </a:p>
-          <a:p>
-            <a:endParaRPr lang="en-US" dirty="0" smtClean="0"/>
-          </a:p>
-          <a:p>
-            <a:endParaRPr lang="en-US" dirty="0" smtClean="0"/>
-          </a:p>
-          <a:p>
-            <a:r>
-              <a:rPr lang="en-US" dirty="0" smtClean="0">
-                <a:solidFill>
-                  <a:srgbClr val="FF0000"/>
-                </a:solidFill>
-              </a:rPr>
-              <a:t>Notice that these three sets of validations are all performed on Company attributes</a:t>
-            </a:r>
+            <a:endParaRPr lang="en-US" dirty="0"/>
+          </a:p>
+          <a:p>
+            <a:endParaRPr lang="en-US" dirty="0"/>
+          </a:p>
+          <a:p>
+            <a:endParaRPr lang="en-US" dirty="0"/>
           </a:p>
           <a:p>
             <a:endParaRPr lang="en-US" dirty="0"/>
@@ -2961,8 +6230,8 @@
           <p:nvPr/>
         </p:nvGraphicFramePr>
         <p:xfrm>
-          <a:off x="4238623" y="1892300"/>
-          <a:ext cx="4543427" cy="1483360"/>
+          <a:off x="3356149" y="1892300"/>
+          <a:ext cx="5425901" cy="1483360"/>
         </p:xfrm>
         <a:graphic>
           <a:graphicData uri="http://schemas.openxmlformats.org/drawingml/2006/table">
@@ -2971,8 +6240,20 @@
                 <a:tableStyleId>{5C22544A-7EE6-4342-B048-85BDC9FD1C3A}</a:tableStyleId>
               </a:tblPr>
               <a:tblGrid>
-                <a:gridCol w="1849538"/>
-                <a:gridCol w="2693889"/>
+                <a:gridCol w="2732012">
+                  <a:extLst>
+                    <a:ext uri="{9D8B030D-6E8A-4147-A177-3AD203B41FA5}">
+                      <a16:colId xmlns:a16="http://schemas.microsoft.com/office/drawing/2014/main" val="20000"/>
+                    </a:ext>
+                  </a:extLst>
+                </a:gridCol>
+                <a:gridCol w="2693889">
+                  <a:extLst>
+                    <a:ext uri="{9D8B030D-6E8A-4147-A177-3AD203B41FA5}">
+                      <a16:colId xmlns:a16="http://schemas.microsoft.com/office/drawing/2014/main" val="20001"/>
+                    </a:ext>
+                  </a:extLst>
+                </a:gridCol>
               </a:tblGrid>
               <a:tr h="370840">
                 <a:tc>
@@ -2981,28 +6262,31 @@
                     <a:lstStyle/>
                     <a:p>
                       <a:r>
-                        <a:rPr lang="en-US" dirty="0" smtClean="0"/>
+                        <a:rPr lang="en-US" dirty="0"/>
                         <a:t>Attribute</a:t>
                       </a:r>
-                      <a:endParaRPr lang="en-US" dirty="0"/>
-                    </a:p>
-                  </a:txBody>
-                  <a:tcPr/>
-                </a:tc>
-                <a:tc>
-                  <a:txBody>
-                    <a:bodyPr/>
-                    <a:lstStyle/>
-                    <a:p>
-                      <a:r>
-                        <a:rPr lang="en-US" dirty="0" smtClean="0"/>
+                    </a:p>
+                  </a:txBody>
+                  <a:tcPr/>
+                </a:tc>
+                <a:tc>
+                  <a:txBody>
+                    <a:bodyPr/>
+                    <a:lstStyle/>
+                    <a:p>
+                      <a:r>
+                        <a:rPr lang="en-US" dirty="0"/>
                         <a:t>Validations</a:t>
                       </a:r>
-                      <a:endParaRPr lang="en-US" dirty="0"/>
-                    </a:p>
-                  </a:txBody>
-                  <a:tcPr/>
-                </a:tc>
+                    </a:p>
+                  </a:txBody>
+                  <a:tcPr/>
+                </a:tc>
+                <a:extLst>
+                  <a:ext uri="{0D108BD9-81ED-4DB2-BD59-A6C34878D82A}">
+                    <a16:rowId xmlns:a16="http://schemas.microsoft.com/office/drawing/2014/main" val="10000"/>
+                  </a:ext>
+                </a:extLst>
               </a:tr>
               <a:tr h="370840">
                 <a:tc>
@@ -3010,10 +6294,6 @@
                     <a:bodyPr/>
                     <a:lstStyle/>
                     <a:p>
-                      <a:r>
-                        <a:rPr lang="en-US" dirty="0" smtClean="0"/>
-                        <a:t>Company ID</a:t>
-                      </a:r>
                       <a:endParaRPr lang="en-US" dirty="0"/>
                     </a:p>
                   </a:txBody>
@@ -3024,15 +6304,16 @@
                     <a:bodyPr/>
                     <a:lstStyle/>
                     <a:p>
-                      <a:r>
-                        <a:rPr lang="en-US" dirty="0" smtClean="0"/>
-                        <a:t>is a number</a:t>
-                      </a:r>
                       <a:endParaRPr lang="en-US" dirty="0"/>
                     </a:p>
                   </a:txBody>
                   <a:tcPr/>
                 </a:tc>
+                <a:extLst>
+                  <a:ext uri="{0D108BD9-81ED-4DB2-BD59-A6C34878D82A}">
+                    <a16:rowId xmlns:a16="http://schemas.microsoft.com/office/drawing/2014/main" val="10001"/>
+                  </a:ext>
+                </a:extLst>
               </a:tr>
               <a:tr h="370840">
                 <a:tc>
@@ -3040,10 +6321,6 @@
                     <a:bodyPr/>
                     <a:lstStyle/>
                     <a:p>
-                      <a:r>
-                        <a:rPr lang="en-US" dirty="0" smtClean="0"/>
-                        <a:t>Company name</a:t>
-                      </a:r>
                       <a:endParaRPr lang="en-US" dirty="0"/>
                     </a:p>
                   </a:txBody>
@@ -3054,15 +6331,16 @@
                     <a:bodyPr/>
                     <a:lstStyle/>
                     <a:p>
-                      <a:r>
-                        <a:rPr lang="en-US" dirty="0" smtClean="0"/>
-                        <a:t>none</a:t>
-                      </a:r>
                       <a:endParaRPr lang="en-US" dirty="0"/>
                     </a:p>
                   </a:txBody>
                   <a:tcPr/>
                 </a:tc>
+                <a:extLst>
+                  <a:ext uri="{0D108BD9-81ED-4DB2-BD59-A6C34878D82A}">
+                    <a16:rowId xmlns:a16="http://schemas.microsoft.com/office/drawing/2014/main" val="10002"/>
+                  </a:ext>
+                </a:extLst>
               </a:tr>
               <a:tr h="370840">
                 <a:tc>
@@ -3070,10 +6348,6 @@
                     <a:bodyPr/>
                     <a:lstStyle/>
                     <a:p>
-                      <a:r>
-                        <a:rPr lang="en-US" dirty="0" smtClean="0"/>
-                        <a:t>Other</a:t>
-                      </a:r>
                       <a:endParaRPr lang="en-US" dirty="0"/>
                     </a:p>
                   </a:txBody>
@@ -3101,19 +6375,16 @@
                         <a:tabLst/>
                         <a:defRPr/>
                       </a:pPr>
-                      <a:r>
-                        <a:rPr lang="en-US" dirty="0" smtClean="0"/>
-                        <a:t>above cannot both be</a:t>
-                      </a:r>
-                      <a:r>
-                        <a:rPr lang="en-US" baseline="0" dirty="0" smtClean="0"/>
-                        <a:t> “”</a:t>
-                      </a:r>
-                      <a:endParaRPr lang="en-US" dirty="0" smtClean="0"/>
-                    </a:p>
-                  </a:txBody>
-                  <a:tcPr/>
-                </a:tc>
+                      <a:endParaRPr lang="en-US" dirty="0"/>
+                    </a:p>
+                  </a:txBody>
+                  <a:tcPr/>
+                </a:tc>
+                <a:extLst>
+                  <a:ext uri="{0D108BD9-81ED-4DB2-BD59-A6C34878D82A}">
+                    <a16:rowId xmlns:a16="http://schemas.microsoft.com/office/drawing/2014/main" val="10003"/>
+                  </a:ext>
+                </a:extLst>
               </a:tr>
             </a:tbl>
           </a:graphicData>
@@ -3128,8 +6399,8 @@
           <p:nvPr/>
         </p:nvGraphicFramePr>
         <p:xfrm>
-          <a:off x="4267198" y="4016375"/>
-          <a:ext cx="4543427" cy="1112520"/>
+          <a:off x="3356150" y="3942397"/>
+          <a:ext cx="5454476" cy="1186497"/>
         </p:xfrm>
         <a:graphic>
           <a:graphicData uri="http://schemas.openxmlformats.org/drawingml/2006/table">
@@ -3138,19 +6409,60 @@
                 <a:tableStyleId>{5C22544A-7EE6-4342-B048-85BDC9FD1C3A}</a:tableStyleId>
               </a:tblPr>
               <a:tblGrid>
-                <a:gridCol w="1849538"/>
-                <a:gridCol w="2693889"/>
+                <a:gridCol w="2220408">
+                  <a:extLst>
+                    <a:ext uri="{9D8B030D-6E8A-4147-A177-3AD203B41FA5}">
+                      <a16:colId xmlns:a16="http://schemas.microsoft.com/office/drawing/2014/main" val="20000"/>
+                    </a:ext>
+                  </a:extLst>
+                </a:gridCol>
+                <a:gridCol w="3234068">
+                  <a:extLst>
+                    <a:ext uri="{9D8B030D-6E8A-4147-A177-3AD203B41FA5}">
+                      <a16:colId xmlns:a16="http://schemas.microsoft.com/office/drawing/2014/main" val="20001"/>
+                    </a:ext>
+                  </a:extLst>
+                </a:gridCol>
               </a:tblGrid>
-              <a:tr h="370840">
-                <a:tc>
-                  <a:txBody>
-                    <a:bodyPr/>
-                    <a:lstStyle/>
-                    <a:p>
-                      <a:r>
-                        <a:rPr lang="en-US" dirty="0" smtClean="0"/>
+              <a:tr h="395499">
+                <a:tc>
+                  <a:txBody>
+                    <a:bodyPr/>
+                    <a:lstStyle/>
+                    <a:p>
+                      <a:r>
+                        <a:rPr lang="en-US" dirty="0"/>
                         <a:t>Attribute</a:t>
                       </a:r>
+                    </a:p>
+                  </a:txBody>
+                  <a:tcPr/>
+                </a:tc>
+                <a:tc>
+                  <a:txBody>
+                    <a:bodyPr/>
+                    <a:lstStyle/>
+                    <a:p>
+                      <a:r>
+                        <a:rPr lang="en-US" dirty="0"/>
+                        <a:t>Validations</a:t>
+                      </a:r>
+                    </a:p>
+                  </a:txBody>
+                  <a:tcPr/>
+                </a:tc>
+                <a:extLst>
+                  <a:ext uri="{0D108BD9-81ED-4DB2-BD59-A6C34878D82A}">
+                    <a16:rowId xmlns:a16="http://schemas.microsoft.com/office/drawing/2014/main" val="10000"/>
+                  </a:ext>
+                </a:extLst>
+              </a:tr>
+              <a:tr h="395499">
+                <a:tc>
+                  <a:txBody>
+                    <a:bodyPr/>
+                    <a:lstStyle/>
+                    <a:p>
                       <a:endParaRPr lang="en-US" dirty="0"/>
                     </a:p>
                   </a:txBody>
@@ -3161,47 +6473,18 @@
                     <a:bodyPr/>
                     <a:lstStyle/>
                     <a:p>
-                      <a:r>
-                        <a:rPr lang="en-US" dirty="0" smtClean="0"/>
-                        <a:t>Validations</a:t>
-                      </a:r>
                       <a:endParaRPr lang="en-US" dirty="0"/>
                     </a:p>
                   </a:txBody>
                   <a:tcPr/>
                 </a:tc>
+                <a:extLst>
+                  <a:ext uri="{0D108BD9-81ED-4DB2-BD59-A6C34878D82A}">
+                    <a16:rowId xmlns:a16="http://schemas.microsoft.com/office/drawing/2014/main" val="10001"/>
+                  </a:ext>
+                </a:extLst>
               </a:tr>
-              <a:tr h="370840">
-                <a:tc>
-                  <a:txBody>
-                    <a:bodyPr/>
-                    <a:lstStyle/>
-                    <a:p>
-                      <a:r>
-                        <a:rPr lang="en-US" dirty="0" smtClean="0"/>
-                        <a:t>Company ID</a:t>
-                      </a:r>
-                      <a:endParaRPr lang="en-US" dirty="0"/>
-                    </a:p>
-                  </a:txBody>
-                  <a:tcPr/>
-                </a:tc>
-                <a:tc>
-                  <a:txBody>
-                    <a:bodyPr/>
-                    <a:lstStyle/>
-                    <a:p>
-                      <a:r>
-                        <a:rPr lang="en-US" dirty="0" smtClean="0"/>
-                        <a:t>is a number</a:t>
-                      </a:r>
-                      <a:endParaRPr lang="en-US" dirty="0"/>
-                    </a:p>
-                  </a:txBody>
-                  <a:tcPr/>
-                </a:tc>
-              </a:tr>
-              <a:tr h="370840">
+              <a:tr h="395499">
                 <a:tc>
                   <a:txBody>
                     <a:bodyPr/>
@@ -3234,25 +6517,27 @@
                         <a:tabLst/>
                         <a:defRPr/>
                       </a:pPr>
-                      <a:r>
-                        <a:rPr lang="en-US" dirty="0" smtClean="0"/>
-                        <a:t>cannot be</a:t>
-                      </a:r>
-                      <a:r>
-                        <a:rPr lang="en-US" baseline="0" dirty="0" smtClean="0"/>
-                        <a:t> “”</a:t>
-                      </a:r>
-                      <a:endParaRPr lang="en-US" dirty="0" smtClean="0"/>
-                    </a:p>
-                  </a:txBody>
-                  <a:tcPr/>
-                </a:tc>
+                      <a:endParaRPr lang="en-US" dirty="0"/>
+                    </a:p>
+                  </a:txBody>
+                  <a:tcPr/>
+                </a:tc>
+                <a:extLst>
+                  <a:ext uri="{0D108BD9-81ED-4DB2-BD59-A6C34878D82A}">
+                    <a16:rowId xmlns:a16="http://schemas.microsoft.com/office/drawing/2014/main" val="10002"/>
+                  </a:ext>
+                </a:extLst>
               </a:tr>
             </a:tbl>
           </a:graphicData>
         </a:graphic>
       </p:graphicFrame>
     </p:spTree>
+    <p:extLst>
+      <p:ext uri="{BB962C8B-B14F-4D97-AF65-F5344CB8AC3E}">
+        <p14:creationId xmlns:p14="http://schemas.microsoft.com/office/powerpoint/2010/main" val="2504662873"/>
+      </p:ext>
+    </p:extLst>
   </p:cSld>
   <p:clrMapOvr>
     <a:masterClrMapping/>
@@ -3279,7 +6564,13 @@
       </p:grpSpPr>
       <p:sp>
         <p:nvSpPr>
-          <p:cNvPr id="2" name="Title 1"/>
+          <p:cNvPr id="2" name="Title 1">
+            <a:extLst>
+              <a:ext uri="{FF2B5EF4-FFF2-40B4-BE49-F238E27FC236}">
+                <a16:creationId xmlns:a16="http://schemas.microsoft.com/office/drawing/2014/main" id="{8540DFD7-609F-D04C-8826-6A25F472F2E4}"/>
+              </a:ext>
+            </a:extLst>
+          </p:cNvPr>
           <p:cNvSpPr>
             <a:spLocks noGrp="1"/>
           </p:cNvSpPr>
@@ -3292,17 +6583,19 @@
           <a:bodyPr/>
           <a:lstStyle/>
           <a:p>
-            <a:r>
-              <a:rPr lang="en-US" dirty="0" smtClean="0"/>
-              <a:t>Rule Checks</a:t>
-            </a:r>
-            <a:endParaRPr lang="en-US" dirty="0"/>
+            <a:endParaRPr lang="en-US"/>
           </a:p>
         </p:txBody>
       </p:sp>
       <p:sp>
         <p:nvSpPr>
-          <p:cNvPr id="3" name="Slide Number Placeholder 2"/>
+          <p:cNvPr id="3" name="Slide Number Placeholder 2">
+            <a:extLst>
+              <a:ext uri="{FF2B5EF4-FFF2-40B4-BE49-F238E27FC236}">
+                <a16:creationId xmlns:a16="http://schemas.microsoft.com/office/drawing/2014/main" id="{A1566CD8-42F2-2740-8F96-5FF19A207074}"/>
+              </a:ext>
+            </a:extLst>
+          </p:cNvPr>
           <p:cNvSpPr>
             <a:spLocks noGrp="1"/>
           </p:cNvSpPr>
@@ -3331,7 +6624,13 @@
       </p:sp>
       <p:sp>
         <p:nvSpPr>
-          <p:cNvPr id="6" name="Text Placeholder 5"/>
+          <p:cNvPr id="4" name="Text Placeholder 3">
+            <a:extLst>
+              <a:ext uri="{FF2B5EF4-FFF2-40B4-BE49-F238E27FC236}">
+                <a16:creationId xmlns:a16="http://schemas.microsoft.com/office/drawing/2014/main" id="{12B9D57E-B10E-DF4C-B2B4-6B645E8B678F}"/>
+              </a:ext>
+            </a:extLst>
+          </p:cNvPr>
           <p:cNvSpPr>
             <a:spLocks noGrp="1"/>
           </p:cNvSpPr>
@@ -3344,46 +6643,470 @@
           <a:bodyPr/>
           <a:lstStyle/>
           <a:p>
-            <a:endParaRPr lang="en-US" dirty="0" smtClean="0"/>
-          </a:p>
-          <a:p>
-            <a:endParaRPr lang="en-US" dirty="0" smtClean="0"/>
-          </a:p>
-          <a:p>
-            <a:endParaRPr lang="en-US" dirty="0" smtClean="0"/>
-          </a:p>
-          <a:p>
-            <a:endParaRPr lang="en-US" dirty="0" smtClean="0"/>
-          </a:p>
-          <a:p>
-            <a:endParaRPr lang="en-US" dirty="0" smtClean="0"/>
-          </a:p>
-          <a:p>
-            <a:endParaRPr lang="en-US" dirty="0" smtClean="0"/>
-          </a:p>
-          <a:p>
-            <a:endParaRPr lang="en-US" dirty="0" smtClean="0"/>
-          </a:p>
-          <a:p>
-            <a:endParaRPr lang="en-US" dirty="0" smtClean="0"/>
-          </a:p>
-          <a:p>
-            <a:endParaRPr lang="en-US" dirty="0" smtClean="0"/>
-          </a:p>
-          <a:p>
-            <a:pPr marL="342900" lvl="1" indent="-342900">
-              <a:buFont typeface="Arial" panose="020B0604020202020204" pitchFamily="34" charset="0"/>
-              <a:buChar char="•"/>
+            <a:endParaRPr lang="en-US"/>
+          </a:p>
+        </p:txBody>
+      </p:sp>
+    </p:spTree>
+    <p:extLst>
+      <p:ext uri="{BB962C8B-B14F-4D97-AF65-F5344CB8AC3E}">
+        <p14:creationId xmlns:p14="http://schemas.microsoft.com/office/powerpoint/2010/main" val="2233293802"/>
+      </p:ext>
+    </p:extLst>
+  </p:cSld>
+  <p:clrMapOvr>
+    <a:masterClrMapping/>
+  </p:clrMapOvr>
+</p:sld>
+</file>
+
+<file path=ppt/slides/slide6.xml><?xml version="1.0" encoding="utf-8"?>
+<p:sld xmlns:a="http://schemas.openxmlformats.org/drawingml/2006/main" xmlns:r="http://schemas.openxmlformats.org/officeDocument/2006/relationships" xmlns:p="http://schemas.openxmlformats.org/presentationml/2006/main">
+  <p:cSld>
+    <p:spTree>
+      <p:nvGrpSpPr>
+        <p:cNvPr id="1" name=""/>
+        <p:cNvGrpSpPr/>
+        <p:nvPr/>
+      </p:nvGrpSpPr>
+      <p:grpSpPr>
+        <a:xfrm>
+          <a:off x="0" y="0"/>
+          <a:ext cx="0" cy="0"/>
+          <a:chOff x="0" y="0"/>
+          <a:chExt cx="0" cy="0"/>
+        </a:xfrm>
+      </p:grpSpPr>
+      <p:sp>
+        <p:nvSpPr>
+          <p:cNvPr id="2" name="Title 1">
+            <a:extLst>
+              <a:ext uri="{FF2B5EF4-FFF2-40B4-BE49-F238E27FC236}">
+                <a16:creationId xmlns:a16="http://schemas.microsoft.com/office/drawing/2014/main" id="{7F761ABB-E810-EC4F-8473-2AE27A39F1CB}"/>
+              </a:ext>
+            </a:extLst>
+          </p:cNvPr>
+          <p:cNvSpPr>
+            <a:spLocks noGrp="1"/>
+          </p:cNvSpPr>
+          <p:nvPr>
+            <p:ph type="title"/>
+          </p:nvPr>
+        </p:nvSpPr>
+        <p:spPr/>
+        <p:txBody>
+          <a:bodyPr/>
+          <a:lstStyle/>
+          <a:p>
+            <a:endParaRPr lang="en-US"/>
+          </a:p>
+        </p:txBody>
+      </p:sp>
+      <p:sp>
+        <p:nvSpPr>
+          <p:cNvPr id="3" name="Slide Number Placeholder 2">
+            <a:extLst>
+              <a:ext uri="{FF2B5EF4-FFF2-40B4-BE49-F238E27FC236}">
+                <a16:creationId xmlns:a16="http://schemas.microsoft.com/office/drawing/2014/main" id="{C2319D70-8B84-AD4D-8BCF-1B784C7A26E5}"/>
+              </a:ext>
+            </a:extLst>
+          </p:cNvPr>
+          <p:cNvSpPr>
+            <a:spLocks noGrp="1"/>
+          </p:cNvSpPr>
+          <p:nvPr>
+            <p:ph type="sldNum" sz="quarter" idx="10"/>
+          </p:nvPr>
+        </p:nvSpPr>
+        <p:spPr/>
+        <p:txBody>
+          <a:bodyPr/>
+          <a:lstStyle/>
+          <a:p>
+            <a:pPr>
+              <a:defRPr/>
             </a:pPr>
+            <a:fld id="{CDFDD46A-28F1-4B24-AB69-FC42A6E40E8D}" type="slidenum">
+              <a:rPr lang="en-US" smtClean="0"/>
+              <a:pPr>
+                <a:defRPr/>
+              </a:pPr>
+              <a:t>6</a:t>
+            </a:fld>
+            <a:endParaRPr lang="en-US" dirty="0"/>
+          </a:p>
+        </p:txBody>
+      </p:sp>
+      <p:sp>
+        <p:nvSpPr>
+          <p:cNvPr id="4" name="Text Placeholder 3">
+            <a:extLst>
+              <a:ext uri="{FF2B5EF4-FFF2-40B4-BE49-F238E27FC236}">
+                <a16:creationId xmlns:a16="http://schemas.microsoft.com/office/drawing/2014/main" id="{E93DCC27-DE16-7B4D-83F0-E01E4783407A}"/>
+              </a:ext>
+            </a:extLst>
+          </p:cNvPr>
+          <p:cNvSpPr>
+            <a:spLocks noGrp="1"/>
+          </p:cNvSpPr>
+          <p:nvPr>
+            <p:ph type="body" sz="quarter" idx="11"/>
+          </p:nvPr>
+        </p:nvSpPr>
+        <p:spPr/>
+        <p:txBody>
+          <a:bodyPr/>
+          <a:lstStyle/>
+          <a:p>
+            <a:endParaRPr lang="en-US"/>
+          </a:p>
+        </p:txBody>
+      </p:sp>
+    </p:spTree>
+    <p:extLst>
+      <p:ext uri="{BB962C8B-B14F-4D97-AF65-F5344CB8AC3E}">
+        <p14:creationId xmlns:p14="http://schemas.microsoft.com/office/powerpoint/2010/main" val="3209674202"/>
+      </p:ext>
+    </p:extLst>
+  </p:cSld>
+  <p:clrMapOvr>
+    <a:masterClrMapping/>
+  </p:clrMapOvr>
+</p:sld>
+</file>
+
+<file path=ppt/slides/slide7.xml><?xml version="1.0" encoding="utf-8"?>
+<p:sld xmlns:a="http://schemas.openxmlformats.org/drawingml/2006/main" xmlns:r="http://schemas.openxmlformats.org/officeDocument/2006/relationships" xmlns:p="http://schemas.openxmlformats.org/presentationml/2006/main">
+  <p:cSld>
+    <p:spTree>
+      <p:nvGrpSpPr>
+        <p:cNvPr id="1" name=""/>
+        <p:cNvGrpSpPr/>
+        <p:nvPr/>
+      </p:nvGrpSpPr>
+      <p:grpSpPr>
+        <a:xfrm>
+          <a:off x="0" y="0"/>
+          <a:ext cx="0" cy="0"/>
+          <a:chOff x="0" y="0"/>
+          <a:chExt cx="0" cy="0"/>
+        </a:xfrm>
+      </p:grpSpPr>
+      <p:sp>
+        <p:nvSpPr>
+          <p:cNvPr id="2" name="Title 1">
+            <a:extLst>
+              <a:ext uri="{FF2B5EF4-FFF2-40B4-BE49-F238E27FC236}">
+                <a16:creationId xmlns:a16="http://schemas.microsoft.com/office/drawing/2014/main" id="{7687A609-2B5D-9445-B862-EBB3A257BE73}"/>
+              </a:ext>
+            </a:extLst>
+          </p:cNvPr>
+          <p:cNvSpPr>
+            <a:spLocks noGrp="1"/>
+          </p:cNvSpPr>
+          <p:nvPr>
+            <p:ph type="title"/>
+          </p:nvPr>
+        </p:nvSpPr>
+        <p:spPr/>
+        <p:txBody>
+          <a:bodyPr/>
+          <a:lstStyle/>
+          <a:p>
+            <a:endParaRPr lang="en-US"/>
+          </a:p>
+        </p:txBody>
+      </p:sp>
+      <p:sp>
+        <p:nvSpPr>
+          <p:cNvPr id="3" name="Slide Number Placeholder 2">
+            <a:extLst>
+              <a:ext uri="{FF2B5EF4-FFF2-40B4-BE49-F238E27FC236}">
+                <a16:creationId xmlns:a16="http://schemas.microsoft.com/office/drawing/2014/main" id="{39938B25-D85F-594D-B068-595892255D74}"/>
+              </a:ext>
+            </a:extLst>
+          </p:cNvPr>
+          <p:cNvSpPr>
+            <a:spLocks noGrp="1"/>
+          </p:cNvSpPr>
+          <p:nvPr>
+            <p:ph type="sldNum" sz="quarter" idx="10"/>
+          </p:nvPr>
+        </p:nvSpPr>
+        <p:spPr/>
+        <p:txBody>
+          <a:bodyPr/>
+          <a:lstStyle/>
+          <a:p>
+            <a:pPr>
+              <a:defRPr/>
+            </a:pPr>
+            <a:fld id="{CDFDD46A-28F1-4B24-AB69-FC42A6E40E8D}" type="slidenum">
+              <a:rPr lang="en-US" smtClean="0"/>
+              <a:pPr>
+                <a:defRPr/>
+              </a:pPr>
+              <a:t>7</a:t>
+            </a:fld>
+            <a:endParaRPr lang="en-US" dirty="0"/>
+          </a:p>
+        </p:txBody>
+      </p:sp>
+      <p:sp>
+        <p:nvSpPr>
+          <p:cNvPr id="4" name="Text Placeholder 3">
+            <a:extLst>
+              <a:ext uri="{FF2B5EF4-FFF2-40B4-BE49-F238E27FC236}">
+                <a16:creationId xmlns:a16="http://schemas.microsoft.com/office/drawing/2014/main" id="{29641F20-E674-2947-A00F-D4EEA25541CC}"/>
+              </a:ext>
+            </a:extLst>
+          </p:cNvPr>
+          <p:cNvSpPr>
+            <a:spLocks noGrp="1"/>
+          </p:cNvSpPr>
+          <p:nvPr>
+            <p:ph type="body" sz="quarter" idx="11"/>
+          </p:nvPr>
+        </p:nvSpPr>
+        <p:spPr/>
+        <p:txBody>
+          <a:bodyPr/>
+          <a:lstStyle/>
+          <a:p>
+            <a:endParaRPr lang="en-US"/>
+          </a:p>
+        </p:txBody>
+      </p:sp>
+    </p:spTree>
+    <p:extLst>
+      <p:ext uri="{BB962C8B-B14F-4D97-AF65-F5344CB8AC3E}">
+        <p14:creationId xmlns:p14="http://schemas.microsoft.com/office/powerpoint/2010/main" val="1728353601"/>
+      </p:ext>
+    </p:extLst>
+  </p:cSld>
+  <p:clrMapOvr>
+    <a:masterClrMapping/>
+  </p:clrMapOvr>
+</p:sld>
+</file>
+
+<file path=ppt/slides/slide8.xml><?xml version="1.0" encoding="utf-8"?>
+<p:sld xmlns:a="http://schemas.openxmlformats.org/drawingml/2006/main" xmlns:r="http://schemas.openxmlformats.org/officeDocument/2006/relationships" xmlns:p="http://schemas.openxmlformats.org/presentationml/2006/main">
+  <p:cSld>
+    <p:spTree>
+      <p:nvGrpSpPr>
+        <p:cNvPr id="1" name=""/>
+        <p:cNvGrpSpPr/>
+        <p:nvPr/>
+      </p:nvGrpSpPr>
+      <p:grpSpPr>
+        <a:xfrm>
+          <a:off x="0" y="0"/>
+          <a:ext cx="0" cy="0"/>
+          <a:chOff x="0" y="0"/>
+          <a:chExt cx="0" cy="0"/>
+        </a:xfrm>
+      </p:grpSpPr>
+      <p:sp>
+        <p:nvSpPr>
+          <p:cNvPr id="2" name="Title 1">
+            <a:extLst>
+              <a:ext uri="{FF2B5EF4-FFF2-40B4-BE49-F238E27FC236}">
+                <a16:creationId xmlns:a16="http://schemas.microsoft.com/office/drawing/2014/main" id="{38B2DBFF-9CFC-4C4D-B6C6-773508A3432C}"/>
+              </a:ext>
+            </a:extLst>
+          </p:cNvPr>
+          <p:cNvSpPr>
+            <a:spLocks noGrp="1"/>
+          </p:cNvSpPr>
+          <p:nvPr>
+            <p:ph type="title"/>
+          </p:nvPr>
+        </p:nvSpPr>
+        <p:spPr/>
+        <p:txBody>
+          <a:bodyPr/>
+          <a:lstStyle/>
+          <a:p>
+            <a:endParaRPr lang="en-US"/>
+          </a:p>
+        </p:txBody>
+      </p:sp>
+      <p:sp>
+        <p:nvSpPr>
+          <p:cNvPr id="3" name="Slide Number Placeholder 2">
+            <a:extLst>
+              <a:ext uri="{FF2B5EF4-FFF2-40B4-BE49-F238E27FC236}">
+                <a16:creationId xmlns:a16="http://schemas.microsoft.com/office/drawing/2014/main" id="{388E88AE-2EB8-7B47-94FB-6F68B38A5963}"/>
+              </a:ext>
+            </a:extLst>
+          </p:cNvPr>
+          <p:cNvSpPr>
+            <a:spLocks noGrp="1"/>
+          </p:cNvSpPr>
+          <p:nvPr>
+            <p:ph type="sldNum" sz="quarter" idx="10"/>
+          </p:nvPr>
+        </p:nvSpPr>
+        <p:spPr/>
+        <p:txBody>
+          <a:bodyPr/>
+          <a:lstStyle/>
+          <a:p>
+            <a:pPr>
+              <a:defRPr/>
+            </a:pPr>
+            <a:fld id="{CDFDD46A-28F1-4B24-AB69-FC42A6E40E8D}" type="slidenum">
+              <a:rPr lang="en-US" smtClean="0"/>
+              <a:pPr>
+                <a:defRPr/>
+              </a:pPr>
+              <a:t>8</a:t>
+            </a:fld>
+            <a:endParaRPr lang="en-US" dirty="0"/>
+          </a:p>
+        </p:txBody>
+      </p:sp>
+      <p:sp>
+        <p:nvSpPr>
+          <p:cNvPr id="4" name="Text Placeholder 3">
+            <a:extLst>
+              <a:ext uri="{FF2B5EF4-FFF2-40B4-BE49-F238E27FC236}">
+                <a16:creationId xmlns:a16="http://schemas.microsoft.com/office/drawing/2014/main" id="{A9DF776B-DD98-9C44-8B1E-0B36D18FAB36}"/>
+              </a:ext>
+            </a:extLst>
+          </p:cNvPr>
+          <p:cNvSpPr>
+            <a:spLocks noGrp="1"/>
+          </p:cNvSpPr>
+          <p:nvPr>
+            <p:ph type="body" sz="quarter" idx="11"/>
+          </p:nvPr>
+        </p:nvSpPr>
+        <p:spPr/>
+        <p:txBody>
+          <a:bodyPr/>
+          <a:lstStyle/>
+          <a:p>
+            <a:endParaRPr lang="en-US"/>
+          </a:p>
+        </p:txBody>
+      </p:sp>
+    </p:spTree>
+    <p:extLst>
+      <p:ext uri="{BB962C8B-B14F-4D97-AF65-F5344CB8AC3E}">
+        <p14:creationId xmlns:p14="http://schemas.microsoft.com/office/powerpoint/2010/main" val="3441531774"/>
+      </p:ext>
+    </p:extLst>
+  </p:cSld>
+  <p:clrMapOvr>
+    <a:masterClrMapping/>
+  </p:clrMapOvr>
+</p:sld>
+</file>
+
+<file path=ppt/slides/slide9.xml><?xml version="1.0" encoding="utf-8"?>
+<p:sld xmlns:a="http://schemas.openxmlformats.org/drawingml/2006/main" xmlns:r="http://schemas.openxmlformats.org/officeDocument/2006/relationships" xmlns:p="http://schemas.openxmlformats.org/presentationml/2006/main">
+  <p:cSld>
+    <p:spTree>
+      <p:nvGrpSpPr>
+        <p:cNvPr id="1" name=""/>
+        <p:cNvGrpSpPr/>
+        <p:nvPr/>
+      </p:nvGrpSpPr>
+      <p:grpSpPr>
+        <a:xfrm>
+          <a:off x="0" y="0"/>
+          <a:ext cx="0" cy="0"/>
+          <a:chOff x="0" y="0"/>
+          <a:chExt cx="0" cy="0"/>
+        </a:xfrm>
+      </p:grpSpPr>
+      <p:sp>
+        <p:nvSpPr>
+          <p:cNvPr id="3" name="Title 2"/>
+          <p:cNvSpPr>
+            <a:spLocks noGrp="1"/>
+          </p:cNvSpPr>
+          <p:nvPr>
+            <p:ph type="title"/>
+          </p:nvPr>
+        </p:nvSpPr>
+        <p:spPr/>
+        <p:txBody>
+          <a:bodyPr/>
+          <a:lstStyle/>
+          <a:p>
             <a:r>
-              <a:rPr lang="en-US" dirty="0" smtClean="0"/>
-              <a:t>These are </a:t>
+              <a:rPr lang="en-US" dirty="0"/>
+              <a:t>Validation Checks (cont.)</a:t>
             </a:r>
+          </a:p>
+        </p:txBody>
+      </p:sp>
+      <p:sp>
+        <p:nvSpPr>
+          <p:cNvPr id="2" name="Slide Number Placeholder 1"/>
+          <p:cNvSpPr>
+            <a:spLocks noGrp="1"/>
+          </p:cNvSpPr>
+          <p:nvPr>
+            <p:ph type="sldNum" sz="quarter" idx="10"/>
+          </p:nvPr>
+        </p:nvSpPr>
+        <p:spPr/>
+        <p:txBody>
+          <a:bodyPr/>
+          <a:lstStyle/>
+          <a:p>
+            <a:pPr>
+              <a:defRPr/>
+            </a:pPr>
+            <a:fld id="{7172B2E8-CBA5-4D0C-A017-9480F9E0BA9D}" type="slidenum">
+              <a:rPr lang="en-US" smtClean="0"/>
+              <a:pPr>
+                <a:defRPr/>
+              </a:pPr>
+              <a:t>9</a:t>
+            </a:fld>
+            <a:endParaRPr lang="en-US" dirty="0"/>
+          </a:p>
+        </p:txBody>
+      </p:sp>
+      <p:sp>
+        <p:nvSpPr>
+          <p:cNvPr id="4" name="Text Placeholder 3"/>
+          <p:cNvSpPr>
+            <a:spLocks noGrp="1"/>
+          </p:cNvSpPr>
+          <p:nvPr>
+            <p:ph type="body" sz="quarter" idx="11"/>
+          </p:nvPr>
+        </p:nvSpPr>
+        <p:spPr/>
+        <p:txBody>
+          <a:bodyPr/>
+          <a:lstStyle/>
+          <a:p>
             <a:r>
-              <a:rPr lang="en-US" dirty="0" smtClean="0"/>
-              <a:t>just examples - please go through the project description carefully to identify all rules</a:t>
+              <a:rPr lang="en-US" dirty="0"/>
+              <a:t>Modify reservation</a:t>
             </a:r>
-            <a:endParaRPr lang="en-US" dirty="0" smtClean="0"/>
+          </a:p>
+          <a:p>
+            <a:endParaRPr lang="en-US" dirty="0"/>
+          </a:p>
+          <a:p>
+            <a:endParaRPr lang="en-US" dirty="0"/>
+          </a:p>
+          <a:p>
+            <a:endParaRPr lang="en-US" dirty="0"/>
+          </a:p>
+          <a:p>
+            <a:endParaRPr lang="en-US" dirty="0"/>
+          </a:p>
+          <a:p>
+            <a:endParaRPr lang="en-US" dirty="0"/>
           </a:p>
           <a:p>
             <a:endParaRPr lang="en-US" dirty="0"/>
@@ -3396,11 +7119,17 @@
           <p:cNvGraphicFramePr>
             <a:graphicFrameLocks noGrp="1"/>
           </p:cNvGraphicFramePr>
-          <p:nvPr/>
+          <p:nvPr>
+            <p:extLst>
+              <p:ext uri="{D42A27DB-BD31-4B8C-83A1-F6EECF244321}">
+                <p14:modId xmlns:p14="http://schemas.microsoft.com/office/powerpoint/2010/main" val="2604368318"/>
+              </p:ext>
+            </p:extLst>
+          </p:nvPr>
         </p:nvGraphicFramePr>
         <p:xfrm>
-          <a:off x="1387357" y="1460558"/>
-          <a:ext cx="6781802" cy="3114040"/>
+          <a:off x="2213987" y="1959270"/>
+          <a:ext cx="5958463" cy="4119880"/>
         </p:xfrm>
         <a:graphic>
           <a:graphicData uri="http://schemas.openxmlformats.org/drawingml/2006/table">
@@ -3409,9 +7138,20 @@
                 <a:tableStyleId>{5C22544A-7EE6-4342-B048-85BDC9FD1C3A}</a:tableStyleId>
               </a:tblPr>
               <a:tblGrid>
-                <a:gridCol w="1962032"/>
-                <a:gridCol w="1962032"/>
-                <a:gridCol w="2857738"/>
+                <a:gridCol w="3000164">
+                  <a:extLst>
+                    <a:ext uri="{9D8B030D-6E8A-4147-A177-3AD203B41FA5}">
+                      <a16:colId xmlns:a16="http://schemas.microsoft.com/office/drawing/2014/main" val="20000"/>
+                    </a:ext>
+                  </a:extLst>
+                </a:gridCol>
+                <a:gridCol w="2958299">
+                  <a:extLst>
+                    <a:ext uri="{9D8B030D-6E8A-4147-A177-3AD203B41FA5}">
+                      <a16:colId xmlns:a16="http://schemas.microsoft.com/office/drawing/2014/main" val="20001"/>
+                    </a:ext>
+                  </a:extLst>
+                </a:gridCol>
               </a:tblGrid>
               <a:tr h="370840">
                 <a:tc>
@@ -3420,9 +7160,66 @@
                     <a:lstStyle/>
                     <a:p>
                       <a:r>
-                        <a:rPr lang="en-US" dirty="0" smtClean="0"/>
-                        <a:t>Object</a:t>
-                      </a:r>
+                        <a:rPr lang="en-US" dirty="0"/>
+                        <a:t>Attribute</a:t>
+                      </a:r>
+                    </a:p>
+                  </a:txBody>
+                  <a:tcPr/>
+                </a:tc>
+                <a:tc>
+                  <a:txBody>
+                    <a:bodyPr/>
+                    <a:lstStyle/>
+                    <a:p>
+                      <a:r>
+                        <a:rPr lang="en-US" dirty="0"/>
+                        <a:t>Validations</a:t>
+                      </a:r>
+                    </a:p>
+                  </a:txBody>
+                  <a:tcPr/>
+                </a:tc>
+                <a:extLst>
+                  <a:ext uri="{0D108BD9-81ED-4DB2-BD59-A6C34878D82A}">
+                    <a16:rowId xmlns:a16="http://schemas.microsoft.com/office/drawing/2014/main" val="10000"/>
+                  </a:ext>
+                </a:extLst>
+              </a:tr>
+              <a:tr h="128016">
+                <a:tc rowSpan="5">
+                  <a:txBody>
+                    <a:bodyPr/>
+                    <a:lstStyle/>
+                    <a:p>
+                      <a:pPr marL="0" marR="0" lvl="0" indent="0" algn="l" defTabSz="914400" rtl="0" eaLnBrk="1" fontAlgn="auto" latinLnBrk="0" hangingPunct="1">
+                        <a:lnSpc>
+                          <a:spcPct val="100000"/>
+                        </a:lnSpc>
+                        <a:spcBef>
+                          <a:spcPts val="0"/>
+                        </a:spcBef>
+                        <a:spcAft>
+                          <a:spcPts val="0"/>
+                        </a:spcAft>
+                        <a:buClrTx/>
+                        <a:buSzTx/>
+                        <a:buFontTx/>
+                        <a:buNone/>
+                        <a:tabLst/>
+                        <a:defRPr/>
+                      </a:pPr>
+                      <a:r>
+                        <a:rPr lang="en-US" sz="1800" u="none" strike="noStrike" dirty="0">
+                          <a:effectLst/>
+                        </a:rPr>
+                        <a:t>Parking area name</a:t>
+                      </a:r>
+                      <a:br>
+                        <a:rPr lang="en-US" sz="1800" u="none" strike="noStrike" dirty="0">
+                          <a:effectLst/>
+                        </a:rPr>
+                      </a:br>
                       <a:endParaRPr lang="en-US" dirty="0"/>
                     </a:p>
                   </a:txBody>
@@ -3434,53 +7231,164 @@
                     <a:lstStyle/>
                     <a:p>
                       <a:r>
-                        <a:rPr lang="en-US" dirty="0" smtClean="0"/>
-                        <a:t>Attribute</a:t>
-                      </a:r>
+                        <a:rPr lang="en-US" dirty="0"/>
+                        <a:t>Unique</a:t>
+                      </a:r>
+                    </a:p>
+                  </a:txBody>
+                  <a:tcPr/>
+                </a:tc>
+                <a:extLst>
+                  <a:ext uri="{0D108BD9-81ED-4DB2-BD59-A6C34878D82A}">
+                    <a16:rowId xmlns:a16="http://schemas.microsoft.com/office/drawing/2014/main" val="10001"/>
+                  </a:ext>
+                </a:extLst>
+              </a:tr>
+              <a:tr h="237744">
+                <a:tc vMerge="1">
+                  <a:txBody>
+                    <a:bodyPr/>
+                    <a:lstStyle/>
+                    <a:p>
+                      <a:endParaRPr lang="en-US"/>
+                    </a:p>
+                  </a:txBody>
+                  <a:tcPr/>
+                </a:tc>
+                <a:tc>
+                  <a:txBody>
+                    <a:bodyPr/>
+                    <a:lstStyle/>
+                    <a:p>
+                      <a:r>
+                        <a:rPr lang="en-US" dirty="0"/>
+                        <a:t>Starts with a capital letter</a:t>
+                      </a:r>
+                    </a:p>
+                  </a:txBody>
+                  <a:tcPr/>
+                </a:tc>
+                <a:extLst>
+                  <a:ext uri="{0D108BD9-81ED-4DB2-BD59-A6C34878D82A}">
+                    <a16:rowId xmlns:a16="http://schemas.microsoft.com/office/drawing/2014/main" val="4230610840"/>
+                  </a:ext>
+                </a:extLst>
+              </a:tr>
+              <a:tr h="128016">
+                <a:tc vMerge="1">
+                  <a:txBody>
+                    <a:bodyPr/>
+                    <a:lstStyle/>
+                    <a:p>
+                      <a:endParaRPr lang="en-US"/>
+                    </a:p>
+                  </a:txBody>
+                  <a:tcPr/>
+                </a:tc>
+                <a:tc>
+                  <a:txBody>
+                    <a:bodyPr/>
+                    <a:lstStyle/>
+                    <a:p>
                       <a:endParaRPr lang="en-US" dirty="0"/>
                     </a:p>
                   </a:txBody>
                   <a:tcPr/>
                 </a:tc>
-                <a:tc>
-                  <a:txBody>
-                    <a:bodyPr/>
-                    <a:lstStyle/>
-                    <a:p>
-                      <a:r>
-                        <a:rPr lang="en-US" dirty="0" smtClean="0"/>
-                        <a:t>Rules</a:t>
-                      </a:r>
+                <a:extLst>
+                  <a:ext uri="{0D108BD9-81ED-4DB2-BD59-A6C34878D82A}">
+                    <a16:rowId xmlns:a16="http://schemas.microsoft.com/office/drawing/2014/main" val="609823023"/>
+                  </a:ext>
+                </a:extLst>
+              </a:tr>
+              <a:tr h="128016">
+                <a:tc vMerge="1">
+                  <a:txBody>
+                    <a:bodyPr/>
+                    <a:lstStyle/>
+                    <a:p>
+                      <a:endParaRPr lang="en-US"/>
+                    </a:p>
+                  </a:txBody>
+                  <a:tcPr/>
+                </a:tc>
+                <a:tc>
+                  <a:txBody>
+                    <a:bodyPr/>
+                    <a:lstStyle/>
+                    <a:p>
                       <a:endParaRPr lang="en-US" dirty="0"/>
                     </a:p>
                   </a:txBody>
                   <a:tcPr/>
                 </a:tc>
+                <a:extLst>
+                  <a:ext uri="{0D108BD9-81ED-4DB2-BD59-A6C34878D82A}">
+                    <a16:rowId xmlns:a16="http://schemas.microsoft.com/office/drawing/2014/main" val="2691772486"/>
+                  </a:ext>
+                </a:extLst>
               </a:tr>
-              <a:tr h="370840">
-                <a:tc>
-                  <a:txBody>
-                    <a:bodyPr/>
-                    <a:lstStyle/>
-                    <a:p>
-                      <a:r>
-                        <a:rPr lang="en-US" dirty="0" smtClean="0"/>
-                        <a:t>Company</a:t>
-                      </a:r>
+              <a:tr h="128016">
+                <a:tc vMerge="1">
+                  <a:txBody>
+                    <a:bodyPr/>
+                    <a:lstStyle/>
+                    <a:p>
+                      <a:endParaRPr lang="en-US"/>
+                    </a:p>
+                  </a:txBody>
+                  <a:tcPr/>
+                </a:tc>
+                <a:tc>
+                  <a:txBody>
+                    <a:bodyPr/>
+                    <a:lstStyle/>
+                    <a:p>
                       <a:endParaRPr lang="en-US" dirty="0"/>
                     </a:p>
                   </a:txBody>
                   <a:tcPr/>
                 </a:tc>
-                <a:tc>
-                  <a:txBody>
-                    <a:bodyPr/>
-                    <a:lstStyle/>
-                    <a:p>
-                      <a:r>
-                        <a:rPr lang="en-US" dirty="0" smtClean="0"/>
-                        <a:t>Size</a:t>
-                      </a:r>
+                <a:extLst>
+                  <a:ext uri="{0D108BD9-81ED-4DB2-BD59-A6C34878D82A}">
+                    <a16:rowId xmlns:a16="http://schemas.microsoft.com/office/drawing/2014/main" val="3137718159"/>
+                  </a:ext>
+                </a:extLst>
+              </a:tr>
+              <a:tr h="160020">
+                <a:tc rowSpan="3">
+                  <a:txBody>
+                    <a:bodyPr/>
+                    <a:lstStyle/>
+                    <a:p>
+                      <a:pPr marL="0" marR="0" lvl="0" indent="0" algn="l" defTabSz="914400" rtl="0" eaLnBrk="1" fontAlgn="auto" latinLnBrk="0" hangingPunct="1">
+                        <a:lnSpc>
+                          <a:spcPct val="100000"/>
+                        </a:lnSpc>
+                        <a:spcBef>
+                          <a:spcPts val="0"/>
+                        </a:spcBef>
+                        <a:spcAft>
+                          <a:spcPts val="0"/>
+                        </a:spcAft>
+                        <a:buClrTx/>
+                        <a:buSzTx/>
+                        <a:buFontTx/>
+                        <a:buNone/>
+                        <a:tabLst/>
+                        <a:defRPr/>
+                      </a:pPr>
+                      <a:r>
+                        <a:rPr lang="en-US" sz="1800" u="none" strike="noStrike" dirty="0">
+                          <a:effectLst/>
+                        </a:rPr>
+                        <a:t>Floor</a:t>
+                      </a:r>
+                      <a:br>
+                        <a:rPr lang="en-US" sz="1800" u="none" strike="noStrike" dirty="0">
+                          <a:effectLst/>
+                        </a:rPr>
+                      </a:br>
                       <a:endParaRPr lang="en-US" dirty="0"/>
                     </a:p>
                   </a:txBody>
@@ -3492,108 +7400,97 @@
                     <a:lstStyle/>
                     <a:p>
                       <a:r>
-                        <a:rPr lang="en-US" dirty="0" smtClean="0"/>
-                        <a:t>1) Only large companies may reserve a hall 2) Large companies</a:t>
-                      </a:r>
-                      <a:r>
-                        <a:rPr lang="en-US" baseline="0" dirty="0" smtClean="0"/>
-                        <a:t> must file a tax withholding form</a:t>
-                      </a:r>
-                      <a:endParaRPr lang="en-US" dirty="0"/>
-                    </a:p>
-                  </a:txBody>
-                  <a:tcPr/>
-                </a:tc>
+                        <a:rPr lang="en-US" dirty="0"/>
+                        <a:t>Is a number</a:t>
+                      </a:r>
+                    </a:p>
+                  </a:txBody>
+                  <a:tcPr/>
+                </a:tc>
+                <a:extLst>
+                  <a:ext uri="{0D108BD9-81ED-4DB2-BD59-A6C34878D82A}">
+                    <a16:rowId xmlns:a16="http://schemas.microsoft.com/office/drawing/2014/main" val="10002"/>
+                  </a:ext>
+                </a:extLst>
               </a:tr>
-              <a:tr h="370840">
-                <a:tc>
-                  <a:txBody>
-                    <a:bodyPr/>
-                    <a:lstStyle/>
-                    <a:p>
-                      <a:endParaRPr lang="en-US" dirty="0"/>
-                    </a:p>
-                  </a:txBody>
-                  <a:tcPr/>
-                </a:tc>
-                <a:tc>
-                  <a:txBody>
-                    <a:bodyPr/>
-                    <a:lstStyle/>
-                    <a:p>
-                      <a:r>
-                        <a:rPr lang="en-US" dirty="0" smtClean="0"/>
-                        <a:t>Hours</a:t>
-                      </a:r>
-                      <a:endParaRPr lang="en-US" dirty="0"/>
-                    </a:p>
-                  </a:txBody>
-                  <a:tcPr/>
-                </a:tc>
-                <a:tc>
-                  <a:txBody>
-                    <a:bodyPr/>
-                    <a:lstStyle/>
-                    <a:p>
-                      <a:r>
-                        <a:rPr lang="en-US" dirty="0" smtClean="0"/>
-                        <a:t>Only</a:t>
-                      </a:r>
-                      <a:r>
-                        <a:rPr lang="en-US" baseline="0" dirty="0" smtClean="0"/>
-                        <a:t> Open between 8am-6pm M-F</a:t>
-                      </a:r>
-                      <a:endParaRPr lang="en-US" dirty="0"/>
-                    </a:p>
-                  </a:txBody>
-                  <a:tcPr/>
-                </a:tc>
+              <a:tr h="205740">
+                <a:tc vMerge="1">
+                  <a:txBody>
+                    <a:bodyPr/>
+                    <a:lstStyle/>
+                    <a:p>
+                      <a:endParaRPr lang="en-US"/>
+                    </a:p>
+                  </a:txBody>
+                  <a:tcPr/>
+                </a:tc>
+                <a:tc>
+                  <a:txBody>
+                    <a:bodyPr/>
+                    <a:lstStyle/>
+                    <a:p>
+                      <a:r>
+                        <a:rPr lang="en-US" dirty="0"/>
+                        <a:t>Range is [1,maxFloor], </a:t>
+                      </a:r>
+                      <a:r>
+                        <a:rPr lang="en-US" dirty="0" err="1"/>
+                        <a:t>maxFloor</a:t>
+                      </a:r>
+                      <a:r>
+                        <a:rPr lang="en-US" dirty="0"/>
+                        <a:t> being the maximum for a particular parking name.</a:t>
+                      </a:r>
+                    </a:p>
+                  </a:txBody>
+                  <a:tcPr/>
+                </a:tc>
+                <a:extLst>
+                  <a:ext uri="{0D108BD9-81ED-4DB2-BD59-A6C34878D82A}">
+                    <a16:rowId xmlns:a16="http://schemas.microsoft.com/office/drawing/2014/main" val="2872395616"/>
+                  </a:ext>
+                </a:extLst>
               </a:tr>
-              <a:tr h="370840">
-                <a:tc>
-                  <a:txBody>
-                    <a:bodyPr/>
-                    <a:lstStyle/>
-                    <a:p>
-                      <a:endParaRPr lang="en-US" dirty="0"/>
-                    </a:p>
-                  </a:txBody>
-                  <a:tcPr/>
-                </a:tc>
-                <a:tc>
-                  <a:txBody>
-                    <a:bodyPr/>
-                    <a:lstStyle/>
-                    <a:p>
-                      <a:r>
-                        <a:rPr lang="en-US" dirty="0" smtClean="0"/>
-                        <a:t>Category</a:t>
-                      </a:r>
-                      <a:endParaRPr lang="en-US" dirty="0"/>
-                    </a:p>
-                  </a:txBody>
-                  <a:tcPr/>
-                </a:tc>
-                <a:tc>
-                  <a:txBody>
-                    <a:bodyPr/>
-                    <a:lstStyle/>
-                    <a:p>
-                      <a:r>
-                        <a:rPr lang="en-US" dirty="0" smtClean="0"/>
-                        <a:t>Companies that are marked as online do not collect state sales tax </a:t>
-                      </a:r>
-                      <a:endParaRPr lang="en-US" dirty="0"/>
-                    </a:p>
-                  </a:txBody>
-                  <a:tcPr/>
-                </a:tc>
+              <a:tr h="160020">
+                <a:tc vMerge="1">
+                  <a:txBody>
+                    <a:bodyPr/>
+                    <a:lstStyle/>
+                    <a:p>
+                      <a:endParaRPr lang="en-US"/>
+                    </a:p>
+                  </a:txBody>
+                  <a:tcPr/>
+                </a:tc>
+                <a:tc>
+                  <a:txBody>
+                    <a:bodyPr/>
+                    <a:lstStyle/>
+                    <a:p>
+                      <a:r>
+                        <a:rPr lang="en-US" dirty="0"/>
+                        <a:t>Can’t be empty</a:t>
+                      </a:r>
+                    </a:p>
+                  </a:txBody>
+                  <a:tcPr/>
+                </a:tc>
+                <a:extLst>
+                  <a:ext uri="{0D108BD9-81ED-4DB2-BD59-A6C34878D82A}">
+                    <a16:rowId xmlns:a16="http://schemas.microsoft.com/office/drawing/2014/main" val="3908121660"/>
+                  </a:ext>
+                </a:extLst>
               </a:tr>
             </a:tbl>
           </a:graphicData>
         </a:graphic>
       </p:graphicFrame>
     </p:spTree>
+    <p:extLst>
+      <p:ext uri="{BB962C8B-B14F-4D97-AF65-F5344CB8AC3E}">
+        <p14:creationId xmlns:p14="http://schemas.microsoft.com/office/powerpoint/2010/main" val="2607603982"/>
+      </p:ext>
+    </p:extLst>
   </p:cSld>
   <p:clrMapOvr>
     <a:masterClrMapping/>

--- a/Project_Analysis_Team_3/Validation Checks and Rules Tables.pptx
+++ b/Project_Analysis_Team_3/Validation Checks and Rules Tables.pptx
@@ -5,28 +5,36 @@
     <p:sldMasterId id="2147483856" r:id="rId1"/>
   </p:sldMasterIdLst>
   <p:notesMasterIdLst>
-    <p:notesMasterId r:id="rId18"/>
+    <p:notesMasterId r:id="rId26"/>
   </p:notesMasterIdLst>
   <p:handoutMasterIdLst>
-    <p:handoutMasterId r:id="rId19"/>
+    <p:handoutMasterId r:id="rId27"/>
   </p:handoutMasterIdLst>
   <p:sldIdLst>
     <p:sldId id="292" r:id="rId2"/>
     <p:sldId id="293" r:id="rId3"/>
-    <p:sldId id="291" r:id="rId4"/>
-    <p:sldId id="301" r:id="rId5"/>
-    <p:sldId id="302" r:id="rId6"/>
-    <p:sldId id="303" r:id="rId7"/>
-    <p:sldId id="304" r:id="rId8"/>
-    <p:sldId id="305" r:id="rId9"/>
-    <p:sldId id="309" r:id="rId10"/>
-    <p:sldId id="299" r:id="rId11"/>
-    <p:sldId id="310" r:id="rId12"/>
-    <p:sldId id="308" r:id="rId13"/>
-    <p:sldId id="294" r:id="rId14"/>
-    <p:sldId id="311" r:id="rId15"/>
-    <p:sldId id="307" r:id="rId16"/>
-    <p:sldId id="306" r:id="rId17"/>
+    <p:sldId id="312" r:id="rId4"/>
+    <p:sldId id="313" r:id="rId5"/>
+    <p:sldId id="314" r:id="rId6"/>
+    <p:sldId id="315" r:id="rId7"/>
+    <p:sldId id="317" r:id="rId8"/>
+    <p:sldId id="319" r:id="rId9"/>
+    <p:sldId id="321" r:id="rId10"/>
+    <p:sldId id="322" r:id="rId11"/>
+    <p:sldId id="323" r:id="rId12"/>
+    <p:sldId id="324" r:id="rId13"/>
+    <p:sldId id="325" r:id="rId14"/>
+    <p:sldId id="309" r:id="rId15"/>
+    <p:sldId id="299" r:id="rId16"/>
+    <p:sldId id="310" r:id="rId17"/>
+    <p:sldId id="326" r:id="rId18"/>
+    <p:sldId id="327" r:id="rId19"/>
+    <p:sldId id="328" r:id="rId20"/>
+    <p:sldId id="329" r:id="rId21"/>
+    <p:sldId id="294" r:id="rId22"/>
+    <p:sldId id="311" r:id="rId23"/>
+    <p:sldId id="307" r:id="rId24"/>
+    <p:sldId id="306" r:id="rId25"/>
   </p:sldIdLst>
   <p:sldSz cx="9144000" cy="6858000" type="letter"/>
   <p:notesSz cx="6946900" cy="9220200"/>
@@ -2136,25 +2144,13 @@
           <a:bodyPr/>
           <a:lstStyle/>
           <a:p>
+            <a:pPr marL="0" indent="0">
+              <a:buNone/>
+            </a:pPr>
             <a:r>
               <a:rPr lang="en-US" dirty="0"/>
-              <a:t>Modify reservation</a:t>
+              <a:t>View parking spot details</a:t>
             </a:r>
-          </a:p>
-          <a:p>
-            <a:endParaRPr lang="en-US" dirty="0"/>
-          </a:p>
-          <a:p>
-            <a:endParaRPr lang="en-US" dirty="0"/>
-          </a:p>
-          <a:p>
-            <a:endParaRPr lang="en-US" dirty="0"/>
-          </a:p>
-          <a:p>
-            <a:endParaRPr lang="en-US" dirty="0"/>
-          </a:p>
-          <a:p>
-            <a:endParaRPr lang="en-US" dirty="0"/>
           </a:p>
           <a:p>
             <a:endParaRPr lang="en-US" dirty="0"/>
@@ -2163,21 +2159,27 @@
       </p:sp>
       <p:graphicFrame>
         <p:nvGraphicFramePr>
-          <p:cNvPr id="5" name="Table 4"/>
+          <p:cNvPr id="6" name="Table 5">
+            <a:extLst>
+              <a:ext uri="{FF2B5EF4-FFF2-40B4-BE49-F238E27FC236}">
+                <a16:creationId xmlns:a16="http://schemas.microsoft.com/office/drawing/2014/main" id="{EF3DD625-F0BD-6547-95B5-65656D9192C9}"/>
+              </a:ext>
+            </a:extLst>
+          </p:cNvPr>
           <p:cNvGraphicFramePr>
             <a:graphicFrameLocks noGrp="1"/>
           </p:cNvGraphicFramePr>
           <p:nvPr>
             <p:extLst>
               <p:ext uri="{D42A27DB-BD31-4B8C-83A1-F6EECF244321}">
-                <p14:modId xmlns:p14="http://schemas.microsoft.com/office/powerpoint/2010/main" val="957128906"/>
+                <p14:modId xmlns:p14="http://schemas.microsoft.com/office/powerpoint/2010/main" val="281585121"/>
               </p:ext>
             </p:extLst>
           </p:nvPr>
         </p:nvGraphicFramePr>
         <p:xfrm>
-          <a:off x="2213987" y="1698013"/>
-          <a:ext cx="5958463" cy="4942840"/>
+          <a:off x="1702019" y="1928789"/>
+          <a:ext cx="6038184" cy="2588278"/>
         </p:xfrm>
         <a:graphic>
           <a:graphicData uri="http://schemas.openxmlformats.org/drawingml/2006/table">
@@ -2186,14 +2188,14 @@
                 <a:tableStyleId>{5C22544A-7EE6-4342-B048-85BDC9FD1C3A}</a:tableStyleId>
               </a:tblPr>
               <a:tblGrid>
-                <a:gridCol w="3000164">
+                <a:gridCol w="3040305">
                   <a:extLst>
                     <a:ext uri="{9D8B030D-6E8A-4147-A177-3AD203B41FA5}">
                       <a16:colId xmlns:a16="http://schemas.microsoft.com/office/drawing/2014/main" val="20000"/>
                     </a:ext>
                   </a:extLst>
                 </a:gridCol>
-                <a:gridCol w="2958299">
+                <a:gridCol w="2997879">
                   <a:extLst>
                     <a:ext uri="{9D8B030D-6E8A-4147-A177-3AD203B41FA5}">
                       <a16:colId xmlns:a16="http://schemas.microsoft.com/office/drawing/2014/main" val="20001"/>
@@ -2201,7 +2203,7 @@
                   </a:extLst>
                 </a:gridCol>
               </a:tblGrid>
-              <a:tr h="370840">
+              <a:tr h="362213">
                 <a:tc>
                   <a:txBody>
                     <a:bodyPr/>
@@ -2234,7 +2236,7 @@
                   </a:ext>
                 </a:extLst>
               </a:tr>
-              <a:tr h="213360">
+              <a:tr h="516899">
                 <a:tc rowSpan="3">
                   <a:txBody>
                     <a:bodyPr/>
@@ -2288,11 +2290,11 @@
                 </a:tc>
                 <a:extLst>
                   <a:ext uri="{0D108BD9-81ED-4DB2-BD59-A6C34878D82A}">
-                    <a16:rowId xmlns:a16="http://schemas.microsoft.com/office/drawing/2014/main" val="10003"/>
-                  </a:ext>
-                </a:extLst>
-              </a:tr>
-              <a:tr h="213360">
+                    <a16:rowId xmlns:a16="http://schemas.microsoft.com/office/drawing/2014/main" val="1285245706"/>
+                  </a:ext>
+                </a:extLst>
+              </a:tr>
+              <a:tr h="1177191">
                 <a:tc vMerge="1">
                   <a:txBody>
                     <a:bodyPr/>
@@ -2326,11 +2328,11 @@
                 </a:tc>
                 <a:extLst>
                   <a:ext uri="{0D108BD9-81ED-4DB2-BD59-A6C34878D82A}">
-                    <a16:rowId xmlns:a16="http://schemas.microsoft.com/office/drawing/2014/main" val="2618977768"/>
-                  </a:ext>
-                </a:extLst>
-              </a:tr>
-              <a:tr h="213360">
+                    <a16:rowId xmlns:a16="http://schemas.microsoft.com/office/drawing/2014/main" val="1638083602"/>
+                  </a:ext>
+                </a:extLst>
+              </a:tr>
+              <a:tr h="516899">
                 <a:tc vMerge="1">
                   <a:txBody>
                     <a:bodyPr/>
@@ -2348,210 +2350,15 @@
                     <a:p>
                       <a:r>
                         <a:rPr lang="en-US" dirty="0"/>
-                        <a:t>Can’t be empty</a:t>
-                      </a:r>
-                    </a:p>
-                  </a:txBody>
-                  <a:tcPr/>
-                </a:tc>
-                <a:extLst>
-                  <a:ext uri="{0D108BD9-81ED-4DB2-BD59-A6C34878D82A}">
-                    <a16:rowId xmlns:a16="http://schemas.microsoft.com/office/drawing/2014/main" val="2036306117"/>
-                  </a:ext>
-                </a:extLst>
-              </a:tr>
-              <a:tr h="128016">
-                <a:tc rowSpan="5">
-                  <a:txBody>
-                    <a:bodyPr/>
-                    <a:lstStyle/>
-                    <a:p>
-                      <a:pPr marL="0" marR="0" lvl="0" indent="0" algn="l" defTabSz="914400" rtl="0" eaLnBrk="1" fontAlgn="auto" latinLnBrk="0" hangingPunct="1">
-                        <a:lnSpc>
-                          <a:spcPct val="100000"/>
-                        </a:lnSpc>
-                        <a:spcBef>
-                          <a:spcPts val="0"/>
-                        </a:spcBef>
-                        <a:spcAft>
-                          <a:spcPts val="0"/>
-                        </a:spcAft>
-                        <a:buClrTx/>
-                        <a:buSzTx/>
-                        <a:buFontTx/>
-                        <a:buNone/>
-                        <a:tabLst/>
-                        <a:defRPr/>
-                      </a:pPr>
-                      <a:r>
-                        <a:rPr lang="en-US" sz="1800" u="none" strike="noStrike" dirty="0">
-                          <a:effectLst/>
-                        </a:rPr>
-                        <a:t>Start time</a:t>
-                      </a:r>
-                      <a:br>
-                        <a:rPr lang="en-US" sz="1800" u="none" strike="noStrike" dirty="0">
-                          <a:effectLst/>
-                        </a:rPr>
-                      </a:br>
-                      <a:endParaRPr lang="en-US" dirty="0"/>
-                    </a:p>
-                  </a:txBody>
-                  <a:tcPr/>
-                </a:tc>
-                <a:tc>
-                  <a:txBody>
-                    <a:bodyPr/>
-                    <a:lstStyle/>
-                    <a:p>
-                      <a:pPr marL="0" marR="0" lvl="0" indent="0" algn="l" defTabSz="914400" rtl="0" eaLnBrk="1" fontAlgn="auto" latinLnBrk="0" hangingPunct="1">
-                        <a:lnSpc>
-                          <a:spcPct val="100000"/>
-                        </a:lnSpc>
-                        <a:spcBef>
-                          <a:spcPts val="0"/>
-                        </a:spcBef>
-                        <a:spcAft>
-                          <a:spcPts val="0"/>
-                        </a:spcAft>
-                        <a:buClrTx/>
-                        <a:buSzTx/>
-                        <a:buFontTx/>
-                        <a:buNone/>
-                        <a:tabLst/>
-                        <a:defRPr/>
-                      </a:pPr>
-                      <a:r>
-                        <a:rPr lang="en-US" dirty="0"/>
-                        <a:t>Format is 24hr clock : HH:MM </a:t>
-                      </a:r>
-                    </a:p>
-                  </a:txBody>
-                  <a:tcPr/>
-                </a:tc>
-                <a:extLst>
-                  <a:ext uri="{0D108BD9-81ED-4DB2-BD59-A6C34878D82A}">
-                    <a16:rowId xmlns:a16="http://schemas.microsoft.com/office/drawing/2014/main" val="2917815016"/>
-                  </a:ext>
-                </a:extLst>
-              </a:tr>
-              <a:tr h="237744">
-                <a:tc vMerge="1">
-                  <a:txBody>
-                    <a:bodyPr/>
-                    <a:lstStyle/>
-                    <a:p>
-                      <a:endParaRPr lang="en-US"/>
-                    </a:p>
-                  </a:txBody>
-                  <a:tcPr/>
-                </a:tc>
-                <a:tc>
-                  <a:txBody>
-                    <a:bodyPr/>
-                    <a:lstStyle/>
-                    <a:p>
-                      <a:r>
-                        <a:rPr lang="en-US" dirty="0"/>
-                        <a:t>Hour range is : [00,23] increment of 1</a:t>
-                      </a:r>
-                    </a:p>
-                  </a:txBody>
-                  <a:tcPr/>
-                </a:tc>
-                <a:extLst>
-                  <a:ext uri="{0D108BD9-81ED-4DB2-BD59-A6C34878D82A}">
-                    <a16:rowId xmlns:a16="http://schemas.microsoft.com/office/drawing/2014/main" val="1253625378"/>
-                  </a:ext>
-                </a:extLst>
-              </a:tr>
-              <a:tr h="128016">
-                <a:tc vMerge="1">
-                  <a:txBody>
-                    <a:bodyPr/>
-                    <a:lstStyle/>
-                    <a:p>
-                      <a:endParaRPr lang="en-US"/>
-                    </a:p>
-                  </a:txBody>
-                  <a:tcPr/>
-                </a:tc>
-                <a:tc>
-                  <a:txBody>
-                    <a:bodyPr/>
-                    <a:lstStyle/>
-                    <a:p>
-                      <a:r>
-                        <a:rPr lang="en-US" dirty="0"/>
-                        <a:t>Minute range is : [00,59] increment of 1</a:t>
-                      </a:r>
-                    </a:p>
-                  </a:txBody>
-                  <a:tcPr/>
-                </a:tc>
-                <a:extLst>
-                  <a:ext uri="{0D108BD9-81ED-4DB2-BD59-A6C34878D82A}">
-                    <a16:rowId xmlns:a16="http://schemas.microsoft.com/office/drawing/2014/main" val="1451976594"/>
-                  </a:ext>
-                </a:extLst>
-              </a:tr>
-              <a:tr h="128016">
-                <a:tc vMerge="1">
-                  <a:txBody>
-                    <a:bodyPr/>
-                    <a:lstStyle/>
-                    <a:p>
-                      <a:endParaRPr lang="en-US"/>
-                    </a:p>
-                  </a:txBody>
-                  <a:tcPr/>
-                </a:tc>
-                <a:tc>
-                  <a:txBody>
-                    <a:bodyPr/>
-                    <a:lstStyle/>
-                    <a:p>
-                      <a:r>
-                        <a:rPr lang="en-US" dirty="0"/>
-                        <a:t>Only digits and “:” character are allowed</a:t>
-                      </a:r>
-                    </a:p>
-                  </a:txBody>
-                  <a:tcPr/>
-                </a:tc>
-                <a:extLst>
-                  <a:ext uri="{0D108BD9-81ED-4DB2-BD59-A6C34878D82A}">
-                    <a16:rowId xmlns:a16="http://schemas.microsoft.com/office/drawing/2014/main" val="1868928748"/>
-                  </a:ext>
-                </a:extLst>
-              </a:tr>
-              <a:tr h="128016">
-                <a:tc vMerge="1">
-                  <a:txBody>
-                    <a:bodyPr/>
-                    <a:lstStyle/>
-                    <a:p>
-                      <a:endParaRPr lang="en-US"/>
-                    </a:p>
-                  </a:txBody>
-                  <a:tcPr/>
-                </a:tc>
-                <a:tc>
-                  <a:txBody>
-                    <a:bodyPr/>
-                    <a:lstStyle/>
-                    <a:p>
-                      <a:r>
-                        <a:rPr lang="en-US" dirty="0"/>
-                        <a:t>Can’t be empty</a:t>
-                      </a:r>
-                    </a:p>
-                  </a:txBody>
-                  <a:tcPr/>
-                </a:tc>
-                <a:extLst>
-                  <a:ext uri="{0D108BD9-81ED-4DB2-BD59-A6C34878D82A}">
-                    <a16:rowId xmlns:a16="http://schemas.microsoft.com/office/drawing/2014/main" val="188843487"/>
+                        <a:t>Cannot be null or empty.</a:t>
+                      </a:r>
+                    </a:p>
+                  </a:txBody>
+                  <a:tcPr/>
+                </a:tc>
+                <a:extLst>
+                  <a:ext uri="{0D108BD9-81ED-4DB2-BD59-A6C34878D82A}">
+                    <a16:rowId xmlns:a16="http://schemas.microsoft.com/office/drawing/2014/main" val="3239548259"/>
                   </a:ext>
                 </a:extLst>
               </a:tr>
@@ -2559,10 +2366,45 @@
           </a:graphicData>
         </a:graphic>
       </p:graphicFrame>
+      <p:sp>
+        <p:nvSpPr>
+          <p:cNvPr id="8" name="TextBox 7">
+            <a:extLst>
+              <a:ext uri="{FF2B5EF4-FFF2-40B4-BE49-F238E27FC236}">
+                <a16:creationId xmlns:a16="http://schemas.microsoft.com/office/drawing/2014/main" id="{70BAEE52-B67A-7D4E-BCCF-54B549CECE57}"/>
+              </a:ext>
+            </a:extLst>
+          </p:cNvPr>
+          <p:cNvSpPr txBox="1"/>
+          <p:nvPr/>
+        </p:nvSpPr>
+        <p:spPr>
+          <a:xfrm>
+            <a:off x="1289495" y="4943730"/>
+            <a:ext cx="3834704" cy="400110"/>
+          </a:xfrm>
+          <a:prstGeom prst="rect">
+            <a:avLst/>
+          </a:prstGeom>
+          <a:noFill/>
+        </p:spPr>
+        <p:txBody>
+          <a:bodyPr wrap="none" rtlCol="0">
+            <a:spAutoFit/>
+          </a:bodyPr>
+          <a:lstStyle/>
+          <a:p>
+            <a:r>
+              <a:rPr lang="en-US" dirty="0"/>
+              <a:t>Manage parking spot availability</a:t>
+            </a:r>
+          </a:p>
+        </p:txBody>
+      </p:sp>
     </p:spTree>
     <p:extLst>
       <p:ext uri="{BB962C8B-B14F-4D97-AF65-F5344CB8AC3E}">
-        <p14:creationId xmlns:p14="http://schemas.microsoft.com/office/powerpoint/2010/main" val="1457953537"/>
+        <p14:creationId xmlns:p14="http://schemas.microsoft.com/office/powerpoint/2010/main" val="352891194"/>
       </p:ext>
     </p:extLst>
   </p:cSld>
@@ -2655,25 +2497,13 @@
           <a:bodyPr/>
           <a:lstStyle/>
           <a:p>
+            <a:pPr marL="0" indent="0">
+              <a:buNone/>
+            </a:pPr>
             <a:r>
               <a:rPr lang="en-US" dirty="0"/>
-              <a:t>Modify reservation</a:t>
+              <a:t>Manage parking spot availability</a:t>
             </a:r>
-          </a:p>
-          <a:p>
-            <a:endParaRPr lang="en-US" dirty="0"/>
-          </a:p>
-          <a:p>
-            <a:endParaRPr lang="en-US" dirty="0"/>
-          </a:p>
-          <a:p>
-            <a:endParaRPr lang="en-US" dirty="0"/>
-          </a:p>
-          <a:p>
-            <a:endParaRPr lang="en-US" dirty="0"/>
-          </a:p>
-          <a:p>
-            <a:endParaRPr lang="en-US" dirty="0"/>
           </a:p>
           <a:p>
             <a:endParaRPr lang="en-US" dirty="0"/>
@@ -2682,21 +2512,27 @@
       </p:sp>
       <p:graphicFrame>
         <p:nvGraphicFramePr>
-          <p:cNvPr id="5" name="Table 4"/>
+          <p:cNvPr id="6" name="Table 5">
+            <a:extLst>
+              <a:ext uri="{FF2B5EF4-FFF2-40B4-BE49-F238E27FC236}">
+                <a16:creationId xmlns:a16="http://schemas.microsoft.com/office/drawing/2014/main" id="{EF3DD625-F0BD-6547-95B5-65656D9192C9}"/>
+              </a:ext>
+            </a:extLst>
+          </p:cNvPr>
           <p:cNvGraphicFramePr>
             <a:graphicFrameLocks noGrp="1"/>
           </p:cNvGraphicFramePr>
           <p:nvPr>
             <p:extLst>
               <p:ext uri="{D42A27DB-BD31-4B8C-83A1-F6EECF244321}">
-                <p14:modId xmlns:p14="http://schemas.microsoft.com/office/powerpoint/2010/main" val="1267981025"/>
+                <p14:modId xmlns:p14="http://schemas.microsoft.com/office/powerpoint/2010/main" val="1631170127"/>
               </p:ext>
             </p:extLst>
           </p:nvPr>
         </p:nvGraphicFramePr>
         <p:xfrm>
-          <a:off x="2213987" y="1698013"/>
-          <a:ext cx="5958463" cy="3845560"/>
+          <a:off x="1702019" y="1887925"/>
+          <a:ext cx="6025305" cy="3969905"/>
         </p:xfrm>
         <a:graphic>
           <a:graphicData uri="http://schemas.openxmlformats.org/drawingml/2006/table">
@@ -2705,14 +2541,14 @@
                 <a:tableStyleId>{5C22544A-7EE6-4342-B048-85BDC9FD1C3A}</a:tableStyleId>
               </a:tblPr>
               <a:tblGrid>
-                <a:gridCol w="3000164">
+                <a:gridCol w="3033820">
                   <a:extLst>
                     <a:ext uri="{9D8B030D-6E8A-4147-A177-3AD203B41FA5}">
                       <a16:colId xmlns:a16="http://schemas.microsoft.com/office/drawing/2014/main" val="20000"/>
                     </a:ext>
                   </a:extLst>
                 </a:gridCol>
-                <a:gridCol w="2958299">
+                <a:gridCol w="2991485">
                   <a:extLst>
                     <a:ext uri="{9D8B030D-6E8A-4147-A177-3AD203B41FA5}">
                       <a16:colId xmlns:a16="http://schemas.microsoft.com/office/drawing/2014/main" val="20001"/>
@@ -2720,7 +2556,7 @@
                   </a:extLst>
                 </a:gridCol>
               </a:tblGrid>
-              <a:tr h="370840">
+              <a:tr h="322502">
                 <a:tc>
                   <a:txBody>
                     <a:bodyPr/>
@@ -2753,8 +2589,8 @@
                   </a:ext>
                 </a:extLst>
               </a:tr>
-              <a:tr h="128016">
-                <a:tc rowSpan="5">
+              <a:tr h="455765">
+                <a:tc rowSpan="3">
                   <a:txBody>
                     <a:bodyPr/>
                     <a:lstStyle/>
@@ -2780,7 +2616,7 @@
                         <a:rPr lang="en-US" sz="1800" u="none" strike="noStrike" dirty="0">
                           <a:effectLst/>
                         </a:rPr>
-                        <a:t>Duration</a:t>
+                        <a:t>Spot number</a:t>
                       </a:r>
                       <a:br>
                         <a:rPr lang="en-US" sz="1800" u="none" strike="noStrike" dirty="0">
@@ -2799,19 +2635,19 @@
                     <a:p>
                       <a:r>
                         <a:rPr lang="en-US" dirty="0"/>
-                        <a:t>Is a number.</a:t>
-                      </a:r>
-                    </a:p>
-                  </a:txBody>
-                  <a:tcPr/>
-                </a:tc>
-                <a:extLst>
-                  <a:ext uri="{0D108BD9-81ED-4DB2-BD59-A6C34878D82A}">
-                    <a16:rowId xmlns:a16="http://schemas.microsoft.com/office/drawing/2014/main" val="2516330701"/>
-                  </a:ext>
-                </a:extLst>
-              </a:tr>
-              <a:tr h="237744">
+                        <a:t>Is a number</a:t>
+                      </a:r>
+                    </a:p>
+                  </a:txBody>
+                  <a:tcPr/>
+                </a:tc>
+                <a:extLst>
+                  <a:ext uri="{0D108BD9-81ED-4DB2-BD59-A6C34878D82A}">
+                    <a16:rowId xmlns:a16="http://schemas.microsoft.com/office/drawing/2014/main" val="1285245706"/>
+                  </a:ext>
+                </a:extLst>
+              </a:tr>
+              <a:tr h="1048130">
                 <a:tc vMerge="1">
                   <a:txBody>
                     <a:bodyPr/>
@@ -2829,19 +2665,27 @@
                     <a:p>
                       <a:r>
                         <a:rPr lang="en-US" dirty="0"/>
-                        <a:t>Can’t be empty.</a:t>
-                      </a:r>
-                    </a:p>
-                  </a:txBody>
-                  <a:tcPr/>
-                </a:tc>
-                <a:extLst>
-                  <a:ext uri="{0D108BD9-81ED-4DB2-BD59-A6C34878D82A}">
-                    <a16:rowId xmlns:a16="http://schemas.microsoft.com/office/drawing/2014/main" val="3201262839"/>
-                  </a:ext>
-                </a:extLst>
-              </a:tr>
-              <a:tr h="128016">
+                        <a:t>Range is [1,maxSpot], </a:t>
+                      </a:r>
+                      <a:r>
+                        <a:rPr lang="en-US" dirty="0" err="1"/>
+                        <a:t>maxSpot</a:t>
+                      </a:r>
+                      <a:r>
+                        <a:rPr lang="en-US" dirty="0"/>
+                        <a:t> being the maximum spot number for a particular parking name.</a:t>
+                      </a:r>
+                    </a:p>
+                  </a:txBody>
+                  <a:tcPr/>
+                </a:tc>
+                <a:extLst>
+                  <a:ext uri="{0D108BD9-81ED-4DB2-BD59-A6C34878D82A}">
+                    <a16:rowId xmlns:a16="http://schemas.microsoft.com/office/drawing/2014/main" val="1638083602"/>
+                  </a:ext>
+                </a:extLst>
+              </a:tr>
+              <a:tr h="455765">
                 <a:tc vMerge="1">
                   <a:txBody>
                     <a:bodyPr/>
@@ -2859,80 +2703,20 @@
                     <a:p>
                       <a:r>
                         <a:rPr lang="en-US" dirty="0"/>
-                        <a:t>Increment of 15mins</a:t>
-                      </a:r>
-                    </a:p>
-                  </a:txBody>
-                  <a:tcPr/>
-                </a:tc>
-                <a:extLst>
-                  <a:ext uri="{0D108BD9-81ED-4DB2-BD59-A6C34878D82A}">
-                    <a16:rowId xmlns:a16="http://schemas.microsoft.com/office/drawing/2014/main" val="1043836543"/>
-                  </a:ext>
-                </a:extLst>
-              </a:tr>
-              <a:tr h="128016">
-                <a:tc vMerge="1">
-                  <a:txBody>
-                    <a:bodyPr/>
-                    <a:lstStyle/>
-                    <a:p>
-                      <a:endParaRPr lang="en-US"/>
-                    </a:p>
-                  </a:txBody>
-                  <a:tcPr/>
-                </a:tc>
-                <a:tc>
-                  <a:txBody>
-                    <a:bodyPr/>
-                    <a:lstStyle/>
-                    <a:p>
-                      <a:r>
-                        <a:rPr lang="en-US" dirty="0"/>
-                        <a:t>Min is 15 inclusive, max is 180 inclusive</a:t>
-                      </a:r>
-                    </a:p>
-                  </a:txBody>
-                  <a:tcPr/>
-                </a:tc>
-                <a:extLst>
-                  <a:ext uri="{0D108BD9-81ED-4DB2-BD59-A6C34878D82A}">
-                    <a16:rowId xmlns:a16="http://schemas.microsoft.com/office/drawing/2014/main" val="1781398797"/>
-                  </a:ext>
-                </a:extLst>
-              </a:tr>
-              <a:tr h="128016">
-                <a:tc vMerge="1">
-                  <a:txBody>
-                    <a:bodyPr/>
-                    <a:lstStyle/>
-                    <a:p>
-                      <a:endParaRPr lang="en-US"/>
-                    </a:p>
-                  </a:txBody>
-                  <a:tcPr/>
-                </a:tc>
-                <a:tc>
-                  <a:txBody>
-                    <a:bodyPr/>
-                    <a:lstStyle/>
-                    <a:p>
-                      <a:r>
-                        <a:rPr lang="en-US" dirty="0"/>
-                        <a:t>In minutes format ex, 2hours should be 120 as input</a:t>
-                      </a:r>
-                    </a:p>
-                  </a:txBody>
-                  <a:tcPr/>
-                </a:tc>
-                <a:extLst>
-                  <a:ext uri="{0D108BD9-81ED-4DB2-BD59-A6C34878D82A}">
-                    <a16:rowId xmlns:a16="http://schemas.microsoft.com/office/drawing/2014/main" val="2910051621"/>
-                  </a:ext>
-                </a:extLst>
-              </a:tr>
-              <a:tr h="123613">
-                <a:tc rowSpan="3">
+                        <a:t>Cannot be null or empty.</a:t>
+                      </a:r>
+                    </a:p>
+                  </a:txBody>
+                  <a:tcPr/>
+                </a:tc>
+                <a:extLst>
+                  <a:ext uri="{0D108BD9-81ED-4DB2-BD59-A6C34878D82A}">
+                    <a16:rowId xmlns:a16="http://schemas.microsoft.com/office/drawing/2014/main" val="3239548259"/>
+                  </a:ext>
+                </a:extLst>
+              </a:tr>
+              <a:tr h="455765">
+                <a:tc rowSpan="2">
                   <a:txBody>
                     <a:bodyPr/>
                     <a:lstStyle/>
@@ -2955,19 +2739,27 @@
                         <a:defRPr/>
                       </a:pPr>
                       <a:r>
-                        <a:rPr lang="en-US" dirty="0"/>
-                        <a:t>Options</a:t>
-                      </a:r>
-                    </a:p>
-                  </a:txBody>
-                  <a:tcPr/>
-                </a:tc>
-                <a:tc>
-                  <a:txBody>
-                    <a:bodyPr/>
-                    <a:lstStyle/>
-                    <a:p>
-                      <a:pPr marL="0" marR="0" indent="0" algn="l" defTabSz="914400" rtl="0" eaLnBrk="1" fontAlgn="auto" latinLnBrk="0" hangingPunct="1">
+                        <a:rPr lang="en-US" sz="1800" u="none" strike="noStrike" dirty="0">
+                          <a:effectLst/>
+                        </a:rPr>
+                        <a:t>Start time</a:t>
+                      </a:r>
+                      <a:br>
+                        <a:rPr lang="en-US" sz="1800" u="none" strike="noStrike" dirty="0">
+                          <a:effectLst/>
+                        </a:rPr>
+                      </a:br>
+                      <a:endParaRPr lang="en-US" dirty="0"/>
+                    </a:p>
+                  </a:txBody>
+                  <a:tcPr/>
+                </a:tc>
+                <a:tc>
+                  <a:txBody>
+                    <a:bodyPr/>
+                    <a:lstStyle/>
+                    <a:p>
+                      <a:pPr marL="0" marR="0" lvl="0" indent="0" algn="l" defTabSz="914400" rtl="0" eaLnBrk="1" fontAlgn="auto" latinLnBrk="0" hangingPunct="1">
                         <a:lnSpc>
                           <a:spcPct val="100000"/>
                         </a:lnSpc>
@@ -2986,19 +2778,19 @@
                       </a:pPr>
                       <a:r>
                         <a:rPr lang="en-US" dirty="0"/>
-                        <a:t>Optional </a:t>
-                      </a:r>
-                    </a:p>
-                  </a:txBody>
-                  <a:tcPr/>
-                </a:tc>
-                <a:extLst>
-                  <a:ext uri="{0D108BD9-81ED-4DB2-BD59-A6C34878D82A}">
-                    <a16:rowId xmlns:a16="http://schemas.microsoft.com/office/drawing/2014/main" val="3900876568"/>
-                  </a:ext>
-                </a:extLst>
-              </a:tr>
-              <a:tr h="242147">
+                        <a:t>Format is 24hr clock : HH:MM </a:t>
+                      </a:r>
+                    </a:p>
+                  </a:txBody>
+                  <a:tcPr/>
+                </a:tc>
+                <a:extLst>
+                  <a:ext uri="{0D108BD9-81ED-4DB2-BD59-A6C34878D82A}">
+                    <a16:rowId xmlns:a16="http://schemas.microsoft.com/office/drawing/2014/main" val="1190923237"/>
+                  </a:ext>
+                </a:extLst>
+              </a:tr>
+              <a:tr h="1048130">
                 <a:tc vMerge="1">
                   <a:txBody>
                     <a:bodyPr/>
@@ -3014,78 +2806,17 @@
                     <a:bodyPr/>
                     <a:lstStyle/>
                     <a:p>
-                      <a:pPr marL="0" marR="0" indent="0" algn="l" defTabSz="914400" rtl="0" eaLnBrk="1" fontAlgn="auto" latinLnBrk="0" hangingPunct="1">
-                        <a:lnSpc>
-                          <a:spcPct val="100000"/>
-                        </a:lnSpc>
-                        <a:spcBef>
-                          <a:spcPts val="0"/>
-                        </a:spcBef>
-                        <a:spcAft>
-                          <a:spcPts val="0"/>
-                        </a:spcAft>
-                        <a:buClrTx/>
-                        <a:buSzTx/>
-                        <a:buFontTx/>
-                        <a:buNone/>
-                        <a:tabLst/>
-                        <a:defRPr/>
-                      </a:pPr>
-                      <a:r>
-                        <a:rPr lang="en-US" dirty="0"/>
-                        <a:t>Checkbox</a:t>
-                      </a:r>
-                    </a:p>
-                  </a:txBody>
-                  <a:tcPr/>
-                </a:tc>
-                <a:extLst>
-                  <a:ext uri="{0D108BD9-81ED-4DB2-BD59-A6C34878D82A}">
-                    <a16:rowId xmlns:a16="http://schemas.microsoft.com/office/drawing/2014/main" val="1497443955"/>
-                  </a:ext>
-                </a:extLst>
-              </a:tr>
-              <a:tr h="123613">
-                <a:tc vMerge="1">
-                  <a:txBody>
-                    <a:bodyPr/>
-                    <a:lstStyle/>
-                    <a:p>
-                      <a:endParaRPr lang="en-US"/>
-                    </a:p>
-                  </a:txBody>
-                  <a:tcPr/>
-                </a:tc>
-                <a:tc>
-                  <a:txBody>
-                    <a:bodyPr/>
-                    <a:lstStyle/>
-                    <a:p>
-                      <a:pPr marL="0" marR="0" indent="0" algn="l" defTabSz="914400" rtl="0" eaLnBrk="1" fontAlgn="auto" latinLnBrk="0" hangingPunct="1">
-                        <a:lnSpc>
-                          <a:spcPct val="100000"/>
-                        </a:lnSpc>
-                        <a:spcBef>
-                          <a:spcPts val="0"/>
-                        </a:spcBef>
-                        <a:spcAft>
-                          <a:spcPts val="0"/>
-                        </a:spcAft>
-                        <a:buClrTx/>
-                        <a:buSzTx/>
-                        <a:buFontTx/>
-                        <a:buNone/>
-                        <a:tabLst/>
-                        <a:defRPr/>
-                      </a:pPr>
-                      <a:endParaRPr lang="en-US" dirty="0"/>
-                    </a:p>
-                  </a:txBody>
-                  <a:tcPr/>
-                </a:tc>
-                <a:extLst>
-                  <a:ext uri="{0D108BD9-81ED-4DB2-BD59-A6C34878D82A}">
-                    <a16:rowId xmlns:a16="http://schemas.microsoft.com/office/drawing/2014/main" val="1456130203"/>
+                      <a:r>
+                        <a:rPr lang="en-US" dirty="0"/>
+                        <a:t>Type of input is a time field not string.</a:t>
+                      </a:r>
+                    </a:p>
+                  </a:txBody>
+                  <a:tcPr/>
+                </a:tc>
+                <a:extLst>
+                  <a:ext uri="{0D108BD9-81ED-4DB2-BD59-A6C34878D82A}">
+                    <a16:rowId xmlns:a16="http://schemas.microsoft.com/office/drawing/2014/main" val="2011416384"/>
                   </a:ext>
                 </a:extLst>
               </a:tr>
@@ -3096,7 +2827,7 @@
     </p:spTree>
     <p:extLst>
       <p:ext uri="{BB962C8B-B14F-4D97-AF65-F5344CB8AC3E}">
-        <p14:creationId xmlns:p14="http://schemas.microsoft.com/office/powerpoint/2010/main" val="1953559042"/>
+        <p14:creationId xmlns:p14="http://schemas.microsoft.com/office/powerpoint/2010/main" val="2848748977"/>
       </p:ext>
     </p:extLst>
   </p:cSld>
@@ -3189,9 +2920,759 @@
           <a:bodyPr/>
           <a:lstStyle/>
           <a:p>
+            <a:pPr marL="0" indent="0">
+              <a:buNone/>
+            </a:pPr>
             <a:r>
               <a:rPr lang="en-US" dirty="0"/>
-              <a:t>Edit user profile</a:t>
+              <a:t>Manage parking areas</a:t>
+            </a:r>
+          </a:p>
+          <a:p>
+            <a:endParaRPr lang="en-US" dirty="0"/>
+          </a:p>
+        </p:txBody>
+      </p:sp>
+      <p:graphicFrame>
+        <p:nvGraphicFramePr>
+          <p:cNvPr id="6" name="Table 5">
+            <a:extLst>
+              <a:ext uri="{FF2B5EF4-FFF2-40B4-BE49-F238E27FC236}">
+                <a16:creationId xmlns:a16="http://schemas.microsoft.com/office/drawing/2014/main" id="{EF3DD625-F0BD-6547-95B5-65656D9192C9}"/>
+              </a:ext>
+            </a:extLst>
+          </p:cNvPr>
+          <p:cNvGraphicFramePr>
+            <a:graphicFrameLocks noGrp="1"/>
+          </p:cNvGraphicFramePr>
+          <p:nvPr>
+            <p:extLst>
+              <p:ext uri="{D42A27DB-BD31-4B8C-83A1-F6EECF244321}">
+                <p14:modId xmlns:p14="http://schemas.microsoft.com/office/powerpoint/2010/main" val="2433726271"/>
+              </p:ext>
+            </p:extLst>
+          </p:nvPr>
+        </p:nvGraphicFramePr>
+        <p:xfrm>
+          <a:off x="1689140" y="1796152"/>
+          <a:ext cx="6025305" cy="3381711"/>
+        </p:xfrm>
+        <a:graphic>
+          <a:graphicData uri="http://schemas.openxmlformats.org/drawingml/2006/table">
+            <a:tbl>
+              <a:tblPr firstRow="1" bandRow="1">
+                <a:tableStyleId>{5C22544A-7EE6-4342-B048-85BDC9FD1C3A}</a:tableStyleId>
+              </a:tblPr>
+              <a:tblGrid>
+                <a:gridCol w="3033820">
+                  <a:extLst>
+                    <a:ext uri="{9D8B030D-6E8A-4147-A177-3AD203B41FA5}">
+                      <a16:colId xmlns:a16="http://schemas.microsoft.com/office/drawing/2014/main" val="20000"/>
+                    </a:ext>
+                  </a:extLst>
+                </a:gridCol>
+                <a:gridCol w="2991485">
+                  <a:extLst>
+                    <a:ext uri="{9D8B030D-6E8A-4147-A177-3AD203B41FA5}">
+                      <a16:colId xmlns:a16="http://schemas.microsoft.com/office/drawing/2014/main" val="20001"/>
+                    </a:ext>
+                  </a:extLst>
+                </a:gridCol>
+              </a:tblGrid>
+              <a:tr h="322502">
+                <a:tc>
+                  <a:txBody>
+                    <a:bodyPr/>
+                    <a:lstStyle/>
+                    <a:p>
+                      <a:r>
+                        <a:rPr lang="en-US" dirty="0"/>
+                        <a:t>Attribute</a:t>
+                      </a:r>
+                    </a:p>
+                  </a:txBody>
+                  <a:tcPr/>
+                </a:tc>
+                <a:tc>
+                  <a:txBody>
+                    <a:bodyPr/>
+                    <a:lstStyle/>
+                    <a:p>
+                      <a:r>
+                        <a:rPr lang="en-US" dirty="0"/>
+                        <a:t>Validations</a:t>
+                      </a:r>
+                    </a:p>
+                  </a:txBody>
+                  <a:tcPr/>
+                </a:tc>
+                <a:extLst>
+                  <a:ext uri="{0D108BD9-81ED-4DB2-BD59-A6C34878D82A}">
+                    <a16:rowId xmlns:a16="http://schemas.microsoft.com/office/drawing/2014/main" val="10000"/>
+                  </a:ext>
+                </a:extLst>
+              </a:tr>
+              <a:tr h="455765">
+                <a:tc rowSpan="3">
+                  <a:txBody>
+                    <a:bodyPr/>
+                    <a:lstStyle/>
+                    <a:p>
+                      <a:pPr marL="0" marR="0" lvl="0" indent="0" algn="l" defTabSz="914400" rtl="0" eaLnBrk="1" fontAlgn="auto" latinLnBrk="0" hangingPunct="1">
+                        <a:lnSpc>
+                          <a:spcPct val="100000"/>
+                        </a:lnSpc>
+                        <a:spcBef>
+                          <a:spcPts val="0"/>
+                        </a:spcBef>
+                        <a:spcAft>
+                          <a:spcPts val="0"/>
+                        </a:spcAft>
+                        <a:buClrTx/>
+                        <a:buSzTx/>
+                        <a:buFontTx/>
+                        <a:buNone/>
+                        <a:tabLst/>
+                        <a:defRPr/>
+                      </a:pPr>
+                      <a:r>
+                        <a:rPr lang="en-US" sz="1800" u="none" strike="noStrike" dirty="0">
+                          <a:effectLst/>
+                        </a:rPr>
+                        <a:t>Capacity</a:t>
+                      </a:r>
+                      <a:br>
+                        <a:rPr lang="en-US" sz="1800" u="none" strike="noStrike" dirty="0">
+                          <a:effectLst/>
+                        </a:rPr>
+                      </a:br>
+                      <a:endParaRPr lang="en-US" dirty="0"/>
+                    </a:p>
+                  </a:txBody>
+                  <a:tcPr/>
+                </a:tc>
+                <a:tc>
+                  <a:txBody>
+                    <a:bodyPr/>
+                    <a:lstStyle/>
+                    <a:p>
+                      <a:r>
+                        <a:rPr lang="en-US" dirty="0"/>
+                        <a:t>Is a number.</a:t>
+                      </a:r>
+                    </a:p>
+                  </a:txBody>
+                  <a:tcPr/>
+                </a:tc>
+                <a:extLst>
+                  <a:ext uri="{0D108BD9-81ED-4DB2-BD59-A6C34878D82A}">
+                    <a16:rowId xmlns:a16="http://schemas.microsoft.com/office/drawing/2014/main" val="1285245706"/>
+                  </a:ext>
+                </a:extLst>
+              </a:tr>
+              <a:tr h="484511">
+                <a:tc vMerge="1">
+                  <a:txBody>
+                    <a:bodyPr/>
+                    <a:lstStyle/>
+                    <a:p>
+                      <a:endParaRPr lang="en-US"/>
+                    </a:p>
+                  </a:txBody>
+                  <a:tcPr/>
+                </a:tc>
+                <a:tc>
+                  <a:txBody>
+                    <a:bodyPr/>
+                    <a:lstStyle/>
+                    <a:p>
+                      <a:r>
+                        <a:rPr lang="en-US" dirty="0"/>
+                        <a:t>Range is [1,750] </a:t>
+                      </a:r>
+                    </a:p>
+                  </a:txBody>
+                  <a:tcPr/>
+                </a:tc>
+                <a:extLst>
+                  <a:ext uri="{0D108BD9-81ED-4DB2-BD59-A6C34878D82A}">
+                    <a16:rowId xmlns:a16="http://schemas.microsoft.com/office/drawing/2014/main" val="1638083602"/>
+                  </a:ext>
+                </a:extLst>
+              </a:tr>
+              <a:tr h="455765">
+                <a:tc vMerge="1">
+                  <a:txBody>
+                    <a:bodyPr/>
+                    <a:lstStyle/>
+                    <a:p>
+                      <a:endParaRPr lang="en-US"/>
+                    </a:p>
+                  </a:txBody>
+                  <a:tcPr/>
+                </a:tc>
+                <a:tc>
+                  <a:txBody>
+                    <a:bodyPr/>
+                    <a:lstStyle/>
+                    <a:p>
+                      <a:r>
+                        <a:rPr lang="en-US" dirty="0"/>
+                        <a:t>Cannot be null or empty.</a:t>
+                      </a:r>
+                    </a:p>
+                  </a:txBody>
+                  <a:tcPr/>
+                </a:tc>
+                <a:extLst>
+                  <a:ext uri="{0D108BD9-81ED-4DB2-BD59-A6C34878D82A}">
+                    <a16:rowId xmlns:a16="http://schemas.microsoft.com/office/drawing/2014/main" val="3239548259"/>
+                  </a:ext>
+                </a:extLst>
+              </a:tr>
+              <a:tr h="455765">
+                <a:tc rowSpan="3">
+                  <a:txBody>
+                    <a:bodyPr/>
+                    <a:lstStyle/>
+                    <a:p>
+                      <a:pPr marL="0" marR="0" lvl="0" indent="0" algn="l" defTabSz="914400" rtl="0" eaLnBrk="1" fontAlgn="auto" latinLnBrk="0" hangingPunct="1">
+                        <a:lnSpc>
+                          <a:spcPct val="100000"/>
+                        </a:lnSpc>
+                        <a:spcBef>
+                          <a:spcPts val="0"/>
+                        </a:spcBef>
+                        <a:spcAft>
+                          <a:spcPts val="0"/>
+                        </a:spcAft>
+                        <a:buClrTx/>
+                        <a:buSzTx/>
+                        <a:buFontTx/>
+                        <a:buNone/>
+                        <a:tabLst/>
+                        <a:defRPr/>
+                      </a:pPr>
+                      <a:r>
+                        <a:rPr lang="en-US" sz="1800" u="none" strike="noStrike" dirty="0">
+                          <a:effectLst/>
+                        </a:rPr>
+                        <a:t>Parking area name</a:t>
+                      </a:r>
+                      <a:br>
+                        <a:rPr lang="en-US" sz="1800" u="none" strike="noStrike" dirty="0">
+                          <a:effectLst/>
+                        </a:rPr>
+                      </a:br>
+                      <a:endParaRPr lang="en-US" dirty="0"/>
+                    </a:p>
+                  </a:txBody>
+                  <a:tcPr/>
+                </a:tc>
+                <a:tc>
+                  <a:txBody>
+                    <a:bodyPr/>
+                    <a:lstStyle/>
+                    <a:p>
+                      <a:pPr marL="0" marR="0" lvl="0" indent="0" algn="l" defTabSz="914400" rtl="0" eaLnBrk="1" fontAlgn="auto" latinLnBrk="0" hangingPunct="1">
+                        <a:lnSpc>
+                          <a:spcPct val="100000"/>
+                        </a:lnSpc>
+                        <a:spcBef>
+                          <a:spcPts val="0"/>
+                        </a:spcBef>
+                        <a:spcAft>
+                          <a:spcPts val="0"/>
+                        </a:spcAft>
+                        <a:buClrTx/>
+                        <a:buSzTx/>
+                        <a:buFontTx/>
+                        <a:buNone/>
+                        <a:tabLst/>
+                        <a:defRPr/>
+                      </a:pPr>
+                      <a:r>
+                        <a:rPr lang="en-US" dirty="0"/>
+                        <a:t>Only alphabets.</a:t>
+                      </a:r>
+                    </a:p>
+                  </a:txBody>
+                  <a:tcPr/>
+                </a:tc>
+                <a:extLst>
+                  <a:ext uri="{0D108BD9-81ED-4DB2-BD59-A6C34878D82A}">
+                    <a16:rowId xmlns:a16="http://schemas.microsoft.com/office/drawing/2014/main" val="1190923237"/>
+                  </a:ext>
+                </a:extLst>
+              </a:tr>
+              <a:tr h="524065">
+                <a:tc vMerge="1">
+                  <a:txBody>
+                    <a:bodyPr/>
+                    <a:lstStyle/>
+                    <a:p>
+                      <a:endParaRPr lang="en-US"/>
+                    </a:p>
+                  </a:txBody>
+                  <a:tcPr/>
+                </a:tc>
+                <a:tc>
+                  <a:txBody>
+                    <a:bodyPr/>
+                    <a:lstStyle/>
+                    <a:p>
+                      <a:r>
+                        <a:rPr lang="en-US" dirty="0"/>
+                        <a:t>Cannot be null or empty</a:t>
+                      </a:r>
+                    </a:p>
+                  </a:txBody>
+                  <a:tcPr/>
+                </a:tc>
+                <a:extLst>
+                  <a:ext uri="{0D108BD9-81ED-4DB2-BD59-A6C34878D82A}">
+                    <a16:rowId xmlns:a16="http://schemas.microsoft.com/office/drawing/2014/main" val="2011416384"/>
+                  </a:ext>
+                </a:extLst>
+              </a:tr>
+              <a:tr h="524065">
+                <a:tc vMerge="1">
+                  <a:txBody>
+                    <a:bodyPr/>
+                    <a:lstStyle/>
+                    <a:p>
+                      <a:endParaRPr lang="en-US"/>
+                    </a:p>
+                  </a:txBody>
+                  <a:tcPr/>
+                </a:tc>
+                <a:tc>
+                  <a:txBody>
+                    <a:bodyPr/>
+                    <a:lstStyle/>
+                    <a:p>
+                      <a:r>
+                        <a:rPr lang="en-US" dirty="0"/>
+                        <a:t>Minimum character length is 5, maximum is 15</a:t>
+                      </a:r>
+                    </a:p>
+                  </a:txBody>
+                  <a:tcPr/>
+                </a:tc>
+                <a:extLst>
+                  <a:ext uri="{0D108BD9-81ED-4DB2-BD59-A6C34878D82A}">
+                    <a16:rowId xmlns:a16="http://schemas.microsoft.com/office/drawing/2014/main" val="174936417"/>
+                  </a:ext>
+                </a:extLst>
+              </a:tr>
+            </a:tbl>
+          </a:graphicData>
+        </a:graphic>
+      </p:graphicFrame>
+    </p:spTree>
+    <p:extLst>
+      <p:ext uri="{BB962C8B-B14F-4D97-AF65-F5344CB8AC3E}">
+        <p14:creationId xmlns:p14="http://schemas.microsoft.com/office/powerpoint/2010/main" val="3560511409"/>
+      </p:ext>
+    </p:extLst>
+  </p:cSld>
+  <p:clrMapOvr>
+    <a:masterClrMapping/>
+  </p:clrMapOvr>
+</p:sld>
+</file>
+
+<file path=ppt/slides/slide13.xml><?xml version="1.0" encoding="utf-8"?>
+<p:sld xmlns:a="http://schemas.openxmlformats.org/drawingml/2006/main" xmlns:r="http://schemas.openxmlformats.org/officeDocument/2006/relationships" xmlns:p="http://schemas.openxmlformats.org/presentationml/2006/main">
+  <p:cSld>
+    <p:spTree>
+      <p:nvGrpSpPr>
+        <p:cNvPr id="1" name=""/>
+        <p:cNvGrpSpPr/>
+        <p:nvPr/>
+      </p:nvGrpSpPr>
+      <p:grpSpPr>
+        <a:xfrm>
+          <a:off x="0" y="0"/>
+          <a:ext cx="0" cy="0"/>
+          <a:chOff x="0" y="0"/>
+          <a:chExt cx="0" cy="0"/>
+        </a:xfrm>
+      </p:grpSpPr>
+      <p:sp>
+        <p:nvSpPr>
+          <p:cNvPr id="3" name="Title 2"/>
+          <p:cNvSpPr>
+            <a:spLocks noGrp="1"/>
+          </p:cNvSpPr>
+          <p:nvPr>
+            <p:ph type="title"/>
+          </p:nvPr>
+        </p:nvSpPr>
+        <p:spPr/>
+        <p:txBody>
+          <a:bodyPr/>
+          <a:lstStyle/>
+          <a:p>
+            <a:r>
+              <a:rPr lang="en-US" dirty="0"/>
+              <a:t>Validation Checks (cont.)</a:t>
+            </a:r>
+          </a:p>
+        </p:txBody>
+      </p:sp>
+      <p:sp>
+        <p:nvSpPr>
+          <p:cNvPr id="2" name="Slide Number Placeholder 1"/>
+          <p:cNvSpPr>
+            <a:spLocks noGrp="1"/>
+          </p:cNvSpPr>
+          <p:nvPr>
+            <p:ph type="sldNum" sz="quarter" idx="10"/>
+          </p:nvPr>
+        </p:nvSpPr>
+        <p:spPr/>
+        <p:txBody>
+          <a:bodyPr/>
+          <a:lstStyle/>
+          <a:p>
+            <a:pPr>
+              <a:defRPr/>
+            </a:pPr>
+            <a:fld id="{7172B2E8-CBA5-4D0C-A017-9480F9E0BA9D}" type="slidenum">
+              <a:rPr lang="en-US" smtClean="0"/>
+              <a:pPr>
+                <a:defRPr/>
+              </a:pPr>
+              <a:t>13</a:t>
+            </a:fld>
+            <a:endParaRPr lang="en-US" dirty="0"/>
+          </a:p>
+        </p:txBody>
+      </p:sp>
+      <p:sp>
+        <p:nvSpPr>
+          <p:cNvPr id="4" name="Text Placeholder 3"/>
+          <p:cNvSpPr>
+            <a:spLocks noGrp="1"/>
+          </p:cNvSpPr>
+          <p:nvPr>
+            <p:ph type="body" sz="quarter" idx="11"/>
+          </p:nvPr>
+        </p:nvSpPr>
+        <p:spPr/>
+        <p:txBody>
+          <a:bodyPr/>
+          <a:lstStyle/>
+          <a:p>
+            <a:pPr marL="0" indent="0">
+              <a:buNone/>
+            </a:pPr>
+            <a:r>
+              <a:rPr lang="en-US" dirty="0"/>
+              <a:t>Manage parking areas</a:t>
+            </a:r>
+          </a:p>
+          <a:p>
+            <a:endParaRPr lang="en-US" dirty="0"/>
+          </a:p>
+        </p:txBody>
+      </p:sp>
+      <p:graphicFrame>
+        <p:nvGraphicFramePr>
+          <p:cNvPr id="6" name="Table 5">
+            <a:extLst>
+              <a:ext uri="{FF2B5EF4-FFF2-40B4-BE49-F238E27FC236}">
+                <a16:creationId xmlns:a16="http://schemas.microsoft.com/office/drawing/2014/main" id="{EF3DD625-F0BD-6547-95B5-65656D9192C9}"/>
+              </a:ext>
+            </a:extLst>
+          </p:cNvPr>
+          <p:cNvGraphicFramePr>
+            <a:graphicFrameLocks noGrp="1"/>
+          </p:cNvGraphicFramePr>
+          <p:nvPr>
+            <p:extLst>
+              <p:ext uri="{D42A27DB-BD31-4B8C-83A1-F6EECF244321}">
+                <p14:modId xmlns:p14="http://schemas.microsoft.com/office/powerpoint/2010/main" val="1476326672"/>
+              </p:ext>
+            </p:extLst>
+          </p:nvPr>
+        </p:nvGraphicFramePr>
+        <p:xfrm>
+          <a:off x="1702019" y="1836409"/>
+          <a:ext cx="6025305" cy="1774680"/>
+        </p:xfrm>
+        <a:graphic>
+          <a:graphicData uri="http://schemas.openxmlformats.org/drawingml/2006/table">
+            <a:tbl>
+              <a:tblPr firstRow="1" bandRow="1">
+                <a:tableStyleId>{5C22544A-7EE6-4342-B048-85BDC9FD1C3A}</a:tableStyleId>
+              </a:tblPr>
+              <a:tblGrid>
+                <a:gridCol w="3033820">
+                  <a:extLst>
+                    <a:ext uri="{9D8B030D-6E8A-4147-A177-3AD203B41FA5}">
+                      <a16:colId xmlns:a16="http://schemas.microsoft.com/office/drawing/2014/main" val="20000"/>
+                    </a:ext>
+                  </a:extLst>
+                </a:gridCol>
+                <a:gridCol w="2991485">
+                  <a:extLst>
+                    <a:ext uri="{9D8B030D-6E8A-4147-A177-3AD203B41FA5}">
+                      <a16:colId xmlns:a16="http://schemas.microsoft.com/office/drawing/2014/main" val="20001"/>
+                    </a:ext>
+                  </a:extLst>
+                </a:gridCol>
+              </a:tblGrid>
+              <a:tr h="322502">
+                <a:tc>
+                  <a:txBody>
+                    <a:bodyPr/>
+                    <a:lstStyle/>
+                    <a:p>
+                      <a:r>
+                        <a:rPr lang="en-US" dirty="0"/>
+                        <a:t>Attribute</a:t>
+                      </a:r>
+                    </a:p>
+                  </a:txBody>
+                  <a:tcPr/>
+                </a:tc>
+                <a:tc>
+                  <a:txBody>
+                    <a:bodyPr/>
+                    <a:lstStyle/>
+                    <a:p>
+                      <a:r>
+                        <a:rPr lang="en-US" dirty="0"/>
+                        <a:t>Validations</a:t>
+                      </a:r>
+                    </a:p>
+                  </a:txBody>
+                  <a:tcPr/>
+                </a:tc>
+                <a:extLst>
+                  <a:ext uri="{0D108BD9-81ED-4DB2-BD59-A6C34878D82A}">
+                    <a16:rowId xmlns:a16="http://schemas.microsoft.com/office/drawing/2014/main" val="10000"/>
+                  </a:ext>
+                </a:extLst>
+              </a:tr>
+              <a:tr h="455765">
+                <a:tc rowSpan="3">
+                  <a:txBody>
+                    <a:bodyPr/>
+                    <a:lstStyle/>
+                    <a:p>
+                      <a:pPr marL="0" marR="0" lvl="0" indent="0" algn="l" defTabSz="914400" rtl="0" eaLnBrk="1" fontAlgn="auto" latinLnBrk="0" hangingPunct="1">
+                        <a:lnSpc>
+                          <a:spcPct val="100000"/>
+                        </a:lnSpc>
+                        <a:spcBef>
+                          <a:spcPts val="0"/>
+                        </a:spcBef>
+                        <a:spcAft>
+                          <a:spcPts val="0"/>
+                        </a:spcAft>
+                        <a:buClrTx/>
+                        <a:buSzTx/>
+                        <a:buFontTx/>
+                        <a:buNone/>
+                        <a:tabLst/>
+                        <a:defRPr/>
+                      </a:pPr>
+                      <a:r>
+                        <a:rPr lang="en-US" sz="1800" u="none" strike="noStrike" dirty="0">
+                          <a:effectLst/>
+                        </a:rPr>
+                        <a:t>Floors</a:t>
+                      </a:r>
+                      <a:endParaRPr lang="en-US" dirty="0"/>
+                    </a:p>
+                  </a:txBody>
+                  <a:tcPr/>
+                </a:tc>
+                <a:tc>
+                  <a:txBody>
+                    <a:bodyPr/>
+                    <a:lstStyle/>
+                    <a:p>
+                      <a:r>
+                        <a:rPr lang="en-US" dirty="0"/>
+                        <a:t>Is a number</a:t>
+                      </a:r>
+                    </a:p>
+                  </a:txBody>
+                  <a:tcPr/>
+                </a:tc>
+                <a:extLst>
+                  <a:ext uri="{0D108BD9-81ED-4DB2-BD59-A6C34878D82A}">
+                    <a16:rowId xmlns:a16="http://schemas.microsoft.com/office/drawing/2014/main" val="1285245706"/>
+                  </a:ext>
+                </a:extLst>
+              </a:tr>
+              <a:tr h="497390">
+                <a:tc vMerge="1">
+                  <a:txBody>
+                    <a:bodyPr/>
+                    <a:lstStyle/>
+                    <a:p>
+                      <a:endParaRPr lang="en-US"/>
+                    </a:p>
+                  </a:txBody>
+                  <a:tcPr/>
+                </a:tc>
+                <a:tc>
+                  <a:txBody>
+                    <a:bodyPr/>
+                    <a:lstStyle/>
+                    <a:p>
+                      <a:r>
+                        <a:rPr lang="en-US" dirty="0"/>
+                        <a:t>Range is [1,4]</a:t>
+                      </a:r>
+                    </a:p>
+                  </a:txBody>
+                  <a:tcPr/>
+                </a:tc>
+                <a:extLst>
+                  <a:ext uri="{0D108BD9-81ED-4DB2-BD59-A6C34878D82A}">
+                    <a16:rowId xmlns:a16="http://schemas.microsoft.com/office/drawing/2014/main" val="1638083602"/>
+                  </a:ext>
+                </a:extLst>
+              </a:tr>
+              <a:tr h="455765">
+                <a:tc vMerge="1">
+                  <a:txBody>
+                    <a:bodyPr/>
+                    <a:lstStyle/>
+                    <a:p>
+                      <a:endParaRPr lang="en-US"/>
+                    </a:p>
+                  </a:txBody>
+                  <a:tcPr/>
+                </a:tc>
+                <a:tc>
+                  <a:txBody>
+                    <a:bodyPr/>
+                    <a:lstStyle/>
+                    <a:p>
+                      <a:r>
+                        <a:rPr lang="en-US" dirty="0"/>
+                        <a:t>Cannot be null or empty.</a:t>
+                      </a:r>
+                    </a:p>
+                  </a:txBody>
+                  <a:tcPr/>
+                </a:tc>
+                <a:extLst>
+                  <a:ext uri="{0D108BD9-81ED-4DB2-BD59-A6C34878D82A}">
+                    <a16:rowId xmlns:a16="http://schemas.microsoft.com/office/drawing/2014/main" val="3239548259"/>
+                  </a:ext>
+                </a:extLst>
+              </a:tr>
+            </a:tbl>
+          </a:graphicData>
+        </a:graphic>
+      </p:graphicFrame>
+    </p:spTree>
+    <p:extLst>
+      <p:ext uri="{BB962C8B-B14F-4D97-AF65-F5344CB8AC3E}">
+        <p14:creationId xmlns:p14="http://schemas.microsoft.com/office/powerpoint/2010/main" val="4070504252"/>
+      </p:ext>
+    </p:extLst>
+  </p:cSld>
+  <p:clrMapOvr>
+    <a:masterClrMapping/>
+  </p:clrMapOvr>
+</p:sld>
+</file>
+
+<file path=ppt/slides/slide14.xml><?xml version="1.0" encoding="utf-8"?>
+<p:sld xmlns:a="http://schemas.openxmlformats.org/drawingml/2006/main" xmlns:r="http://schemas.openxmlformats.org/officeDocument/2006/relationships" xmlns:p="http://schemas.openxmlformats.org/presentationml/2006/main">
+  <p:cSld>
+    <p:spTree>
+      <p:nvGrpSpPr>
+        <p:cNvPr id="1" name=""/>
+        <p:cNvGrpSpPr/>
+        <p:nvPr/>
+      </p:nvGrpSpPr>
+      <p:grpSpPr>
+        <a:xfrm>
+          <a:off x="0" y="0"/>
+          <a:ext cx="0" cy="0"/>
+          <a:chOff x="0" y="0"/>
+          <a:chExt cx="0" cy="0"/>
+        </a:xfrm>
+      </p:grpSpPr>
+      <p:sp>
+        <p:nvSpPr>
+          <p:cNvPr id="3" name="Title 2"/>
+          <p:cNvSpPr>
+            <a:spLocks noGrp="1"/>
+          </p:cNvSpPr>
+          <p:nvPr>
+            <p:ph type="title"/>
+          </p:nvPr>
+        </p:nvSpPr>
+        <p:spPr/>
+        <p:txBody>
+          <a:bodyPr/>
+          <a:lstStyle/>
+          <a:p>
+            <a:r>
+              <a:rPr lang="en-US" dirty="0"/>
+              <a:t>Validation Checks (cont.)</a:t>
+            </a:r>
+          </a:p>
+        </p:txBody>
+      </p:sp>
+      <p:sp>
+        <p:nvSpPr>
+          <p:cNvPr id="2" name="Slide Number Placeholder 1"/>
+          <p:cNvSpPr>
+            <a:spLocks noGrp="1"/>
+          </p:cNvSpPr>
+          <p:nvPr>
+            <p:ph type="sldNum" sz="quarter" idx="10"/>
+          </p:nvPr>
+        </p:nvSpPr>
+        <p:spPr/>
+        <p:txBody>
+          <a:bodyPr/>
+          <a:lstStyle/>
+          <a:p>
+            <a:pPr>
+              <a:defRPr/>
+            </a:pPr>
+            <a:fld id="{7172B2E8-CBA5-4D0C-A017-9480F9E0BA9D}" type="slidenum">
+              <a:rPr lang="en-US" smtClean="0"/>
+              <a:pPr>
+                <a:defRPr/>
+              </a:pPr>
+              <a:t>14</a:t>
+            </a:fld>
+            <a:endParaRPr lang="en-US" dirty="0"/>
+          </a:p>
+        </p:txBody>
+      </p:sp>
+      <p:sp>
+        <p:nvSpPr>
+          <p:cNvPr id="4" name="Text Placeholder 3"/>
+          <p:cNvSpPr>
+            <a:spLocks noGrp="1"/>
+          </p:cNvSpPr>
+          <p:nvPr>
+            <p:ph type="body" sz="quarter" idx="11"/>
+          </p:nvPr>
+        </p:nvSpPr>
+        <p:spPr/>
+        <p:txBody>
+          <a:bodyPr/>
+          <a:lstStyle/>
+          <a:p>
+            <a:r>
+              <a:rPr lang="en-US" dirty="0"/>
+              <a:t>Modify reservation</a:t>
             </a:r>
           </a:p>
           <a:p>
@@ -3223,14 +3704,14 @@
           <p:nvPr>
             <p:extLst>
               <p:ext uri="{D42A27DB-BD31-4B8C-83A1-F6EECF244321}">
-                <p14:modId xmlns:p14="http://schemas.microsoft.com/office/powerpoint/2010/main" val="204418777"/>
+                <p14:modId xmlns:p14="http://schemas.microsoft.com/office/powerpoint/2010/main" val="2104017408"/>
               </p:ext>
             </p:extLst>
           </p:nvPr>
         </p:nvGraphicFramePr>
         <p:xfrm>
-          <a:off x="1778558" y="1911668"/>
-          <a:ext cx="5958463" cy="3667760"/>
+          <a:off x="2213987" y="1959270"/>
+          <a:ext cx="5958463" cy="4119880"/>
         </p:xfrm>
         <a:graphic>
           <a:graphicData uri="http://schemas.openxmlformats.org/drawingml/2006/table">
@@ -3287,8 +3768,8 @@
                   </a:ext>
                 </a:extLst>
               </a:tr>
-              <a:tr h="370840">
-                <a:tc>
+              <a:tr h="128016">
+                <a:tc rowSpan="5">
                   <a:txBody>
                     <a:bodyPr/>
                     <a:lstStyle/>
@@ -3310,71 +3791,11 @@
                         <a:tabLst/>
                         <a:defRPr/>
                       </a:pPr>
-                      <a:br>
+                      <a:r>
                         <a:rPr lang="en-US" sz="1800" u="none" strike="noStrike" dirty="0">
                           <a:effectLst/>
                         </a:rPr>
-                      </a:br>
-                      <a:r>
-                        <a:rPr lang="en-US" sz="1800" u="none" strike="noStrike" dirty="0">
-                          <a:effectLst/>
-                        </a:rPr>
-                        <a:t>User name</a:t>
-                      </a:r>
-                      <a:br>
-                        <a:rPr lang="en-US" sz="1800" u="none" strike="noStrike" dirty="0">
-                          <a:effectLst/>
-                        </a:rPr>
-                      </a:br>
-                      <a:r>
-                        <a:rPr lang="en-US" sz="1800" u="none" strike="noStrike" dirty="0">
-                          <a:effectLst/>
-                        </a:rPr>
-                        <a:t>UTA ID</a:t>
-                      </a:r>
-                      <a:br>
-                        <a:rPr lang="en-US" sz="1800" u="none" strike="noStrike" dirty="0">
-                          <a:effectLst/>
-                        </a:rPr>
-                      </a:br>
-                      <a:r>
-                        <a:rPr lang="en-US" sz="1800" u="none" strike="noStrike" dirty="0">
-                          <a:effectLst/>
-                        </a:rPr>
-                        <a:t>Role</a:t>
-                      </a:r>
-                      <a:br>
-                        <a:rPr lang="en-US" sz="1800" u="none" strike="noStrike" dirty="0">
-                          <a:effectLst/>
-                        </a:rPr>
-                      </a:br>
-                      <a:r>
-                        <a:rPr lang="en-US" sz="1800" u="none" strike="noStrike" dirty="0">
-                          <a:effectLst/>
-                        </a:rPr>
-                        <a:t>Phone</a:t>
-                      </a:r>
-                      <a:br>
-                        <a:rPr lang="en-US" sz="1800" u="none" strike="noStrike" dirty="0">
-                          <a:effectLst/>
-                        </a:rPr>
-                      </a:br>
-                      <a:r>
-                        <a:rPr lang="en-US" sz="1800" u="none" strike="noStrike" dirty="0">
-                          <a:effectLst/>
-                        </a:rPr>
-                        <a:t>Email</a:t>
-                      </a:r>
-                      <a:br>
-                        <a:rPr lang="en-US" sz="1800" u="none" strike="noStrike" dirty="0">
-                          <a:effectLst/>
-                        </a:rPr>
-                      </a:br>
-                      <a:r>
-                        <a:rPr lang="en-US" sz="1800" u="none" strike="noStrike" dirty="0">
-                          <a:effectLst/>
-                        </a:rPr>
-                        <a:t>License number</a:t>
+                        <a:t>Parking area name</a:t>
                       </a:r>
                       <a:br>
                         <a:rPr lang="en-US" sz="1800" u="none" strike="noStrike" dirty="0">
@@ -3393,7 +3814,7 @@
                     <a:p>
                       <a:r>
                         <a:rPr lang="en-US" dirty="0"/>
-                        <a:t>Same as registration form</a:t>
+                        <a:t>Unique</a:t>
                       </a:r>
                     </a:p>
                   </a:txBody>
@@ -3405,8 +3826,122 @@
                   </a:ext>
                 </a:extLst>
               </a:tr>
-              <a:tr h="370840">
-                <a:tc>
+              <a:tr h="237744">
+                <a:tc vMerge="1">
+                  <a:txBody>
+                    <a:bodyPr/>
+                    <a:lstStyle/>
+                    <a:p>
+                      <a:endParaRPr lang="en-US"/>
+                    </a:p>
+                  </a:txBody>
+                  <a:tcPr/>
+                </a:tc>
+                <a:tc>
+                  <a:txBody>
+                    <a:bodyPr/>
+                    <a:lstStyle/>
+                    <a:p>
+                      <a:r>
+                        <a:rPr lang="en-US" dirty="0"/>
+                        <a:t>Starts with a capital letter</a:t>
+                      </a:r>
+                    </a:p>
+                  </a:txBody>
+                  <a:tcPr/>
+                </a:tc>
+                <a:extLst>
+                  <a:ext uri="{0D108BD9-81ED-4DB2-BD59-A6C34878D82A}">
+                    <a16:rowId xmlns:a16="http://schemas.microsoft.com/office/drawing/2014/main" val="4230610840"/>
+                  </a:ext>
+                </a:extLst>
+              </a:tr>
+              <a:tr h="128016">
+                <a:tc vMerge="1">
+                  <a:txBody>
+                    <a:bodyPr/>
+                    <a:lstStyle/>
+                    <a:p>
+                      <a:endParaRPr lang="en-US"/>
+                    </a:p>
+                  </a:txBody>
+                  <a:tcPr/>
+                </a:tc>
+                <a:tc>
+                  <a:txBody>
+                    <a:bodyPr/>
+                    <a:lstStyle/>
+                    <a:p>
+                      <a:r>
+                        <a:rPr lang="en-US" dirty="0"/>
+                        <a:t>Size like reservation</a:t>
+                      </a:r>
+                    </a:p>
+                  </a:txBody>
+                  <a:tcPr/>
+                </a:tc>
+                <a:extLst>
+                  <a:ext uri="{0D108BD9-81ED-4DB2-BD59-A6C34878D82A}">
+                    <a16:rowId xmlns:a16="http://schemas.microsoft.com/office/drawing/2014/main" val="609823023"/>
+                  </a:ext>
+                </a:extLst>
+              </a:tr>
+              <a:tr h="128016">
+                <a:tc vMerge="1">
+                  <a:txBody>
+                    <a:bodyPr/>
+                    <a:lstStyle/>
+                    <a:p>
+                      <a:endParaRPr lang="en-US"/>
+                    </a:p>
+                  </a:txBody>
+                  <a:tcPr/>
+                </a:tc>
+                <a:tc>
+                  <a:txBody>
+                    <a:bodyPr/>
+                    <a:lstStyle/>
+                    <a:p>
+                      <a:endParaRPr lang="en-US" dirty="0"/>
+                    </a:p>
+                  </a:txBody>
+                  <a:tcPr/>
+                </a:tc>
+                <a:extLst>
+                  <a:ext uri="{0D108BD9-81ED-4DB2-BD59-A6C34878D82A}">
+                    <a16:rowId xmlns:a16="http://schemas.microsoft.com/office/drawing/2014/main" val="2691772486"/>
+                  </a:ext>
+                </a:extLst>
+              </a:tr>
+              <a:tr h="128016">
+                <a:tc vMerge="1">
+                  <a:txBody>
+                    <a:bodyPr/>
+                    <a:lstStyle/>
+                    <a:p>
+                      <a:endParaRPr lang="en-US"/>
+                    </a:p>
+                  </a:txBody>
+                  <a:tcPr/>
+                </a:tc>
+                <a:tc>
+                  <a:txBody>
+                    <a:bodyPr/>
+                    <a:lstStyle/>
+                    <a:p>
+                      <a:endParaRPr lang="en-US" dirty="0"/>
+                    </a:p>
+                  </a:txBody>
+                  <a:tcPr/>
+                </a:tc>
+                <a:extLst>
+                  <a:ext uri="{0D108BD9-81ED-4DB2-BD59-A6C34878D82A}">
+                    <a16:rowId xmlns:a16="http://schemas.microsoft.com/office/drawing/2014/main" val="3137718159"/>
+                  </a:ext>
+                </a:extLst>
+              </a:tr>
+              <a:tr h="160020">
+                <a:tc rowSpan="3">
                   <a:txBody>
                     <a:bodyPr/>
                     <a:lstStyle/>
@@ -3432,17 +3967,13 @@
                         <a:rPr lang="en-US" sz="1800" u="none" strike="noStrike" dirty="0">
                           <a:effectLst/>
                         </a:rPr>
-                        <a:t>Status- active or revoked</a:t>
-                      </a:r>
-                      <a:endParaRPr lang="en-US" sz="1800" b="0" i="0" u="none" strike="noStrike" dirty="0">
-                        <a:solidFill>
-                          <a:srgbClr val="000000"/>
-                        </a:solidFill>
-                        <a:effectLst/>
-                        <a:latin typeface="Calibri" panose="020F0502020204030204" pitchFamily="34" charset="0"/>
-                      </a:endParaRPr>
-                    </a:p>
-                    <a:p>
+                        <a:t>Floor</a:t>
+                      </a:r>
+                      <a:br>
+                        <a:rPr lang="en-US" sz="1800" u="none" strike="noStrike" dirty="0">
+                          <a:effectLst/>
+                        </a:rPr>
+                      </a:br>
                       <a:endParaRPr lang="en-US" dirty="0"/>
                     </a:p>
                   </a:txBody>
@@ -3454,30 +3985,1043 @@
                     <a:lstStyle/>
                     <a:p>
                       <a:r>
+                        <a:rPr lang="en-US" dirty="0"/>
+                        <a:t>Is a number</a:t>
+                      </a:r>
+                    </a:p>
+                  </a:txBody>
+                  <a:tcPr/>
+                </a:tc>
+                <a:extLst>
+                  <a:ext uri="{0D108BD9-81ED-4DB2-BD59-A6C34878D82A}">
+                    <a16:rowId xmlns:a16="http://schemas.microsoft.com/office/drawing/2014/main" val="10002"/>
+                  </a:ext>
+                </a:extLst>
+              </a:tr>
+              <a:tr h="205740">
+                <a:tc vMerge="1">
+                  <a:txBody>
+                    <a:bodyPr/>
+                    <a:lstStyle/>
+                    <a:p>
+                      <a:endParaRPr lang="en-US"/>
+                    </a:p>
+                  </a:txBody>
+                  <a:tcPr/>
+                </a:tc>
+                <a:tc>
+                  <a:txBody>
+                    <a:bodyPr/>
+                    <a:lstStyle/>
+                    <a:p>
+                      <a:r>
+                        <a:rPr lang="en-US" dirty="0"/>
+                        <a:t>Range is [1,maxFloor], </a:t>
+                      </a:r>
+                      <a:r>
                         <a:rPr lang="en-US" dirty="0" err="1"/>
-                        <a:t>Radiobox</a:t>
-                      </a:r>
-                      <a:r>
-                        <a:rPr lang="en-US" dirty="0"/>
-                        <a:t>, either active or revoked not both.</a:t>
-                      </a:r>
-                    </a:p>
-                  </a:txBody>
-                  <a:tcPr/>
-                </a:tc>
-                <a:extLst>
-                  <a:ext uri="{0D108BD9-81ED-4DB2-BD59-A6C34878D82A}">
-                    <a16:rowId xmlns:a16="http://schemas.microsoft.com/office/drawing/2014/main" val="10002"/>
-                  </a:ext>
-                </a:extLst>
-              </a:tr>
+                        <a:t>maxFloor</a:t>
+                      </a:r>
+                      <a:r>
+                        <a:rPr lang="en-US" dirty="0"/>
+                        <a:t> being the maximum for a particular parking name.</a:t>
+                      </a:r>
+                    </a:p>
+                  </a:txBody>
+                  <a:tcPr/>
+                </a:tc>
+                <a:extLst>
+                  <a:ext uri="{0D108BD9-81ED-4DB2-BD59-A6C34878D82A}">
+                    <a16:rowId xmlns:a16="http://schemas.microsoft.com/office/drawing/2014/main" val="2872395616"/>
+                  </a:ext>
+                </a:extLst>
+              </a:tr>
+              <a:tr h="160020">
+                <a:tc vMerge="1">
+                  <a:txBody>
+                    <a:bodyPr/>
+                    <a:lstStyle/>
+                    <a:p>
+                      <a:endParaRPr lang="en-US"/>
+                    </a:p>
+                  </a:txBody>
+                  <a:tcPr/>
+                </a:tc>
+                <a:tc>
+                  <a:txBody>
+                    <a:bodyPr/>
+                    <a:lstStyle/>
+                    <a:p>
+                      <a:r>
+                        <a:rPr lang="en-US" dirty="0"/>
+                        <a:t>Can’t be empty</a:t>
+                      </a:r>
+                    </a:p>
+                  </a:txBody>
+                  <a:tcPr/>
+                </a:tc>
+                <a:extLst>
+                  <a:ext uri="{0D108BD9-81ED-4DB2-BD59-A6C34878D82A}">
+                    <a16:rowId xmlns:a16="http://schemas.microsoft.com/office/drawing/2014/main" val="3908121660"/>
+                  </a:ext>
+                </a:extLst>
+              </a:tr>
+            </a:tbl>
+          </a:graphicData>
+        </a:graphic>
+      </p:graphicFrame>
+    </p:spTree>
+    <p:extLst>
+      <p:ext uri="{BB962C8B-B14F-4D97-AF65-F5344CB8AC3E}">
+        <p14:creationId xmlns:p14="http://schemas.microsoft.com/office/powerpoint/2010/main" val="2607603982"/>
+      </p:ext>
+    </p:extLst>
+  </p:cSld>
+  <p:clrMapOvr>
+    <a:masterClrMapping/>
+  </p:clrMapOvr>
+</p:sld>
+</file>
+
+<file path=ppt/slides/slide15.xml><?xml version="1.0" encoding="utf-8"?>
+<p:sld xmlns:a="http://schemas.openxmlformats.org/drawingml/2006/main" xmlns:r="http://schemas.openxmlformats.org/officeDocument/2006/relationships" xmlns:p="http://schemas.openxmlformats.org/presentationml/2006/main">
+  <p:cSld>
+    <p:spTree>
+      <p:nvGrpSpPr>
+        <p:cNvPr id="1" name=""/>
+        <p:cNvGrpSpPr/>
+        <p:nvPr/>
+      </p:nvGrpSpPr>
+      <p:grpSpPr>
+        <a:xfrm>
+          <a:off x="0" y="0"/>
+          <a:ext cx="0" cy="0"/>
+          <a:chOff x="0" y="0"/>
+          <a:chExt cx="0" cy="0"/>
+        </a:xfrm>
+      </p:grpSpPr>
+      <p:sp>
+        <p:nvSpPr>
+          <p:cNvPr id="3" name="Title 2"/>
+          <p:cNvSpPr>
+            <a:spLocks noGrp="1"/>
+          </p:cNvSpPr>
+          <p:nvPr>
+            <p:ph type="title"/>
+          </p:nvPr>
+        </p:nvSpPr>
+        <p:spPr/>
+        <p:txBody>
+          <a:bodyPr/>
+          <a:lstStyle/>
+          <a:p>
+            <a:r>
+              <a:rPr lang="en-US" dirty="0"/>
+              <a:t>Validation Checks (cont.)</a:t>
+            </a:r>
+          </a:p>
+        </p:txBody>
+      </p:sp>
+      <p:sp>
+        <p:nvSpPr>
+          <p:cNvPr id="2" name="Slide Number Placeholder 1"/>
+          <p:cNvSpPr>
+            <a:spLocks noGrp="1"/>
+          </p:cNvSpPr>
+          <p:nvPr>
+            <p:ph type="sldNum" sz="quarter" idx="10"/>
+          </p:nvPr>
+        </p:nvSpPr>
+        <p:spPr/>
+        <p:txBody>
+          <a:bodyPr/>
+          <a:lstStyle/>
+          <a:p>
+            <a:pPr>
+              <a:defRPr/>
+            </a:pPr>
+            <a:fld id="{7172B2E8-CBA5-4D0C-A017-9480F9E0BA9D}" type="slidenum">
+              <a:rPr lang="en-US" smtClean="0"/>
+              <a:pPr>
+                <a:defRPr/>
+              </a:pPr>
+              <a:t>15</a:t>
+            </a:fld>
+            <a:endParaRPr lang="en-US" dirty="0"/>
+          </a:p>
+        </p:txBody>
+      </p:sp>
+      <p:sp>
+        <p:nvSpPr>
+          <p:cNvPr id="4" name="Text Placeholder 3"/>
+          <p:cNvSpPr>
+            <a:spLocks noGrp="1"/>
+          </p:cNvSpPr>
+          <p:nvPr>
+            <p:ph type="body" sz="quarter" idx="11"/>
+          </p:nvPr>
+        </p:nvSpPr>
+        <p:spPr/>
+        <p:txBody>
+          <a:bodyPr/>
+          <a:lstStyle/>
+          <a:p>
+            <a:r>
+              <a:rPr lang="en-US" dirty="0"/>
+              <a:t>Modify reservation</a:t>
+            </a:r>
+          </a:p>
+          <a:p>
+            <a:endParaRPr lang="en-US" dirty="0"/>
+          </a:p>
+          <a:p>
+            <a:endParaRPr lang="en-US" dirty="0"/>
+          </a:p>
+          <a:p>
+            <a:endParaRPr lang="en-US" dirty="0"/>
+          </a:p>
+          <a:p>
+            <a:endParaRPr lang="en-US" dirty="0"/>
+          </a:p>
+          <a:p>
+            <a:endParaRPr lang="en-US" dirty="0"/>
+          </a:p>
+          <a:p>
+            <a:endParaRPr lang="en-US" dirty="0"/>
+          </a:p>
+        </p:txBody>
+      </p:sp>
+      <p:graphicFrame>
+        <p:nvGraphicFramePr>
+          <p:cNvPr id="5" name="Table 4"/>
+          <p:cNvGraphicFramePr>
+            <a:graphicFrameLocks noGrp="1"/>
+          </p:cNvGraphicFramePr>
+          <p:nvPr>
+            <p:extLst>
+              <p:ext uri="{D42A27DB-BD31-4B8C-83A1-F6EECF244321}">
+                <p14:modId xmlns:p14="http://schemas.microsoft.com/office/powerpoint/2010/main" val="2854534813"/>
+              </p:ext>
+            </p:extLst>
+          </p:nvPr>
+        </p:nvGraphicFramePr>
+        <p:xfrm>
+          <a:off x="2213987" y="1698013"/>
+          <a:ext cx="5958463" cy="3662680"/>
+        </p:xfrm>
+        <a:graphic>
+          <a:graphicData uri="http://schemas.openxmlformats.org/drawingml/2006/table">
+            <a:tbl>
+              <a:tblPr firstRow="1" bandRow="1">
+                <a:tableStyleId>{5C22544A-7EE6-4342-B048-85BDC9FD1C3A}</a:tableStyleId>
+              </a:tblPr>
+              <a:tblGrid>
+                <a:gridCol w="3000164">
+                  <a:extLst>
+                    <a:ext uri="{9D8B030D-6E8A-4147-A177-3AD203B41FA5}">
+                      <a16:colId xmlns:a16="http://schemas.microsoft.com/office/drawing/2014/main" val="20000"/>
+                    </a:ext>
+                  </a:extLst>
+                </a:gridCol>
+                <a:gridCol w="2958299">
+                  <a:extLst>
+                    <a:ext uri="{9D8B030D-6E8A-4147-A177-3AD203B41FA5}">
+                      <a16:colId xmlns:a16="http://schemas.microsoft.com/office/drawing/2014/main" val="20001"/>
+                    </a:ext>
+                  </a:extLst>
+                </a:gridCol>
+              </a:tblGrid>
               <a:tr h="370840">
                 <a:tc>
                   <a:txBody>
                     <a:bodyPr/>
                     <a:lstStyle/>
                     <a:p>
+                      <a:r>
+                        <a:rPr lang="en-US" dirty="0"/>
+                        <a:t>Attribute</a:t>
+                      </a:r>
+                    </a:p>
+                  </a:txBody>
+                  <a:tcPr/>
+                </a:tc>
+                <a:tc>
+                  <a:txBody>
+                    <a:bodyPr/>
+                    <a:lstStyle/>
+                    <a:p>
+                      <a:r>
+                        <a:rPr lang="en-US" dirty="0"/>
+                        <a:t>Validations</a:t>
+                      </a:r>
+                    </a:p>
+                  </a:txBody>
+                  <a:tcPr/>
+                </a:tc>
+                <a:extLst>
+                  <a:ext uri="{0D108BD9-81ED-4DB2-BD59-A6C34878D82A}">
+                    <a16:rowId xmlns:a16="http://schemas.microsoft.com/office/drawing/2014/main" val="10000"/>
+                  </a:ext>
+                </a:extLst>
+              </a:tr>
+              <a:tr h="213360">
+                <a:tc rowSpan="3">
+                  <a:txBody>
+                    <a:bodyPr/>
+                    <a:lstStyle/>
+                    <a:p>
+                      <a:pPr marL="0" marR="0" lvl="0" indent="0" algn="l" defTabSz="914400" rtl="0" eaLnBrk="1" fontAlgn="auto" latinLnBrk="0" hangingPunct="1">
+                        <a:lnSpc>
+                          <a:spcPct val="100000"/>
+                        </a:lnSpc>
+                        <a:spcBef>
+                          <a:spcPts val="0"/>
+                        </a:spcBef>
+                        <a:spcAft>
+                          <a:spcPts val="0"/>
+                        </a:spcAft>
+                        <a:buClrTx/>
+                        <a:buSzTx/>
+                        <a:buFontTx/>
+                        <a:buNone/>
+                        <a:tabLst/>
+                        <a:defRPr/>
+                      </a:pPr>
+                      <a:r>
+                        <a:rPr lang="en-US" sz="1800" u="none" strike="noStrike" dirty="0">
+                          <a:effectLst/>
+                        </a:rPr>
+                        <a:t>Spot number</a:t>
+                      </a:r>
+                      <a:br>
+                        <a:rPr lang="en-US" sz="1800" u="none" strike="noStrike" dirty="0">
+                          <a:effectLst/>
+                        </a:rPr>
+                      </a:br>
                       <a:endParaRPr lang="en-US" dirty="0"/>
+                    </a:p>
+                  </a:txBody>
+                  <a:tcPr/>
+                </a:tc>
+                <a:tc>
+                  <a:txBody>
+                    <a:bodyPr/>
+                    <a:lstStyle/>
+                    <a:p>
+                      <a:r>
+                        <a:rPr lang="en-US" dirty="0"/>
+                        <a:t>Is a number</a:t>
+                      </a:r>
+                    </a:p>
+                  </a:txBody>
+                  <a:tcPr/>
+                </a:tc>
+                <a:extLst>
+                  <a:ext uri="{0D108BD9-81ED-4DB2-BD59-A6C34878D82A}">
+                    <a16:rowId xmlns:a16="http://schemas.microsoft.com/office/drawing/2014/main" val="10003"/>
+                  </a:ext>
+                </a:extLst>
+              </a:tr>
+              <a:tr h="213360">
+                <a:tc vMerge="1">
+                  <a:txBody>
+                    <a:bodyPr/>
+                    <a:lstStyle/>
+                    <a:p>
+                      <a:endParaRPr lang="en-US"/>
+                    </a:p>
+                  </a:txBody>
+                  <a:tcPr/>
+                </a:tc>
+                <a:tc>
+                  <a:txBody>
+                    <a:bodyPr/>
+                    <a:lstStyle/>
+                    <a:p>
+                      <a:r>
+                        <a:rPr lang="en-US" dirty="0"/>
+                        <a:t>Range is [1,maxSpot], </a:t>
+                      </a:r>
+                      <a:r>
+                        <a:rPr lang="en-US" dirty="0" err="1"/>
+                        <a:t>maxSpot</a:t>
+                      </a:r>
+                      <a:r>
+                        <a:rPr lang="en-US" dirty="0"/>
+                        <a:t> being the maximum spot number for a particular parking name.</a:t>
+                      </a:r>
+                    </a:p>
+                  </a:txBody>
+                  <a:tcPr/>
+                </a:tc>
+                <a:extLst>
+                  <a:ext uri="{0D108BD9-81ED-4DB2-BD59-A6C34878D82A}">
+                    <a16:rowId xmlns:a16="http://schemas.microsoft.com/office/drawing/2014/main" val="2618977768"/>
+                  </a:ext>
+                </a:extLst>
+              </a:tr>
+              <a:tr h="213360">
+                <a:tc vMerge="1">
+                  <a:txBody>
+                    <a:bodyPr/>
+                    <a:lstStyle/>
+                    <a:p>
+                      <a:endParaRPr lang="en-US"/>
+                    </a:p>
+                  </a:txBody>
+                  <a:tcPr/>
+                </a:tc>
+                <a:tc>
+                  <a:txBody>
+                    <a:bodyPr/>
+                    <a:lstStyle/>
+                    <a:p>
+                      <a:r>
+                        <a:rPr lang="en-US" dirty="0"/>
+                        <a:t>Can’t be empty</a:t>
+                      </a:r>
+                    </a:p>
+                  </a:txBody>
+                  <a:tcPr/>
+                </a:tc>
+                <a:extLst>
+                  <a:ext uri="{0D108BD9-81ED-4DB2-BD59-A6C34878D82A}">
+                    <a16:rowId xmlns:a16="http://schemas.microsoft.com/office/drawing/2014/main" val="2036306117"/>
+                  </a:ext>
+                </a:extLst>
+              </a:tr>
+              <a:tr h="128016">
+                <a:tc rowSpan="3">
+                  <a:txBody>
+                    <a:bodyPr/>
+                    <a:lstStyle/>
+                    <a:p>
+                      <a:pPr marL="0" marR="0" lvl="0" indent="0" algn="l" defTabSz="914400" rtl="0" eaLnBrk="1" fontAlgn="auto" latinLnBrk="0" hangingPunct="1">
+                        <a:lnSpc>
+                          <a:spcPct val="100000"/>
+                        </a:lnSpc>
+                        <a:spcBef>
+                          <a:spcPts val="0"/>
+                        </a:spcBef>
+                        <a:spcAft>
+                          <a:spcPts val="0"/>
+                        </a:spcAft>
+                        <a:buClrTx/>
+                        <a:buSzTx/>
+                        <a:buFontTx/>
+                        <a:buNone/>
+                        <a:tabLst/>
+                        <a:defRPr/>
+                      </a:pPr>
+                      <a:r>
+                        <a:rPr lang="en-US" sz="1800" u="none" strike="noStrike" dirty="0">
+                          <a:effectLst/>
+                        </a:rPr>
+                        <a:t>Start time</a:t>
+                      </a:r>
+                      <a:br>
+                        <a:rPr lang="en-US" sz="1800" u="none" strike="noStrike" dirty="0">
+                          <a:effectLst/>
+                        </a:rPr>
+                      </a:br>
+                      <a:endParaRPr lang="en-US" dirty="0"/>
+                    </a:p>
+                  </a:txBody>
+                  <a:tcPr/>
+                </a:tc>
+                <a:tc>
+                  <a:txBody>
+                    <a:bodyPr/>
+                    <a:lstStyle/>
+                    <a:p>
+                      <a:pPr marL="0" marR="0" lvl="0" indent="0" algn="l" defTabSz="914400" rtl="0" eaLnBrk="1" fontAlgn="auto" latinLnBrk="0" hangingPunct="1">
+                        <a:lnSpc>
+                          <a:spcPct val="100000"/>
+                        </a:lnSpc>
+                        <a:spcBef>
+                          <a:spcPts val="0"/>
+                        </a:spcBef>
+                        <a:spcAft>
+                          <a:spcPts val="0"/>
+                        </a:spcAft>
+                        <a:buClrTx/>
+                        <a:buSzTx/>
+                        <a:buFontTx/>
+                        <a:buNone/>
+                        <a:tabLst/>
+                        <a:defRPr/>
+                      </a:pPr>
+                      <a:r>
+                        <a:rPr lang="en-US" dirty="0"/>
+                        <a:t>Format is 24hr clock : HH:MM </a:t>
+                      </a:r>
+                    </a:p>
+                  </a:txBody>
+                  <a:tcPr/>
+                </a:tc>
+                <a:extLst>
+                  <a:ext uri="{0D108BD9-81ED-4DB2-BD59-A6C34878D82A}">
+                    <a16:rowId xmlns:a16="http://schemas.microsoft.com/office/drawing/2014/main" val="2917815016"/>
+                  </a:ext>
+                </a:extLst>
+              </a:tr>
+              <a:tr h="237744">
+                <a:tc vMerge="1">
+                  <a:txBody>
+                    <a:bodyPr/>
+                    <a:lstStyle/>
+                    <a:p>
+                      <a:endParaRPr lang="en-US"/>
+                    </a:p>
+                  </a:txBody>
+                  <a:tcPr/>
+                </a:tc>
+                <a:tc>
+                  <a:txBody>
+                    <a:bodyPr/>
+                    <a:lstStyle/>
+                    <a:p>
+                      <a:r>
+                        <a:rPr lang="en-US" dirty="0"/>
+                        <a:t>Type of input is a time field not string</a:t>
+                      </a:r>
+                    </a:p>
+                  </a:txBody>
+                  <a:tcPr/>
+                </a:tc>
+                <a:extLst>
+                  <a:ext uri="{0D108BD9-81ED-4DB2-BD59-A6C34878D82A}">
+                    <a16:rowId xmlns:a16="http://schemas.microsoft.com/office/drawing/2014/main" val="1253625378"/>
+                  </a:ext>
+                </a:extLst>
+              </a:tr>
+              <a:tr h="128016">
+                <a:tc vMerge="1">
+                  <a:txBody>
+                    <a:bodyPr/>
+                    <a:lstStyle/>
+                    <a:p>
+                      <a:endParaRPr lang="en-US"/>
+                    </a:p>
+                  </a:txBody>
+                  <a:tcPr/>
+                </a:tc>
+                <a:tc>
+                  <a:txBody>
+                    <a:bodyPr/>
+                    <a:lstStyle/>
+                    <a:p>
+                      <a:r>
+                        <a:rPr lang="en-US" dirty="0"/>
+                        <a:t>Can’t be empty or null.</a:t>
+                      </a:r>
+                    </a:p>
+                  </a:txBody>
+                  <a:tcPr/>
+                </a:tc>
+                <a:extLst>
+                  <a:ext uri="{0D108BD9-81ED-4DB2-BD59-A6C34878D82A}">
+                    <a16:rowId xmlns:a16="http://schemas.microsoft.com/office/drawing/2014/main" val="1451976594"/>
+                  </a:ext>
+                </a:extLst>
+              </a:tr>
+            </a:tbl>
+          </a:graphicData>
+        </a:graphic>
+      </p:graphicFrame>
+    </p:spTree>
+    <p:extLst>
+      <p:ext uri="{BB962C8B-B14F-4D97-AF65-F5344CB8AC3E}">
+        <p14:creationId xmlns:p14="http://schemas.microsoft.com/office/powerpoint/2010/main" val="1457953537"/>
+      </p:ext>
+    </p:extLst>
+  </p:cSld>
+  <p:clrMapOvr>
+    <a:masterClrMapping/>
+  </p:clrMapOvr>
+</p:sld>
+</file>
+
+<file path=ppt/slides/slide16.xml><?xml version="1.0" encoding="utf-8"?>
+<p:sld xmlns:a="http://schemas.openxmlformats.org/drawingml/2006/main" xmlns:r="http://schemas.openxmlformats.org/officeDocument/2006/relationships" xmlns:p="http://schemas.openxmlformats.org/presentationml/2006/main">
+  <p:cSld>
+    <p:spTree>
+      <p:nvGrpSpPr>
+        <p:cNvPr id="1" name=""/>
+        <p:cNvGrpSpPr/>
+        <p:nvPr/>
+      </p:nvGrpSpPr>
+      <p:grpSpPr>
+        <a:xfrm>
+          <a:off x="0" y="0"/>
+          <a:ext cx="0" cy="0"/>
+          <a:chOff x="0" y="0"/>
+          <a:chExt cx="0" cy="0"/>
+        </a:xfrm>
+      </p:grpSpPr>
+      <p:sp>
+        <p:nvSpPr>
+          <p:cNvPr id="3" name="Title 2"/>
+          <p:cNvSpPr>
+            <a:spLocks noGrp="1"/>
+          </p:cNvSpPr>
+          <p:nvPr>
+            <p:ph type="title"/>
+          </p:nvPr>
+        </p:nvSpPr>
+        <p:spPr/>
+        <p:txBody>
+          <a:bodyPr/>
+          <a:lstStyle/>
+          <a:p>
+            <a:r>
+              <a:rPr lang="en-US" dirty="0"/>
+              <a:t>Validation Checks (cont.)</a:t>
+            </a:r>
+          </a:p>
+        </p:txBody>
+      </p:sp>
+      <p:sp>
+        <p:nvSpPr>
+          <p:cNvPr id="2" name="Slide Number Placeholder 1"/>
+          <p:cNvSpPr>
+            <a:spLocks noGrp="1"/>
+          </p:cNvSpPr>
+          <p:nvPr>
+            <p:ph type="sldNum" sz="quarter" idx="10"/>
+          </p:nvPr>
+        </p:nvSpPr>
+        <p:spPr/>
+        <p:txBody>
+          <a:bodyPr/>
+          <a:lstStyle/>
+          <a:p>
+            <a:pPr>
+              <a:defRPr/>
+            </a:pPr>
+            <a:fld id="{7172B2E8-CBA5-4D0C-A017-9480F9E0BA9D}" type="slidenum">
+              <a:rPr lang="en-US" smtClean="0"/>
+              <a:pPr>
+                <a:defRPr/>
+              </a:pPr>
+              <a:t>16</a:t>
+            </a:fld>
+            <a:endParaRPr lang="en-US" dirty="0"/>
+          </a:p>
+        </p:txBody>
+      </p:sp>
+      <p:sp>
+        <p:nvSpPr>
+          <p:cNvPr id="4" name="Text Placeholder 3"/>
+          <p:cNvSpPr>
+            <a:spLocks noGrp="1"/>
+          </p:cNvSpPr>
+          <p:nvPr>
+            <p:ph type="body" sz="quarter" idx="11"/>
+          </p:nvPr>
+        </p:nvSpPr>
+        <p:spPr/>
+        <p:txBody>
+          <a:bodyPr/>
+          <a:lstStyle/>
+          <a:p>
+            <a:r>
+              <a:rPr lang="en-US" dirty="0"/>
+              <a:t>Modify reservation</a:t>
+            </a:r>
+          </a:p>
+          <a:p>
+            <a:endParaRPr lang="en-US" dirty="0"/>
+          </a:p>
+          <a:p>
+            <a:endParaRPr lang="en-US" dirty="0"/>
+          </a:p>
+          <a:p>
+            <a:endParaRPr lang="en-US" dirty="0"/>
+          </a:p>
+          <a:p>
+            <a:endParaRPr lang="en-US" dirty="0"/>
+          </a:p>
+          <a:p>
+            <a:endParaRPr lang="en-US" dirty="0"/>
+          </a:p>
+          <a:p>
+            <a:endParaRPr lang="en-US" dirty="0"/>
+          </a:p>
+        </p:txBody>
+      </p:sp>
+      <p:graphicFrame>
+        <p:nvGraphicFramePr>
+          <p:cNvPr id="5" name="Table 4"/>
+          <p:cNvGraphicFramePr>
+            <a:graphicFrameLocks noGrp="1"/>
+          </p:cNvGraphicFramePr>
+          <p:nvPr>
+            <p:extLst>
+              <p:ext uri="{D42A27DB-BD31-4B8C-83A1-F6EECF244321}">
+                <p14:modId xmlns:p14="http://schemas.microsoft.com/office/powerpoint/2010/main" val="1671776514"/>
+              </p:ext>
+            </p:extLst>
+          </p:nvPr>
+        </p:nvGraphicFramePr>
+        <p:xfrm>
+          <a:off x="2213987" y="1698013"/>
+          <a:ext cx="5958463" cy="3845560"/>
+        </p:xfrm>
+        <a:graphic>
+          <a:graphicData uri="http://schemas.openxmlformats.org/drawingml/2006/table">
+            <a:tbl>
+              <a:tblPr firstRow="1" bandRow="1">
+                <a:tableStyleId>{5C22544A-7EE6-4342-B048-85BDC9FD1C3A}</a:tableStyleId>
+              </a:tblPr>
+              <a:tblGrid>
+                <a:gridCol w="3000164">
+                  <a:extLst>
+                    <a:ext uri="{9D8B030D-6E8A-4147-A177-3AD203B41FA5}">
+                      <a16:colId xmlns:a16="http://schemas.microsoft.com/office/drawing/2014/main" val="20000"/>
+                    </a:ext>
+                  </a:extLst>
+                </a:gridCol>
+                <a:gridCol w="2958299">
+                  <a:extLst>
+                    <a:ext uri="{9D8B030D-6E8A-4147-A177-3AD203B41FA5}">
+                      <a16:colId xmlns:a16="http://schemas.microsoft.com/office/drawing/2014/main" val="20001"/>
+                    </a:ext>
+                  </a:extLst>
+                </a:gridCol>
+              </a:tblGrid>
+              <a:tr h="370840">
+                <a:tc>
+                  <a:txBody>
+                    <a:bodyPr/>
+                    <a:lstStyle/>
+                    <a:p>
+                      <a:r>
+                        <a:rPr lang="en-US" dirty="0"/>
+                        <a:t>Attribute</a:t>
+                      </a:r>
+                    </a:p>
+                  </a:txBody>
+                  <a:tcPr/>
+                </a:tc>
+                <a:tc>
+                  <a:txBody>
+                    <a:bodyPr/>
+                    <a:lstStyle/>
+                    <a:p>
+                      <a:r>
+                        <a:rPr lang="en-US" dirty="0"/>
+                        <a:t>Validations</a:t>
+                      </a:r>
+                    </a:p>
+                  </a:txBody>
+                  <a:tcPr/>
+                </a:tc>
+                <a:extLst>
+                  <a:ext uri="{0D108BD9-81ED-4DB2-BD59-A6C34878D82A}">
+                    <a16:rowId xmlns:a16="http://schemas.microsoft.com/office/drawing/2014/main" val="10000"/>
+                  </a:ext>
+                </a:extLst>
+              </a:tr>
+              <a:tr h="128016">
+                <a:tc rowSpan="5">
+                  <a:txBody>
+                    <a:bodyPr/>
+                    <a:lstStyle/>
+                    <a:p>
+                      <a:pPr marL="0" marR="0" lvl="0" indent="0" algn="l" defTabSz="914400" rtl="0" eaLnBrk="1" fontAlgn="auto" latinLnBrk="0" hangingPunct="1">
+                        <a:lnSpc>
+                          <a:spcPct val="100000"/>
+                        </a:lnSpc>
+                        <a:spcBef>
+                          <a:spcPts val="0"/>
+                        </a:spcBef>
+                        <a:spcAft>
+                          <a:spcPts val="0"/>
+                        </a:spcAft>
+                        <a:buClrTx/>
+                        <a:buSzTx/>
+                        <a:buFontTx/>
+                        <a:buNone/>
+                        <a:tabLst/>
+                        <a:defRPr/>
+                      </a:pPr>
+                      <a:r>
+                        <a:rPr lang="en-US" sz="1800" u="none" strike="noStrike" dirty="0">
+                          <a:effectLst/>
+                        </a:rPr>
+                        <a:t>Duration</a:t>
+                      </a:r>
+                      <a:br>
+                        <a:rPr lang="en-US" sz="1800" u="none" strike="noStrike" dirty="0">
+                          <a:effectLst/>
+                        </a:rPr>
+                      </a:br>
+                      <a:endParaRPr lang="en-US" dirty="0"/>
+                    </a:p>
+                  </a:txBody>
+                  <a:tcPr/>
+                </a:tc>
+                <a:tc>
+                  <a:txBody>
+                    <a:bodyPr/>
+                    <a:lstStyle/>
+                    <a:p>
+                      <a:r>
+                        <a:rPr lang="en-US" dirty="0"/>
+                        <a:t>Is a number.</a:t>
+                      </a:r>
+                    </a:p>
+                  </a:txBody>
+                  <a:tcPr/>
+                </a:tc>
+                <a:extLst>
+                  <a:ext uri="{0D108BD9-81ED-4DB2-BD59-A6C34878D82A}">
+                    <a16:rowId xmlns:a16="http://schemas.microsoft.com/office/drawing/2014/main" val="2516330701"/>
+                  </a:ext>
+                </a:extLst>
+              </a:tr>
+              <a:tr h="237744">
+                <a:tc vMerge="1">
+                  <a:txBody>
+                    <a:bodyPr/>
+                    <a:lstStyle/>
+                    <a:p>
+                      <a:endParaRPr lang="en-US"/>
+                    </a:p>
+                  </a:txBody>
+                  <a:tcPr/>
+                </a:tc>
+                <a:tc>
+                  <a:txBody>
+                    <a:bodyPr/>
+                    <a:lstStyle/>
+                    <a:p>
+                      <a:r>
+                        <a:rPr lang="en-US" dirty="0"/>
+                        <a:t>Can’t be empty or null.</a:t>
+                      </a:r>
+                    </a:p>
+                  </a:txBody>
+                  <a:tcPr/>
+                </a:tc>
+                <a:extLst>
+                  <a:ext uri="{0D108BD9-81ED-4DB2-BD59-A6C34878D82A}">
+                    <a16:rowId xmlns:a16="http://schemas.microsoft.com/office/drawing/2014/main" val="3201262839"/>
+                  </a:ext>
+                </a:extLst>
+              </a:tr>
+              <a:tr h="128016">
+                <a:tc vMerge="1">
+                  <a:txBody>
+                    <a:bodyPr/>
+                    <a:lstStyle/>
+                    <a:p>
+                      <a:endParaRPr lang="en-US"/>
+                    </a:p>
+                  </a:txBody>
+                  <a:tcPr/>
+                </a:tc>
+                <a:tc>
+                  <a:txBody>
+                    <a:bodyPr/>
+                    <a:lstStyle/>
+                    <a:p>
+                      <a:r>
+                        <a:rPr lang="en-US" dirty="0"/>
+                        <a:t>Increment of 15mins</a:t>
+                      </a:r>
+                    </a:p>
+                  </a:txBody>
+                  <a:tcPr/>
+                </a:tc>
+                <a:extLst>
+                  <a:ext uri="{0D108BD9-81ED-4DB2-BD59-A6C34878D82A}">
+                    <a16:rowId xmlns:a16="http://schemas.microsoft.com/office/drawing/2014/main" val="1043836543"/>
+                  </a:ext>
+                </a:extLst>
+              </a:tr>
+              <a:tr h="128016">
+                <a:tc vMerge="1">
+                  <a:txBody>
+                    <a:bodyPr/>
+                    <a:lstStyle/>
+                    <a:p>
+                      <a:endParaRPr lang="en-US"/>
+                    </a:p>
+                  </a:txBody>
+                  <a:tcPr/>
+                </a:tc>
+                <a:tc>
+                  <a:txBody>
+                    <a:bodyPr/>
+                    <a:lstStyle/>
+                    <a:p>
+                      <a:r>
+                        <a:rPr lang="en-US" dirty="0"/>
+                        <a:t>Min is 15 inclusive, max is 180 inclusive.</a:t>
+                      </a:r>
+                    </a:p>
+                  </a:txBody>
+                  <a:tcPr/>
+                </a:tc>
+                <a:extLst>
+                  <a:ext uri="{0D108BD9-81ED-4DB2-BD59-A6C34878D82A}">
+                    <a16:rowId xmlns:a16="http://schemas.microsoft.com/office/drawing/2014/main" val="1781398797"/>
+                  </a:ext>
+                </a:extLst>
+              </a:tr>
+              <a:tr h="128016">
+                <a:tc vMerge="1">
+                  <a:txBody>
+                    <a:bodyPr/>
+                    <a:lstStyle/>
+                    <a:p>
+                      <a:endParaRPr lang="en-US"/>
+                    </a:p>
+                  </a:txBody>
+                  <a:tcPr/>
+                </a:tc>
+                <a:tc>
+                  <a:txBody>
+                    <a:bodyPr/>
+                    <a:lstStyle/>
+                    <a:p>
+                      <a:r>
+                        <a:rPr lang="en-US" dirty="0"/>
+                        <a:t>In minutes format ex, 2hours should be 120 as input.</a:t>
+                      </a:r>
+                    </a:p>
+                  </a:txBody>
+                  <a:tcPr/>
+                </a:tc>
+                <a:extLst>
+                  <a:ext uri="{0D108BD9-81ED-4DB2-BD59-A6C34878D82A}">
+                    <a16:rowId xmlns:a16="http://schemas.microsoft.com/office/drawing/2014/main" val="2910051621"/>
+                  </a:ext>
+                </a:extLst>
+              </a:tr>
+              <a:tr h="123613">
+                <a:tc rowSpan="3">
+                  <a:txBody>
+                    <a:bodyPr/>
+                    <a:lstStyle/>
+                    <a:p>
+                      <a:pPr marL="0" marR="0" lvl="0" indent="0" algn="l" defTabSz="914400" rtl="0" eaLnBrk="1" fontAlgn="auto" latinLnBrk="0" hangingPunct="1">
+                        <a:lnSpc>
+                          <a:spcPct val="100000"/>
+                        </a:lnSpc>
+                        <a:spcBef>
+                          <a:spcPts val="0"/>
+                        </a:spcBef>
+                        <a:spcAft>
+                          <a:spcPts val="0"/>
+                        </a:spcAft>
+                        <a:buClrTx/>
+                        <a:buSzTx/>
+                        <a:buFontTx/>
+                        <a:buNone/>
+                        <a:tabLst/>
+                        <a:defRPr/>
+                      </a:pPr>
+                      <a:r>
+                        <a:rPr lang="en-US" dirty="0"/>
+                        <a:t>Options</a:t>
+                      </a:r>
+                    </a:p>
+                  </a:txBody>
+                  <a:tcPr/>
+                </a:tc>
+                <a:tc>
+                  <a:txBody>
+                    <a:bodyPr/>
+                    <a:lstStyle/>
+                    <a:p>
+                      <a:pPr marL="0" marR="0" indent="0" algn="l" defTabSz="914400" rtl="0" eaLnBrk="1" fontAlgn="auto" latinLnBrk="0" hangingPunct="1">
+                        <a:lnSpc>
+                          <a:spcPct val="100000"/>
+                        </a:lnSpc>
+                        <a:spcBef>
+                          <a:spcPts val="0"/>
+                        </a:spcBef>
+                        <a:spcAft>
+                          <a:spcPts val="0"/>
+                        </a:spcAft>
+                        <a:buClrTx/>
+                        <a:buSzTx/>
+                        <a:buFontTx/>
+                        <a:buNone/>
+                        <a:tabLst/>
+                        <a:defRPr/>
+                      </a:pPr>
+                      <a:r>
+                        <a:rPr lang="en-US" dirty="0"/>
+                        <a:t>Optional .</a:t>
+                      </a:r>
+                    </a:p>
+                  </a:txBody>
+                  <a:tcPr/>
+                </a:tc>
+                <a:extLst>
+                  <a:ext uri="{0D108BD9-81ED-4DB2-BD59-A6C34878D82A}">
+                    <a16:rowId xmlns:a16="http://schemas.microsoft.com/office/drawing/2014/main" val="3900876568"/>
+                  </a:ext>
+                </a:extLst>
+              </a:tr>
+              <a:tr h="242147">
+                <a:tc vMerge="1">
+                  <a:txBody>
+                    <a:bodyPr/>
+                    <a:lstStyle/>
+                    <a:p>
+                      <a:endParaRPr lang="en-US"/>
+                    </a:p>
+                  </a:txBody>
+                  <a:tcPr/>
+                </a:tc>
+                <a:tc>
+                  <a:txBody>
+                    <a:bodyPr/>
+                    <a:lstStyle/>
+                    <a:p>
+                      <a:pPr marL="0" marR="0" indent="0" algn="l" defTabSz="914400" rtl="0" eaLnBrk="1" fontAlgn="auto" latinLnBrk="0" hangingPunct="1">
+                        <a:lnSpc>
+                          <a:spcPct val="100000"/>
+                        </a:lnSpc>
+                        <a:spcBef>
+                          <a:spcPts val="0"/>
+                        </a:spcBef>
+                        <a:spcAft>
+                          <a:spcPts val="0"/>
+                        </a:spcAft>
+                        <a:buClrTx/>
+                        <a:buSzTx/>
+                        <a:buFontTx/>
+                        <a:buNone/>
+                        <a:tabLst/>
+                        <a:defRPr/>
+                      </a:pPr>
+                      <a:r>
+                        <a:rPr lang="en-US" dirty="0"/>
+                        <a:t>Checkbox.</a:t>
+                      </a:r>
+                    </a:p>
+                  </a:txBody>
+                  <a:tcPr/>
+                </a:tc>
+                <a:extLst>
+                  <a:ext uri="{0D108BD9-81ED-4DB2-BD59-A6C34878D82A}">
+                    <a16:rowId xmlns:a16="http://schemas.microsoft.com/office/drawing/2014/main" val="1497443955"/>
+                  </a:ext>
+                </a:extLst>
+              </a:tr>
+              <a:tr h="123613">
+                <a:tc vMerge="1">
+                  <a:txBody>
+                    <a:bodyPr/>
+                    <a:lstStyle/>
+                    <a:p>
+                      <a:endParaRPr lang="en-US"/>
                     </a:p>
                   </a:txBody>
                   <a:tcPr/>
@@ -3511,7 +5055,7 @@
                 </a:tc>
                 <a:extLst>
                   <a:ext uri="{0D108BD9-81ED-4DB2-BD59-A6C34878D82A}">
-                    <a16:rowId xmlns:a16="http://schemas.microsoft.com/office/drawing/2014/main" val="10003"/>
+                    <a16:rowId xmlns:a16="http://schemas.microsoft.com/office/drawing/2014/main" val="1456130203"/>
                   </a:ext>
                 </a:extLst>
               </a:tr>
@@ -3522,7 +5066,7 @@
     </p:spTree>
     <p:extLst>
       <p:ext uri="{BB962C8B-B14F-4D97-AF65-F5344CB8AC3E}">
-        <p14:creationId xmlns:p14="http://schemas.microsoft.com/office/powerpoint/2010/main" val="1672980602"/>
+        <p14:creationId xmlns:p14="http://schemas.microsoft.com/office/powerpoint/2010/main" val="1953559042"/>
       </p:ext>
     </p:extLst>
   </p:cSld>
@@ -3532,7 +5076,1512 @@
 </p:sld>
 </file>
 
-<file path=ppt/slides/slide13.xml><?xml version="1.0" encoding="utf-8"?>
+<file path=ppt/slides/slide17.xml><?xml version="1.0" encoding="utf-8"?>
+<p:sld xmlns:a="http://schemas.openxmlformats.org/drawingml/2006/main" xmlns:r="http://schemas.openxmlformats.org/officeDocument/2006/relationships" xmlns:p="http://schemas.openxmlformats.org/presentationml/2006/main">
+  <p:cSld>
+    <p:spTree>
+      <p:nvGrpSpPr>
+        <p:cNvPr id="1" name=""/>
+        <p:cNvGrpSpPr/>
+        <p:nvPr/>
+      </p:nvGrpSpPr>
+      <p:grpSpPr>
+        <a:xfrm>
+          <a:off x="0" y="0"/>
+          <a:ext cx="0" cy="0"/>
+          <a:chOff x="0" y="0"/>
+          <a:chExt cx="0" cy="0"/>
+        </a:xfrm>
+      </p:grpSpPr>
+      <p:sp>
+        <p:nvSpPr>
+          <p:cNvPr id="3" name="Title 2"/>
+          <p:cNvSpPr>
+            <a:spLocks noGrp="1"/>
+          </p:cNvSpPr>
+          <p:nvPr>
+            <p:ph type="title"/>
+          </p:nvPr>
+        </p:nvSpPr>
+        <p:spPr/>
+        <p:txBody>
+          <a:bodyPr/>
+          <a:lstStyle/>
+          <a:p>
+            <a:r>
+              <a:rPr lang="en-US" dirty="0"/>
+              <a:t>Validation Checks (cont.)</a:t>
+            </a:r>
+          </a:p>
+        </p:txBody>
+      </p:sp>
+      <p:sp>
+        <p:nvSpPr>
+          <p:cNvPr id="2" name="Slide Number Placeholder 1"/>
+          <p:cNvSpPr>
+            <a:spLocks noGrp="1"/>
+          </p:cNvSpPr>
+          <p:nvPr>
+            <p:ph type="sldNum" sz="quarter" idx="10"/>
+          </p:nvPr>
+        </p:nvSpPr>
+        <p:spPr/>
+        <p:txBody>
+          <a:bodyPr/>
+          <a:lstStyle/>
+          <a:p>
+            <a:pPr>
+              <a:defRPr/>
+            </a:pPr>
+            <a:fld id="{7172B2E8-CBA5-4D0C-A017-9480F9E0BA9D}" type="slidenum">
+              <a:rPr lang="en-US" smtClean="0"/>
+              <a:pPr>
+                <a:defRPr/>
+              </a:pPr>
+              <a:t>17</a:t>
+            </a:fld>
+            <a:endParaRPr lang="en-US" dirty="0"/>
+          </a:p>
+        </p:txBody>
+      </p:sp>
+      <p:sp>
+        <p:nvSpPr>
+          <p:cNvPr id="4" name="Text Placeholder 3"/>
+          <p:cNvSpPr>
+            <a:spLocks noGrp="1"/>
+          </p:cNvSpPr>
+          <p:nvPr>
+            <p:ph type="body" sz="quarter" idx="11"/>
+          </p:nvPr>
+        </p:nvSpPr>
+        <p:spPr/>
+        <p:txBody>
+          <a:bodyPr/>
+          <a:lstStyle/>
+          <a:p>
+            <a:pPr marL="0" indent="0">
+              <a:buNone/>
+            </a:pPr>
+            <a:r>
+              <a:rPr lang="en-US" dirty="0"/>
+              <a:t>Edit user profile</a:t>
+            </a:r>
+          </a:p>
+          <a:p>
+            <a:endParaRPr lang="en-US" dirty="0"/>
+          </a:p>
+          <a:p>
+            <a:endParaRPr lang="en-US" dirty="0"/>
+          </a:p>
+          <a:p>
+            <a:endParaRPr lang="en-US" dirty="0"/>
+          </a:p>
+          <a:p>
+            <a:endParaRPr lang="en-US" dirty="0"/>
+          </a:p>
+          <a:p>
+            <a:endParaRPr lang="en-US" dirty="0"/>
+          </a:p>
+        </p:txBody>
+      </p:sp>
+      <p:graphicFrame>
+        <p:nvGraphicFramePr>
+          <p:cNvPr id="5" name="Table 4"/>
+          <p:cNvGraphicFramePr>
+            <a:graphicFrameLocks noGrp="1"/>
+          </p:cNvGraphicFramePr>
+          <p:nvPr>
+            <p:extLst>
+              <p:ext uri="{D42A27DB-BD31-4B8C-83A1-F6EECF244321}">
+                <p14:modId xmlns:p14="http://schemas.microsoft.com/office/powerpoint/2010/main" val="4178737297"/>
+              </p:ext>
+            </p:extLst>
+          </p:nvPr>
+        </p:nvGraphicFramePr>
+        <p:xfrm>
+          <a:off x="3356149" y="1674254"/>
+          <a:ext cx="5440121" cy="3900289"/>
+        </p:xfrm>
+        <a:graphic>
+          <a:graphicData uri="http://schemas.openxmlformats.org/drawingml/2006/table">
+            <a:tbl>
+              <a:tblPr firstRow="1" bandRow="1">
+                <a:tableStyleId>{5C22544A-7EE6-4342-B048-85BDC9FD1C3A}</a:tableStyleId>
+              </a:tblPr>
+              <a:tblGrid>
+                <a:gridCol w="2739172">
+                  <a:extLst>
+                    <a:ext uri="{9D8B030D-6E8A-4147-A177-3AD203B41FA5}">
+                      <a16:colId xmlns:a16="http://schemas.microsoft.com/office/drawing/2014/main" val="20000"/>
+                    </a:ext>
+                  </a:extLst>
+                </a:gridCol>
+                <a:gridCol w="2700949">
+                  <a:extLst>
+                    <a:ext uri="{9D8B030D-6E8A-4147-A177-3AD203B41FA5}">
+                      <a16:colId xmlns:a16="http://schemas.microsoft.com/office/drawing/2014/main" val="20001"/>
+                    </a:ext>
+                  </a:extLst>
+                </a:gridCol>
+              </a:tblGrid>
+              <a:tr h="663088">
+                <a:tc>
+                  <a:txBody>
+                    <a:bodyPr/>
+                    <a:lstStyle/>
+                    <a:p>
+                      <a:r>
+                        <a:rPr lang="en-US" dirty="0"/>
+                        <a:t>Attribute</a:t>
+                      </a:r>
+                    </a:p>
+                  </a:txBody>
+                  <a:tcPr/>
+                </a:tc>
+                <a:tc>
+                  <a:txBody>
+                    <a:bodyPr/>
+                    <a:lstStyle/>
+                    <a:p>
+                      <a:r>
+                        <a:rPr lang="en-US" dirty="0"/>
+                        <a:t>Validations</a:t>
+                      </a:r>
+                    </a:p>
+                  </a:txBody>
+                  <a:tcPr/>
+                </a:tc>
+                <a:extLst>
+                  <a:ext uri="{0D108BD9-81ED-4DB2-BD59-A6C34878D82A}">
+                    <a16:rowId xmlns:a16="http://schemas.microsoft.com/office/drawing/2014/main" val="10000"/>
+                  </a:ext>
+                </a:extLst>
+              </a:tr>
+              <a:tr h="768156">
+                <a:tc>
+                  <a:txBody>
+                    <a:bodyPr/>
+                    <a:lstStyle/>
+                    <a:p>
+                      <a:r>
+                        <a:rPr lang="en-US" dirty="0"/>
+                        <a:t>Username</a:t>
+                      </a:r>
+                    </a:p>
+                  </a:txBody>
+                  <a:tcPr/>
+                </a:tc>
+                <a:tc>
+                  <a:txBody>
+                    <a:bodyPr/>
+                    <a:lstStyle/>
+                    <a:p>
+                      <a:r>
+                        <a:rPr lang="en-US" dirty="0"/>
+                        <a:t>Only _ and alphanumeric characters.</a:t>
+                      </a:r>
+                    </a:p>
+                  </a:txBody>
+                  <a:tcPr/>
+                </a:tc>
+                <a:extLst>
+                  <a:ext uri="{0D108BD9-81ED-4DB2-BD59-A6C34878D82A}">
+                    <a16:rowId xmlns:a16="http://schemas.microsoft.com/office/drawing/2014/main" val="10001"/>
+                  </a:ext>
+                </a:extLst>
+              </a:tr>
+              <a:tr h="445043">
+                <a:tc>
+                  <a:txBody>
+                    <a:bodyPr/>
+                    <a:lstStyle/>
+                    <a:p>
+                      <a:endParaRPr lang="en-US" dirty="0"/>
+                    </a:p>
+                  </a:txBody>
+                  <a:tcPr/>
+                </a:tc>
+                <a:tc>
+                  <a:txBody>
+                    <a:bodyPr/>
+                    <a:lstStyle/>
+                    <a:p>
+                      <a:r>
+                        <a:rPr lang="en-US" dirty="0"/>
+                        <a:t>Cannot be empty or null.</a:t>
+                      </a:r>
+                    </a:p>
+                  </a:txBody>
+                  <a:tcPr/>
+                </a:tc>
+                <a:extLst>
+                  <a:ext uri="{0D108BD9-81ED-4DB2-BD59-A6C34878D82A}">
+                    <a16:rowId xmlns:a16="http://schemas.microsoft.com/office/drawing/2014/main" val="10002"/>
+                  </a:ext>
+                </a:extLst>
+              </a:tr>
+              <a:tr h="768156">
+                <a:tc>
+                  <a:txBody>
+                    <a:bodyPr/>
+                    <a:lstStyle/>
+                    <a:p>
+                      <a:endParaRPr lang="en-US" dirty="0"/>
+                    </a:p>
+                  </a:txBody>
+                  <a:tcPr/>
+                </a:tc>
+                <a:tc>
+                  <a:txBody>
+                    <a:bodyPr/>
+                    <a:lstStyle/>
+                    <a:p>
+                      <a:pPr marL="0" marR="0" indent="0" algn="l" defTabSz="914400" rtl="0" eaLnBrk="1" fontAlgn="auto" latinLnBrk="0" hangingPunct="1">
+                        <a:lnSpc>
+                          <a:spcPct val="100000"/>
+                        </a:lnSpc>
+                        <a:spcBef>
+                          <a:spcPts val="0"/>
+                        </a:spcBef>
+                        <a:spcAft>
+                          <a:spcPts val="0"/>
+                        </a:spcAft>
+                        <a:buClrTx/>
+                        <a:buSzTx/>
+                        <a:buFontTx/>
+                        <a:buNone/>
+                        <a:tabLst/>
+                        <a:defRPr/>
+                      </a:pPr>
+                      <a:r>
+                        <a:rPr lang="en-US" dirty="0"/>
+                        <a:t>Character length is 8 min 16 max.</a:t>
+                      </a:r>
+                    </a:p>
+                  </a:txBody>
+                  <a:tcPr/>
+                </a:tc>
+                <a:extLst>
+                  <a:ext uri="{0D108BD9-81ED-4DB2-BD59-A6C34878D82A}">
+                    <a16:rowId xmlns:a16="http://schemas.microsoft.com/office/drawing/2014/main" val="10003"/>
+                  </a:ext>
+                </a:extLst>
+              </a:tr>
+              <a:tr h="445043">
+                <a:tc>
+                  <a:txBody>
+                    <a:bodyPr/>
+                    <a:lstStyle/>
+                    <a:p>
+                      <a:endParaRPr lang="en-US" dirty="0"/>
+                    </a:p>
+                  </a:txBody>
+                  <a:tcPr/>
+                </a:tc>
+                <a:tc>
+                  <a:txBody>
+                    <a:bodyPr/>
+                    <a:lstStyle/>
+                    <a:p>
+                      <a:pPr marL="0" marR="0" indent="0" algn="l" defTabSz="914400" rtl="0" eaLnBrk="1" fontAlgn="auto" latinLnBrk="0" hangingPunct="1">
+                        <a:lnSpc>
+                          <a:spcPct val="100000"/>
+                        </a:lnSpc>
+                        <a:spcBef>
+                          <a:spcPts val="0"/>
+                        </a:spcBef>
+                        <a:spcAft>
+                          <a:spcPts val="0"/>
+                        </a:spcAft>
+                        <a:buClrTx/>
+                        <a:buSzTx/>
+                        <a:buFontTx/>
+                        <a:buNone/>
+                        <a:tabLst/>
+                        <a:defRPr/>
+                      </a:pPr>
+                      <a:r>
+                        <a:rPr lang="en-US" dirty="0"/>
+                        <a:t>Must start with a letter.</a:t>
+                      </a:r>
+                    </a:p>
+                  </a:txBody>
+                  <a:tcPr/>
+                </a:tc>
+                <a:extLst>
+                  <a:ext uri="{0D108BD9-81ED-4DB2-BD59-A6C34878D82A}">
+                    <a16:rowId xmlns:a16="http://schemas.microsoft.com/office/drawing/2014/main" val="2464691317"/>
+                  </a:ext>
+                </a:extLst>
+              </a:tr>
+              <a:tr h="445043">
+                <a:tc>
+                  <a:txBody>
+                    <a:bodyPr/>
+                    <a:lstStyle/>
+                    <a:p>
+                      <a:endParaRPr lang="en-US" dirty="0"/>
+                    </a:p>
+                  </a:txBody>
+                  <a:tcPr/>
+                </a:tc>
+                <a:tc>
+                  <a:txBody>
+                    <a:bodyPr/>
+                    <a:lstStyle/>
+                    <a:p>
+                      <a:pPr marL="0" marR="0" indent="0" algn="l" defTabSz="914400" rtl="0" eaLnBrk="1" fontAlgn="auto" latinLnBrk="0" hangingPunct="1">
+                        <a:lnSpc>
+                          <a:spcPct val="100000"/>
+                        </a:lnSpc>
+                        <a:spcBef>
+                          <a:spcPts val="0"/>
+                        </a:spcBef>
+                        <a:spcAft>
+                          <a:spcPts val="0"/>
+                        </a:spcAft>
+                        <a:buClrTx/>
+                        <a:buSzTx/>
+                        <a:buFontTx/>
+                        <a:buNone/>
+                        <a:tabLst/>
+                        <a:defRPr/>
+                      </a:pPr>
+                      <a:r>
+                        <a:rPr lang="en-US" dirty="0"/>
+                        <a:t>Unique.</a:t>
+                      </a:r>
+                    </a:p>
+                  </a:txBody>
+                  <a:tcPr/>
+                </a:tc>
+                <a:extLst>
+                  <a:ext uri="{0D108BD9-81ED-4DB2-BD59-A6C34878D82A}">
+                    <a16:rowId xmlns:a16="http://schemas.microsoft.com/office/drawing/2014/main" val="3430740156"/>
+                  </a:ext>
+                </a:extLst>
+              </a:tr>
+              <a:tr h="0">
+                <a:tc>
+                  <a:txBody>
+                    <a:bodyPr/>
+                    <a:lstStyle/>
+                    <a:p>
+                      <a:r>
+                        <a:rPr lang="en-US" dirty="0"/>
+                        <a:t>Role</a:t>
+                      </a:r>
+                    </a:p>
+                  </a:txBody>
+                  <a:tcPr/>
+                </a:tc>
+                <a:tc>
+                  <a:txBody>
+                    <a:bodyPr/>
+                    <a:lstStyle/>
+                    <a:p>
+                      <a:r>
+                        <a:rPr lang="en-US" dirty="0"/>
+                        <a:t>Drop down </a:t>
+                      </a:r>
+                    </a:p>
+                  </a:txBody>
+                  <a:tcPr/>
+                </a:tc>
+                <a:extLst>
+                  <a:ext uri="{0D108BD9-81ED-4DB2-BD59-A6C34878D82A}">
+                    <a16:rowId xmlns:a16="http://schemas.microsoft.com/office/drawing/2014/main" val="999800460"/>
+                  </a:ext>
+                </a:extLst>
+              </a:tr>
+            </a:tbl>
+          </a:graphicData>
+        </a:graphic>
+      </p:graphicFrame>
+    </p:spTree>
+    <p:extLst>
+      <p:ext uri="{BB962C8B-B14F-4D97-AF65-F5344CB8AC3E}">
+        <p14:creationId xmlns:p14="http://schemas.microsoft.com/office/powerpoint/2010/main" val="760825833"/>
+      </p:ext>
+    </p:extLst>
+  </p:cSld>
+  <p:clrMapOvr>
+    <a:masterClrMapping/>
+  </p:clrMapOvr>
+</p:sld>
+</file>
+
+<file path=ppt/slides/slide18.xml><?xml version="1.0" encoding="utf-8"?>
+<p:sld xmlns:a="http://schemas.openxmlformats.org/drawingml/2006/main" xmlns:r="http://schemas.openxmlformats.org/officeDocument/2006/relationships" xmlns:p="http://schemas.openxmlformats.org/presentationml/2006/main">
+  <p:cSld>
+    <p:spTree>
+      <p:nvGrpSpPr>
+        <p:cNvPr id="1" name=""/>
+        <p:cNvGrpSpPr/>
+        <p:nvPr/>
+      </p:nvGrpSpPr>
+      <p:grpSpPr>
+        <a:xfrm>
+          <a:off x="0" y="0"/>
+          <a:ext cx="0" cy="0"/>
+          <a:chOff x="0" y="0"/>
+          <a:chExt cx="0" cy="0"/>
+        </a:xfrm>
+      </p:grpSpPr>
+      <p:sp>
+        <p:nvSpPr>
+          <p:cNvPr id="3" name="Title 2"/>
+          <p:cNvSpPr>
+            <a:spLocks noGrp="1"/>
+          </p:cNvSpPr>
+          <p:nvPr>
+            <p:ph type="title"/>
+          </p:nvPr>
+        </p:nvSpPr>
+        <p:spPr/>
+        <p:txBody>
+          <a:bodyPr/>
+          <a:lstStyle/>
+          <a:p>
+            <a:r>
+              <a:rPr lang="en-US" dirty="0"/>
+              <a:t>Validation Checks (cont.)</a:t>
+            </a:r>
+          </a:p>
+        </p:txBody>
+      </p:sp>
+      <p:sp>
+        <p:nvSpPr>
+          <p:cNvPr id="2" name="Slide Number Placeholder 1"/>
+          <p:cNvSpPr>
+            <a:spLocks noGrp="1"/>
+          </p:cNvSpPr>
+          <p:nvPr>
+            <p:ph type="sldNum" sz="quarter" idx="10"/>
+          </p:nvPr>
+        </p:nvSpPr>
+        <p:spPr/>
+        <p:txBody>
+          <a:bodyPr/>
+          <a:lstStyle/>
+          <a:p>
+            <a:pPr>
+              <a:defRPr/>
+            </a:pPr>
+            <a:fld id="{7172B2E8-CBA5-4D0C-A017-9480F9E0BA9D}" type="slidenum">
+              <a:rPr lang="en-US" smtClean="0"/>
+              <a:pPr>
+                <a:defRPr/>
+              </a:pPr>
+              <a:t>18</a:t>
+            </a:fld>
+            <a:endParaRPr lang="en-US" dirty="0"/>
+          </a:p>
+        </p:txBody>
+      </p:sp>
+      <p:sp>
+        <p:nvSpPr>
+          <p:cNvPr id="4" name="Text Placeholder 3"/>
+          <p:cNvSpPr>
+            <a:spLocks noGrp="1"/>
+          </p:cNvSpPr>
+          <p:nvPr>
+            <p:ph type="body" sz="quarter" idx="11"/>
+          </p:nvPr>
+        </p:nvSpPr>
+        <p:spPr/>
+        <p:txBody>
+          <a:bodyPr/>
+          <a:lstStyle/>
+          <a:p>
+            <a:pPr marL="0" indent="0">
+              <a:buNone/>
+            </a:pPr>
+            <a:r>
+              <a:rPr lang="en-US" dirty="0"/>
+              <a:t>Edit user profile</a:t>
+            </a:r>
+          </a:p>
+          <a:p>
+            <a:endParaRPr lang="en-US" dirty="0"/>
+          </a:p>
+          <a:p>
+            <a:endParaRPr lang="en-US" dirty="0"/>
+          </a:p>
+          <a:p>
+            <a:endParaRPr lang="en-US" dirty="0"/>
+          </a:p>
+          <a:p>
+            <a:endParaRPr lang="en-US" dirty="0"/>
+          </a:p>
+          <a:p>
+            <a:endParaRPr lang="en-US" dirty="0"/>
+          </a:p>
+        </p:txBody>
+      </p:sp>
+      <p:graphicFrame>
+        <p:nvGraphicFramePr>
+          <p:cNvPr id="5" name="Table 4"/>
+          <p:cNvGraphicFramePr>
+            <a:graphicFrameLocks noGrp="1"/>
+          </p:cNvGraphicFramePr>
+          <p:nvPr/>
+        </p:nvGraphicFramePr>
+        <p:xfrm>
+          <a:off x="3356149" y="1892299"/>
+          <a:ext cx="5440121" cy="4011203"/>
+        </p:xfrm>
+        <a:graphic>
+          <a:graphicData uri="http://schemas.openxmlformats.org/drawingml/2006/table">
+            <a:tbl>
+              <a:tblPr firstRow="1" bandRow="1">
+                <a:tableStyleId>{5C22544A-7EE6-4342-B048-85BDC9FD1C3A}</a:tableStyleId>
+              </a:tblPr>
+              <a:tblGrid>
+                <a:gridCol w="2739172">
+                  <a:extLst>
+                    <a:ext uri="{9D8B030D-6E8A-4147-A177-3AD203B41FA5}">
+                      <a16:colId xmlns:a16="http://schemas.microsoft.com/office/drawing/2014/main" val="20000"/>
+                    </a:ext>
+                  </a:extLst>
+                </a:gridCol>
+                <a:gridCol w="2700949">
+                  <a:extLst>
+                    <a:ext uri="{9D8B030D-6E8A-4147-A177-3AD203B41FA5}">
+                      <a16:colId xmlns:a16="http://schemas.microsoft.com/office/drawing/2014/main" val="20001"/>
+                    </a:ext>
+                  </a:extLst>
+                </a:gridCol>
+              </a:tblGrid>
+              <a:tr h="445043">
+                <a:tc>
+                  <a:txBody>
+                    <a:bodyPr/>
+                    <a:lstStyle/>
+                    <a:p>
+                      <a:r>
+                        <a:rPr lang="en-US" dirty="0"/>
+                        <a:t>Attribute</a:t>
+                      </a:r>
+                    </a:p>
+                  </a:txBody>
+                  <a:tcPr/>
+                </a:tc>
+                <a:tc>
+                  <a:txBody>
+                    <a:bodyPr/>
+                    <a:lstStyle/>
+                    <a:p>
+                      <a:r>
+                        <a:rPr lang="en-US" dirty="0"/>
+                        <a:t>Validations</a:t>
+                      </a:r>
+                    </a:p>
+                  </a:txBody>
+                  <a:tcPr/>
+                </a:tc>
+                <a:extLst>
+                  <a:ext uri="{0D108BD9-81ED-4DB2-BD59-A6C34878D82A}">
+                    <a16:rowId xmlns:a16="http://schemas.microsoft.com/office/drawing/2014/main" val="10000"/>
+                  </a:ext>
+                </a:extLst>
+              </a:tr>
+              <a:tr h="0">
+                <a:tc>
+                  <a:txBody>
+                    <a:bodyPr/>
+                    <a:lstStyle/>
+                    <a:p>
+                      <a:r>
+                        <a:rPr lang="en-US" dirty="0"/>
+                        <a:t>UTA ID</a:t>
+                      </a:r>
+                    </a:p>
+                  </a:txBody>
+                  <a:tcPr/>
+                </a:tc>
+                <a:tc>
+                  <a:txBody>
+                    <a:bodyPr/>
+                    <a:lstStyle/>
+                    <a:p>
+                      <a:pPr marL="0" marR="0" indent="0" algn="l" defTabSz="914400" rtl="0" eaLnBrk="1" fontAlgn="auto" latinLnBrk="0" hangingPunct="1">
+                        <a:lnSpc>
+                          <a:spcPct val="100000"/>
+                        </a:lnSpc>
+                        <a:spcBef>
+                          <a:spcPts val="0"/>
+                        </a:spcBef>
+                        <a:spcAft>
+                          <a:spcPts val="0"/>
+                        </a:spcAft>
+                        <a:buClrTx/>
+                        <a:buSzTx/>
+                        <a:buFontTx/>
+                        <a:buNone/>
+                        <a:tabLst/>
+                        <a:defRPr/>
+                      </a:pPr>
+                      <a:r>
+                        <a:rPr lang="en-US" dirty="0"/>
+                        <a:t>Cannot be null or empty.</a:t>
+                      </a:r>
+                    </a:p>
+                  </a:txBody>
+                  <a:tcPr/>
+                </a:tc>
+                <a:extLst>
+                  <a:ext uri="{0D108BD9-81ED-4DB2-BD59-A6C34878D82A}">
+                    <a16:rowId xmlns:a16="http://schemas.microsoft.com/office/drawing/2014/main" val="370164629"/>
+                  </a:ext>
+                </a:extLst>
+              </a:tr>
+              <a:tr h="313509">
+                <a:tc>
+                  <a:txBody>
+                    <a:bodyPr/>
+                    <a:lstStyle/>
+                    <a:p>
+                      <a:endParaRPr lang="en-US" dirty="0"/>
+                    </a:p>
+                  </a:txBody>
+                  <a:tcPr/>
+                </a:tc>
+                <a:tc>
+                  <a:txBody>
+                    <a:bodyPr/>
+                    <a:lstStyle/>
+                    <a:p>
+                      <a:pPr marL="0" marR="0" lvl="0" indent="0" algn="l" defTabSz="914400" rtl="0" eaLnBrk="1" fontAlgn="auto" latinLnBrk="0" hangingPunct="1">
+                        <a:lnSpc>
+                          <a:spcPct val="100000"/>
+                        </a:lnSpc>
+                        <a:spcBef>
+                          <a:spcPts val="0"/>
+                        </a:spcBef>
+                        <a:spcAft>
+                          <a:spcPts val="0"/>
+                        </a:spcAft>
+                        <a:buClrTx/>
+                        <a:buSzTx/>
+                        <a:buFontTx/>
+                        <a:buNone/>
+                        <a:tabLst/>
+                        <a:defRPr/>
+                      </a:pPr>
+                      <a:r>
+                        <a:rPr lang="en-US" dirty="0"/>
+                        <a:t>Exactly 10 digits.</a:t>
+                      </a:r>
+                    </a:p>
+                    <a:p>
+                      <a:pPr marL="0" marR="0" indent="0" algn="l" defTabSz="914400" rtl="0" eaLnBrk="1" fontAlgn="auto" latinLnBrk="0" hangingPunct="1">
+                        <a:lnSpc>
+                          <a:spcPct val="100000"/>
+                        </a:lnSpc>
+                        <a:spcBef>
+                          <a:spcPts val="0"/>
+                        </a:spcBef>
+                        <a:spcAft>
+                          <a:spcPts val="0"/>
+                        </a:spcAft>
+                        <a:buClrTx/>
+                        <a:buSzTx/>
+                        <a:buFontTx/>
+                        <a:buNone/>
+                        <a:tabLst/>
+                        <a:defRPr/>
+                      </a:pPr>
+                      <a:endParaRPr lang="en-US" dirty="0"/>
+                    </a:p>
+                  </a:txBody>
+                  <a:tcPr/>
+                </a:tc>
+                <a:extLst>
+                  <a:ext uri="{0D108BD9-81ED-4DB2-BD59-A6C34878D82A}">
+                    <a16:rowId xmlns:a16="http://schemas.microsoft.com/office/drawing/2014/main" val="1895805089"/>
+                  </a:ext>
+                </a:extLst>
+              </a:tr>
+              <a:tr h="261257">
+                <a:tc>
+                  <a:txBody>
+                    <a:bodyPr/>
+                    <a:lstStyle/>
+                    <a:p>
+                      <a:r>
+                        <a:rPr lang="en-US" dirty="0"/>
+                        <a:t>Phone</a:t>
+                      </a:r>
+                    </a:p>
+                  </a:txBody>
+                  <a:tcPr/>
+                </a:tc>
+                <a:tc>
+                  <a:txBody>
+                    <a:bodyPr/>
+                    <a:lstStyle/>
+                    <a:p>
+                      <a:pPr marL="0" marR="0" indent="0" algn="l" defTabSz="914400" rtl="0" eaLnBrk="1" fontAlgn="auto" latinLnBrk="0" hangingPunct="1">
+                        <a:lnSpc>
+                          <a:spcPct val="100000"/>
+                        </a:lnSpc>
+                        <a:spcBef>
+                          <a:spcPts val="0"/>
+                        </a:spcBef>
+                        <a:spcAft>
+                          <a:spcPts val="0"/>
+                        </a:spcAft>
+                        <a:buClrTx/>
+                        <a:buSzTx/>
+                        <a:buFontTx/>
+                        <a:buNone/>
+                        <a:tabLst/>
+                        <a:defRPr/>
+                      </a:pPr>
+                      <a:r>
+                        <a:rPr lang="en-US" dirty="0"/>
+                        <a:t>Cannot be null or empty.</a:t>
+                      </a:r>
+                    </a:p>
+                  </a:txBody>
+                  <a:tcPr/>
+                </a:tc>
+                <a:extLst>
+                  <a:ext uri="{0D108BD9-81ED-4DB2-BD59-A6C34878D82A}">
+                    <a16:rowId xmlns:a16="http://schemas.microsoft.com/office/drawing/2014/main" val="471939940"/>
+                  </a:ext>
+                </a:extLst>
+              </a:tr>
+              <a:tr h="209006">
+                <a:tc>
+                  <a:txBody>
+                    <a:bodyPr/>
+                    <a:lstStyle/>
+                    <a:p>
+                      <a:endParaRPr lang="en-US" dirty="0"/>
+                    </a:p>
+                  </a:txBody>
+                  <a:tcPr/>
+                </a:tc>
+                <a:tc>
+                  <a:txBody>
+                    <a:bodyPr/>
+                    <a:lstStyle/>
+                    <a:p>
+                      <a:pPr marL="0" marR="0" lvl="0" indent="0" algn="l" defTabSz="914400" rtl="0" eaLnBrk="1" fontAlgn="auto" latinLnBrk="0" hangingPunct="1">
+                        <a:lnSpc>
+                          <a:spcPct val="100000"/>
+                        </a:lnSpc>
+                        <a:spcBef>
+                          <a:spcPts val="0"/>
+                        </a:spcBef>
+                        <a:spcAft>
+                          <a:spcPts val="0"/>
+                        </a:spcAft>
+                        <a:buClrTx/>
+                        <a:buSzTx/>
+                        <a:buFontTx/>
+                        <a:buNone/>
+                        <a:tabLst/>
+                        <a:defRPr/>
+                      </a:pPr>
+                      <a:r>
+                        <a:rPr lang="en-US" dirty="0"/>
+                        <a:t>Exactly 10 digits.</a:t>
+                      </a:r>
+                    </a:p>
+                  </a:txBody>
+                  <a:tcPr/>
+                </a:tc>
+                <a:extLst>
+                  <a:ext uri="{0D108BD9-81ED-4DB2-BD59-A6C34878D82A}">
+                    <a16:rowId xmlns:a16="http://schemas.microsoft.com/office/drawing/2014/main" val="2138957433"/>
+                  </a:ext>
+                </a:extLst>
+              </a:tr>
+              <a:tr h="156754">
+                <a:tc>
+                  <a:txBody>
+                    <a:bodyPr/>
+                    <a:lstStyle/>
+                    <a:p>
+                      <a:r>
+                        <a:rPr lang="en-US" dirty="0"/>
+                        <a:t>Email</a:t>
+                      </a:r>
+                    </a:p>
+                  </a:txBody>
+                  <a:tcPr/>
+                </a:tc>
+                <a:tc>
+                  <a:txBody>
+                    <a:bodyPr/>
+                    <a:lstStyle/>
+                    <a:p>
+                      <a:pPr marL="0" marR="0" indent="0" algn="l" defTabSz="914400" rtl="0" eaLnBrk="1" fontAlgn="auto" latinLnBrk="0" hangingPunct="1">
+                        <a:lnSpc>
+                          <a:spcPct val="100000"/>
+                        </a:lnSpc>
+                        <a:spcBef>
+                          <a:spcPts val="0"/>
+                        </a:spcBef>
+                        <a:spcAft>
+                          <a:spcPts val="0"/>
+                        </a:spcAft>
+                        <a:buClrTx/>
+                        <a:buSzTx/>
+                        <a:buFontTx/>
+                        <a:buNone/>
+                        <a:tabLst/>
+                        <a:defRPr/>
+                      </a:pPr>
+                      <a:r>
+                        <a:rPr lang="en-US" dirty="0"/>
+                        <a:t>Cannot be null or empty.</a:t>
+                      </a:r>
+                    </a:p>
+                  </a:txBody>
+                  <a:tcPr/>
+                </a:tc>
+                <a:extLst>
+                  <a:ext uri="{0D108BD9-81ED-4DB2-BD59-A6C34878D82A}">
+                    <a16:rowId xmlns:a16="http://schemas.microsoft.com/office/drawing/2014/main" val="279878603"/>
+                  </a:ext>
+                </a:extLst>
+              </a:tr>
+              <a:tr h="0">
+                <a:tc>
+                  <a:txBody>
+                    <a:bodyPr/>
+                    <a:lstStyle/>
+                    <a:p>
+                      <a:endParaRPr lang="en-US" dirty="0"/>
+                    </a:p>
+                  </a:txBody>
+                  <a:tcPr/>
+                </a:tc>
+                <a:tc>
+                  <a:txBody>
+                    <a:bodyPr/>
+                    <a:lstStyle/>
+                    <a:p>
+                      <a:pPr marL="0" marR="0" indent="0" algn="l" defTabSz="914400" rtl="0" eaLnBrk="1" fontAlgn="auto" latinLnBrk="0" hangingPunct="1">
+                        <a:lnSpc>
+                          <a:spcPct val="100000"/>
+                        </a:lnSpc>
+                        <a:spcBef>
+                          <a:spcPts val="0"/>
+                        </a:spcBef>
+                        <a:spcAft>
+                          <a:spcPts val="0"/>
+                        </a:spcAft>
+                        <a:buClrTx/>
+                        <a:buSzTx/>
+                        <a:buFontTx/>
+                        <a:buNone/>
+                        <a:tabLst/>
+                        <a:defRPr/>
+                      </a:pPr>
+                      <a:r>
+                        <a:rPr lang="en-US" dirty="0"/>
+                        <a:t>Contains a @</a:t>
+                      </a:r>
+                    </a:p>
+                  </a:txBody>
+                  <a:tcPr/>
+                </a:tc>
+                <a:extLst>
+                  <a:ext uri="{0D108BD9-81ED-4DB2-BD59-A6C34878D82A}">
+                    <a16:rowId xmlns:a16="http://schemas.microsoft.com/office/drawing/2014/main" val="305309200"/>
+                  </a:ext>
+                </a:extLst>
+              </a:tr>
+              <a:tr h="0">
+                <a:tc>
+                  <a:txBody>
+                    <a:bodyPr/>
+                    <a:lstStyle/>
+                    <a:p>
+                      <a:endParaRPr lang="en-US" dirty="0"/>
+                    </a:p>
+                  </a:txBody>
+                  <a:tcPr/>
+                </a:tc>
+                <a:tc>
+                  <a:txBody>
+                    <a:bodyPr/>
+                    <a:lstStyle/>
+                    <a:p>
+                      <a:pPr marL="0" marR="0" indent="0" algn="l" defTabSz="914400" rtl="0" eaLnBrk="1" fontAlgn="auto" latinLnBrk="0" hangingPunct="1">
+                        <a:lnSpc>
+                          <a:spcPct val="100000"/>
+                        </a:lnSpc>
+                        <a:spcBef>
+                          <a:spcPts val="0"/>
+                        </a:spcBef>
+                        <a:spcAft>
+                          <a:spcPts val="0"/>
+                        </a:spcAft>
+                        <a:buClrTx/>
+                        <a:buSzTx/>
+                        <a:buFontTx/>
+                        <a:buNone/>
+                        <a:tabLst/>
+                        <a:defRPr/>
+                      </a:pPr>
+                      <a:r>
+                        <a:rPr lang="en-US" dirty="0"/>
+                        <a:t>Valid .</a:t>
+                      </a:r>
+                      <a:r>
+                        <a:rPr lang="en-US" dirty="0" err="1"/>
+                        <a:t>edu</a:t>
+                      </a:r>
+                      <a:r>
+                        <a:rPr lang="en-US" dirty="0"/>
+                        <a:t> extension only</a:t>
+                      </a:r>
+                    </a:p>
+                  </a:txBody>
+                  <a:tcPr/>
+                </a:tc>
+                <a:extLst>
+                  <a:ext uri="{0D108BD9-81ED-4DB2-BD59-A6C34878D82A}">
+                    <a16:rowId xmlns:a16="http://schemas.microsoft.com/office/drawing/2014/main" val="3676017346"/>
+                  </a:ext>
+                </a:extLst>
+              </a:tr>
+              <a:tr h="0">
+                <a:tc>
+                  <a:txBody>
+                    <a:bodyPr/>
+                    <a:lstStyle/>
+                    <a:p>
+                      <a:endParaRPr lang="en-US" dirty="0"/>
+                    </a:p>
+                  </a:txBody>
+                  <a:tcPr/>
+                </a:tc>
+                <a:tc>
+                  <a:txBody>
+                    <a:bodyPr/>
+                    <a:lstStyle/>
+                    <a:p>
+                      <a:pPr marL="0" marR="0" indent="0" algn="l" defTabSz="914400" rtl="0" eaLnBrk="1" fontAlgn="auto" latinLnBrk="0" hangingPunct="1">
+                        <a:lnSpc>
+                          <a:spcPct val="100000"/>
+                        </a:lnSpc>
+                        <a:spcBef>
+                          <a:spcPts val="0"/>
+                        </a:spcBef>
+                        <a:spcAft>
+                          <a:spcPts val="0"/>
+                        </a:spcAft>
+                        <a:buClrTx/>
+                        <a:buSzTx/>
+                        <a:buFontTx/>
+                        <a:buNone/>
+                        <a:tabLst/>
+                        <a:defRPr/>
+                      </a:pPr>
+                      <a:r>
+                        <a:rPr lang="en-US" dirty="0"/>
+                        <a:t>7 &lt;= size &lt;= 45</a:t>
+                      </a:r>
+                    </a:p>
+                  </a:txBody>
+                  <a:tcPr/>
+                </a:tc>
+                <a:extLst>
+                  <a:ext uri="{0D108BD9-81ED-4DB2-BD59-A6C34878D82A}">
+                    <a16:rowId xmlns:a16="http://schemas.microsoft.com/office/drawing/2014/main" val="259680406"/>
+                  </a:ext>
+                </a:extLst>
+              </a:tr>
+              <a:tr h="0">
+                <a:tc>
+                  <a:txBody>
+                    <a:bodyPr/>
+                    <a:lstStyle/>
+                    <a:p>
+                      <a:endParaRPr lang="en-US" dirty="0"/>
+                    </a:p>
+                  </a:txBody>
+                  <a:tcPr/>
+                </a:tc>
+                <a:tc>
+                  <a:txBody>
+                    <a:bodyPr/>
+                    <a:lstStyle/>
+                    <a:p>
+                      <a:pPr marL="0" marR="0" indent="0" algn="l" defTabSz="914400" rtl="0" eaLnBrk="1" fontAlgn="auto" latinLnBrk="0" hangingPunct="1">
+                        <a:lnSpc>
+                          <a:spcPct val="100000"/>
+                        </a:lnSpc>
+                        <a:spcBef>
+                          <a:spcPts val="0"/>
+                        </a:spcBef>
+                        <a:spcAft>
+                          <a:spcPts val="0"/>
+                        </a:spcAft>
+                        <a:buClrTx/>
+                        <a:buSzTx/>
+                        <a:buFontTx/>
+                        <a:buNone/>
+                        <a:tabLst/>
+                        <a:defRPr/>
+                      </a:pPr>
+                      <a:r>
+                        <a:rPr lang="en-US" dirty="0"/>
+                        <a:t>Alphanumeric and . </a:t>
+                      </a:r>
+                    </a:p>
+                  </a:txBody>
+                  <a:tcPr/>
+                </a:tc>
+                <a:extLst>
+                  <a:ext uri="{0D108BD9-81ED-4DB2-BD59-A6C34878D82A}">
+                    <a16:rowId xmlns:a16="http://schemas.microsoft.com/office/drawing/2014/main" val="2449938991"/>
+                  </a:ext>
+                </a:extLst>
+              </a:tr>
+            </a:tbl>
+          </a:graphicData>
+        </a:graphic>
+      </p:graphicFrame>
+    </p:spTree>
+    <p:extLst>
+      <p:ext uri="{BB962C8B-B14F-4D97-AF65-F5344CB8AC3E}">
+        <p14:creationId xmlns:p14="http://schemas.microsoft.com/office/powerpoint/2010/main" val="1316664033"/>
+      </p:ext>
+    </p:extLst>
+  </p:cSld>
+  <p:clrMapOvr>
+    <a:masterClrMapping/>
+  </p:clrMapOvr>
+</p:sld>
+</file>
+
+<file path=ppt/slides/slide19.xml><?xml version="1.0" encoding="utf-8"?>
+<p:sld xmlns:a="http://schemas.openxmlformats.org/drawingml/2006/main" xmlns:r="http://schemas.openxmlformats.org/officeDocument/2006/relationships" xmlns:p="http://schemas.openxmlformats.org/presentationml/2006/main">
+  <p:cSld>
+    <p:spTree>
+      <p:nvGrpSpPr>
+        <p:cNvPr id="1" name=""/>
+        <p:cNvGrpSpPr/>
+        <p:nvPr/>
+      </p:nvGrpSpPr>
+      <p:grpSpPr>
+        <a:xfrm>
+          <a:off x="0" y="0"/>
+          <a:ext cx="0" cy="0"/>
+          <a:chOff x="0" y="0"/>
+          <a:chExt cx="0" cy="0"/>
+        </a:xfrm>
+      </p:grpSpPr>
+      <p:sp>
+        <p:nvSpPr>
+          <p:cNvPr id="3" name="Title 2"/>
+          <p:cNvSpPr>
+            <a:spLocks noGrp="1"/>
+          </p:cNvSpPr>
+          <p:nvPr>
+            <p:ph type="title"/>
+          </p:nvPr>
+        </p:nvSpPr>
+        <p:spPr/>
+        <p:txBody>
+          <a:bodyPr/>
+          <a:lstStyle/>
+          <a:p>
+            <a:r>
+              <a:rPr lang="en-US" dirty="0"/>
+              <a:t>Validation Checks (cont.)</a:t>
+            </a:r>
+          </a:p>
+        </p:txBody>
+      </p:sp>
+      <p:sp>
+        <p:nvSpPr>
+          <p:cNvPr id="2" name="Slide Number Placeholder 1"/>
+          <p:cNvSpPr>
+            <a:spLocks noGrp="1"/>
+          </p:cNvSpPr>
+          <p:nvPr>
+            <p:ph type="sldNum" sz="quarter" idx="10"/>
+          </p:nvPr>
+        </p:nvSpPr>
+        <p:spPr/>
+        <p:txBody>
+          <a:bodyPr/>
+          <a:lstStyle/>
+          <a:p>
+            <a:pPr>
+              <a:defRPr/>
+            </a:pPr>
+            <a:fld id="{7172B2E8-CBA5-4D0C-A017-9480F9E0BA9D}" type="slidenum">
+              <a:rPr lang="en-US" smtClean="0"/>
+              <a:pPr>
+                <a:defRPr/>
+              </a:pPr>
+              <a:t>19</a:t>
+            </a:fld>
+            <a:endParaRPr lang="en-US" dirty="0"/>
+          </a:p>
+        </p:txBody>
+      </p:sp>
+      <p:sp>
+        <p:nvSpPr>
+          <p:cNvPr id="4" name="Text Placeholder 3"/>
+          <p:cNvSpPr>
+            <a:spLocks noGrp="1"/>
+          </p:cNvSpPr>
+          <p:nvPr>
+            <p:ph type="body" sz="quarter" idx="11"/>
+          </p:nvPr>
+        </p:nvSpPr>
+        <p:spPr/>
+        <p:txBody>
+          <a:bodyPr/>
+          <a:lstStyle/>
+          <a:p>
+            <a:endParaRPr lang="en-US" dirty="0"/>
+          </a:p>
+          <a:p>
+            <a:endParaRPr lang="en-US" dirty="0"/>
+          </a:p>
+          <a:p>
+            <a:endParaRPr lang="en-US" dirty="0"/>
+          </a:p>
+          <a:p>
+            <a:endParaRPr lang="en-US" dirty="0"/>
+          </a:p>
+          <a:p>
+            <a:endParaRPr lang="en-US" dirty="0"/>
+          </a:p>
+        </p:txBody>
+      </p:sp>
+      <p:graphicFrame>
+        <p:nvGraphicFramePr>
+          <p:cNvPr id="5" name="Table 4"/>
+          <p:cNvGraphicFramePr>
+            <a:graphicFrameLocks noGrp="1"/>
+          </p:cNvGraphicFramePr>
+          <p:nvPr>
+            <p:extLst>
+              <p:ext uri="{D42A27DB-BD31-4B8C-83A1-F6EECF244321}">
+                <p14:modId xmlns:p14="http://schemas.microsoft.com/office/powerpoint/2010/main" val="3073065555"/>
+              </p:ext>
+            </p:extLst>
+          </p:nvPr>
+        </p:nvGraphicFramePr>
+        <p:xfrm>
+          <a:off x="2588654" y="1892299"/>
+          <a:ext cx="6207616" cy="2456723"/>
+        </p:xfrm>
+        <a:graphic>
+          <a:graphicData uri="http://schemas.openxmlformats.org/drawingml/2006/table">
+            <a:tbl>
+              <a:tblPr firstRow="1" bandRow="1">
+                <a:tableStyleId>{5C22544A-7EE6-4342-B048-85BDC9FD1C3A}</a:tableStyleId>
+              </a:tblPr>
+              <a:tblGrid>
+                <a:gridCol w="3506667">
+                  <a:extLst>
+                    <a:ext uri="{9D8B030D-6E8A-4147-A177-3AD203B41FA5}">
+                      <a16:colId xmlns:a16="http://schemas.microsoft.com/office/drawing/2014/main" val="20000"/>
+                    </a:ext>
+                  </a:extLst>
+                </a:gridCol>
+                <a:gridCol w="2700949">
+                  <a:extLst>
+                    <a:ext uri="{9D8B030D-6E8A-4147-A177-3AD203B41FA5}">
+                      <a16:colId xmlns:a16="http://schemas.microsoft.com/office/drawing/2014/main" val="20001"/>
+                    </a:ext>
+                  </a:extLst>
+                </a:gridCol>
+              </a:tblGrid>
+              <a:tr h="445043">
+                <a:tc>
+                  <a:txBody>
+                    <a:bodyPr/>
+                    <a:lstStyle/>
+                    <a:p>
+                      <a:r>
+                        <a:rPr lang="en-US" dirty="0"/>
+                        <a:t>Attribute</a:t>
+                      </a:r>
+                    </a:p>
+                  </a:txBody>
+                  <a:tcPr/>
+                </a:tc>
+                <a:tc>
+                  <a:txBody>
+                    <a:bodyPr/>
+                    <a:lstStyle/>
+                    <a:p>
+                      <a:r>
+                        <a:rPr lang="en-US" dirty="0"/>
+                        <a:t>Validations</a:t>
+                      </a:r>
+                    </a:p>
+                  </a:txBody>
+                  <a:tcPr/>
+                </a:tc>
+                <a:extLst>
+                  <a:ext uri="{0D108BD9-81ED-4DB2-BD59-A6C34878D82A}">
+                    <a16:rowId xmlns:a16="http://schemas.microsoft.com/office/drawing/2014/main" val="10000"/>
+                  </a:ext>
+                </a:extLst>
+              </a:tr>
+              <a:tr h="0">
+                <a:tc>
+                  <a:txBody>
+                    <a:bodyPr/>
+                    <a:lstStyle/>
+                    <a:p>
+                      <a:r>
+                        <a:rPr lang="en-US" dirty="0"/>
+                        <a:t>License plate number</a:t>
+                      </a:r>
+                    </a:p>
+                  </a:txBody>
+                  <a:tcPr/>
+                </a:tc>
+                <a:tc>
+                  <a:txBody>
+                    <a:bodyPr/>
+                    <a:lstStyle/>
+                    <a:p>
+                      <a:pPr marL="0" marR="0" indent="0" algn="l" defTabSz="914400" rtl="0" eaLnBrk="1" fontAlgn="auto" latinLnBrk="0" hangingPunct="1">
+                        <a:lnSpc>
+                          <a:spcPct val="100000"/>
+                        </a:lnSpc>
+                        <a:spcBef>
+                          <a:spcPts val="0"/>
+                        </a:spcBef>
+                        <a:spcAft>
+                          <a:spcPts val="0"/>
+                        </a:spcAft>
+                        <a:buClrTx/>
+                        <a:buSzTx/>
+                        <a:buFontTx/>
+                        <a:buNone/>
+                        <a:tabLst/>
+                        <a:defRPr/>
+                      </a:pPr>
+                      <a:r>
+                        <a:rPr lang="en-US" dirty="0"/>
+                        <a:t>Cannot be null or empty.</a:t>
+                      </a:r>
+                    </a:p>
+                  </a:txBody>
+                  <a:tcPr/>
+                </a:tc>
+                <a:extLst>
+                  <a:ext uri="{0D108BD9-81ED-4DB2-BD59-A6C34878D82A}">
+                    <a16:rowId xmlns:a16="http://schemas.microsoft.com/office/drawing/2014/main" val="370164629"/>
+                  </a:ext>
+                </a:extLst>
+              </a:tr>
+              <a:tr h="313509">
+                <a:tc>
+                  <a:txBody>
+                    <a:bodyPr/>
+                    <a:lstStyle/>
+                    <a:p>
+                      <a:endParaRPr lang="en-US" dirty="0"/>
+                    </a:p>
+                  </a:txBody>
+                  <a:tcPr/>
+                </a:tc>
+                <a:tc>
+                  <a:txBody>
+                    <a:bodyPr/>
+                    <a:lstStyle/>
+                    <a:p>
+                      <a:pPr marL="0" marR="0" indent="0" algn="l" defTabSz="914400" rtl="0" eaLnBrk="1" fontAlgn="auto" latinLnBrk="0" hangingPunct="1">
+                        <a:lnSpc>
+                          <a:spcPct val="100000"/>
+                        </a:lnSpc>
+                        <a:spcBef>
+                          <a:spcPts val="0"/>
+                        </a:spcBef>
+                        <a:spcAft>
+                          <a:spcPts val="0"/>
+                        </a:spcAft>
+                        <a:buClrTx/>
+                        <a:buSzTx/>
+                        <a:buFontTx/>
+                        <a:buNone/>
+                        <a:tabLst/>
+                        <a:defRPr/>
+                      </a:pPr>
+                      <a:r>
+                        <a:rPr lang="en-US" dirty="0"/>
+                        <a:t>Format is : AAANNNN. A for letter and N for number.</a:t>
+                      </a:r>
+                    </a:p>
+                  </a:txBody>
+                  <a:tcPr/>
+                </a:tc>
+                <a:extLst>
+                  <a:ext uri="{0D108BD9-81ED-4DB2-BD59-A6C34878D82A}">
+                    <a16:rowId xmlns:a16="http://schemas.microsoft.com/office/drawing/2014/main" val="1895805089"/>
+                  </a:ext>
+                </a:extLst>
+              </a:tr>
+              <a:tr h="261257">
+                <a:tc>
+                  <a:txBody>
+                    <a:bodyPr/>
+                    <a:lstStyle/>
+                    <a:p>
+                      <a:endParaRPr lang="en-US" dirty="0"/>
+                    </a:p>
+                  </a:txBody>
+                  <a:tcPr/>
+                </a:tc>
+                <a:tc>
+                  <a:txBody>
+                    <a:bodyPr/>
+                    <a:lstStyle/>
+                    <a:p>
+                      <a:pPr marL="0" marR="0" indent="0" algn="l" defTabSz="914400" rtl="0" eaLnBrk="1" fontAlgn="auto" latinLnBrk="0" hangingPunct="1">
+                        <a:lnSpc>
+                          <a:spcPct val="100000"/>
+                        </a:lnSpc>
+                        <a:spcBef>
+                          <a:spcPts val="0"/>
+                        </a:spcBef>
+                        <a:spcAft>
+                          <a:spcPts val="0"/>
+                        </a:spcAft>
+                        <a:buClrTx/>
+                        <a:buSzTx/>
+                        <a:buFontTx/>
+                        <a:buNone/>
+                        <a:tabLst/>
+                        <a:defRPr/>
+                      </a:pPr>
+                      <a:r>
+                        <a:rPr lang="en-US" dirty="0"/>
+                        <a:t>Only alphanumeric.</a:t>
+                      </a:r>
+                    </a:p>
+                  </a:txBody>
+                  <a:tcPr/>
+                </a:tc>
+                <a:extLst>
+                  <a:ext uri="{0D108BD9-81ED-4DB2-BD59-A6C34878D82A}">
+                    <a16:rowId xmlns:a16="http://schemas.microsoft.com/office/drawing/2014/main" val="471939940"/>
+                  </a:ext>
+                </a:extLst>
+              </a:tr>
+              <a:tr h="261257">
+                <a:tc>
+                  <a:txBody>
+                    <a:bodyPr/>
+                    <a:lstStyle/>
+                    <a:p>
+                      <a:r>
+                        <a:rPr lang="en-US" dirty="0"/>
+                        <a:t>Status </a:t>
+                      </a:r>
+                    </a:p>
+                  </a:txBody>
+                  <a:tcPr/>
+                </a:tc>
+                <a:tc>
+                  <a:txBody>
+                    <a:bodyPr/>
+                    <a:lstStyle/>
+                    <a:p>
+                      <a:pPr marL="0" marR="0" indent="0" algn="l" defTabSz="914400" rtl="0" eaLnBrk="1" fontAlgn="auto" latinLnBrk="0" hangingPunct="1">
+                        <a:lnSpc>
+                          <a:spcPct val="100000"/>
+                        </a:lnSpc>
+                        <a:spcBef>
+                          <a:spcPts val="0"/>
+                        </a:spcBef>
+                        <a:spcAft>
+                          <a:spcPts val="0"/>
+                        </a:spcAft>
+                        <a:buClrTx/>
+                        <a:buSzTx/>
+                        <a:buFontTx/>
+                        <a:buNone/>
+                        <a:tabLst/>
+                        <a:defRPr/>
+                      </a:pPr>
+                      <a:r>
+                        <a:rPr lang="en-US" dirty="0"/>
+                        <a:t>Dropdown </a:t>
+                      </a:r>
+                    </a:p>
+                  </a:txBody>
+                  <a:tcPr/>
+                </a:tc>
+                <a:extLst>
+                  <a:ext uri="{0D108BD9-81ED-4DB2-BD59-A6C34878D82A}">
+                    <a16:rowId xmlns:a16="http://schemas.microsoft.com/office/drawing/2014/main" val="3865653719"/>
+                  </a:ext>
+                </a:extLst>
+              </a:tr>
+            </a:tbl>
+          </a:graphicData>
+        </a:graphic>
+      </p:graphicFrame>
+      <p:sp>
+        <p:nvSpPr>
+          <p:cNvPr id="8" name="TextBox 7">
+            <a:extLst>
+              <a:ext uri="{FF2B5EF4-FFF2-40B4-BE49-F238E27FC236}">
+                <a16:creationId xmlns:a16="http://schemas.microsoft.com/office/drawing/2014/main" id="{77BD5135-46F5-BD4A-86EE-B9A2590DF89E}"/>
+              </a:ext>
+            </a:extLst>
+          </p:cNvPr>
+          <p:cNvSpPr txBox="1"/>
+          <p:nvPr/>
+        </p:nvSpPr>
+        <p:spPr>
+          <a:xfrm>
+            <a:off x="814459" y="1492189"/>
+            <a:ext cx="2036135" cy="400110"/>
+          </a:xfrm>
+          <a:prstGeom prst="rect">
+            <a:avLst/>
+          </a:prstGeom>
+          <a:noFill/>
+        </p:spPr>
+        <p:txBody>
+          <a:bodyPr wrap="none" rtlCol="0">
+            <a:spAutoFit/>
+          </a:bodyPr>
+          <a:lstStyle/>
+          <a:p>
+            <a:r>
+              <a:rPr lang="en-US" dirty="0"/>
+              <a:t>Edit user profile </a:t>
+            </a:r>
+          </a:p>
+        </p:txBody>
+      </p:sp>
+    </p:spTree>
+    <p:extLst>
+      <p:ext uri="{BB962C8B-B14F-4D97-AF65-F5344CB8AC3E}">
+        <p14:creationId xmlns:p14="http://schemas.microsoft.com/office/powerpoint/2010/main" val="1964992917"/>
+      </p:ext>
+    </p:extLst>
+  </p:cSld>
+  <p:clrMapOvr>
+    <a:masterClrMapping/>
+  </p:clrMapOvr>
+</p:sld>
+</file>
+
+<file path=ppt/slides/slide2.xml><?xml version="1.0" encoding="utf-8"?>
 <p:sld xmlns:a="http://schemas.openxmlformats.org/drawingml/2006/main" xmlns:r="http://schemas.openxmlformats.org/officeDocument/2006/relationships" xmlns:p="http://schemas.openxmlformats.org/presentationml/2006/main">
   <p:cSld>
     <p:spTree>
@@ -3566,7 +6615,7 @@
           <a:p>
             <a:r>
               <a:rPr lang="en-US" dirty="0"/>
-              <a:t>Rule Checks</a:t>
+              <a:t>Rules and Validation Checks (cont.)</a:t>
             </a:r>
           </a:p>
         </p:txBody>
@@ -3594,7 +6643,284 @@
               <a:pPr>
                 <a:defRPr/>
               </a:pPr>
-              <a:t>13</a:t>
+              <a:t>2</a:t>
+            </a:fld>
+            <a:endParaRPr lang="en-US" dirty="0"/>
+          </a:p>
+        </p:txBody>
+      </p:sp>
+      <p:sp>
+        <p:nvSpPr>
+          <p:cNvPr id="4" name="Text Placeholder 3"/>
+          <p:cNvSpPr>
+            <a:spLocks noGrp="1"/>
+          </p:cNvSpPr>
+          <p:nvPr>
+            <p:ph type="body" sz="quarter" idx="11"/>
+          </p:nvPr>
+        </p:nvSpPr>
+        <p:spPr>
+          <a:xfrm>
+            <a:off x="871797" y="922713"/>
+            <a:ext cx="7924800" cy="5098271"/>
+          </a:xfrm>
+        </p:spPr>
+        <p:txBody>
+          <a:bodyPr/>
+          <a:lstStyle/>
+          <a:p>
+            <a:r>
+              <a:rPr lang="en-US" dirty="0"/>
+              <a:t>Rules</a:t>
+            </a:r>
+          </a:p>
+          <a:p>
+            <a:pPr lvl="1"/>
+            <a:r>
+              <a:rPr lang="en-US" dirty="0"/>
+              <a:t>These are checks that would NOT appear on a form but are still performed by the software</a:t>
+            </a:r>
+          </a:p>
+          <a:p>
+            <a:pPr lvl="1"/>
+            <a:r>
+              <a:rPr lang="en-US" dirty="0"/>
+              <a:t>These are obtained from the project description</a:t>
+            </a:r>
+          </a:p>
+          <a:p>
+            <a:pPr marL="1314450" lvl="2" indent="-457200">
+              <a:buFont typeface="+mj-lt"/>
+              <a:buAutoNum type="arabicPeriod"/>
+            </a:pPr>
+            <a:r>
+              <a:rPr lang="en-US" dirty="0"/>
+              <a:t>Category - companies that are marked as online do not collect State sales tax</a:t>
+            </a:r>
+          </a:p>
+          <a:p>
+            <a:pPr marL="1314450" lvl="2" indent="-457200">
+              <a:buFont typeface="+mj-lt"/>
+              <a:buAutoNum type="arabicPeriod"/>
+            </a:pPr>
+            <a:r>
+              <a:rPr lang="en-US" dirty="0"/>
+              <a:t>A company is only open between x and y</a:t>
+            </a:r>
+          </a:p>
+          <a:p>
+            <a:pPr marL="1314450" lvl="2" indent="-457200">
+              <a:buFont typeface="+mj-lt"/>
+              <a:buAutoNum type="arabicPeriod"/>
+            </a:pPr>
+            <a:r>
+              <a:rPr lang="en-US" dirty="0"/>
+              <a:t>Let’s say that company size was specified (small &lt; 50 employees, medium &lt; 200, large otherwise) and that only a large company may reserve a hall</a:t>
+            </a:r>
+          </a:p>
+          <a:p>
+            <a:pPr marL="914400" lvl="1" indent="-457200"/>
+            <a:r>
+              <a:rPr lang="en-US" dirty="0"/>
+              <a:t>These are associated with  a specific object - we are assigning specific software checks against a software object or class</a:t>
+            </a:r>
+          </a:p>
+          <a:p>
+            <a:pPr lvl="1"/>
+            <a:endParaRPr lang="en-US" dirty="0"/>
+          </a:p>
+          <a:p>
+            <a:pPr lvl="1"/>
+            <a:endParaRPr lang="en-US" dirty="0"/>
+          </a:p>
+        </p:txBody>
+      </p:sp>
+    </p:spTree>
+  </p:cSld>
+  <p:clrMapOvr>
+    <a:masterClrMapping/>
+  </p:clrMapOvr>
+</p:sld>
+</file>
+
+<file path=ppt/slides/slide20.xml><?xml version="1.0" encoding="utf-8"?>
+<p:sld xmlns:a="http://schemas.openxmlformats.org/drawingml/2006/main" xmlns:r="http://schemas.openxmlformats.org/officeDocument/2006/relationships" xmlns:p="http://schemas.openxmlformats.org/presentationml/2006/main">
+  <p:cSld>
+    <p:spTree>
+      <p:nvGrpSpPr>
+        <p:cNvPr id="1" name=""/>
+        <p:cNvGrpSpPr/>
+        <p:nvPr/>
+      </p:nvGrpSpPr>
+      <p:grpSpPr>
+        <a:xfrm>
+          <a:off x="0" y="0"/>
+          <a:ext cx="0" cy="0"/>
+          <a:chOff x="0" y="0"/>
+          <a:chExt cx="0" cy="0"/>
+        </a:xfrm>
+      </p:grpSpPr>
+      <p:sp>
+        <p:nvSpPr>
+          <p:cNvPr id="2" name="Title 1">
+            <a:extLst>
+              <a:ext uri="{FF2B5EF4-FFF2-40B4-BE49-F238E27FC236}">
+                <a16:creationId xmlns:a16="http://schemas.microsoft.com/office/drawing/2014/main" id="{2CBC9018-6CE0-894D-B7DA-06561FFFD382}"/>
+              </a:ext>
+            </a:extLst>
+          </p:cNvPr>
+          <p:cNvSpPr>
+            <a:spLocks noGrp="1"/>
+          </p:cNvSpPr>
+          <p:nvPr>
+            <p:ph type="title"/>
+          </p:nvPr>
+        </p:nvSpPr>
+        <p:spPr/>
+        <p:txBody>
+          <a:bodyPr/>
+          <a:lstStyle/>
+          <a:p>
+            <a:endParaRPr lang="en-US"/>
+          </a:p>
+        </p:txBody>
+      </p:sp>
+      <p:sp>
+        <p:nvSpPr>
+          <p:cNvPr id="3" name="Slide Number Placeholder 2">
+            <a:extLst>
+              <a:ext uri="{FF2B5EF4-FFF2-40B4-BE49-F238E27FC236}">
+                <a16:creationId xmlns:a16="http://schemas.microsoft.com/office/drawing/2014/main" id="{DB17BE42-83EF-A24C-BE85-C5195E2E4DC7}"/>
+              </a:ext>
+            </a:extLst>
+          </p:cNvPr>
+          <p:cNvSpPr>
+            <a:spLocks noGrp="1"/>
+          </p:cNvSpPr>
+          <p:nvPr>
+            <p:ph type="sldNum" sz="quarter" idx="10"/>
+          </p:nvPr>
+        </p:nvSpPr>
+        <p:spPr/>
+        <p:txBody>
+          <a:bodyPr/>
+          <a:lstStyle/>
+          <a:p>
+            <a:pPr>
+              <a:defRPr/>
+            </a:pPr>
+            <a:fld id="{CDFDD46A-28F1-4B24-AB69-FC42A6E40E8D}" type="slidenum">
+              <a:rPr lang="en-US" smtClean="0"/>
+              <a:pPr>
+                <a:defRPr/>
+              </a:pPr>
+              <a:t>20</a:t>
+            </a:fld>
+            <a:endParaRPr lang="en-US" dirty="0"/>
+          </a:p>
+        </p:txBody>
+      </p:sp>
+      <p:sp>
+        <p:nvSpPr>
+          <p:cNvPr id="4" name="Text Placeholder 3">
+            <a:extLst>
+              <a:ext uri="{FF2B5EF4-FFF2-40B4-BE49-F238E27FC236}">
+                <a16:creationId xmlns:a16="http://schemas.microsoft.com/office/drawing/2014/main" id="{A3DE4080-284E-5649-87F3-5A3972E237CF}"/>
+              </a:ext>
+            </a:extLst>
+          </p:cNvPr>
+          <p:cNvSpPr>
+            <a:spLocks noGrp="1"/>
+          </p:cNvSpPr>
+          <p:nvPr>
+            <p:ph type="body" sz="quarter" idx="11"/>
+          </p:nvPr>
+        </p:nvSpPr>
+        <p:spPr/>
+        <p:txBody>
+          <a:bodyPr/>
+          <a:lstStyle/>
+          <a:p>
+            <a:endParaRPr lang="en-US"/>
+          </a:p>
+        </p:txBody>
+      </p:sp>
+    </p:spTree>
+    <p:extLst>
+      <p:ext uri="{BB962C8B-B14F-4D97-AF65-F5344CB8AC3E}">
+        <p14:creationId xmlns:p14="http://schemas.microsoft.com/office/powerpoint/2010/main" val="3534862283"/>
+      </p:ext>
+    </p:extLst>
+  </p:cSld>
+  <p:clrMapOvr>
+    <a:masterClrMapping/>
+  </p:clrMapOvr>
+</p:sld>
+</file>
+
+<file path=ppt/slides/slide21.xml><?xml version="1.0" encoding="utf-8"?>
+<p:sld xmlns:a="http://schemas.openxmlformats.org/drawingml/2006/main" xmlns:r="http://schemas.openxmlformats.org/officeDocument/2006/relationships" xmlns:p="http://schemas.openxmlformats.org/presentationml/2006/main">
+  <p:cSld>
+    <p:spTree>
+      <p:nvGrpSpPr>
+        <p:cNvPr id="1" name=""/>
+        <p:cNvGrpSpPr/>
+        <p:nvPr/>
+      </p:nvGrpSpPr>
+      <p:grpSpPr>
+        <a:xfrm>
+          <a:off x="0" y="0"/>
+          <a:ext cx="0" cy="0"/>
+          <a:chOff x="0" y="0"/>
+          <a:chExt cx="0" cy="0"/>
+        </a:xfrm>
+      </p:grpSpPr>
+      <p:sp>
+        <p:nvSpPr>
+          <p:cNvPr id="2" name="Title 1"/>
+          <p:cNvSpPr>
+            <a:spLocks noGrp="1"/>
+          </p:cNvSpPr>
+          <p:nvPr>
+            <p:ph type="title"/>
+          </p:nvPr>
+        </p:nvSpPr>
+        <p:spPr/>
+        <p:txBody>
+          <a:bodyPr/>
+          <a:lstStyle/>
+          <a:p>
+            <a:r>
+              <a:rPr lang="en-US" dirty="0"/>
+              <a:t>Rule Checks</a:t>
+            </a:r>
+          </a:p>
+        </p:txBody>
+      </p:sp>
+      <p:sp>
+        <p:nvSpPr>
+          <p:cNvPr id="3" name="Slide Number Placeholder 2"/>
+          <p:cNvSpPr>
+            <a:spLocks noGrp="1"/>
+          </p:cNvSpPr>
+          <p:nvPr>
+            <p:ph type="sldNum" sz="quarter" idx="10"/>
+          </p:nvPr>
+        </p:nvSpPr>
+        <p:spPr/>
+        <p:txBody>
+          <a:bodyPr/>
+          <a:lstStyle/>
+          <a:p>
+            <a:pPr>
+              <a:defRPr/>
+            </a:pPr>
+            <a:fld id="{CDFDD46A-28F1-4B24-AB69-FC42A6E40E8D}" type="slidenum">
+              <a:rPr lang="en-US" smtClean="0"/>
+              <a:pPr>
+                <a:defRPr/>
+              </a:pPr>
+              <a:t>21</a:t>
             </a:fld>
             <a:endParaRPr lang="en-US" dirty="0"/>
           </a:p>
@@ -3908,7 +7234,7 @@
 </p:sld>
 </file>
 
-<file path=ppt/slides/slide14.xml><?xml version="1.0" encoding="utf-8"?>
+<file path=ppt/slides/slide22.xml><?xml version="1.0" encoding="utf-8"?>
 <p:sld xmlns:a="http://schemas.openxmlformats.org/drawingml/2006/main" xmlns:r="http://schemas.openxmlformats.org/officeDocument/2006/relationships" xmlns:p="http://schemas.openxmlformats.org/presentationml/2006/main">
   <p:cSld>
     <p:spTree>
@@ -3970,7 +7296,7 @@
               <a:pPr>
                 <a:defRPr/>
               </a:pPr>
-              <a:t>14</a:t>
+              <a:t>22</a:t>
             </a:fld>
             <a:endParaRPr lang="en-US" dirty="0"/>
           </a:p>
@@ -4031,7 +7357,7 @@
           <p:nvPr>
             <p:extLst>
               <p:ext uri="{D42A27DB-BD31-4B8C-83A1-F6EECF244321}">
-                <p14:modId xmlns:p14="http://schemas.microsoft.com/office/powerpoint/2010/main" val="3346177835"/>
+                <p14:modId xmlns:p14="http://schemas.microsoft.com/office/powerpoint/2010/main" val="3394232351"/>
               </p:ext>
             </p:extLst>
           </p:nvPr>
@@ -4192,13 +7518,8 @@
                     <a:p>
                       <a:r>
                         <a:rPr lang="en-US" dirty="0"/>
-                        <a:t>There cannot be more than two reservations made by the same UTA ID at the </a:t>
-                      </a:r>
-                      <a:r>
-                        <a:rPr lang="en-US"/>
-                        <a:t>same time.</a:t>
-                      </a:r>
-                      <a:endParaRPr lang="en-US" dirty="0"/>
+                        <a:t>There cannot be more than two reservations made by the same UTA ID at the same time</a:t>
+                      </a:r>
                     </a:p>
                   </a:txBody>
                   <a:tcPr/>
@@ -4263,7 +7584,7 @@
 </p:sld>
 </file>
 
-<file path=ppt/slides/slide15.xml><?xml version="1.0" encoding="utf-8"?>
+<file path=ppt/slides/slide23.xml><?xml version="1.0" encoding="utf-8"?>
 <p:sld xmlns:a="http://schemas.openxmlformats.org/drawingml/2006/main" xmlns:r="http://schemas.openxmlformats.org/officeDocument/2006/relationships" xmlns:p="http://schemas.openxmlformats.org/presentationml/2006/main">
   <p:cSld>
     <p:spTree>
@@ -4325,7 +7646,7 @@
               <a:pPr>
                 <a:defRPr/>
               </a:pPr>
-              <a:t>15</a:t>
+              <a:t>23</a:t>
             </a:fld>
             <a:endParaRPr lang="en-US" dirty="0"/>
           </a:p>
@@ -4621,7 +7942,7 @@
 </p:sld>
 </file>
 
-<file path=ppt/slides/slide16.xml><?xml version="1.0" encoding="utf-8"?>
+<file path=ppt/slides/slide24.xml><?xml version="1.0" encoding="utf-8"?>
 <p:sld xmlns:a="http://schemas.openxmlformats.org/drawingml/2006/main" xmlns:r="http://schemas.openxmlformats.org/officeDocument/2006/relationships" xmlns:p="http://schemas.openxmlformats.org/presentationml/2006/main">
   <p:cSld>
     <p:spTree>
@@ -4692,7 +8013,7 @@
               <a:pPr>
                 <a:defRPr/>
               </a:pPr>
-              <a:t>16</a:t>
+              <a:t>24</a:t>
             </a:fld>
             <a:endParaRPr lang="en-US" dirty="0"/>
           </a:p>
@@ -5482,168 +8803,6 @@
 </p:sld>
 </file>
 
-<file path=ppt/slides/slide2.xml><?xml version="1.0" encoding="utf-8"?>
-<p:sld xmlns:a="http://schemas.openxmlformats.org/drawingml/2006/main" xmlns:r="http://schemas.openxmlformats.org/officeDocument/2006/relationships" xmlns:p="http://schemas.openxmlformats.org/presentationml/2006/main">
-  <p:cSld>
-    <p:spTree>
-      <p:nvGrpSpPr>
-        <p:cNvPr id="1" name=""/>
-        <p:cNvGrpSpPr/>
-        <p:nvPr/>
-      </p:nvGrpSpPr>
-      <p:grpSpPr>
-        <a:xfrm>
-          <a:off x="0" y="0"/>
-          <a:ext cx="0" cy="0"/>
-          <a:chOff x="0" y="0"/>
-          <a:chExt cx="0" cy="0"/>
-        </a:xfrm>
-      </p:grpSpPr>
-      <p:sp>
-        <p:nvSpPr>
-          <p:cNvPr id="2" name="Title 1"/>
-          <p:cNvSpPr>
-            <a:spLocks noGrp="1"/>
-          </p:cNvSpPr>
-          <p:nvPr>
-            <p:ph type="title"/>
-          </p:nvPr>
-        </p:nvSpPr>
-        <p:spPr/>
-        <p:txBody>
-          <a:bodyPr/>
-          <a:lstStyle/>
-          <a:p>
-            <a:r>
-              <a:rPr lang="en-US" dirty="0"/>
-              <a:t>Rules and Validation Checks (cont.)</a:t>
-            </a:r>
-          </a:p>
-        </p:txBody>
-      </p:sp>
-      <p:sp>
-        <p:nvSpPr>
-          <p:cNvPr id="3" name="Slide Number Placeholder 2"/>
-          <p:cNvSpPr>
-            <a:spLocks noGrp="1"/>
-          </p:cNvSpPr>
-          <p:nvPr>
-            <p:ph type="sldNum" sz="quarter" idx="10"/>
-          </p:nvPr>
-        </p:nvSpPr>
-        <p:spPr/>
-        <p:txBody>
-          <a:bodyPr/>
-          <a:lstStyle/>
-          <a:p>
-            <a:pPr>
-              <a:defRPr/>
-            </a:pPr>
-            <a:fld id="{CDFDD46A-28F1-4B24-AB69-FC42A6E40E8D}" type="slidenum">
-              <a:rPr lang="en-US" smtClean="0"/>
-              <a:pPr>
-                <a:defRPr/>
-              </a:pPr>
-              <a:t>2</a:t>
-            </a:fld>
-            <a:endParaRPr lang="en-US" dirty="0"/>
-          </a:p>
-        </p:txBody>
-      </p:sp>
-      <p:sp>
-        <p:nvSpPr>
-          <p:cNvPr id="4" name="Text Placeholder 3"/>
-          <p:cNvSpPr>
-            <a:spLocks noGrp="1"/>
-          </p:cNvSpPr>
-          <p:nvPr>
-            <p:ph type="body" sz="quarter" idx="11"/>
-          </p:nvPr>
-        </p:nvSpPr>
-        <p:spPr>
-          <a:xfrm>
-            <a:off x="871797" y="922713"/>
-            <a:ext cx="7924800" cy="5098271"/>
-          </a:xfrm>
-        </p:spPr>
-        <p:txBody>
-          <a:bodyPr/>
-          <a:lstStyle/>
-          <a:p>
-            <a:r>
-              <a:rPr lang="en-US" dirty="0"/>
-              <a:t>Rules</a:t>
-            </a:r>
-          </a:p>
-          <a:p>
-            <a:pPr lvl="1"/>
-            <a:r>
-              <a:rPr lang="en-US" dirty="0"/>
-              <a:t>These are checks that would NOT appear on a form but are still performed by the software</a:t>
-            </a:r>
-          </a:p>
-          <a:p>
-            <a:pPr lvl="1"/>
-            <a:r>
-              <a:rPr lang="en-US" dirty="0"/>
-              <a:t>These are obtained from the project description</a:t>
-            </a:r>
-          </a:p>
-          <a:p>
-            <a:pPr marL="1314450" lvl="2" indent="-457200">
-              <a:buFont typeface="+mj-lt"/>
-              <a:buAutoNum type="arabicPeriod"/>
-            </a:pPr>
-            <a:r>
-              <a:rPr lang="en-US" dirty="0"/>
-              <a:t>Category - companies that are marked as online do not collect State sales tax</a:t>
-            </a:r>
-          </a:p>
-          <a:p>
-            <a:pPr marL="1314450" lvl="2" indent="-457200">
-              <a:buFont typeface="+mj-lt"/>
-              <a:buAutoNum type="arabicPeriod"/>
-            </a:pPr>
-            <a:r>
-              <a:rPr lang="en-US" dirty="0"/>
-              <a:t>A company is only open between x and y</a:t>
-            </a:r>
-          </a:p>
-          <a:p>
-            <a:pPr marL="1314450" lvl="2" indent="-457200">
-              <a:buFont typeface="+mj-lt"/>
-              <a:buAutoNum type="arabicPeriod"/>
-            </a:pPr>
-            <a:r>
-              <a:rPr lang="en-US" dirty="0"/>
-              <a:t>Let’s say that company size was specified (small &lt; 50 employees, medium &lt; 200, large otherwise) and that only a large company may reserve a hall</a:t>
-            </a:r>
-          </a:p>
-          <a:p>
-            <a:pPr marL="914400" lvl="1" indent="-457200"/>
-            <a:r>
-              <a:rPr lang="en-US" dirty="0"/>
-              <a:t>These are associated with  a specific object - we are assigning specific software checks against a software object or class</a:t>
-            </a:r>
-          </a:p>
-          <a:p>
-            <a:pPr lvl="1"/>
-            <a:endParaRPr lang="en-US" dirty="0"/>
-          </a:p>
-          <a:p>
-            <a:pPr lvl="1"/>
-            <a:endParaRPr lang="en-US" dirty="0"/>
-          </a:p>
-        </p:txBody>
-      </p:sp>
-    </p:spTree>
-  </p:cSld>
-  <p:clrMapOvr>
-    <a:masterClrMapping/>
-  </p:clrMapOvr>
-</p:sld>
-</file>
-
 <file path=ppt/slides/slide3.xml><?xml version="1.0" encoding="utf-8"?>
 <p:sld xmlns:a="http://schemas.openxmlformats.org/drawingml/2006/main" xmlns:r="http://schemas.openxmlformats.org/officeDocument/2006/relationships" xmlns:p="http://schemas.openxmlformats.org/presentationml/2006/main">
   <p:cSld>
@@ -5727,31 +8886,16 @@
           <a:bodyPr/>
           <a:lstStyle/>
           <a:p>
+            <a:pPr marL="0" indent="0">
+              <a:buNone/>
+            </a:pPr>
             <a:r>
               <a:rPr lang="en-US" dirty="0"/>
-              <a:t>1</a:t>
+              <a:t>Register form </a:t>
             </a:r>
           </a:p>
           <a:p>
             <a:endParaRPr lang="en-US" dirty="0"/>
-          </a:p>
-          <a:p>
-            <a:endParaRPr lang="en-US" dirty="0"/>
-          </a:p>
-          <a:p>
-            <a:endParaRPr lang="en-US" dirty="0"/>
-          </a:p>
-          <a:p>
-            <a:endParaRPr lang="en-US" dirty="0"/>
-          </a:p>
-          <a:p>
-            <a:endParaRPr lang="en-US" dirty="0"/>
-          </a:p>
-          <a:p>
-            <a:r>
-              <a:rPr lang="en-US" dirty="0"/>
-              <a:t>2</a:t>
-            </a:r>
           </a:p>
           <a:p>
             <a:endParaRPr lang="en-US" dirty="0"/>
@@ -5776,14 +8920,14 @@
           <p:nvPr>
             <p:extLst>
               <p:ext uri="{D42A27DB-BD31-4B8C-83A1-F6EECF244321}">
-                <p14:modId xmlns:p14="http://schemas.microsoft.com/office/powerpoint/2010/main" val="3760892556"/>
+                <p14:modId xmlns:p14="http://schemas.microsoft.com/office/powerpoint/2010/main" val="3627283423"/>
               </p:ext>
             </p:extLst>
           </p:nvPr>
         </p:nvGraphicFramePr>
         <p:xfrm>
-          <a:off x="3356149" y="1892300"/>
-          <a:ext cx="5425901" cy="1483360"/>
+          <a:off x="3356149" y="1892299"/>
+          <a:ext cx="5440121" cy="4596644"/>
         </p:xfrm>
         <a:graphic>
           <a:graphicData uri="http://schemas.openxmlformats.org/drawingml/2006/table">
@@ -5792,14 +8936,14 @@
                 <a:tableStyleId>{5C22544A-7EE6-4342-B048-85BDC9FD1C3A}</a:tableStyleId>
               </a:tblPr>
               <a:tblGrid>
-                <a:gridCol w="2732012">
+                <a:gridCol w="2739172">
                   <a:extLst>
                     <a:ext uri="{9D8B030D-6E8A-4147-A177-3AD203B41FA5}">
                       <a16:colId xmlns:a16="http://schemas.microsoft.com/office/drawing/2014/main" val="20000"/>
                     </a:ext>
                   </a:extLst>
                 </a:gridCol>
-                <a:gridCol w="2693889">
+                <a:gridCol w="2700949">
                   <a:extLst>
                     <a:ext uri="{9D8B030D-6E8A-4147-A177-3AD203B41FA5}">
                       <a16:colId xmlns:a16="http://schemas.microsoft.com/office/drawing/2014/main" val="20001"/>
@@ -5807,7 +8951,7 @@
                   </a:extLst>
                 </a:gridCol>
               </a:tblGrid>
-              <a:tr h="370840">
+              <a:tr h="445043">
                 <a:tc>
                   <a:txBody>
                     <a:bodyPr/>
@@ -5840,7 +8984,40 @@
                   </a:ext>
                 </a:extLst>
               </a:tr>
-              <a:tr h="370840">
+              <a:tr h="768156">
+                <a:tc>
+                  <a:txBody>
+                    <a:bodyPr/>
+                    <a:lstStyle/>
+                    <a:p>
+                      <a:r>
+                        <a:rPr lang="en-US" dirty="0"/>
+                        <a:t>Username</a:t>
+                      </a:r>
+                    </a:p>
+                  </a:txBody>
+                  <a:tcPr/>
+                </a:tc>
+                <a:tc>
+                  <a:txBody>
+                    <a:bodyPr/>
+                    <a:lstStyle/>
+                    <a:p>
+                      <a:r>
+                        <a:rPr lang="en-US" dirty="0"/>
+                        <a:t>Only _ and alphanumeric characters.</a:t>
+                      </a:r>
+                    </a:p>
+                  </a:txBody>
+                  <a:tcPr/>
+                </a:tc>
+                <a:extLst>
+                  <a:ext uri="{0D108BD9-81ED-4DB2-BD59-A6C34878D82A}">
+                    <a16:rowId xmlns:a16="http://schemas.microsoft.com/office/drawing/2014/main" val="10001"/>
+                  </a:ext>
+                </a:extLst>
+              </a:tr>
+              <a:tr h="445043">
                 <a:tc>
                   <a:txBody>
                     <a:bodyPr/>
@@ -5856,34 +9033,10 @@
                     <a:bodyPr/>
                     <a:lstStyle/>
                     <a:p>
-                      <a:endParaRPr lang="en-US" dirty="0"/>
-                    </a:p>
-                  </a:txBody>
-                  <a:tcPr/>
-                </a:tc>
-                <a:extLst>
-                  <a:ext uri="{0D108BD9-81ED-4DB2-BD59-A6C34878D82A}">
-                    <a16:rowId xmlns:a16="http://schemas.microsoft.com/office/drawing/2014/main" val="10001"/>
-                  </a:ext>
-                </a:extLst>
-              </a:tr>
-              <a:tr h="370840">
-                <a:tc>
-                  <a:txBody>
-                    <a:bodyPr/>
-                    <a:lstStyle/>
-                    <a:p>
-                      <a:endParaRPr lang="en-US" dirty="0"/>
-                    </a:p>
-                  </a:txBody>
-                  <a:tcPr/>
-                </a:tc>
-                <a:tc>
-                  <a:txBody>
-                    <a:bodyPr/>
-                    <a:lstStyle/>
-                    <a:p>
-                      <a:endParaRPr lang="en-US" dirty="0"/>
+                      <a:r>
+                        <a:rPr lang="en-US" dirty="0"/>
+                        <a:t>Cannot be empty or null.</a:t>
+                      </a:r>
                     </a:p>
                   </a:txBody>
                   <a:tcPr/>
@@ -5894,7 +9047,7 @@
                   </a:ext>
                 </a:extLst>
               </a:tr>
-              <a:tr h="370840">
+              <a:tr h="768156">
                 <a:tc>
                   <a:txBody>
                     <a:bodyPr/>
@@ -5927,7 +9080,10 @@
                         <a:tabLst/>
                         <a:defRPr/>
                       </a:pPr>
-                      <a:endParaRPr lang="en-US" dirty="0"/>
+                      <a:r>
+                        <a:rPr lang="en-US" dirty="0"/>
+                        <a:t>Character length is 8 min 16 max.</a:t>
+                      </a:r>
                     </a:p>
                   </a:txBody>
                   <a:tcPr/>
@@ -5938,111 +9094,7 @@
                   </a:ext>
                 </a:extLst>
               </a:tr>
-            </a:tbl>
-          </a:graphicData>
-        </a:graphic>
-      </p:graphicFrame>
-      <p:graphicFrame>
-        <p:nvGraphicFramePr>
-          <p:cNvPr id="6" name="Table 5"/>
-          <p:cNvGraphicFramePr>
-            <a:graphicFrameLocks noGrp="1"/>
-          </p:cNvGraphicFramePr>
-          <p:nvPr>
-            <p:extLst>
-              <p:ext uri="{D42A27DB-BD31-4B8C-83A1-F6EECF244321}">
-                <p14:modId xmlns:p14="http://schemas.microsoft.com/office/powerpoint/2010/main" val="1789176000"/>
-              </p:ext>
-            </p:extLst>
-          </p:nvPr>
-        </p:nvGraphicFramePr>
-        <p:xfrm>
-          <a:off x="3356150" y="3942397"/>
-          <a:ext cx="5454476" cy="1186497"/>
-        </p:xfrm>
-        <a:graphic>
-          <a:graphicData uri="http://schemas.openxmlformats.org/drawingml/2006/table">
-            <a:tbl>
-              <a:tblPr firstRow="1" bandRow="1">
-                <a:tableStyleId>{5C22544A-7EE6-4342-B048-85BDC9FD1C3A}</a:tableStyleId>
-              </a:tblPr>
-              <a:tblGrid>
-                <a:gridCol w="2220408">
-                  <a:extLst>
-                    <a:ext uri="{9D8B030D-6E8A-4147-A177-3AD203B41FA5}">
-                      <a16:colId xmlns:a16="http://schemas.microsoft.com/office/drawing/2014/main" val="20000"/>
-                    </a:ext>
-                  </a:extLst>
-                </a:gridCol>
-                <a:gridCol w="3234068">
-                  <a:extLst>
-                    <a:ext uri="{9D8B030D-6E8A-4147-A177-3AD203B41FA5}">
-                      <a16:colId xmlns:a16="http://schemas.microsoft.com/office/drawing/2014/main" val="20001"/>
-                    </a:ext>
-                  </a:extLst>
-                </a:gridCol>
-              </a:tblGrid>
-              <a:tr h="395499">
-                <a:tc>
-                  <a:txBody>
-                    <a:bodyPr/>
-                    <a:lstStyle/>
-                    <a:p>
-                      <a:r>
-                        <a:rPr lang="en-US" dirty="0"/>
-                        <a:t>Attribute</a:t>
-                      </a:r>
-                    </a:p>
-                  </a:txBody>
-                  <a:tcPr/>
-                </a:tc>
-                <a:tc>
-                  <a:txBody>
-                    <a:bodyPr/>
-                    <a:lstStyle/>
-                    <a:p>
-                      <a:r>
-                        <a:rPr lang="en-US" dirty="0"/>
-                        <a:t>Validations</a:t>
-                      </a:r>
-                    </a:p>
-                  </a:txBody>
-                  <a:tcPr/>
-                </a:tc>
-                <a:extLst>
-                  <a:ext uri="{0D108BD9-81ED-4DB2-BD59-A6C34878D82A}">
-                    <a16:rowId xmlns:a16="http://schemas.microsoft.com/office/drawing/2014/main" val="10000"/>
-                  </a:ext>
-                </a:extLst>
-              </a:tr>
-              <a:tr h="395499">
-                <a:tc>
-                  <a:txBody>
-                    <a:bodyPr/>
-                    <a:lstStyle/>
-                    <a:p>
-                      <a:endParaRPr lang="en-US" dirty="0"/>
-                    </a:p>
-                  </a:txBody>
-                  <a:tcPr/>
-                </a:tc>
-                <a:tc>
-                  <a:txBody>
-                    <a:bodyPr/>
-                    <a:lstStyle/>
-                    <a:p>
-                      <a:endParaRPr lang="en-US" dirty="0"/>
-                    </a:p>
-                  </a:txBody>
-                  <a:tcPr/>
-                </a:tc>
-                <a:extLst>
-                  <a:ext uri="{0D108BD9-81ED-4DB2-BD59-A6C34878D82A}">
-                    <a16:rowId xmlns:a16="http://schemas.microsoft.com/office/drawing/2014/main" val="10001"/>
-                  </a:ext>
-                </a:extLst>
-              </a:tr>
-              <a:tr h="395499">
+              <a:tr h="445043">
                 <a:tc>
                   <a:txBody>
                     <a:bodyPr/>
@@ -6075,14 +9127,127 @@
                         <a:tabLst/>
                         <a:defRPr/>
                       </a:pPr>
+                      <a:r>
+                        <a:rPr lang="en-US" dirty="0"/>
+                        <a:t>Must start with a letter.</a:t>
+                      </a:r>
+                    </a:p>
+                  </a:txBody>
+                  <a:tcPr/>
+                </a:tc>
+                <a:extLst>
+                  <a:ext uri="{0D108BD9-81ED-4DB2-BD59-A6C34878D82A}">
+                    <a16:rowId xmlns:a16="http://schemas.microsoft.com/office/drawing/2014/main" val="2464691317"/>
+                  </a:ext>
+                </a:extLst>
+              </a:tr>
+              <a:tr h="445043">
+                <a:tc>
+                  <a:txBody>
+                    <a:bodyPr/>
+                    <a:lstStyle/>
+                    <a:p>
                       <a:endParaRPr lang="en-US" dirty="0"/>
                     </a:p>
                   </a:txBody>
                   <a:tcPr/>
                 </a:tc>
-                <a:extLst>
-                  <a:ext uri="{0D108BD9-81ED-4DB2-BD59-A6C34878D82A}">
-                    <a16:rowId xmlns:a16="http://schemas.microsoft.com/office/drawing/2014/main" val="10002"/>
+                <a:tc>
+                  <a:txBody>
+                    <a:bodyPr/>
+                    <a:lstStyle/>
+                    <a:p>
+                      <a:pPr marL="0" marR="0" indent="0" algn="l" defTabSz="914400" rtl="0" eaLnBrk="1" fontAlgn="auto" latinLnBrk="0" hangingPunct="1">
+                        <a:lnSpc>
+                          <a:spcPct val="100000"/>
+                        </a:lnSpc>
+                        <a:spcBef>
+                          <a:spcPts val="0"/>
+                        </a:spcBef>
+                        <a:spcAft>
+                          <a:spcPts val="0"/>
+                        </a:spcAft>
+                        <a:buClrTx/>
+                        <a:buSzTx/>
+                        <a:buFontTx/>
+                        <a:buNone/>
+                        <a:tabLst/>
+                        <a:defRPr/>
+                      </a:pPr>
+                      <a:r>
+                        <a:rPr lang="en-US" dirty="0"/>
+                        <a:t>Unique.</a:t>
+                      </a:r>
+                    </a:p>
+                  </a:txBody>
+                  <a:tcPr/>
+                </a:tc>
+                <a:extLst>
+                  <a:ext uri="{0D108BD9-81ED-4DB2-BD59-A6C34878D82A}">
+                    <a16:rowId xmlns:a16="http://schemas.microsoft.com/office/drawing/2014/main" val="3430740156"/>
+                  </a:ext>
+                </a:extLst>
+              </a:tr>
+              <a:tr h="0">
+                <a:tc>
+                  <a:txBody>
+                    <a:bodyPr/>
+                    <a:lstStyle/>
+                    <a:p>
+                      <a:r>
+                        <a:rPr lang="en-US" dirty="0"/>
+                        <a:t>Password</a:t>
+                      </a:r>
+                    </a:p>
+                  </a:txBody>
+                  <a:tcPr/>
+                </a:tc>
+                <a:tc>
+                  <a:txBody>
+                    <a:bodyPr/>
+                    <a:lstStyle/>
+                    <a:p>
+                      <a:r>
+                        <a:rPr lang="en-US" dirty="0"/>
+                        <a:t>Only alphanumeric characters and special characters.</a:t>
+                      </a:r>
+                    </a:p>
+                  </a:txBody>
+                  <a:tcPr/>
+                </a:tc>
+                <a:extLst>
+                  <a:ext uri="{0D108BD9-81ED-4DB2-BD59-A6C34878D82A}">
+                    <a16:rowId xmlns:a16="http://schemas.microsoft.com/office/drawing/2014/main" val="999800460"/>
+                  </a:ext>
+                </a:extLst>
+              </a:tr>
+              <a:tr h="291586">
+                <a:tc>
+                  <a:txBody>
+                    <a:bodyPr/>
+                    <a:lstStyle/>
+                    <a:p>
+                      <a:endParaRPr lang="en-US" dirty="0"/>
+                    </a:p>
+                  </a:txBody>
+                  <a:tcPr/>
+                </a:tc>
+                <a:tc>
+                  <a:txBody>
+                    <a:bodyPr/>
+                    <a:lstStyle/>
+                    <a:p>
+                      <a:r>
+                        <a:rPr lang="en-US" dirty="0"/>
+                        <a:t>Cannot be empty or null.</a:t>
+                      </a:r>
+                    </a:p>
+                  </a:txBody>
+                  <a:tcPr/>
+                </a:tc>
+                <a:extLst>
+                  <a:ext uri="{0D108BD9-81ED-4DB2-BD59-A6C34878D82A}">
+                    <a16:rowId xmlns:a16="http://schemas.microsoft.com/office/drawing/2014/main" val="809892742"/>
                   </a:ext>
                 </a:extLst>
               </a:tr>
@@ -6091,6 +9256,11 @@
         </a:graphic>
       </p:graphicFrame>
     </p:spTree>
+    <p:extLst>
+      <p:ext uri="{BB962C8B-B14F-4D97-AF65-F5344CB8AC3E}">
+        <p14:creationId xmlns:p14="http://schemas.microsoft.com/office/powerpoint/2010/main" val="882430711"/>
+      </p:ext>
+    </p:extLst>
   </p:cSld>
   <p:clrMapOvr>
     <a:masterClrMapping/>
@@ -6181,31 +9351,16 @@
           <a:bodyPr/>
           <a:lstStyle/>
           <a:p>
+            <a:pPr marL="0" indent="0">
+              <a:buNone/>
+            </a:pPr>
             <a:r>
               <a:rPr lang="en-US" dirty="0"/>
-              <a:t>3</a:t>
+              <a:t>Register form</a:t>
             </a:r>
           </a:p>
           <a:p>
             <a:endParaRPr lang="en-US" dirty="0"/>
-          </a:p>
-          <a:p>
-            <a:endParaRPr lang="en-US" dirty="0"/>
-          </a:p>
-          <a:p>
-            <a:endParaRPr lang="en-US" dirty="0"/>
-          </a:p>
-          <a:p>
-            <a:endParaRPr lang="en-US" dirty="0"/>
-          </a:p>
-          <a:p>
-            <a:endParaRPr lang="en-US" dirty="0"/>
-          </a:p>
-          <a:p>
-            <a:r>
-              <a:rPr lang="en-US" dirty="0"/>
-              <a:t>4</a:t>
-            </a:r>
           </a:p>
           <a:p>
             <a:endParaRPr lang="en-US" dirty="0"/>
@@ -6227,11 +9382,17 @@
           <p:cNvGraphicFramePr>
             <a:graphicFrameLocks noGrp="1"/>
           </p:cNvGraphicFramePr>
-          <p:nvPr/>
+          <p:nvPr>
+            <p:extLst>
+              <p:ext uri="{D42A27DB-BD31-4B8C-83A1-F6EECF244321}">
+                <p14:modId xmlns:p14="http://schemas.microsoft.com/office/powerpoint/2010/main" val="3120478466"/>
+              </p:ext>
+            </p:extLst>
+          </p:nvPr>
         </p:nvGraphicFramePr>
         <p:xfrm>
-          <a:off x="3356149" y="1892300"/>
-          <a:ext cx="5425901" cy="1483360"/>
+          <a:off x="3356149" y="1892299"/>
+          <a:ext cx="5440121" cy="4011203"/>
         </p:xfrm>
         <a:graphic>
           <a:graphicData uri="http://schemas.openxmlformats.org/drawingml/2006/table">
@@ -6240,14 +9401,14 @@
                 <a:tableStyleId>{5C22544A-7EE6-4342-B048-85BDC9FD1C3A}</a:tableStyleId>
               </a:tblPr>
               <a:tblGrid>
-                <a:gridCol w="2732012">
+                <a:gridCol w="2739172">
                   <a:extLst>
                     <a:ext uri="{9D8B030D-6E8A-4147-A177-3AD203B41FA5}">
                       <a16:colId xmlns:a16="http://schemas.microsoft.com/office/drawing/2014/main" val="20000"/>
                     </a:ext>
                   </a:extLst>
                 </a:gridCol>
-                <a:gridCol w="2693889">
+                <a:gridCol w="2700949">
                   <a:extLst>
                     <a:ext uri="{9D8B030D-6E8A-4147-A177-3AD203B41FA5}">
                       <a16:colId xmlns:a16="http://schemas.microsoft.com/office/drawing/2014/main" val="20001"/>
@@ -6255,7 +9416,7 @@
                   </a:extLst>
                 </a:gridCol>
               </a:tblGrid>
-              <a:tr h="370840">
+              <a:tr h="445043">
                 <a:tc>
                   <a:txBody>
                     <a:bodyPr/>
@@ -6288,7 +9449,57 @@
                   </a:ext>
                 </a:extLst>
               </a:tr>
-              <a:tr h="370840">
+              <a:tr h="0">
+                <a:tc>
+                  <a:txBody>
+                    <a:bodyPr/>
+                    <a:lstStyle/>
+                    <a:p>
+                      <a:r>
+                        <a:rPr lang="en-US" dirty="0"/>
+                        <a:t>UTA ID</a:t>
+                      </a:r>
+                    </a:p>
+                  </a:txBody>
+                  <a:tcPr/>
+                </a:tc>
+                <a:tc>
+                  <a:txBody>
+                    <a:bodyPr/>
+                    <a:lstStyle/>
+                    <a:p>
+                      <a:pPr marL="0" marR="0" indent="0" algn="l" defTabSz="914400" rtl="0" eaLnBrk="1" fontAlgn="auto" latinLnBrk="0" hangingPunct="1">
+                        <a:lnSpc>
+                          <a:spcPct val="100000"/>
+                        </a:lnSpc>
+                        <a:spcBef>
+                          <a:spcPts val="0"/>
+                        </a:spcBef>
+                        <a:spcAft>
+                          <a:spcPts val="0"/>
+                        </a:spcAft>
+                        <a:buClrTx/>
+                        <a:buSzTx/>
+                        <a:buFontTx/>
+                        <a:buNone/>
+                        <a:tabLst/>
+                        <a:defRPr/>
+                      </a:pPr>
+                      <a:r>
+                        <a:rPr lang="en-US" dirty="0"/>
+                        <a:t>Cannot be null or empty.</a:t>
+                      </a:r>
+                    </a:p>
+                  </a:txBody>
+                  <a:tcPr/>
+                </a:tc>
+                <a:extLst>
+                  <a:ext uri="{0D108BD9-81ED-4DB2-BD59-A6C34878D82A}">
+                    <a16:rowId xmlns:a16="http://schemas.microsoft.com/office/drawing/2014/main" val="370164629"/>
+                  </a:ext>
+                </a:extLst>
+              </a:tr>
+              <a:tr h="313509">
                 <a:tc>
                   <a:txBody>
                     <a:bodyPr/>
@@ -6304,59 +9515,28 @@
                     <a:bodyPr/>
                     <a:lstStyle/>
                     <a:p>
-                      <a:endParaRPr lang="en-US" dirty="0"/>
-                    </a:p>
-                  </a:txBody>
-                  <a:tcPr/>
-                </a:tc>
-                <a:extLst>
-                  <a:ext uri="{0D108BD9-81ED-4DB2-BD59-A6C34878D82A}">
-                    <a16:rowId xmlns:a16="http://schemas.microsoft.com/office/drawing/2014/main" val="10001"/>
-                  </a:ext>
-                </a:extLst>
-              </a:tr>
-              <a:tr h="370840">
-                <a:tc>
-                  <a:txBody>
-                    <a:bodyPr/>
-                    <a:lstStyle/>
-                    <a:p>
-                      <a:endParaRPr lang="en-US" dirty="0"/>
-                    </a:p>
-                  </a:txBody>
-                  <a:tcPr/>
-                </a:tc>
-                <a:tc>
-                  <a:txBody>
-                    <a:bodyPr/>
-                    <a:lstStyle/>
-                    <a:p>
-                      <a:endParaRPr lang="en-US" dirty="0"/>
-                    </a:p>
-                  </a:txBody>
-                  <a:tcPr/>
-                </a:tc>
-                <a:extLst>
-                  <a:ext uri="{0D108BD9-81ED-4DB2-BD59-A6C34878D82A}">
-                    <a16:rowId xmlns:a16="http://schemas.microsoft.com/office/drawing/2014/main" val="10002"/>
-                  </a:ext>
-                </a:extLst>
-              </a:tr>
-              <a:tr h="370840">
-                <a:tc>
-                  <a:txBody>
-                    <a:bodyPr/>
-                    <a:lstStyle/>
-                    <a:p>
-                      <a:endParaRPr lang="en-US" dirty="0"/>
-                    </a:p>
-                  </a:txBody>
-                  <a:tcPr/>
-                </a:tc>
-                <a:tc>
-                  <a:txBody>
-                    <a:bodyPr/>
-                    <a:lstStyle/>
+                      <a:pPr marL="0" marR="0" lvl="0" indent="0" algn="l" defTabSz="914400" rtl="0" eaLnBrk="1" fontAlgn="auto" latinLnBrk="0" hangingPunct="1">
+                        <a:lnSpc>
+                          <a:spcPct val="100000"/>
+                        </a:lnSpc>
+                        <a:spcBef>
+                          <a:spcPts val="0"/>
+                        </a:spcBef>
+                        <a:spcAft>
+                          <a:spcPts val="0"/>
+                        </a:spcAft>
+                        <a:buClrTx/>
+                        <a:buSzTx/>
+                        <a:buFontTx/>
+                        <a:buNone/>
+                        <a:tabLst/>
+                        <a:defRPr/>
+                      </a:pPr>
+                      <a:r>
+                        <a:rPr lang="en-US" dirty="0"/>
+                        <a:t>Exactly 10 digits.</a:t>
+                      </a:r>
+                    </a:p>
                     <a:p>
                       <a:pPr marL="0" marR="0" indent="0" algn="l" defTabSz="914400" rtl="0" eaLnBrk="1" fontAlgn="auto" latinLnBrk="0" hangingPunct="1">
                         <a:lnSpc>
@@ -6382,115 +9562,20 @@
                 </a:tc>
                 <a:extLst>
                   <a:ext uri="{0D108BD9-81ED-4DB2-BD59-A6C34878D82A}">
-                    <a16:rowId xmlns:a16="http://schemas.microsoft.com/office/drawing/2014/main" val="10003"/>
-                  </a:ext>
-                </a:extLst>
-              </a:tr>
-            </a:tbl>
-          </a:graphicData>
-        </a:graphic>
-      </p:graphicFrame>
-      <p:graphicFrame>
-        <p:nvGraphicFramePr>
-          <p:cNvPr id="6" name="Table 5"/>
-          <p:cNvGraphicFramePr>
-            <a:graphicFrameLocks noGrp="1"/>
-          </p:cNvGraphicFramePr>
-          <p:nvPr/>
-        </p:nvGraphicFramePr>
-        <p:xfrm>
-          <a:off x="3356150" y="3942397"/>
-          <a:ext cx="5454476" cy="1186497"/>
-        </p:xfrm>
-        <a:graphic>
-          <a:graphicData uri="http://schemas.openxmlformats.org/drawingml/2006/table">
-            <a:tbl>
-              <a:tblPr firstRow="1" bandRow="1">
-                <a:tableStyleId>{5C22544A-7EE6-4342-B048-85BDC9FD1C3A}</a:tableStyleId>
-              </a:tblPr>
-              <a:tblGrid>
-                <a:gridCol w="2220408">
-                  <a:extLst>
-                    <a:ext uri="{9D8B030D-6E8A-4147-A177-3AD203B41FA5}">
-                      <a16:colId xmlns:a16="http://schemas.microsoft.com/office/drawing/2014/main" val="20000"/>
-                    </a:ext>
-                  </a:extLst>
-                </a:gridCol>
-                <a:gridCol w="3234068">
-                  <a:extLst>
-                    <a:ext uri="{9D8B030D-6E8A-4147-A177-3AD203B41FA5}">
-                      <a16:colId xmlns:a16="http://schemas.microsoft.com/office/drawing/2014/main" val="20001"/>
-                    </a:ext>
-                  </a:extLst>
-                </a:gridCol>
-              </a:tblGrid>
-              <a:tr h="395499">
-                <a:tc>
-                  <a:txBody>
-                    <a:bodyPr/>
-                    <a:lstStyle/>
-                    <a:p>
-                      <a:r>
-                        <a:rPr lang="en-US" dirty="0"/>
-                        <a:t>Attribute</a:t>
-                      </a:r>
-                    </a:p>
-                  </a:txBody>
-                  <a:tcPr/>
-                </a:tc>
-                <a:tc>
-                  <a:txBody>
-                    <a:bodyPr/>
-                    <a:lstStyle/>
-                    <a:p>
-                      <a:r>
-                        <a:rPr lang="en-US" dirty="0"/>
-                        <a:t>Validations</a:t>
-                      </a:r>
-                    </a:p>
-                  </a:txBody>
-                  <a:tcPr/>
-                </a:tc>
-                <a:extLst>
-                  <a:ext uri="{0D108BD9-81ED-4DB2-BD59-A6C34878D82A}">
-                    <a16:rowId xmlns:a16="http://schemas.microsoft.com/office/drawing/2014/main" val="10000"/>
-                  </a:ext>
-                </a:extLst>
-              </a:tr>
-              <a:tr h="395499">
-                <a:tc>
-                  <a:txBody>
-                    <a:bodyPr/>
-                    <a:lstStyle/>
-                    <a:p>
-                      <a:endParaRPr lang="en-US" dirty="0"/>
-                    </a:p>
-                  </a:txBody>
-                  <a:tcPr/>
-                </a:tc>
-                <a:tc>
-                  <a:txBody>
-                    <a:bodyPr/>
-                    <a:lstStyle/>
-                    <a:p>
-                      <a:endParaRPr lang="en-US" dirty="0"/>
-                    </a:p>
-                  </a:txBody>
-                  <a:tcPr/>
-                </a:tc>
-                <a:extLst>
-                  <a:ext uri="{0D108BD9-81ED-4DB2-BD59-A6C34878D82A}">
-                    <a16:rowId xmlns:a16="http://schemas.microsoft.com/office/drawing/2014/main" val="10001"/>
-                  </a:ext>
-                </a:extLst>
-              </a:tr>
-              <a:tr h="395499">
-                <a:tc>
-                  <a:txBody>
-                    <a:bodyPr/>
-                    <a:lstStyle/>
-                    <a:p>
-                      <a:endParaRPr lang="en-US" dirty="0"/>
+                    <a16:rowId xmlns:a16="http://schemas.microsoft.com/office/drawing/2014/main" val="1895805089"/>
+                  </a:ext>
+                </a:extLst>
+              </a:tr>
+              <a:tr h="261257">
+                <a:tc>
+                  <a:txBody>
+                    <a:bodyPr/>
+                    <a:lstStyle/>
+                    <a:p>
+                      <a:r>
+                        <a:rPr lang="en-US" dirty="0"/>
+                        <a:t>Phone</a:t>
+                      </a:r>
                     </a:p>
                   </a:txBody>
                   <a:tcPr/>
@@ -6517,14 +9602,310 @@
                         <a:tabLst/>
                         <a:defRPr/>
                       </a:pPr>
+                      <a:r>
+                        <a:rPr lang="en-US" dirty="0"/>
+                        <a:t>Cannot be null or empty.</a:t>
+                      </a:r>
+                    </a:p>
+                  </a:txBody>
+                  <a:tcPr/>
+                </a:tc>
+                <a:extLst>
+                  <a:ext uri="{0D108BD9-81ED-4DB2-BD59-A6C34878D82A}">
+                    <a16:rowId xmlns:a16="http://schemas.microsoft.com/office/drawing/2014/main" val="471939940"/>
+                  </a:ext>
+                </a:extLst>
+              </a:tr>
+              <a:tr h="209006">
+                <a:tc>
+                  <a:txBody>
+                    <a:bodyPr/>
+                    <a:lstStyle/>
+                    <a:p>
                       <a:endParaRPr lang="en-US" dirty="0"/>
                     </a:p>
                   </a:txBody>
                   <a:tcPr/>
                 </a:tc>
-                <a:extLst>
-                  <a:ext uri="{0D108BD9-81ED-4DB2-BD59-A6C34878D82A}">
-                    <a16:rowId xmlns:a16="http://schemas.microsoft.com/office/drawing/2014/main" val="10002"/>
+                <a:tc>
+                  <a:txBody>
+                    <a:bodyPr/>
+                    <a:lstStyle/>
+                    <a:p>
+                      <a:pPr marL="0" marR="0" lvl="0" indent="0" algn="l" defTabSz="914400" rtl="0" eaLnBrk="1" fontAlgn="auto" latinLnBrk="0" hangingPunct="1">
+                        <a:lnSpc>
+                          <a:spcPct val="100000"/>
+                        </a:lnSpc>
+                        <a:spcBef>
+                          <a:spcPts val="0"/>
+                        </a:spcBef>
+                        <a:spcAft>
+                          <a:spcPts val="0"/>
+                        </a:spcAft>
+                        <a:buClrTx/>
+                        <a:buSzTx/>
+                        <a:buFontTx/>
+                        <a:buNone/>
+                        <a:tabLst/>
+                        <a:defRPr/>
+                      </a:pPr>
+                      <a:r>
+                        <a:rPr lang="en-US" dirty="0"/>
+                        <a:t>Exactly 10 digits.</a:t>
+                      </a:r>
+                    </a:p>
+                  </a:txBody>
+                  <a:tcPr/>
+                </a:tc>
+                <a:extLst>
+                  <a:ext uri="{0D108BD9-81ED-4DB2-BD59-A6C34878D82A}">
+                    <a16:rowId xmlns:a16="http://schemas.microsoft.com/office/drawing/2014/main" val="2138957433"/>
+                  </a:ext>
+                </a:extLst>
+              </a:tr>
+              <a:tr h="156754">
+                <a:tc>
+                  <a:txBody>
+                    <a:bodyPr/>
+                    <a:lstStyle/>
+                    <a:p>
+                      <a:r>
+                        <a:rPr lang="en-US" dirty="0"/>
+                        <a:t>Email</a:t>
+                      </a:r>
+                    </a:p>
+                  </a:txBody>
+                  <a:tcPr/>
+                </a:tc>
+                <a:tc>
+                  <a:txBody>
+                    <a:bodyPr/>
+                    <a:lstStyle/>
+                    <a:p>
+                      <a:pPr marL="0" marR="0" indent="0" algn="l" defTabSz="914400" rtl="0" eaLnBrk="1" fontAlgn="auto" latinLnBrk="0" hangingPunct="1">
+                        <a:lnSpc>
+                          <a:spcPct val="100000"/>
+                        </a:lnSpc>
+                        <a:spcBef>
+                          <a:spcPts val="0"/>
+                        </a:spcBef>
+                        <a:spcAft>
+                          <a:spcPts val="0"/>
+                        </a:spcAft>
+                        <a:buClrTx/>
+                        <a:buSzTx/>
+                        <a:buFontTx/>
+                        <a:buNone/>
+                        <a:tabLst/>
+                        <a:defRPr/>
+                      </a:pPr>
+                      <a:r>
+                        <a:rPr lang="en-US" dirty="0"/>
+                        <a:t>Cannot be null or empty.</a:t>
+                      </a:r>
+                    </a:p>
+                  </a:txBody>
+                  <a:tcPr/>
+                </a:tc>
+                <a:extLst>
+                  <a:ext uri="{0D108BD9-81ED-4DB2-BD59-A6C34878D82A}">
+                    <a16:rowId xmlns:a16="http://schemas.microsoft.com/office/drawing/2014/main" val="279878603"/>
+                  </a:ext>
+                </a:extLst>
+              </a:tr>
+              <a:tr h="0">
+                <a:tc>
+                  <a:txBody>
+                    <a:bodyPr/>
+                    <a:lstStyle/>
+                    <a:p>
+                      <a:endParaRPr lang="en-US" dirty="0"/>
+                    </a:p>
+                  </a:txBody>
+                  <a:tcPr/>
+                </a:tc>
+                <a:tc>
+                  <a:txBody>
+                    <a:bodyPr/>
+                    <a:lstStyle/>
+                    <a:p>
+                      <a:pPr marL="0" marR="0" indent="0" algn="l" defTabSz="914400" rtl="0" eaLnBrk="1" fontAlgn="auto" latinLnBrk="0" hangingPunct="1">
+                        <a:lnSpc>
+                          <a:spcPct val="100000"/>
+                        </a:lnSpc>
+                        <a:spcBef>
+                          <a:spcPts val="0"/>
+                        </a:spcBef>
+                        <a:spcAft>
+                          <a:spcPts val="0"/>
+                        </a:spcAft>
+                        <a:buClrTx/>
+                        <a:buSzTx/>
+                        <a:buFontTx/>
+                        <a:buNone/>
+                        <a:tabLst/>
+                        <a:defRPr/>
+                      </a:pPr>
+                      <a:r>
+                        <a:rPr lang="en-US" dirty="0"/>
+                        <a:t>Contains a @</a:t>
+                      </a:r>
+                    </a:p>
+                  </a:txBody>
+                  <a:tcPr/>
+                </a:tc>
+                <a:extLst>
+                  <a:ext uri="{0D108BD9-81ED-4DB2-BD59-A6C34878D82A}">
+                    <a16:rowId xmlns:a16="http://schemas.microsoft.com/office/drawing/2014/main" val="305309200"/>
+                  </a:ext>
+                </a:extLst>
+              </a:tr>
+              <a:tr h="0">
+                <a:tc>
+                  <a:txBody>
+                    <a:bodyPr/>
+                    <a:lstStyle/>
+                    <a:p>
+                      <a:endParaRPr lang="en-US" dirty="0"/>
+                    </a:p>
+                  </a:txBody>
+                  <a:tcPr/>
+                </a:tc>
+                <a:tc>
+                  <a:txBody>
+                    <a:bodyPr/>
+                    <a:lstStyle/>
+                    <a:p>
+                      <a:pPr marL="0" marR="0" indent="0" algn="l" defTabSz="914400" rtl="0" eaLnBrk="1" fontAlgn="auto" latinLnBrk="0" hangingPunct="1">
+                        <a:lnSpc>
+                          <a:spcPct val="100000"/>
+                        </a:lnSpc>
+                        <a:spcBef>
+                          <a:spcPts val="0"/>
+                        </a:spcBef>
+                        <a:spcAft>
+                          <a:spcPts val="0"/>
+                        </a:spcAft>
+                        <a:buClrTx/>
+                        <a:buSzTx/>
+                        <a:buFontTx/>
+                        <a:buNone/>
+                        <a:tabLst/>
+                        <a:defRPr/>
+                      </a:pPr>
+                      <a:r>
+                        <a:rPr lang="en-US" dirty="0"/>
+                        <a:t>Valid .</a:t>
+                      </a:r>
+                      <a:r>
+                        <a:rPr lang="en-US" dirty="0" err="1"/>
+                        <a:t>edu</a:t>
+                      </a:r>
+                      <a:r>
+                        <a:rPr lang="en-US" dirty="0"/>
+                        <a:t> extension only</a:t>
+                      </a:r>
+                    </a:p>
+                  </a:txBody>
+                  <a:tcPr/>
+                </a:tc>
+                <a:extLst>
+                  <a:ext uri="{0D108BD9-81ED-4DB2-BD59-A6C34878D82A}">
+                    <a16:rowId xmlns:a16="http://schemas.microsoft.com/office/drawing/2014/main" val="3676017346"/>
+                  </a:ext>
+                </a:extLst>
+              </a:tr>
+              <a:tr h="0">
+                <a:tc>
+                  <a:txBody>
+                    <a:bodyPr/>
+                    <a:lstStyle/>
+                    <a:p>
+                      <a:endParaRPr lang="en-US" dirty="0"/>
+                    </a:p>
+                  </a:txBody>
+                  <a:tcPr/>
+                </a:tc>
+                <a:tc>
+                  <a:txBody>
+                    <a:bodyPr/>
+                    <a:lstStyle/>
+                    <a:p>
+                      <a:pPr marL="0" marR="0" indent="0" algn="l" defTabSz="914400" rtl="0" eaLnBrk="1" fontAlgn="auto" latinLnBrk="0" hangingPunct="1">
+                        <a:lnSpc>
+                          <a:spcPct val="100000"/>
+                        </a:lnSpc>
+                        <a:spcBef>
+                          <a:spcPts val="0"/>
+                        </a:spcBef>
+                        <a:spcAft>
+                          <a:spcPts val="0"/>
+                        </a:spcAft>
+                        <a:buClrTx/>
+                        <a:buSzTx/>
+                        <a:buFontTx/>
+                        <a:buNone/>
+                        <a:tabLst/>
+                        <a:defRPr/>
+                      </a:pPr>
+                      <a:r>
+                        <a:rPr lang="en-US" dirty="0"/>
+                        <a:t>7 &lt;= size &lt;= 45</a:t>
+                      </a:r>
+                    </a:p>
+                  </a:txBody>
+                  <a:tcPr/>
+                </a:tc>
+                <a:extLst>
+                  <a:ext uri="{0D108BD9-81ED-4DB2-BD59-A6C34878D82A}">
+                    <a16:rowId xmlns:a16="http://schemas.microsoft.com/office/drawing/2014/main" val="259680406"/>
+                  </a:ext>
+                </a:extLst>
+              </a:tr>
+              <a:tr h="0">
+                <a:tc>
+                  <a:txBody>
+                    <a:bodyPr/>
+                    <a:lstStyle/>
+                    <a:p>
+                      <a:endParaRPr lang="en-US" dirty="0"/>
+                    </a:p>
+                  </a:txBody>
+                  <a:tcPr/>
+                </a:tc>
+                <a:tc>
+                  <a:txBody>
+                    <a:bodyPr/>
+                    <a:lstStyle/>
+                    <a:p>
+                      <a:pPr marL="0" marR="0" indent="0" algn="l" defTabSz="914400" rtl="0" eaLnBrk="1" fontAlgn="auto" latinLnBrk="0" hangingPunct="1">
+                        <a:lnSpc>
+                          <a:spcPct val="100000"/>
+                        </a:lnSpc>
+                        <a:spcBef>
+                          <a:spcPts val="0"/>
+                        </a:spcBef>
+                        <a:spcAft>
+                          <a:spcPts val="0"/>
+                        </a:spcAft>
+                        <a:buClrTx/>
+                        <a:buSzTx/>
+                        <a:buFontTx/>
+                        <a:buNone/>
+                        <a:tabLst/>
+                        <a:defRPr/>
+                      </a:pPr>
+                      <a:r>
+                        <a:rPr lang="en-US" dirty="0"/>
+                        <a:t>Alphanumeric and . </a:t>
+                      </a:r>
+                    </a:p>
+                  </a:txBody>
+                  <a:tcPr/>
+                </a:tc>
+                <a:extLst>
+                  <a:ext uri="{0D108BD9-81ED-4DB2-BD59-A6C34878D82A}">
+                    <a16:rowId xmlns:a16="http://schemas.microsoft.com/office/drawing/2014/main" val="2449938991"/>
                   </a:ext>
                 </a:extLst>
               </a:tr>
@@ -6535,7 +9916,7 @@
     </p:spTree>
     <p:extLst>
       <p:ext uri="{BB962C8B-B14F-4D97-AF65-F5344CB8AC3E}">
-        <p14:creationId xmlns:p14="http://schemas.microsoft.com/office/powerpoint/2010/main" val="2504662873"/>
+        <p14:creationId xmlns:p14="http://schemas.microsoft.com/office/powerpoint/2010/main" val="2682155944"/>
       </p:ext>
     </p:extLst>
   </p:cSld>
@@ -6564,13 +9945,7 @@
       </p:grpSpPr>
       <p:sp>
         <p:nvSpPr>
-          <p:cNvPr id="2" name="Title 1">
-            <a:extLst>
-              <a:ext uri="{FF2B5EF4-FFF2-40B4-BE49-F238E27FC236}">
-                <a16:creationId xmlns:a16="http://schemas.microsoft.com/office/drawing/2014/main" id="{8540DFD7-609F-D04C-8826-6A25F472F2E4}"/>
-              </a:ext>
-            </a:extLst>
-          </p:cNvPr>
+          <p:cNvPr id="3" name="Title 2"/>
           <p:cNvSpPr>
             <a:spLocks noGrp="1"/>
           </p:cNvSpPr>
@@ -6583,19 +9958,16 @@
           <a:bodyPr/>
           <a:lstStyle/>
           <a:p>
-            <a:endParaRPr lang="en-US"/>
+            <a:r>
+              <a:rPr lang="en-US" dirty="0"/>
+              <a:t>Validation Checks (cont.)</a:t>
+            </a:r>
           </a:p>
         </p:txBody>
       </p:sp>
       <p:sp>
         <p:nvSpPr>
-          <p:cNvPr id="3" name="Slide Number Placeholder 2">
-            <a:extLst>
-              <a:ext uri="{FF2B5EF4-FFF2-40B4-BE49-F238E27FC236}">
-                <a16:creationId xmlns:a16="http://schemas.microsoft.com/office/drawing/2014/main" id="{A1566CD8-42F2-2740-8F96-5FF19A207074}"/>
-              </a:ext>
-            </a:extLst>
-          </p:cNvPr>
+          <p:cNvPr id="2" name="Slide Number Placeholder 1"/>
           <p:cNvSpPr>
             <a:spLocks noGrp="1"/>
           </p:cNvSpPr>
@@ -6611,7 +9983,7 @@
             <a:pPr>
               <a:defRPr/>
             </a:pPr>
-            <a:fld id="{CDFDD46A-28F1-4B24-AB69-FC42A6E40E8D}" type="slidenum">
+            <a:fld id="{7172B2E8-CBA5-4D0C-A017-9480F9E0BA9D}" type="slidenum">
               <a:rPr lang="en-US" smtClean="0"/>
               <a:pPr>
                 <a:defRPr/>
@@ -6624,13 +9996,7 @@
       </p:sp>
       <p:sp>
         <p:nvSpPr>
-          <p:cNvPr id="4" name="Text Placeholder 3">
-            <a:extLst>
-              <a:ext uri="{FF2B5EF4-FFF2-40B4-BE49-F238E27FC236}">
-                <a16:creationId xmlns:a16="http://schemas.microsoft.com/office/drawing/2014/main" id="{12B9D57E-B10E-DF4C-B2B4-6B645E8B678F}"/>
-              </a:ext>
-            </a:extLst>
-          </p:cNvPr>
+          <p:cNvPr id="4" name="Text Placeholder 3"/>
           <p:cNvSpPr>
             <a:spLocks noGrp="1"/>
           </p:cNvSpPr>
@@ -6643,14 +10009,282 @@
           <a:bodyPr/>
           <a:lstStyle/>
           <a:p>
-            <a:endParaRPr lang="en-US"/>
+            <a:endParaRPr lang="en-US" dirty="0"/>
+          </a:p>
+          <a:p>
+            <a:endParaRPr lang="en-US" dirty="0"/>
+          </a:p>
+          <a:p>
+            <a:endParaRPr lang="en-US" dirty="0"/>
+          </a:p>
+          <a:p>
+            <a:endParaRPr lang="en-US" dirty="0"/>
+          </a:p>
+          <a:p>
+            <a:endParaRPr lang="en-US" dirty="0"/>
+          </a:p>
+        </p:txBody>
+      </p:sp>
+      <p:graphicFrame>
+        <p:nvGraphicFramePr>
+          <p:cNvPr id="5" name="Table 4"/>
+          <p:cNvGraphicFramePr>
+            <a:graphicFrameLocks noGrp="1"/>
+          </p:cNvGraphicFramePr>
+          <p:nvPr>
+            <p:extLst>
+              <p:ext uri="{D42A27DB-BD31-4B8C-83A1-F6EECF244321}">
+                <p14:modId xmlns:p14="http://schemas.microsoft.com/office/powerpoint/2010/main" val="2422709013"/>
+              </p:ext>
+            </p:extLst>
+          </p:nvPr>
+        </p:nvGraphicFramePr>
+        <p:xfrm>
+          <a:off x="2588654" y="1892299"/>
+          <a:ext cx="6207616" cy="2090963"/>
+        </p:xfrm>
+        <a:graphic>
+          <a:graphicData uri="http://schemas.openxmlformats.org/drawingml/2006/table">
+            <a:tbl>
+              <a:tblPr firstRow="1" bandRow="1">
+                <a:tableStyleId>{5C22544A-7EE6-4342-B048-85BDC9FD1C3A}</a:tableStyleId>
+              </a:tblPr>
+              <a:tblGrid>
+                <a:gridCol w="3506667">
+                  <a:extLst>
+                    <a:ext uri="{9D8B030D-6E8A-4147-A177-3AD203B41FA5}">
+                      <a16:colId xmlns:a16="http://schemas.microsoft.com/office/drawing/2014/main" val="20000"/>
+                    </a:ext>
+                  </a:extLst>
+                </a:gridCol>
+                <a:gridCol w="2700949">
+                  <a:extLst>
+                    <a:ext uri="{9D8B030D-6E8A-4147-A177-3AD203B41FA5}">
+                      <a16:colId xmlns:a16="http://schemas.microsoft.com/office/drawing/2014/main" val="20001"/>
+                    </a:ext>
+                  </a:extLst>
+                </a:gridCol>
+              </a:tblGrid>
+              <a:tr h="445043">
+                <a:tc>
+                  <a:txBody>
+                    <a:bodyPr/>
+                    <a:lstStyle/>
+                    <a:p>
+                      <a:r>
+                        <a:rPr lang="en-US" dirty="0"/>
+                        <a:t>Attribute</a:t>
+                      </a:r>
+                    </a:p>
+                  </a:txBody>
+                  <a:tcPr/>
+                </a:tc>
+                <a:tc>
+                  <a:txBody>
+                    <a:bodyPr/>
+                    <a:lstStyle/>
+                    <a:p>
+                      <a:r>
+                        <a:rPr lang="en-US" dirty="0"/>
+                        <a:t>Validations</a:t>
+                      </a:r>
+                    </a:p>
+                  </a:txBody>
+                  <a:tcPr/>
+                </a:tc>
+                <a:extLst>
+                  <a:ext uri="{0D108BD9-81ED-4DB2-BD59-A6C34878D82A}">
+                    <a16:rowId xmlns:a16="http://schemas.microsoft.com/office/drawing/2014/main" val="10000"/>
+                  </a:ext>
+                </a:extLst>
+              </a:tr>
+              <a:tr h="0">
+                <a:tc>
+                  <a:txBody>
+                    <a:bodyPr/>
+                    <a:lstStyle/>
+                    <a:p>
+                      <a:r>
+                        <a:rPr lang="en-US" dirty="0"/>
+                        <a:t>License plate number</a:t>
+                      </a:r>
+                    </a:p>
+                  </a:txBody>
+                  <a:tcPr/>
+                </a:tc>
+                <a:tc>
+                  <a:txBody>
+                    <a:bodyPr/>
+                    <a:lstStyle/>
+                    <a:p>
+                      <a:pPr marL="0" marR="0" indent="0" algn="l" defTabSz="914400" rtl="0" eaLnBrk="1" fontAlgn="auto" latinLnBrk="0" hangingPunct="1">
+                        <a:lnSpc>
+                          <a:spcPct val="100000"/>
+                        </a:lnSpc>
+                        <a:spcBef>
+                          <a:spcPts val="0"/>
+                        </a:spcBef>
+                        <a:spcAft>
+                          <a:spcPts val="0"/>
+                        </a:spcAft>
+                        <a:buClrTx/>
+                        <a:buSzTx/>
+                        <a:buFontTx/>
+                        <a:buNone/>
+                        <a:tabLst/>
+                        <a:defRPr/>
+                      </a:pPr>
+                      <a:r>
+                        <a:rPr lang="en-US" dirty="0"/>
+                        <a:t>Cannot be null or empty.</a:t>
+                      </a:r>
+                    </a:p>
+                  </a:txBody>
+                  <a:tcPr/>
+                </a:tc>
+                <a:extLst>
+                  <a:ext uri="{0D108BD9-81ED-4DB2-BD59-A6C34878D82A}">
+                    <a16:rowId xmlns:a16="http://schemas.microsoft.com/office/drawing/2014/main" val="370164629"/>
+                  </a:ext>
+                </a:extLst>
+              </a:tr>
+              <a:tr h="313509">
+                <a:tc>
+                  <a:txBody>
+                    <a:bodyPr/>
+                    <a:lstStyle/>
+                    <a:p>
+                      <a:endParaRPr lang="en-US" dirty="0"/>
+                    </a:p>
+                  </a:txBody>
+                  <a:tcPr/>
+                </a:tc>
+                <a:tc>
+                  <a:txBody>
+                    <a:bodyPr/>
+                    <a:lstStyle/>
+                    <a:p>
+                      <a:pPr marL="0" marR="0" indent="0" algn="l" defTabSz="914400" rtl="0" eaLnBrk="1" fontAlgn="auto" latinLnBrk="0" hangingPunct="1">
+                        <a:lnSpc>
+                          <a:spcPct val="100000"/>
+                        </a:lnSpc>
+                        <a:spcBef>
+                          <a:spcPts val="0"/>
+                        </a:spcBef>
+                        <a:spcAft>
+                          <a:spcPts val="0"/>
+                        </a:spcAft>
+                        <a:buClrTx/>
+                        <a:buSzTx/>
+                        <a:buFontTx/>
+                        <a:buNone/>
+                        <a:tabLst/>
+                        <a:defRPr/>
+                      </a:pPr>
+                      <a:r>
+                        <a:rPr lang="en-US" dirty="0"/>
+                        <a:t>Format is : AAANNNN. A for letter and N for number.</a:t>
+                      </a:r>
+                    </a:p>
+                  </a:txBody>
+                  <a:tcPr/>
+                </a:tc>
+                <a:extLst>
+                  <a:ext uri="{0D108BD9-81ED-4DB2-BD59-A6C34878D82A}">
+                    <a16:rowId xmlns:a16="http://schemas.microsoft.com/office/drawing/2014/main" val="1895805089"/>
+                  </a:ext>
+                </a:extLst>
+              </a:tr>
+              <a:tr h="261257">
+                <a:tc>
+                  <a:txBody>
+                    <a:bodyPr/>
+                    <a:lstStyle/>
+                    <a:p>
+                      <a:endParaRPr lang="en-US" dirty="0"/>
+                    </a:p>
+                  </a:txBody>
+                  <a:tcPr/>
+                </a:tc>
+                <a:tc>
+                  <a:txBody>
+                    <a:bodyPr/>
+                    <a:lstStyle/>
+                    <a:p>
+                      <a:pPr marL="0" marR="0" indent="0" algn="l" defTabSz="914400" rtl="0" eaLnBrk="1" fontAlgn="auto" latinLnBrk="0" hangingPunct="1">
+                        <a:lnSpc>
+                          <a:spcPct val="100000"/>
+                        </a:lnSpc>
+                        <a:spcBef>
+                          <a:spcPts val="0"/>
+                        </a:spcBef>
+                        <a:spcAft>
+                          <a:spcPts val="0"/>
+                        </a:spcAft>
+                        <a:buClrTx/>
+                        <a:buSzTx/>
+                        <a:buFontTx/>
+                        <a:buNone/>
+                        <a:tabLst/>
+                        <a:defRPr/>
+                      </a:pPr>
+                      <a:r>
+                        <a:rPr lang="en-US" dirty="0"/>
+                        <a:t>Only alphanumeric.</a:t>
+                      </a:r>
+                    </a:p>
+                  </a:txBody>
+                  <a:tcPr/>
+                </a:tc>
+                <a:extLst>
+                  <a:ext uri="{0D108BD9-81ED-4DB2-BD59-A6C34878D82A}">
+                    <a16:rowId xmlns:a16="http://schemas.microsoft.com/office/drawing/2014/main" val="471939940"/>
+                  </a:ext>
+                </a:extLst>
+              </a:tr>
+            </a:tbl>
+          </a:graphicData>
+        </a:graphic>
+      </p:graphicFrame>
+      <p:sp>
+        <p:nvSpPr>
+          <p:cNvPr id="8" name="TextBox 7">
+            <a:extLst>
+              <a:ext uri="{FF2B5EF4-FFF2-40B4-BE49-F238E27FC236}">
+                <a16:creationId xmlns:a16="http://schemas.microsoft.com/office/drawing/2014/main" id="{77BD5135-46F5-BD4A-86EE-B9A2590DF89E}"/>
+              </a:ext>
+            </a:extLst>
+          </p:cNvPr>
+          <p:cNvSpPr txBox="1"/>
+          <p:nvPr/>
+        </p:nvSpPr>
+        <p:spPr>
+          <a:xfrm>
+            <a:off x="971550" y="1492189"/>
+            <a:ext cx="1721946" cy="400110"/>
+          </a:xfrm>
+          <a:prstGeom prst="rect">
+            <a:avLst/>
+          </a:prstGeom>
+          <a:noFill/>
+        </p:spPr>
+        <p:txBody>
+          <a:bodyPr wrap="none" rtlCol="0">
+            <a:spAutoFit/>
+          </a:bodyPr>
+          <a:lstStyle/>
+          <a:p>
+            <a:r>
+              <a:rPr lang="en-US" dirty="0"/>
+              <a:t>Register form</a:t>
+            </a:r>
           </a:p>
         </p:txBody>
       </p:sp>
     </p:spTree>
     <p:extLst>
       <p:ext uri="{BB962C8B-B14F-4D97-AF65-F5344CB8AC3E}">
-        <p14:creationId xmlns:p14="http://schemas.microsoft.com/office/powerpoint/2010/main" val="2233293802"/>
+        <p14:creationId xmlns:p14="http://schemas.microsoft.com/office/powerpoint/2010/main" val="4255162064"/>
       </p:ext>
     </p:extLst>
   </p:cSld>
@@ -6679,13 +10313,7 @@
       </p:grpSpPr>
       <p:sp>
         <p:nvSpPr>
-          <p:cNvPr id="2" name="Title 1">
-            <a:extLst>
-              <a:ext uri="{FF2B5EF4-FFF2-40B4-BE49-F238E27FC236}">
-                <a16:creationId xmlns:a16="http://schemas.microsoft.com/office/drawing/2014/main" id="{7F761ABB-E810-EC4F-8473-2AE27A39F1CB}"/>
-              </a:ext>
-            </a:extLst>
-          </p:cNvPr>
+          <p:cNvPr id="3" name="Title 2"/>
           <p:cNvSpPr>
             <a:spLocks noGrp="1"/>
           </p:cNvSpPr>
@@ -6698,19 +10326,16 @@
           <a:bodyPr/>
           <a:lstStyle/>
           <a:p>
-            <a:endParaRPr lang="en-US"/>
+            <a:r>
+              <a:rPr lang="en-US" dirty="0"/>
+              <a:t>Validation Checks (cont.)</a:t>
+            </a:r>
           </a:p>
         </p:txBody>
       </p:sp>
       <p:sp>
         <p:nvSpPr>
-          <p:cNvPr id="3" name="Slide Number Placeholder 2">
-            <a:extLst>
-              <a:ext uri="{FF2B5EF4-FFF2-40B4-BE49-F238E27FC236}">
-                <a16:creationId xmlns:a16="http://schemas.microsoft.com/office/drawing/2014/main" id="{C2319D70-8B84-AD4D-8BCF-1B784C7A26E5}"/>
-              </a:ext>
-            </a:extLst>
-          </p:cNvPr>
+          <p:cNvPr id="2" name="Slide Number Placeholder 1"/>
           <p:cNvSpPr>
             <a:spLocks noGrp="1"/>
           </p:cNvSpPr>
@@ -6726,7 +10351,7 @@
             <a:pPr>
               <a:defRPr/>
             </a:pPr>
-            <a:fld id="{CDFDD46A-28F1-4B24-AB69-FC42A6E40E8D}" type="slidenum">
+            <a:fld id="{7172B2E8-CBA5-4D0C-A017-9480F9E0BA9D}" type="slidenum">
               <a:rPr lang="en-US" smtClean="0"/>
               <a:pPr>
                 <a:defRPr/>
@@ -6739,13 +10364,7 @@
       </p:sp>
       <p:sp>
         <p:nvSpPr>
-          <p:cNvPr id="4" name="Text Placeholder 3">
-            <a:extLst>
-              <a:ext uri="{FF2B5EF4-FFF2-40B4-BE49-F238E27FC236}">
-                <a16:creationId xmlns:a16="http://schemas.microsoft.com/office/drawing/2014/main" id="{E93DCC27-DE16-7B4D-83F0-E01E4783407A}"/>
-              </a:ext>
-            </a:extLst>
-          </p:cNvPr>
+          <p:cNvPr id="4" name="Text Placeholder 3"/>
           <p:cNvSpPr>
             <a:spLocks noGrp="1"/>
           </p:cNvSpPr>
@@ -6758,14 +10377,518 @@
           <a:bodyPr/>
           <a:lstStyle/>
           <a:p>
-            <a:endParaRPr lang="en-US"/>
+            <a:pPr marL="0" indent="0">
+              <a:buNone/>
+            </a:pPr>
+            <a:r>
+              <a:rPr lang="en-US" dirty="0"/>
+              <a:t>Update profile form </a:t>
+            </a:r>
+          </a:p>
+          <a:p>
+            <a:endParaRPr lang="en-US" dirty="0"/>
+          </a:p>
+          <a:p>
+            <a:endParaRPr lang="en-US" dirty="0"/>
+          </a:p>
+          <a:p>
+            <a:endParaRPr lang="en-US" dirty="0"/>
+          </a:p>
+          <a:p>
+            <a:endParaRPr lang="en-US" dirty="0"/>
+          </a:p>
+          <a:p>
+            <a:endParaRPr lang="en-US" dirty="0"/>
           </a:p>
         </p:txBody>
       </p:sp>
+      <p:graphicFrame>
+        <p:nvGraphicFramePr>
+          <p:cNvPr id="5" name="Table 4"/>
+          <p:cNvGraphicFramePr>
+            <a:graphicFrameLocks noGrp="1"/>
+          </p:cNvGraphicFramePr>
+          <p:nvPr>
+            <p:extLst>
+              <p:ext uri="{D42A27DB-BD31-4B8C-83A1-F6EECF244321}">
+                <p14:modId xmlns:p14="http://schemas.microsoft.com/office/powerpoint/2010/main" val="2666970834"/>
+              </p:ext>
+            </p:extLst>
+          </p:nvPr>
+        </p:nvGraphicFramePr>
+        <p:xfrm>
+          <a:off x="3356149" y="1892299"/>
+          <a:ext cx="5440121" cy="4285523"/>
+        </p:xfrm>
+        <a:graphic>
+          <a:graphicData uri="http://schemas.openxmlformats.org/drawingml/2006/table">
+            <a:tbl>
+              <a:tblPr firstRow="1" bandRow="1">
+                <a:tableStyleId>{5C22544A-7EE6-4342-B048-85BDC9FD1C3A}</a:tableStyleId>
+              </a:tblPr>
+              <a:tblGrid>
+                <a:gridCol w="2739172">
+                  <a:extLst>
+                    <a:ext uri="{9D8B030D-6E8A-4147-A177-3AD203B41FA5}">
+                      <a16:colId xmlns:a16="http://schemas.microsoft.com/office/drawing/2014/main" val="20000"/>
+                    </a:ext>
+                  </a:extLst>
+                </a:gridCol>
+                <a:gridCol w="2700949">
+                  <a:extLst>
+                    <a:ext uri="{9D8B030D-6E8A-4147-A177-3AD203B41FA5}">
+                      <a16:colId xmlns:a16="http://schemas.microsoft.com/office/drawing/2014/main" val="20001"/>
+                    </a:ext>
+                  </a:extLst>
+                </a:gridCol>
+              </a:tblGrid>
+              <a:tr h="445043">
+                <a:tc>
+                  <a:txBody>
+                    <a:bodyPr/>
+                    <a:lstStyle/>
+                    <a:p>
+                      <a:r>
+                        <a:rPr lang="en-US" dirty="0"/>
+                        <a:t>Attribute</a:t>
+                      </a:r>
+                    </a:p>
+                  </a:txBody>
+                  <a:tcPr/>
+                </a:tc>
+                <a:tc>
+                  <a:txBody>
+                    <a:bodyPr/>
+                    <a:lstStyle/>
+                    <a:p>
+                      <a:r>
+                        <a:rPr lang="en-US" dirty="0"/>
+                        <a:t>Validations</a:t>
+                      </a:r>
+                    </a:p>
+                  </a:txBody>
+                  <a:tcPr/>
+                </a:tc>
+                <a:extLst>
+                  <a:ext uri="{0D108BD9-81ED-4DB2-BD59-A6C34878D82A}">
+                    <a16:rowId xmlns:a16="http://schemas.microsoft.com/office/drawing/2014/main" val="10000"/>
+                  </a:ext>
+                </a:extLst>
+              </a:tr>
+              <a:tr h="0">
+                <a:tc>
+                  <a:txBody>
+                    <a:bodyPr/>
+                    <a:lstStyle/>
+                    <a:p>
+                      <a:r>
+                        <a:rPr lang="en-US" dirty="0"/>
+                        <a:t>Password</a:t>
+                      </a:r>
+                    </a:p>
+                  </a:txBody>
+                  <a:tcPr/>
+                </a:tc>
+                <a:tc>
+                  <a:txBody>
+                    <a:bodyPr/>
+                    <a:lstStyle/>
+                    <a:p>
+                      <a:r>
+                        <a:rPr lang="en-US" dirty="0"/>
+                        <a:t>Only alphanumeric characters and special characters.</a:t>
+                      </a:r>
+                    </a:p>
+                  </a:txBody>
+                  <a:tcPr/>
+                </a:tc>
+                <a:extLst>
+                  <a:ext uri="{0D108BD9-81ED-4DB2-BD59-A6C34878D82A}">
+                    <a16:rowId xmlns:a16="http://schemas.microsoft.com/office/drawing/2014/main" val="999800460"/>
+                  </a:ext>
+                </a:extLst>
+              </a:tr>
+              <a:tr h="291586">
+                <a:tc>
+                  <a:txBody>
+                    <a:bodyPr/>
+                    <a:lstStyle/>
+                    <a:p>
+                      <a:endParaRPr lang="en-US" dirty="0"/>
+                    </a:p>
+                  </a:txBody>
+                  <a:tcPr/>
+                </a:tc>
+                <a:tc>
+                  <a:txBody>
+                    <a:bodyPr/>
+                    <a:lstStyle/>
+                    <a:p>
+                      <a:r>
+                        <a:rPr lang="en-US" dirty="0"/>
+                        <a:t>Cannot be empty or null.</a:t>
+                      </a:r>
+                    </a:p>
+                  </a:txBody>
+                  <a:tcPr/>
+                </a:tc>
+                <a:extLst>
+                  <a:ext uri="{0D108BD9-81ED-4DB2-BD59-A6C34878D82A}">
+                    <a16:rowId xmlns:a16="http://schemas.microsoft.com/office/drawing/2014/main" val="809892742"/>
+                  </a:ext>
+                </a:extLst>
+              </a:tr>
+              <a:tr h="291586">
+                <a:tc>
+                  <a:txBody>
+                    <a:bodyPr/>
+                    <a:lstStyle/>
+                    <a:p>
+                      <a:r>
+                        <a:rPr lang="en-US" dirty="0"/>
+                        <a:t>Phone</a:t>
+                      </a:r>
+                    </a:p>
+                  </a:txBody>
+                  <a:tcPr/>
+                </a:tc>
+                <a:tc>
+                  <a:txBody>
+                    <a:bodyPr/>
+                    <a:lstStyle/>
+                    <a:p>
+                      <a:pPr marL="0" marR="0" indent="0" algn="l" defTabSz="914400" rtl="0" eaLnBrk="1" fontAlgn="auto" latinLnBrk="0" hangingPunct="1">
+                        <a:lnSpc>
+                          <a:spcPct val="100000"/>
+                        </a:lnSpc>
+                        <a:spcBef>
+                          <a:spcPts val="0"/>
+                        </a:spcBef>
+                        <a:spcAft>
+                          <a:spcPts val="0"/>
+                        </a:spcAft>
+                        <a:buClrTx/>
+                        <a:buSzTx/>
+                        <a:buFontTx/>
+                        <a:buNone/>
+                        <a:tabLst/>
+                        <a:defRPr/>
+                      </a:pPr>
+                      <a:r>
+                        <a:rPr lang="en-US" dirty="0"/>
+                        <a:t>Cannot be null or empty.</a:t>
+                      </a:r>
+                    </a:p>
+                  </a:txBody>
+                  <a:tcPr/>
+                </a:tc>
+                <a:extLst>
+                  <a:ext uri="{0D108BD9-81ED-4DB2-BD59-A6C34878D82A}">
+                    <a16:rowId xmlns:a16="http://schemas.microsoft.com/office/drawing/2014/main" val="553674100"/>
+                  </a:ext>
+                </a:extLst>
+              </a:tr>
+              <a:tr h="291586">
+                <a:tc>
+                  <a:txBody>
+                    <a:bodyPr/>
+                    <a:lstStyle/>
+                    <a:p>
+                      <a:endParaRPr lang="en-US" dirty="0"/>
+                    </a:p>
+                  </a:txBody>
+                  <a:tcPr/>
+                </a:tc>
+                <a:tc>
+                  <a:txBody>
+                    <a:bodyPr/>
+                    <a:lstStyle/>
+                    <a:p>
+                      <a:pPr marL="0" marR="0" lvl="0" indent="0" algn="l" defTabSz="914400" rtl="0" eaLnBrk="1" fontAlgn="auto" latinLnBrk="0" hangingPunct="1">
+                        <a:lnSpc>
+                          <a:spcPct val="100000"/>
+                        </a:lnSpc>
+                        <a:spcBef>
+                          <a:spcPts val="0"/>
+                        </a:spcBef>
+                        <a:spcAft>
+                          <a:spcPts val="0"/>
+                        </a:spcAft>
+                        <a:buClrTx/>
+                        <a:buSzTx/>
+                        <a:buFontTx/>
+                        <a:buNone/>
+                        <a:tabLst/>
+                        <a:defRPr/>
+                      </a:pPr>
+                      <a:r>
+                        <a:rPr lang="en-US" dirty="0"/>
+                        <a:t>Exactly 10 digits.</a:t>
+                      </a:r>
+                    </a:p>
+                  </a:txBody>
+                  <a:tcPr/>
+                </a:tc>
+                <a:extLst>
+                  <a:ext uri="{0D108BD9-81ED-4DB2-BD59-A6C34878D82A}">
+                    <a16:rowId xmlns:a16="http://schemas.microsoft.com/office/drawing/2014/main" val="1767983302"/>
+                  </a:ext>
+                </a:extLst>
+              </a:tr>
+              <a:tr h="291586">
+                <a:tc>
+                  <a:txBody>
+                    <a:bodyPr/>
+                    <a:lstStyle/>
+                    <a:p>
+                      <a:r>
+                        <a:rPr lang="en-US" dirty="0"/>
+                        <a:t>Email</a:t>
+                      </a:r>
+                    </a:p>
+                  </a:txBody>
+                  <a:tcPr/>
+                </a:tc>
+                <a:tc>
+                  <a:txBody>
+                    <a:bodyPr/>
+                    <a:lstStyle/>
+                    <a:p>
+                      <a:pPr marL="0" marR="0" indent="0" algn="l" defTabSz="914400" rtl="0" eaLnBrk="1" fontAlgn="auto" latinLnBrk="0" hangingPunct="1">
+                        <a:lnSpc>
+                          <a:spcPct val="100000"/>
+                        </a:lnSpc>
+                        <a:spcBef>
+                          <a:spcPts val="0"/>
+                        </a:spcBef>
+                        <a:spcAft>
+                          <a:spcPts val="0"/>
+                        </a:spcAft>
+                        <a:buClrTx/>
+                        <a:buSzTx/>
+                        <a:buFontTx/>
+                        <a:buNone/>
+                        <a:tabLst/>
+                        <a:defRPr/>
+                      </a:pPr>
+                      <a:r>
+                        <a:rPr lang="en-US" dirty="0"/>
+                        <a:t>Cannot be null or empty.</a:t>
+                      </a:r>
+                    </a:p>
+                  </a:txBody>
+                  <a:tcPr/>
+                </a:tc>
+                <a:extLst>
+                  <a:ext uri="{0D108BD9-81ED-4DB2-BD59-A6C34878D82A}">
+                    <a16:rowId xmlns:a16="http://schemas.microsoft.com/office/drawing/2014/main" val="3429180276"/>
+                  </a:ext>
+                </a:extLst>
+              </a:tr>
+              <a:tr h="291586">
+                <a:tc>
+                  <a:txBody>
+                    <a:bodyPr/>
+                    <a:lstStyle/>
+                    <a:p>
+                      <a:endParaRPr lang="en-US" dirty="0"/>
+                    </a:p>
+                  </a:txBody>
+                  <a:tcPr/>
+                </a:tc>
+                <a:tc>
+                  <a:txBody>
+                    <a:bodyPr/>
+                    <a:lstStyle/>
+                    <a:p>
+                      <a:pPr marL="0" marR="0" indent="0" algn="l" defTabSz="914400" rtl="0" eaLnBrk="1" fontAlgn="auto" latinLnBrk="0" hangingPunct="1">
+                        <a:lnSpc>
+                          <a:spcPct val="100000"/>
+                        </a:lnSpc>
+                        <a:spcBef>
+                          <a:spcPts val="0"/>
+                        </a:spcBef>
+                        <a:spcAft>
+                          <a:spcPts val="0"/>
+                        </a:spcAft>
+                        <a:buClrTx/>
+                        <a:buSzTx/>
+                        <a:buFontTx/>
+                        <a:buNone/>
+                        <a:tabLst/>
+                        <a:defRPr/>
+                      </a:pPr>
+                      <a:r>
+                        <a:rPr lang="en-US" dirty="0"/>
+                        <a:t>Contains a @</a:t>
+                      </a:r>
+                    </a:p>
+                  </a:txBody>
+                  <a:tcPr/>
+                </a:tc>
+                <a:extLst>
+                  <a:ext uri="{0D108BD9-81ED-4DB2-BD59-A6C34878D82A}">
+                    <a16:rowId xmlns:a16="http://schemas.microsoft.com/office/drawing/2014/main" val="4004487945"/>
+                  </a:ext>
+                </a:extLst>
+              </a:tr>
+              <a:tr h="291586">
+                <a:tc>
+                  <a:txBody>
+                    <a:bodyPr/>
+                    <a:lstStyle/>
+                    <a:p>
+                      <a:endParaRPr lang="en-US" dirty="0"/>
+                    </a:p>
+                  </a:txBody>
+                  <a:tcPr/>
+                </a:tc>
+                <a:tc>
+                  <a:txBody>
+                    <a:bodyPr/>
+                    <a:lstStyle/>
+                    <a:p>
+                      <a:pPr marL="0" marR="0" indent="0" algn="l" defTabSz="914400" rtl="0" eaLnBrk="1" fontAlgn="auto" latinLnBrk="0" hangingPunct="1">
+                        <a:lnSpc>
+                          <a:spcPct val="100000"/>
+                        </a:lnSpc>
+                        <a:spcBef>
+                          <a:spcPts val="0"/>
+                        </a:spcBef>
+                        <a:spcAft>
+                          <a:spcPts val="0"/>
+                        </a:spcAft>
+                        <a:buClrTx/>
+                        <a:buSzTx/>
+                        <a:buFontTx/>
+                        <a:buNone/>
+                        <a:tabLst/>
+                        <a:defRPr/>
+                      </a:pPr>
+                      <a:r>
+                        <a:rPr lang="en-US" dirty="0"/>
+                        <a:t>Valid .</a:t>
+                      </a:r>
+                      <a:r>
+                        <a:rPr lang="en-US" dirty="0" err="1"/>
+                        <a:t>edu</a:t>
+                      </a:r>
+                      <a:r>
+                        <a:rPr lang="en-US" dirty="0"/>
+                        <a:t> extension only</a:t>
+                      </a:r>
+                    </a:p>
+                  </a:txBody>
+                  <a:tcPr/>
+                </a:tc>
+                <a:extLst>
+                  <a:ext uri="{0D108BD9-81ED-4DB2-BD59-A6C34878D82A}">
+                    <a16:rowId xmlns:a16="http://schemas.microsoft.com/office/drawing/2014/main" val="3630891152"/>
+                  </a:ext>
+                </a:extLst>
+              </a:tr>
+              <a:tr h="291586">
+                <a:tc>
+                  <a:txBody>
+                    <a:bodyPr/>
+                    <a:lstStyle/>
+                    <a:p>
+                      <a:endParaRPr lang="en-US" dirty="0"/>
+                    </a:p>
+                  </a:txBody>
+                  <a:tcPr/>
+                </a:tc>
+                <a:tc>
+                  <a:txBody>
+                    <a:bodyPr/>
+                    <a:lstStyle/>
+                    <a:p>
+                      <a:pPr marL="0" marR="0" indent="0" algn="l" defTabSz="914400" rtl="0" eaLnBrk="1" fontAlgn="auto" latinLnBrk="0" hangingPunct="1">
+                        <a:lnSpc>
+                          <a:spcPct val="100000"/>
+                        </a:lnSpc>
+                        <a:spcBef>
+                          <a:spcPts val="0"/>
+                        </a:spcBef>
+                        <a:spcAft>
+                          <a:spcPts val="0"/>
+                        </a:spcAft>
+                        <a:buClrTx/>
+                        <a:buSzTx/>
+                        <a:buFontTx/>
+                        <a:buNone/>
+                        <a:tabLst/>
+                        <a:defRPr/>
+                      </a:pPr>
+                      <a:r>
+                        <a:rPr lang="en-US" dirty="0"/>
+                        <a:t>7 &lt;= size &lt;= 45</a:t>
+                      </a:r>
+                    </a:p>
+                  </a:txBody>
+                  <a:tcPr/>
+                </a:tc>
+                <a:extLst>
+                  <a:ext uri="{0D108BD9-81ED-4DB2-BD59-A6C34878D82A}">
+                    <a16:rowId xmlns:a16="http://schemas.microsoft.com/office/drawing/2014/main" val="2946936349"/>
+                  </a:ext>
+                </a:extLst>
+              </a:tr>
+              <a:tr h="291586">
+                <a:tc>
+                  <a:txBody>
+                    <a:bodyPr/>
+                    <a:lstStyle/>
+                    <a:p>
+                      <a:endParaRPr lang="en-US" dirty="0"/>
+                    </a:p>
+                  </a:txBody>
+                  <a:tcPr/>
+                </a:tc>
+                <a:tc>
+                  <a:txBody>
+                    <a:bodyPr/>
+                    <a:lstStyle/>
+                    <a:p>
+                      <a:pPr marL="0" marR="0" indent="0" algn="l" defTabSz="914400" rtl="0" eaLnBrk="1" fontAlgn="auto" latinLnBrk="0" hangingPunct="1">
+                        <a:lnSpc>
+                          <a:spcPct val="100000"/>
+                        </a:lnSpc>
+                        <a:spcBef>
+                          <a:spcPts val="0"/>
+                        </a:spcBef>
+                        <a:spcAft>
+                          <a:spcPts val="0"/>
+                        </a:spcAft>
+                        <a:buClrTx/>
+                        <a:buSzTx/>
+                        <a:buFontTx/>
+                        <a:buNone/>
+                        <a:tabLst/>
+                        <a:defRPr/>
+                      </a:pPr>
+                      <a:r>
+                        <a:rPr lang="en-US" dirty="0"/>
+                        <a:t>Alphanumeric and . </a:t>
+                      </a:r>
+                    </a:p>
+                  </a:txBody>
+                  <a:tcPr/>
+                </a:tc>
+                <a:extLst>
+                  <a:ext uri="{0D108BD9-81ED-4DB2-BD59-A6C34878D82A}">
+                    <a16:rowId xmlns:a16="http://schemas.microsoft.com/office/drawing/2014/main" val="2070259347"/>
+                  </a:ext>
+                </a:extLst>
+              </a:tr>
+            </a:tbl>
+          </a:graphicData>
+        </a:graphic>
+      </p:graphicFrame>
     </p:spTree>
     <p:extLst>
       <p:ext uri="{BB962C8B-B14F-4D97-AF65-F5344CB8AC3E}">
-        <p14:creationId xmlns:p14="http://schemas.microsoft.com/office/powerpoint/2010/main" val="3209674202"/>
+        <p14:creationId xmlns:p14="http://schemas.microsoft.com/office/powerpoint/2010/main" val="2457986419"/>
       </p:ext>
     </p:extLst>
   </p:cSld>
@@ -6794,13 +10917,7 @@
       </p:grpSpPr>
       <p:sp>
         <p:nvSpPr>
-          <p:cNvPr id="2" name="Title 1">
-            <a:extLst>
-              <a:ext uri="{FF2B5EF4-FFF2-40B4-BE49-F238E27FC236}">
-                <a16:creationId xmlns:a16="http://schemas.microsoft.com/office/drawing/2014/main" id="{7687A609-2B5D-9445-B862-EBB3A257BE73}"/>
-              </a:ext>
-            </a:extLst>
-          </p:cNvPr>
+          <p:cNvPr id="3" name="Title 2"/>
           <p:cNvSpPr>
             <a:spLocks noGrp="1"/>
           </p:cNvSpPr>
@@ -6813,19 +10930,16 @@
           <a:bodyPr/>
           <a:lstStyle/>
           <a:p>
-            <a:endParaRPr lang="en-US"/>
+            <a:r>
+              <a:rPr lang="en-US" dirty="0"/>
+              <a:t>Validation Checks (cont.)</a:t>
+            </a:r>
           </a:p>
         </p:txBody>
       </p:sp>
       <p:sp>
         <p:nvSpPr>
-          <p:cNvPr id="3" name="Slide Number Placeholder 2">
-            <a:extLst>
-              <a:ext uri="{FF2B5EF4-FFF2-40B4-BE49-F238E27FC236}">
-                <a16:creationId xmlns:a16="http://schemas.microsoft.com/office/drawing/2014/main" id="{39938B25-D85F-594D-B068-595892255D74}"/>
-              </a:ext>
-            </a:extLst>
-          </p:cNvPr>
+          <p:cNvPr id="2" name="Slide Number Placeholder 1"/>
           <p:cNvSpPr>
             <a:spLocks noGrp="1"/>
           </p:cNvSpPr>
@@ -6841,7 +10955,7 @@
             <a:pPr>
               <a:defRPr/>
             </a:pPr>
-            <a:fld id="{CDFDD46A-28F1-4B24-AB69-FC42A6E40E8D}" type="slidenum">
+            <a:fld id="{7172B2E8-CBA5-4D0C-A017-9480F9E0BA9D}" type="slidenum">
               <a:rPr lang="en-US" smtClean="0"/>
               <a:pPr>
                 <a:defRPr/>
@@ -6854,13 +10968,7 @@
       </p:sp>
       <p:sp>
         <p:nvSpPr>
-          <p:cNvPr id="4" name="Text Placeholder 3">
-            <a:extLst>
-              <a:ext uri="{FF2B5EF4-FFF2-40B4-BE49-F238E27FC236}">
-                <a16:creationId xmlns:a16="http://schemas.microsoft.com/office/drawing/2014/main" id="{29641F20-E674-2947-A00F-D4EEA25541CC}"/>
-              </a:ext>
-            </a:extLst>
-          </p:cNvPr>
+          <p:cNvPr id="4" name="Text Placeholder 3"/>
           <p:cNvSpPr>
             <a:spLocks noGrp="1"/>
           </p:cNvSpPr>
@@ -6873,14 +10981,276 @@
           <a:bodyPr/>
           <a:lstStyle/>
           <a:p>
-            <a:endParaRPr lang="en-US"/>
+            <a:endParaRPr lang="en-US" dirty="0"/>
+          </a:p>
+          <a:p>
+            <a:endParaRPr lang="en-US" dirty="0"/>
+          </a:p>
+          <a:p>
+            <a:endParaRPr lang="en-US" dirty="0"/>
+          </a:p>
+          <a:p>
+            <a:endParaRPr lang="en-US" dirty="0"/>
+          </a:p>
+          <a:p>
+            <a:endParaRPr lang="en-US" dirty="0"/>
+          </a:p>
+        </p:txBody>
+      </p:sp>
+      <p:graphicFrame>
+        <p:nvGraphicFramePr>
+          <p:cNvPr id="5" name="Table 4"/>
+          <p:cNvGraphicFramePr>
+            <a:graphicFrameLocks noGrp="1"/>
+          </p:cNvGraphicFramePr>
+          <p:nvPr/>
+        </p:nvGraphicFramePr>
+        <p:xfrm>
+          <a:off x="2588654" y="1892299"/>
+          <a:ext cx="6207616" cy="2090963"/>
+        </p:xfrm>
+        <a:graphic>
+          <a:graphicData uri="http://schemas.openxmlformats.org/drawingml/2006/table">
+            <a:tbl>
+              <a:tblPr firstRow="1" bandRow="1">
+                <a:tableStyleId>{5C22544A-7EE6-4342-B048-85BDC9FD1C3A}</a:tableStyleId>
+              </a:tblPr>
+              <a:tblGrid>
+                <a:gridCol w="3506667">
+                  <a:extLst>
+                    <a:ext uri="{9D8B030D-6E8A-4147-A177-3AD203B41FA5}">
+                      <a16:colId xmlns:a16="http://schemas.microsoft.com/office/drawing/2014/main" val="20000"/>
+                    </a:ext>
+                  </a:extLst>
+                </a:gridCol>
+                <a:gridCol w="2700949">
+                  <a:extLst>
+                    <a:ext uri="{9D8B030D-6E8A-4147-A177-3AD203B41FA5}">
+                      <a16:colId xmlns:a16="http://schemas.microsoft.com/office/drawing/2014/main" val="20001"/>
+                    </a:ext>
+                  </a:extLst>
+                </a:gridCol>
+              </a:tblGrid>
+              <a:tr h="445043">
+                <a:tc>
+                  <a:txBody>
+                    <a:bodyPr/>
+                    <a:lstStyle/>
+                    <a:p>
+                      <a:r>
+                        <a:rPr lang="en-US" dirty="0"/>
+                        <a:t>Attribute</a:t>
+                      </a:r>
+                    </a:p>
+                  </a:txBody>
+                  <a:tcPr/>
+                </a:tc>
+                <a:tc>
+                  <a:txBody>
+                    <a:bodyPr/>
+                    <a:lstStyle/>
+                    <a:p>
+                      <a:r>
+                        <a:rPr lang="en-US" dirty="0"/>
+                        <a:t>Validations</a:t>
+                      </a:r>
+                    </a:p>
+                  </a:txBody>
+                  <a:tcPr/>
+                </a:tc>
+                <a:extLst>
+                  <a:ext uri="{0D108BD9-81ED-4DB2-BD59-A6C34878D82A}">
+                    <a16:rowId xmlns:a16="http://schemas.microsoft.com/office/drawing/2014/main" val="10000"/>
+                  </a:ext>
+                </a:extLst>
+              </a:tr>
+              <a:tr h="0">
+                <a:tc>
+                  <a:txBody>
+                    <a:bodyPr/>
+                    <a:lstStyle/>
+                    <a:p>
+                      <a:r>
+                        <a:rPr lang="en-US" dirty="0"/>
+                        <a:t>License plate number</a:t>
+                      </a:r>
+                    </a:p>
+                  </a:txBody>
+                  <a:tcPr/>
+                </a:tc>
+                <a:tc>
+                  <a:txBody>
+                    <a:bodyPr/>
+                    <a:lstStyle/>
+                    <a:p>
+                      <a:pPr marL="0" marR="0" indent="0" algn="l" defTabSz="914400" rtl="0" eaLnBrk="1" fontAlgn="auto" latinLnBrk="0" hangingPunct="1">
+                        <a:lnSpc>
+                          <a:spcPct val="100000"/>
+                        </a:lnSpc>
+                        <a:spcBef>
+                          <a:spcPts val="0"/>
+                        </a:spcBef>
+                        <a:spcAft>
+                          <a:spcPts val="0"/>
+                        </a:spcAft>
+                        <a:buClrTx/>
+                        <a:buSzTx/>
+                        <a:buFontTx/>
+                        <a:buNone/>
+                        <a:tabLst/>
+                        <a:defRPr/>
+                      </a:pPr>
+                      <a:r>
+                        <a:rPr lang="en-US" dirty="0"/>
+                        <a:t>Cannot be null or empty.</a:t>
+                      </a:r>
+                    </a:p>
+                  </a:txBody>
+                  <a:tcPr/>
+                </a:tc>
+                <a:extLst>
+                  <a:ext uri="{0D108BD9-81ED-4DB2-BD59-A6C34878D82A}">
+                    <a16:rowId xmlns:a16="http://schemas.microsoft.com/office/drawing/2014/main" val="370164629"/>
+                  </a:ext>
+                </a:extLst>
+              </a:tr>
+              <a:tr h="313509">
+                <a:tc>
+                  <a:txBody>
+                    <a:bodyPr/>
+                    <a:lstStyle/>
+                    <a:p>
+                      <a:endParaRPr lang="en-US" dirty="0"/>
+                    </a:p>
+                  </a:txBody>
+                  <a:tcPr/>
+                </a:tc>
+                <a:tc>
+                  <a:txBody>
+                    <a:bodyPr/>
+                    <a:lstStyle/>
+                    <a:p>
+                      <a:pPr marL="0" marR="0" indent="0" algn="l" defTabSz="914400" rtl="0" eaLnBrk="1" fontAlgn="auto" latinLnBrk="0" hangingPunct="1">
+                        <a:lnSpc>
+                          <a:spcPct val="100000"/>
+                        </a:lnSpc>
+                        <a:spcBef>
+                          <a:spcPts val="0"/>
+                        </a:spcBef>
+                        <a:spcAft>
+                          <a:spcPts val="0"/>
+                        </a:spcAft>
+                        <a:buClrTx/>
+                        <a:buSzTx/>
+                        <a:buFontTx/>
+                        <a:buNone/>
+                        <a:tabLst/>
+                        <a:defRPr/>
+                      </a:pPr>
+                      <a:r>
+                        <a:rPr lang="en-US" dirty="0"/>
+                        <a:t>Format is : AAANNNN. A for letter and N for number.</a:t>
+                      </a:r>
+                    </a:p>
+                  </a:txBody>
+                  <a:tcPr/>
+                </a:tc>
+                <a:extLst>
+                  <a:ext uri="{0D108BD9-81ED-4DB2-BD59-A6C34878D82A}">
+                    <a16:rowId xmlns:a16="http://schemas.microsoft.com/office/drawing/2014/main" val="1895805089"/>
+                  </a:ext>
+                </a:extLst>
+              </a:tr>
+              <a:tr h="261257">
+                <a:tc>
+                  <a:txBody>
+                    <a:bodyPr/>
+                    <a:lstStyle/>
+                    <a:p>
+                      <a:endParaRPr lang="en-US" dirty="0"/>
+                    </a:p>
+                  </a:txBody>
+                  <a:tcPr/>
+                </a:tc>
+                <a:tc>
+                  <a:txBody>
+                    <a:bodyPr/>
+                    <a:lstStyle/>
+                    <a:p>
+                      <a:pPr marL="0" marR="0" indent="0" algn="l" defTabSz="914400" rtl="0" eaLnBrk="1" fontAlgn="auto" latinLnBrk="0" hangingPunct="1">
+                        <a:lnSpc>
+                          <a:spcPct val="100000"/>
+                        </a:lnSpc>
+                        <a:spcBef>
+                          <a:spcPts val="0"/>
+                        </a:spcBef>
+                        <a:spcAft>
+                          <a:spcPts val="0"/>
+                        </a:spcAft>
+                        <a:buClrTx/>
+                        <a:buSzTx/>
+                        <a:buFontTx/>
+                        <a:buNone/>
+                        <a:tabLst/>
+                        <a:defRPr/>
+                      </a:pPr>
+                      <a:r>
+                        <a:rPr lang="en-US" dirty="0"/>
+                        <a:t>Only alphanumeric.</a:t>
+                      </a:r>
+                    </a:p>
+                  </a:txBody>
+                  <a:tcPr/>
+                </a:tc>
+                <a:extLst>
+                  <a:ext uri="{0D108BD9-81ED-4DB2-BD59-A6C34878D82A}">
+                    <a16:rowId xmlns:a16="http://schemas.microsoft.com/office/drawing/2014/main" val="471939940"/>
+                  </a:ext>
+                </a:extLst>
+              </a:tr>
+            </a:tbl>
+          </a:graphicData>
+        </a:graphic>
+      </p:graphicFrame>
+      <p:sp>
+        <p:nvSpPr>
+          <p:cNvPr id="8" name="TextBox 7">
+            <a:extLst>
+              <a:ext uri="{FF2B5EF4-FFF2-40B4-BE49-F238E27FC236}">
+                <a16:creationId xmlns:a16="http://schemas.microsoft.com/office/drawing/2014/main" id="{77BD5135-46F5-BD4A-86EE-B9A2590DF89E}"/>
+              </a:ext>
+            </a:extLst>
+          </p:cNvPr>
+          <p:cNvSpPr txBox="1"/>
+          <p:nvPr/>
+        </p:nvSpPr>
+        <p:spPr>
+          <a:xfrm>
+            <a:off x="1178987" y="1306452"/>
+            <a:ext cx="2363147" cy="400110"/>
+          </a:xfrm>
+          <a:prstGeom prst="rect">
+            <a:avLst/>
+          </a:prstGeom>
+          <a:noFill/>
+        </p:spPr>
+        <p:txBody>
+          <a:bodyPr wrap="none" rtlCol="0">
+            <a:spAutoFit/>
+          </a:bodyPr>
+          <a:lstStyle/>
+          <a:p>
+            <a:r>
+              <a:rPr lang="en-US" dirty="0"/>
+              <a:t>Update profile form</a:t>
+            </a:r>
           </a:p>
         </p:txBody>
       </p:sp>
     </p:spTree>
     <p:extLst>
       <p:ext uri="{BB962C8B-B14F-4D97-AF65-F5344CB8AC3E}">
-        <p14:creationId xmlns:p14="http://schemas.microsoft.com/office/powerpoint/2010/main" val="1728353601"/>
+        <p14:creationId xmlns:p14="http://schemas.microsoft.com/office/powerpoint/2010/main" val="2711793869"/>
       </p:ext>
     </p:extLst>
   </p:cSld>
@@ -6909,13 +11279,7 @@
       </p:grpSpPr>
       <p:sp>
         <p:nvSpPr>
-          <p:cNvPr id="2" name="Title 1">
-            <a:extLst>
-              <a:ext uri="{FF2B5EF4-FFF2-40B4-BE49-F238E27FC236}">
-                <a16:creationId xmlns:a16="http://schemas.microsoft.com/office/drawing/2014/main" id="{38B2DBFF-9CFC-4C4D-B6C6-773508A3432C}"/>
-              </a:ext>
-            </a:extLst>
-          </p:cNvPr>
+          <p:cNvPr id="3" name="Title 2"/>
           <p:cNvSpPr>
             <a:spLocks noGrp="1"/>
           </p:cNvSpPr>
@@ -6928,19 +11292,16 @@
           <a:bodyPr/>
           <a:lstStyle/>
           <a:p>
-            <a:endParaRPr lang="en-US"/>
+            <a:r>
+              <a:rPr lang="en-US" dirty="0"/>
+              <a:t>Validation Checks (cont.)</a:t>
+            </a:r>
           </a:p>
         </p:txBody>
       </p:sp>
       <p:sp>
         <p:nvSpPr>
-          <p:cNvPr id="3" name="Slide Number Placeholder 2">
-            <a:extLst>
-              <a:ext uri="{FF2B5EF4-FFF2-40B4-BE49-F238E27FC236}">
-                <a16:creationId xmlns:a16="http://schemas.microsoft.com/office/drawing/2014/main" id="{388E88AE-2EB8-7B47-94FB-6F68B38A5963}"/>
-              </a:ext>
-            </a:extLst>
-          </p:cNvPr>
+          <p:cNvPr id="2" name="Slide Number Placeholder 1"/>
           <p:cNvSpPr>
             <a:spLocks noGrp="1"/>
           </p:cNvSpPr>
@@ -6956,7 +11317,7 @@
             <a:pPr>
               <a:defRPr/>
             </a:pPr>
-            <a:fld id="{CDFDD46A-28F1-4B24-AB69-FC42A6E40E8D}" type="slidenum">
+            <a:fld id="{7172B2E8-CBA5-4D0C-A017-9480F9E0BA9D}" type="slidenum">
               <a:rPr lang="en-US" smtClean="0"/>
               <a:pPr>
                 <a:defRPr/>
@@ -6969,13 +11330,7 @@
       </p:sp>
       <p:sp>
         <p:nvSpPr>
-          <p:cNvPr id="4" name="Text Placeholder 3">
-            <a:extLst>
-              <a:ext uri="{FF2B5EF4-FFF2-40B4-BE49-F238E27FC236}">
-                <a16:creationId xmlns:a16="http://schemas.microsoft.com/office/drawing/2014/main" id="{A9DF776B-DD98-9C44-8B1E-0B36D18FAB36}"/>
-              </a:ext>
-            </a:extLst>
-          </p:cNvPr>
+          <p:cNvPr id="4" name="Text Placeholder 3"/>
           <p:cNvSpPr>
             <a:spLocks noGrp="1"/>
           </p:cNvSpPr>
@@ -6988,14 +11343,425 @@
           <a:bodyPr/>
           <a:lstStyle/>
           <a:p>
-            <a:endParaRPr lang="en-US"/>
+            <a:r>
+              <a:rPr lang="en-US" dirty="0"/>
+              <a:t>Request reservation, modify my reserved spots</a:t>
+            </a:r>
+          </a:p>
+          <a:p>
+            <a:endParaRPr lang="en-US" dirty="0"/>
+          </a:p>
+          <a:p>
+            <a:endParaRPr lang="en-US" dirty="0"/>
+          </a:p>
+          <a:p>
+            <a:endParaRPr lang="en-US" dirty="0"/>
+          </a:p>
+          <a:p>
+            <a:endParaRPr lang="en-US" dirty="0"/>
+          </a:p>
+          <a:p>
+            <a:endParaRPr lang="en-US" dirty="0"/>
+          </a:p>
+          <a:p>
+            <a:endParaRPr lang="en-US" dirty="0"/>
           </a:p>
         </p:txBody>
       </p:sp>
+      <p:graphicFrame>
+        <p:nvGraphicFramePr>
+          <p:cNvPr id="5" name="Table 4"/>
+          <p:cNvGraphicFramePr>
+            <a:graphicFrameLocks noGrp="1"/>
+          </p:cNvGraphicFramePr>
+          <p:nvPr>
+            <p:extLst>
+              <p:ext uri="{D42A27DB-BD31-4B8C-83A1-F6EECF244321}">
+                <p14:modId xmlns:p14="http://schemas.microsoft.com/office/powerpoint/2010/main" val="4111758363"/>
+              </p:ext>
+            </p:extLst>
+          </p:nvPr>
+        </p:nvGraphicFramePr>
+        <p:xfrm>
+          <a:off x="2213987" y="1698013"/>
+          <a:ext cx="5958463" cy="4119880"/>
+        </p:xfrm>
+        <a:graphic>
+          <a:graphicData uri="http://schemas.openxmlformats.org/drawingml/2006/table">
+            <a:tbl>
+              <a:tblPr firstRow="1" bandRow="1">
+                <a:tableStyleId>{5C22544A-7EE6-4342-B048-85BDC9FD1C3A}</a:tableStyleId>
+              </a:tblPr>
+              <a:tblGrid>
+                <a:gridCol w="3000164">
+                  <a:extLst>
+                    <a:ext uri="{9D8B030D-6E8A-4147-A177-3AD203B41FA5}">
+                      <a16:colId xmlns:a16="http://schemas.microsoft.com/office/drawing/2014/main" val="20000"/>
+                    </a:ext>
+                  </a:extLst>
+                </a:gridCol>
+                <a:gridCol w="2958299">
+                  <a:extLst>
+                    <a:ext uri="{9D8B030D-6E8A-4147-A177-3AD203B41FA5}">
+                      <a16:colId xmlns:a16="http://schemas.microsoft.com/office/drawing/2014/main" val="20001"/>
+                    </a:ext>
+                  </a:extLst>
+                </a:gridCol>
+              </a:tblGrid>
+              <a:tr h="370840">
+                <a:tc>
+                  <a:txBody>
+                    <a:bodyPr/>
+                    <a:lstStyle/>
+                    <a:p>
+                      <a:r>
+                        <a:rPr lang="en-US" dirty="0"/>
+                        <a:t>Attribute</a:t>
+                      </a:r>
+                    </a:p>
+                  </a:txBody>
+                  <a:tcPr/>
+                </a:tc>
+                <a:tc>
+                  <a:txBody>
+                    <a:bodyPr/>
+                    <a:lstStyle/>
+                    <a:p>
+                      <a:r>
+                        <a:rPr lang="en-US" dirty="0"/>
+                        <a:t>Validations</a:t>
+                      </a:r>
+                    </a:p>
+                  </a:txBody>
+                  <a:tcPr/>
+                </a:tc>
+                <a:extLst>
+                  <a:ext uri="{0D108BD9-81ED-4DB2-BD59-A6C34878D82A}">
+                    <a16:rowId xmlns:a16="http://schemas.microsoft.com/office/drawing/2014/main" val="10000"/>
+                  </a:ext>
+                </a:extLst>
+              </a:tr>
+              <a:tr h="128016">
+                <a:tc rowSpan="3">
+                  <a:txBody>
+                    <a:bodyPr/>
+                    <a:lstStyle/>
+                    <a:p>
+                      <a:pPr marL="0" marR="0" lvl="0" indent="0" algn="l" defTabSz="914400" rtl="0" eaLnBrk="1" fontAlgn="auto" latinLnBrk="0" hangingPunct="1">
+                        <a:lnSpc>
+                          <a:spcPct val="100000"/>
+                        </a:lnSpc>
+                        <a:spcBef>
+                          <a:spcPts val="0"/>
+                        </a:spcBef>
+                        <a:spcAft>
+                          <a:spcPts val="0"/>
+                        </a:spcAft>
+                        <a:buClrTx/>
+                        <a:buSzTx/>
+                        <a:buFontTx/>
+                        <a:buNone/>
+                        <a:tabLst/>
+                        <a:defRPr/>
+                      </a:pPr>
+                      <a:r>
+                        <a:rPr lang="en-US" sz="1800" u="none" strike="noStrike" dirty="0">
+                          <a:effectLst/>
+                        </a:rPr>
+                        <a:t>Start time</a:t>
+                      </a:r>
+                      <a:br>
+                        <a:rPr lang="en-US" sz="1800" u="none" strike="noStrike" dirty="0">
+                          <a:effectLst/>
+                        </a:rPr>
+                      </a:br>
+                      <a:endParaRPr lang="en-US" dirty="0"/>
+                    </a:p>
+                  </a:txBody>
+                  <a:tcPr/>
+                </a:tc>
+                <a:tc>
+                  <a:txBody>
+                    <a:bodyPr/>
+                    <a:lstStyle/>
+                    <a:p>
+                      <a:pPr marL="0" marR="0" lvl="0" indent="0" algn="l" defTabSz="914400" rtl="0" eaLnBrk="1" fontAlgn="auto" latinLnBrk="0" hangingPunct="1">
+                        <a:lnSpc>
+                          <a:spcPct val="100000"/>
+                        </a:lnSpc>
+                        <a:spcBef>
+                          <a:spcPts val="0"/>
+                        </a:spcBef>
+                        <a:spcAft>
+                          <a:spcPts val="0"/>
+                        </a:spcAft>
+                        <a:buClrTx/>
+                        <a:buSzTx/>
+                        <a:buFontTx/>
+                        <a:buNone/>
+                        <a:tabLst/>
+                        <a:defRPr/>
+                      </a:pPr>
+                      <a:r>
+                        <a:rPr lang="en-US" dirty="0"/>
+                        <a:t>Format is 24hr clock : HH:MM </a:t>
+                      </a:r>
+                    </a:p>
+                  </a:txBody>
+                  <a:tcPr/>
+                </a:tc>
+                <a:extLst>
+                  <a:ext uri="{0D108BD9-81ED-4DB2-BD59-A6C34878D82A}">
+                    <a16:rowId xmlns:a16="http://schemas.microsoft.com/office/drawing/2014/main" val="2917815016"/>
+                  </a:ext>
+                </a:extLst>
+              </a:tr>
+              <a:tr h="128016">
+                <a:tc vMerge="1">
+                  <a:txBody>
+                    <a:bodyPr/>
+                    <a:lstStyle/>
+                    <a:p>
+                      <a:endParaRPr lang="en-US"/>
+                    </a:p>
+                  </a:txBody>
+                  <a:tcPr/>
+                </a:tc>
+                <a:tc>
+                  <a:txBody>
+                    <a:bodyPr/>
+                    <a:lstStyle/>
+                    <a:p>
+                      <a:r>
+                        <a:rPr lang="en-US" dirty="0"/>
+                        <a:t>Type of input is a time field not string</a:t>
+                      </a:r>
+                    </a:p>
+                  </a:txBody>
+                  <a:tcPr/>
+                </a:tc>
+                <a:extLst>
+                  <a:ext uri="{0D108BD9-81ED-4DB2-BD59-A6C34878D82A}">
+                    <a16:rowId xmlns:a16="http://schemas.microsoft.com/office/drawing/2014/main" val="1868928748"/>
+                  </a:ext>
+                </a:extLst>
+              </a:tr>
+              <a:tr h="128016">
+                <a:tc vMerge="1">
+                  <a:txBody>
+                    <a:bodyPr/>
+                    <a:lstStyle/>
+                    <a:p>
+                      <a:endParaRPr lang="en-US"/>
+                    </a:p>
+                  </a:txBody>
+                  <a:tcPr/>
+                </a:tc>
+                <a:tc>
+                  <a:txBody>
+                    <a:bodyPr/>
+                    <a:lstStyle/>
+                    <a:p>
+                      <a:r>
+                        <a:rPr lang="en-US" dirty="0"/>
+                        <a:t>Can’t be empty or null.</a:t>
+                      </a:r>
+                    </a:p>
+                  </a:txBody>
+                  <a:tcPr/>
+                </a:tc>
+                <a:extLst>
+                  <a:ext uri="{0D108BD9-81ED-4DB2-BD59-A6C34878D82A}">
+                    <a16:rowId xmlns:a16="http://schemas.microsoft.com/office/drawing/2014/main" val="188843487"/>
+                  </a:ext>
+                </a:extLst>
+              </a:tr>
+              <a:tr h="128016">
+                <a:tc rowSpan="5">
+                  <a:txBody>
+                    <a:bodyPr/>
+                    <a:lstStyle/>
+                    <a:p>
+                      <a:pPr marL="0" marR="0" lvl="0" indent="0" algn="l" defTabSz="914400" rtl="0" eaLnBrk="1" fontAlgn="auto" latinLnBrk="0" hangingPunct="1">
+                        <a:lnSpc>
+                          <a:spcPct val="100000"/>
+                        </a:lnSpc>
+                        <a:spcBef>
+                          <a:spcPts val="0"/>
+                        </a:spcBef>
+                        <a:spcAft>
+                          <a:spcPts val="0"/>
+                        </a:spcAft>
+                        <a:buClrTx/>
+                        <a:buSzTx/>
+                        <a:buFontTx/>
+                        <a:buNone/>
+                        <a:tabLst/>
+                        <a:defRPr/>
+                      </a:pPr>
+                      <a:r>
+                        <a:rPr lang="en-US" sz="1800" u="none" strike="noStrike" dirty="0">
+                          <a:effectLst/>
+                        </a:rPr>
+                        <a:t>Duration</a:t>
+                      </a:r>
+                      <a:br>
+                        <a:rPr lang="en-US" sz="1800" u="none" strike="noStrike" dirty="0">
+                          <a:effectLst/>
+                        </a:rPr>
+                      </a:br>
+                      <a:endParaRPr lang="en-US" dirty="0"/>
+                    </a:p>
+                  </a:txBody>
+                  <a:tcPr/>
+                </a:tc>
+                <a:tc>
+                  <a:txBody>
+                    <a:bodyPr/>
+                    <a:lstStyle/>
+                    <a:p>
+                      <a:r>
+                        <a:rPr lang="en-US" dirty="0"/>
+                        <a:t>Is a number.</a:t>
+                      </a:r>
+                    </a:p>
+                  </a:txBody>
+                  <a:tcPr/>
+                </a:tc>
+                <a:extLst>
+                  <a:ext uri="{0D108BD9-81ED-4DB2-BD59-A6C34878D82A}">
+                    <a16:rowId xmlns:a16="http://schemas.microsoft.com/office/drawing/2014/main" val="3522960473"/>
+                  </a:ext>
+                </a:extLst>
+              </a:tr>
+              <a:tr h="128016">
+                <a:tc vMerge="1">
+                  <a:txBody>
+                    <a:bodyPr/>
+                    <a:lstStyle/>
+                    <a:p>
+                      <a:endParaRPr lang="en-US"/>
+                    </a:p>
+                  </a:txBody>
+                  <a:tcPr/>
+                </a:tc>
+                <a:tc>
+                  <a:txBody>
+                    <a:bodyPr/>
+                    <a:lstStyle/>
+                    <a:p>
+                      <a:r>
+                        <a:rPr lang="en-US" dirty="0"/>
+                        <a:t>Can’t be empty or null.</a:t>
+                      </a:r>
+                    </a:p>
+                  </a:txBody>
+                  <a:tcPr/>
+                </a:tc>
+                <a:extLst>
+                  <a:ext uri="{0D108BD9-81ED-4DB2-BD59-A6C34878D82A}">
+                    <a16:rowId xmlns:a16="http://schemas.microsoft.com/office/drawing/2014/main" val="2522172980"/>
+                  </a:ext>
+                </a:extLst>
+              </a:tr>
+              <a:tr h="128016">
+                <a:tc vMerge="1">
+                  <a:txBody>
+                    <a:bodyPr/>
+                    <a:lstStyle/>
+                    <a:p>
+                      <a:endParaRPr lang="en-US"/>
+                    </a:p>
+                  </a:txBody>
+                  <a:tcPr/>
+                </a:tc>
+                <a:tc>
+                  <a:txBody>
+                    <a:bodyPr/>
+                    <a:lstStyle/>
+                    <a:p>
+                      <a:r>
+                        <a:rPr lang="en-US" dirty="0"/>
+                        <a:t>Increment of 15mins.</a:t>
+                      </a:r>
+                    </a:p>
+                  </a:txBody>
+                  <a:tcPr/>
+                </a:tc>
+                <a:extLst>
+                  <a:ext uri="{0D108BD9-81ED-4DB2-BD59-A6C34878D82A}">
+                    <a16:rowId xmlns:a16="http://schemas.microsoft.com/office/drawing/2014/main" val="2200199350"/>
+                  </a:ext>
+                </a:extLst>
+              </a:tr>
+              <a:tr h="128016">
+                <a:tc vMerge="1">
+                  <a:txBody>
+                    <a:bodyPr/>
+                    <a:lstStyle/>
+                    <a:p>
+                      <a:endParaRPr lang="en-US"/>
+                    </a:p>
+                  </a:txBody>
+                  <a:tcPr/>
+                </a:tc>
+                <a:tc>
+                  <a:txBody>
+                    <a:bodyPr/>
+                    <a:lstStyle/>
+                    <a:p>
+                      <a:r>
+                        <a:rPr lang="en-US" dirty="0"/>
+                        <a:t>Minimum is 15 inclusive, maximum is 180 inclusive.</a:t>
+                      </a:r>
+                    </a:p>
+                  </a:txBody>
+                  <a:tcPr/>
+                </a:tc>
+                <a:extLst>
+                  <a:ext uri="{0D108BD9-81ED-4DB2-BD59-A6C34878D82A}">
+                    <a16:rowId xmlns:a16="http://schemas.microsoft.com/office/drawing/2014/main" val="3499027662"/>
+                  </a:ext>
+                </a:extLst>
+              </a:tr>
+              <a:tr h="128016">
+                <a:tc vMerge="1">
+                  <a:txBody>
+                    <a:bodyPr/>
+                    <a:lstStyle/>
+                    <a:p>
+                      <a:endParaRPr lang="en-US"/>
+                    </a:p>
+                  </a:txBody>
+                  <a:tcPr/>
+                </a:tc>
+                <a:tc>
+                  <a:txBody>
+                    <a:bodyPr/>
+                    <a:lstStyle/>
+                    <a:p>
+                      <a:r>
+                        <a:rPr lang="en-US" dirty="0"/>
+                        <a:t>In minutes format ex, 2hours should be 120 as input.</a:t>
+                      </a:r>
+                    </a:p>
+                  </a:txBody>
+                  <a:tcPr/>
+                </a:tc>
+                <a:extLst>
+                  <a:ext uri="{0D108BD9-81ED-4DB2-BD59-A6C34878D82A}">
+                    <a16:rowId xmlns:a16="http://schemas.microsoft.com/office/drawing/2014/main" val="1059573490"/>
+                  </a:ext>
+                </a:extLst>
+              </a:tr>
+            </a:tbl>
+          </a:graphicData>
+        </a:graphic>
+      </p:graphicFrame>
     </p:spTree>
     <p:extLst>
       <p:ext uri="{BB962C8B-B14F-4D97-AF65-F5344CB8AC3E}">
-        <p14:creationId xmlns:p14="http://schemas.microsoft.com/office/powerpoint/2010/main" val="3441531774"/>
+        <p14:creationId xmlns:p14="http://schemas.microsoft.com/office/powerpoint/2010/main" val="827294749"/>
       </p:ext>
     </p:extLst>
   </p:cSld>
@@ -7088,9 +11854,12 @@
           <a:bodyPr/>
           <a:lstStyle/>
           <a:p>
+            <a:pPr marL="0" indent="0">
+              <a:buNone/>
+            </a:pPr>
             <a:r>
               <a:rPr lang="en-US" dirty="0"/>
-              <a:t>Modify reservation</a:t>
+              <a:t>Make a payment</a:t>
             </a:r>
           </a:p>
           <a:p>
@@ -7106,7 +11875,10 @@
             <a:endParaRPr lang="en-US" dirty="0"/>
           </a:p>
           <a:p>
-            <a:endParaRPr lang="en-US" dirty="0"/>
+            <a:r>
+              <a:rPr lang="en-US" dirty="0"/>
+              <a:t>View number of available spaces</a:t>
+            </a:r>
           </a:p>
           <a:p>
             <a:endParaRPr lang="en-US" dirty="0"/>
@@ -7122,14 +11894,14 @@
           <p:nvPr>
             <p:extLst>
               <p:ext uri="{D42A27DB-BD31-4B8C-83A1-F6EECF244321}">
-                <p14:modId xmlns:p14="http://schemas.microsoft.com/office/powerpoint/2010/main" val="2604368318"/>
+                <p14:modId xmlns:p14="http://schemas.microsoft.com/office/powerpoint/2010/main" val="4047759486"/>
               </p:ext>
             </p:extLst>
           </p:nvPr>
         </p:nvGraphicFramePr>
         <p:xfrm>
-          <a:off x="2213987" y="1959270"/>
-          <a:ext cx="5958463" cy="4119880"/>
+          <a:off x="3356149" y="1892299"/>
+          <a:ext cx="5440121" cy="1176563"/>
         </p:xfrm>
         <a:graphic>
           <a:graphicData uri="http://schemas.openxmlformats.org/drawingml/2006/table">
@@ -7138,14 +11910,14 @@
                 <a:tableStyleId>{5C22544A-7EE6-4342-B048-85BDC9FD1C3A}</a:tableStyleId>
               </a:tblPr>
               <a:tblGrid>
-                <a:gridCol w="3000164">
+                <a:gridCol w="2739172">
                   <a:extLst>
                     <a:ext uri="{9D8B030D-6E8A-4147-A177-3AD203B41FA5}">
                       <a16:colId xmlns:a16="http://schemas.microsoft.com/office/drawing/2014/main" val="20000"/>
                     </a:ext>
                   </a:extLst>
                 </a:gridCol>
-                <a:gridCol w="2958299">
+                <a:gridCol w="2700949">
                   <a:extLst>
                     <a:ext uri="{9D8B030D-6E8A-4147-A177-3AD203B41FA5}">
                       <a16:colId xmlns:a16="http://schemas.microsoft.com/office/drawing/2014/main" val="20001"/>
@@ -7153,7 +11925,7 @@
                   </a:extLst>
                 </a:gridCol>
               </a:tblGrid>
-              <a:tr h="370840">
+              <a:tr h="445043">
                 <a:tc>
                   <a:txBody>
                     <a:bodyPr/>
@@ -7186,8 +11958,158 @@
                   </a:ext>
                 </a:extLst>
               </a:tr>
-              <a:tr h="128016">
-                <a:tc rowSpan="5">
+              <a:tr h="0">
+                <a:tc>
+                  <a:txBody>
+                    <a:bodyPr/>
+                    <a:lstStyle/>
+                    <a:p>
+                      <a:r>
+                        <a:rPr lang="en-US" dirty="0"/>
+                        <a:t>Credit card number</a:t>
+                      </a:r>
+                    </a:p>
+                  </a:txBody>
+                  <a:tcPr/>
+                </a:tc>
+                <a:tc>
+                  <a:txBody>
+                    <a:bodyPr/>
+                    <a:lstStyle/>
+                    <a:p>
+                      <a:r>
+                        <a:rPr lang="en-US" dirty="0" err="1"/>
+                        <a:t>Exaclty</a:t>
+                      </a:r>
+                      <a:r>
+                        <a:rPr lang="en-US" dirty="0"/>
+                        <a:t> 16 digits</a:t>
+                      </a:r>
+                    </a:p>
+                  </a:txBody>
+                  <a:tcPr/>
+                </a:tc>
+                <a:extLst>
+                  <a:ext uri="{0D108BD9-81ED-4DB2-BD59-A6C34878D82A}">
+                    <a16:rowId xmlns:a16="http://schemas.microsoft.com/office/drawing/2014/main" val="999800460"/>
+                  </a:ext>
+                </a:extLst>
+              </a:tr>
+              <a:tr h="291586">
+                <a:tc>
+                  <a:txBody>
+                    <a:bodyPr/>
+                    <a:lstStyle/>
+                    <a:p>
+                      <a:endParaRPr lang="en-US" dirty="0"/>
+                    </a:p>
+                  </a:txBody>
+                  <a:tcPr/>
+                </a:tc>
+                <a:tc>
+                  <a:txBody>
+                    <a:bodyPr/>
+                    <a:lstStyle/>
+                    <a:p>
+                      <a:r>
+                        <a:rPr lang="en-US" dirty="0"/>
+                        <a:t>Cannot be empty or null.</a:t>
+                      </a:r>
+                    </a:p>
+                  </a:txBody>
+                  <a:tcPr/>
+                </a:tc>
+                <a:extLst>
+                  <a:ext uri="{0D108BD9-81ED-4DB2-BD59-A6C34878D82A}">
+                    <a16:rowId xmlns:a16="http://schemas.microsoft.com/office/drawing/2014/main" val="809892742"/>
+                  </a:ext>
+                </a:extLst>
+              </a:tr>
+            </a:tbl>
+          </a:graphicData>
+        </a:graphic>
+      </p:graphicFrame>
+      <p:graphicFrame>
+        <p:nvGraphicFramePr>
+          <p:cNvPr id="6" name="Table 5">
+            <a:extLst>
+              <a:ext uri="{FF2B5EF4-FFF2-40B4-BE49-F238E27FC236}">
+                <a16:creationId xmlns:a16="http://schemas.microsoft.com/office/drawing/2014/main" id="{EF3DD625-F0BD-6547-95B5-65656D9192C9}"/>
+              </a:ext>
+            </a:extLst>
+          </p:cNvPr>
+          <p:cNvGraphicFramePr>
+            <a:graphicFrameLocks noGrp="1"/>
+          </p:cNvGraphicFramePr>
+          <p:nvPr>
+            <p:extLst>
+              <p:ext uri="{D42A27DB-BD31-4B8C-83A1-F6EECF244321}">
+                <p14:modId xmlns:p14="http://schemas.microsoft.com/office/powerpoint/2010/main" val="2775237761"/>
+              </p:ext>
+            </p:extLst>
+          </p:nvPr>
+        </p:nvGraphicFramePr>
+        <p:xfrm>
+          <a:off x="2732329" y="3899257"/>
+          <a:ext cx="5440121" cy="1645920"/>
+        </p:xfrm>
+        <a:graphic>
+          <a:graphicData uri="http://schemas.openxmlformats.org/drawingml/2006/table">
+            <a:tbl>
+              <a:tblPr firstRow="1" bandRow="1">
+                <a:tableStyleId>{5C22544A-7EE6-4342-B048-85BDC9FD1C3A}</a:tableStyleId>
+              </a:tblPr>
+              <a:tblGrid>
+                <a:gridCol w="2739172">
+                  <a:extLst>
+                    <a:ext uri="{9D8B030D-6E8A-4147-A177-3AD203B41FA5}">
+                      <a16:colId xmlns:a16="http://schemas.microsoft.com/office/drawing/2014/main" val="20000"/>
+                    </a:ext>
+                  </a:extLst>
+                </a:gridCol>
+                <a:gridCol w="2700949">
+                  <a:extLst>
+                    <a:ext uri="{9D8B030D-6E8A-4147-A177-3AD203B41FA5}">
+                      <a16:colId xmlns:a16="http://schemas.microsoft.com/office/drawing/2014/main" val="20001"/>
+                    </a:ext>
+                  </a:extLst>
+                </a:gridCol>
+              </a:tblGrid>
+              <a:tr h="362916">
+                <a:tc>
+                  <a:txBody>
+                    <a:bodyPr/>
+                    <a:lstStyle/>
+                    <a:p>
+                      <a:r>
+                        <a:rPr lang="en-US" dirty="0"/>
+                        <a:t>Attribute</a:t>
+                      </a:r>
+                    </a:p>
+                  </a:txBody>
+                  <a:tcPr/>
+                </a:tc>
+                <a:tc>
+                  <a:txBody>
+                    <a:bodyPr/>
+                    <a:lstStyle/>
+                    <a:p>
+                      <a:r>
+                        <a:rPr lang="en-US" dirty="0"/>
+                        <a:t>Validations</a:t>
+                      </a:r>
+                    </a:p>
+                  </a:txBody>
+                  <a:tcPr/>
+                </a:tc>
+                <a:extLst>
+                  <a:ext uri="{0D108BD9-81ED-4DB2-BD59-A6C34878D82A}">
+                    <a16:rowId xmlns:a16="http://schemas.microsoft.com/office/drawing/2014/main" val="10000"/>
+                  </a:ext>
+                </a:extLst>
+              </a:tr>
+              <a:tr h="521961">
+                <a:tc rowSpan="2">
                   <a:txBody>
                     <a:bodyPr/>
                     <a:lstStyle/>
@@ -7213,7 +12135,7 @@
                         <a:rPr lang="en-US" sz="1800" u="none" strike="noStrike" dirty="0">
                           <a:effectLst/>
                         </a:rPr>
-                        <a:t>Parking area name</a:t>
+                        <a:t>Start time</a:t>
                       </a:r>
                       <a:br>
                         <a:rPr lang="en-US" sz="1800" u="none" strike="noStrike" dirty="0">
@@ -7226,137 +12148,6 @@
                   <a:tcPr/>
                 </a:tc>
                 <a:tc>
-                  <a:txBody>
-                    <a:bodyPr/>
-                    <a:lstStyle/>
-                    <a:p>
-                      <a:r>
-                        <a:rPr lang="en-US" dirty="0"/>
-                        <a:t>Unique</a:t>
-                      </a:r>
-                    </a:p>
-                  </a:txBody>
-                  <a:tcPr/>
-                </a:tc>
-                <a:extLst>
-                  <a:ext uri="{0D108BD9-81ED-4DB2-BD59-A6C34878D82A}">
-                    <a16:rowId xmlns:a16="http://schemas.microsoft.com/office/drawing/2014/main" val="10001"/>
-                  </a:ext>
-                </a:extLst>
-              </a:tr>
-              <a:tr h="237744">
-                <a:tc vMerge="1">
-                  <a:txBody>
-                    <a:bodyPr/>
-                    <a:lstStyle/>
-                    <a:p>
-                      <a:endParaRPr lang="en-US"/>
-                    </a:p>
-                  </a:txBody>
-                  <a:tcPr/>
-                </a:tc>
-                <a:tc>
-                  <a:txBody>
-                    <a:bodyPr/>
-                    <a:lstStyle/>
-                    <a:p>
-                      <a:r>
-                        <a:rPr lang="en-US" dirty="0"/>
-                        <a:t>Starts with a capital letter</a:t>
-                      </a:r>
-                    </a:p>
-                  </a:txBody>
-                  <a:tcPr/>
-                </a:tc>
-                <a:extLst>
-                  <a:ext uri="{0D108BD9-81ED-4DB2-BD59-A6C34878D82A}">
-                    <a16:rowId xmlns:a16="http://schemas.microsoft.com/office/drawing/2014/main" val="4230610840"/>
-                  </a:ext>
-                </a:extLst>
-              </a:tr>
-              <a:tr h="128016">
-                <a:tc vMerge="1">
-                  <a:txBody>
-                    <a:bodyPr/>
-                    <a:lstStyle/>
-                    <a:p>
-                      <a:endParaRPr lang="en-US"/>
-                    </a:p>
-                  </a:txBody>
-                  <a:tcPr/>
-                </a:tc>
-                <a:tc>
-                  <a:txBody>
-                    <a:bodyPr/>
-                    <a:lstStyle/>
-                    <a:p>
-                      <a:endParaRPr lang="en-US" dirty="0"/>
-                    </a:p>
-                  </a:txBody>
-                  <a:tcPr/>
-                </a:tc>
-                <a:extLst>
-                  <a:ext uri="{0D108BD9-81ED-4DB2-BD59-A6C34878D82A}">
-                    <a16:rowId xmlns:a16="http://schemas.microsoft.com/office/drawing/2014/main" val="609823023"/>
-                  </a:ext>
-                </a:extLst>
-              </a:tr>
-              <a:tr h="128016">
-                <a:tc vMerge="1">
-                  <a:txBody>
-                    <a:bodyPr/>
-                    <a:lstStyle/>
-                    <a:p>
-                      <a:endParaRPr lang="en-US"/>
-                    </a:p>
-                  </a:txBody>
-                  <a:tcPr/>
-                </a:tc>
-                <a:tc>
-                  <a:txBody>
-                    <a:bodyPr/>
-                    <a:lstStyle/>
-                    <a:p>
-                      <a:endParaRPr lang="en-US" dirty="0"/>
-                    </a:p>
-                  </a:txBody>
-                  <a:tcPr/>
-                </a:tc>
-                <a:extLst>
-                  <a:ext uri="{0D108BD9-81ED-4DB2-BD59-A6C34878D82A}">
-                    <a16:rowId xmlns:a16="http://schemas.microsoft.com/office/drawing/2014/main" val="2691772486"/>
-                  </a:ext>
-                </a:extLst>
-              </a:tr>
-              <a:tr h="128016">
-                <a:tc vMerge="1">
-                  <a:txBody>
-                    <a:bodyPr/>
-                    <a:lstStyle/>
-                    <a:p>
-                      <a:endParaRPr lang="en-US"/>
-                    </a:p>
-                  </a:txBody>
-                  <a:tcPr/>
-                </a:tc>
-                <a:tc>
-                  <a:txBody>
-                    <a:bodyPr/>
-                    <a:lstStyle/>
-                    <a:p>
-                      <a:endParaRPr lang="en-US" dirty="0"/>
-                    </a:p>
-                  </a:txBody>
-                  <a:tcPr/>
-                </a:tc>
-                <a:extLst>
-                  <a:ext uri="{0D108BD9-81ED-4DB2-BD59-A6C34878D82A}">
-                    <a16:rowId xmlns:a16="http://schemas.microsoft.com/office/drawing/2014/main" val="3137718159"/>
-                  </a:ext>
-                </a:extLst>
-              </a:tr>
-              <a:tr h="160020">
-                <a:tc rowSpan="3">
                   <a:txBody>
                     <a:bodyPr/>
                     <a:lstStyle/>
@@ -7379,41 +12170,20 @@
                         <a:defRPr/>
                       </a:pPr>
                       <a:r>
-                        <a:rPr lang="en-US" sz="1800" u="none" strike="noStrike" dirty="0">
-                          <a:effectLst/>
-                        </a:rPr>
-                        <a:t>Floor</a:t>
-                      </a:r>
-                      <a:br>
-                        <a:rPr lang="en-US" sz="1800" u="none" strike="noStrike" dirty="0">
-                          <a:effectLst/>
-                        </a:rPr>
-                      </a:br>
-                      <a:endParaRPr lang="en-US" dirty="0"/>
-                    </a:p>
-                  </a:txBody>
-                  <a:tcPr/>
-                </a:tc>
-                <a:tc>
-                  <a:txBody>
-                    <a:bodyPr/>
-                    <a:lstStyle/>
-                    <a:p>
-                      <a:r>
-                        <a:rPr lang="en-US" dirty="0"/>
-                        <a:t>Is a number</a:t>
-                      </a:r>
-                    </a:p>
-                  </a:txBody>
-                  <a:tcPr/>
-                </a:tc>
-                <a:extLst>
-                  <a:ext uri="{0D108BD9-81ED-4DB2-BD59-A6C34878D82A}">
-                    <a16:rowId xmlns:a16="http://schemas.microsoft.com/office/drawing/2014/main" val="10002"/>
-                  </a:ext>
-                </a:extLst>
-              </a:tr>
-              <a:tr h="205740">
+                        <a:rPr lang="en-US" dirty="0"/>
+                        <a:t>Format is 24hr clock : HH:MM </a:t>
+                      </a:r>
+                    </a:p>
+                  </a:txBody>
+                  <a:tcPr/>
+                </a:tc>
+                <a:extLst>
+                  <a:ext uri="{0D108BD9-81ED-4DB2-BD59-A6C34878D82A}">
+                    <a16:rowId xmlns:a16="http://schemas.microsoft.com/office/drawing/2014/main" val="999800460"/>
+                  </a:ext>
+                </a:extLst>
+              </a:tr>
+              <a:tr h="521961">
                 <a:tc vMerge="1">
                   <a:txBody>
                     <a:bodyPr/>
@@ -7431,53 +12201,15 @@
                     <a:p>
                       <a:r>
                         <a:rPr lang="en-US" dirty="0"/>
-                        <a:t>Range is [1,maxFloor], </a:t>
-                      </a:r>
-                      <a:r>
-                        <a:rPr lang="en-US" dirty="0" err="1"/>
-                        <a:t>maxFloor</a:t>
-                      </a:r>
-                      <a:r>
-                        <a:rPr lang="en-US" dirty="0"/>
-                        <a:t> being the maximum for a particular parking name.</a:t>
-                      </a:r>
-                    </a:p>
-                  </a:txBody>
-                  <a:tcPr/>
-                </a:tc>
-                <a:extLst>
-                  <a:ext uri="{0D108BD9-81ED-4DB2-BD59-A6C34878D82A}">
-                    <a16:rowId xmlns:a16="http://schemas.microsoft.com/office/drawing/2014/main" val="2872395616"/>
-                  </a:ext>
-                </a:extLst>
-              </a:tr>
-              <a:tr h="160020">
-                <a:tc vMerge="1">
-                  <a:txBody>
-                    <a:bodyPr/>
-                    <a:lstStyle/>
-                    <a:p>
-                      <a:endParaRPr lang="en-US"/>
-                    </a:p>
-                  </a:txBody>
-                  <a:tcPr/>
-                </a:tc>
-                <a:tc>
-                  <a:txBody>
-                    <a:bodyPr/>
-                    <a:lstStyle/>
-                    <a:p>
-                      <a:r>
-                        <a:rPr lang="en-US" dirty="0"/>
-                        <a:t>Can’t be empty</a:t>
-                      </a:r>
-                    </a:p>
-                  </a:txBody>
-                  <a:tcPr/>
-                </a:tc>
-                <a:extLst>
-                  <a:ext uri="{0D108BD9-81ED-4DB2-BD59-A6C34878D82A}">
-                    <a16:rowId xmlns:a16="http://schemas.microsoft.com/office/drawing/2014/main" val="3908121660"/>
+                        <a:t>Type of input is a time field not string.</a:t>
+                      </a:r>
+                    </a:p>
+                  </a:txBody>
+                  <a:tcPr/>
+                </a:tc>
+                <a:extLst>
+                  <a:ext uri="{0D108BD9-81ED-4DB2-BD59-A6C34878D82A}">
+                    <a16:rowId xmlns:a16="http://schemas.microsoft.com/office/drawing/2014/main" val="809892742"/>
                   </a:ext>
                 </a:extLst>
               </a:tr>
@@ -7488,7 +12220,7 @@
     </p:spTree>
     <p:extLst>
       <p:ext uri="{BB962C8B-B14F-4D97-AF65-F5344CB8AC3E}">
-        <p14:creationId xmlns:p14="http://schemas.microsoft.com/office/powerpoint/2010/main" val="2607603982"/>
+        <p14:creationId xmlns:p14="http://schemas.microsoft.com/office/powerpoint/2010/main" val="396514447"/>
       </p:ext>
     </p:extLst>
   </p:cSld>
